--- a/docs/presentation/final presentation/final presentation_foot-based activity recognition.pptx
+++ b/docs/presentation/final presentation/final presentation_foot-based activity recognition.pptx
@@ -5,10 +5,10 @@
     <p:sldMasterId id="2147483648" r:id="rId1"/>
   </p:sldMasterIdLst>
   <p:notesMasterIdLst>
-    <p:notesMasterId r:id="rId22"/>
+    <p:notesMasterId r:id="rId21"/>
   </p:notesMasterIdLst>
   <p:handoutMasterIdLst>
-    <p:handoutMasterId r:id="rId23"/>
+    <p:handoutMasterId r:id="rId22"/>
   </p:handoutMasterIdLst>
   <p:sldIdLst>
     <p:sldId id="256" r:id="rId2"/>
@@ -23,14 +23,13 @@
     <p:sldId id="281" r:id="rId11"/>
     <p:sldId id="284" r:id="rId12"/>
     <p:sldId id="272" r:id="rId13"/>
-    <p:sldId id="274" r:id="rId14"/>
-    <p:sldId id="275" r:id="rId15"/>
-    <p:sldId id="262" r:id="rId16"/>
-    <p:sldId id="277" r:id="rId17"/>
-    <p:sldId id="258" r:id="rId18"/>
-    <p:sldId id="257" r:id="rId19"/>
-    <p:sldId id="261" r:id="rId20"/>
-    <p:sldId id="259" r:id="rId21"/>
+    <p:sldId id="275" r:id="rId14"/>
+    <p:sldId id="262" r:id="rId15"/>
+    <p:sldId id="277" r:id="rId16"/>
+    <p:sldId id="258" r:id="rId17"/>
+    <p:sldId id="257" r:id="rId18"/>
+    <p:sldId id="261" r:id="rId19"/>
+    <p:sldId id="259" r:id="rId20"/>
   </p:sldIdLst>
   <p:sldSz cx="9144000" cy="6858000" type="screen4x3"/>
   <p:notesSz cx="6858000" cy="9144000"/>
@@ -6719,6 +6718,7 @@
     </p:spTree>
   </p:cSld>
   <p:clrMap bg1="lt1" tx1="dk1" bg2="lt2" tx2="dk2" accent1="accent1" accent2="accent2" accent3="accent3" accent4="accent4" accent5="accent5" accent6="accent6" hlink="hlink" folHlink="folHlink"/>
+  <p:hf hdr="0" ftr="0"/>
 </p:handoutMaster>
 </file>
 
@@ -6851,6 +6851,10 @@
             <a:pPr>
               <a:defRPr/>
             </a:pPr>
+            <a:fld id="{F4539D2B-C763-4100-A573-12D3AB7BF3BE}" type="datetime1">
+              <a:rPr lang="de-DE" smtClean="0"/>
+              <a:t>10.07.2018</a:t>
+            </a:fld>
             <a:endParaRPr lang="de-DE"/>
           </a:p>
         </p:txBody>
@@ -7090,7 +7094,7 @@
     </p:spTree>
   </p:cSld>
   <p:clrMap bg1="lt1" tx1="dk1" bg2="lt2" tx2="dk2" accent1="accent1" accent2="accent2" accent3="accent3" accent4="accent4" accent5="accent5" accent6="accent6" hlink="hlink" folHlink="folHlink"/>
-  <p:hf hdr="0" dt="0"/>
+  <p:hf hdr="0"/>
   <p:notesStyle>
     <a:lvl1pPr algn="l" rtl="0" eaLnBrk="0" fontAlgn="base" hangingPunct="0">
       <a:spcBef>
@@ -7295,6 +7299,42 @@
       </p:pic>
       <p:pic>
         <p:nvPicPr>
+          <p:cNvPr id="3" name="Grafik 2">
+            <a:extLst>
+              <a:ext uri="{FF2B5EF4-FFF2-40B4-BE49-F238E27FC236}">
+                <a16:creationId xmlns:a16="http://schemas.microsoft.com/office/drawing/2014/main" id="{46234409-6E6B-44B7-8068-B5E077860B3C}"/>
+              </a:ext>
+            </a:extLst>
+          </p:cNvPr>
+          <p:cNvPicPr>
+            <a:picLocks noChangeAspect="1"/>
+          </p:cNvPicPr>
+          <p:nvPr userDrawn="1"/>
+        </p:nvPicPr>
+        <p:blipFill>
+          <a:blip r:embed="rId3">
+            <a:extLst>
+              <a:ext uri="{28A0092B-C50C-407E-A947-70E740481C1C}">
+                <a14:useLocalDpi xmlns:a14="http://schemas.microsoft.com/office/drawing/2010/main" val="0"/>
+              </a:ext>
+            </a:extLst>
+          </a:blip>
+          <a:stretch>
+            <a:fillRect/>
+          </a:stretch>
+        </p:blipFill>
+        <p:spPr>
+          <a:xfrm>
+            <a:off x="-98425" y="3291956"/>
+            <a:ext cx="9144000" cy="3095625"/>
+          </a:xfrm>
+          <a:prstGeom prst="rect">
+            <a:avLst/>
+          </a:prstGeom>
+        </p:spPr>
+      </p:pic>
+      <p:pic>
+        <p:nvPicPr>
           <p:cNvPr id="5" name="Picture 9" descr="II_rahmen_neu_titel">
             <a:extLst>
               <a:ext uri="{FF2B5EF4-FFF2-40B4-BE49-F238E27FC236}">
@@ -7308,7 +7348,7 @@
           <p:nvPr/>
         </p:nvPicPr>
         <p:blipFill>
-          <a:blip r:embed="rId3">
+          <a:blip r:embed="rId4">
             <a:extLst>
               <a:ext uri="{28A0092B-C50C-407E-A947-70E740481C1C}">
                 <a14:useLocalDpi xmlns:a14="http://schemas.microsoft.com/office/drawing/2010/main" val="0"/>
@@ -7530,14 +7570,46 @@
               <a:defRPr/>
             </a:pPr>
             <a:r>
-              <a:rPr lang="de-DE" sz="1000">
+              <a:rPr lang="de-DE" altLang="de-DE" sz="1000" kern="1200" dirty="0">
                 <a:solidFill>
                   <a:schemeClr val="bg1"/>
                 </a:solidFill>
                 <a:latin typeface="Arial" charset="0"/>
+                <a:ea typeface="+mn-ea"/>
+                <a:cs typeface="+mn-cs"/>
               </a:rPr>
-              <a:t>INSTITUTS-, FAKULTÄTS-, ABTEILUNGSNAME (in der Masteransicht ändern)</a:t>
-            </a:r>
+              <a:t>Institute </a:t>
+            </a:r>
+            <a:r>
+              <a:rPr lang="de-DE" altLang="de-DE" sz="1000" kern="1200" dirty="0" err="1">
+                <a:solidFill>
+                  <a:schemeClr val="bg1"/>
+                </a:solidFill>
+                <a:latin typeface="Arial" charset="0"/>
+                <a:ea typeface="+mn-ea"/>
+                <a:cs typeface="+mn-cs"/>
+              </a:rPr>
+              <a:t>of</a:t>
+            </a:r>
+            <a:r>
+              <a:rPr lang="de-DE" altLang="de-DE" sz="1000" kern="1200" dirty="0">
+                <a:solidFill>
+                  <a:schemeClr val="bg1"/>
+                </a:solidFill>
+                <a:latin typeface="Arial" charset="0"/>
+                <a:ea typeface="+mn-ea"/>
+                <a:cs typeface="+mn-cs"/>
+              </a:rPr>
+              <a:t> Information Systems and Marketing (IISM)</a:t>
+            </a:r>
+            <a:endParaRPr lang="de-DE" sz="1000" kern="1200" dirty="0">
+              <a:solidFill>
+                <a:schemeClr val="bg1"/>
+              </a:solidFill>
+              <a:latin typeface="Arial" charset="0"/>
+              <a:ea typeface="+mn-ea"/>
+              <a:cs typeface="+mn-cs"/>
+            </a:endParaRPr>
           </a:p>
         </p:txBody>
       </p:sp>
@@ -7702,7 +7774,7 @@
           <p:nvPr/>
         </p:nvPicPr>
         <p:blipFill>
-          <a:blip r:embed="rId4">
+          <a:blip r:embed="rId5">
             <a:extLst>
               <a:ext uri="{28A0092B-C50C-407E-A947-70E740481C1C}">
                 <a14:useLocalDpi xmlns:a14="http://schemas.microsoft.com/office/drawing/2010/main" val="0"/>
@@ -7939,9 +8011,10 @@
           </a:lstStyle>
           <a:p>
             <a:r>
-              <a:rPr lang="de-DE" altLang="de-DE"/>
-              <a:t>Prof. Mädche – footbased-activity revognition</a:t>
-            </a:r>
+              <a:rPr lang="en-US" altLang="de-DE"/>
+              <a:t>Prof. Dr. Alexander Mädche – footbased-activity recognition</a:t>
+            </a:r>
+            <a:endParaRPr lang="de-DE" altLang="de-DE"/>
           </a:p>
         </p:txBody>
       </p:sp>
@@ -8086,9 +8159,10 @@
           </a:lstStyle>
           <a:p>
             <a:r>
-              <a:rPr lang="de-DE" altLang="de-DE"/>
-              <a:t>Prof. Mädche – footbased-activity revognition</a:t>
-            </a:r>
+              <a:rPr lang="en-US" altLang="de-DE"/>
+              <a:t>Prof. Dr. Alexander Mädche – footbased-activity recognition</a:t>
+            </a:r>
+            <a:endParaRPr lang="de-DE" altLang="de-DE"/>
           </a:p>
         </p:txBody>
       </p:sp>
@@ -8403,8 +8477,8 @@
           </a:lstStyle>
           <a:p>
             <a:r>
-              <a:rPr lang="de-DE" altLang="de-DE"/>
-              <a:t>Prof. Mädche – footbased-activity revognition</a:t>
+              <a:rPr lang="en-US" altLang="de-DE"/>
+              <a:t>Prof. Dr. Alexander Mädche – footbased-activity recognition</a:t>
             </a:r>
             <a:endParaRPr lang="de-DE" altLang="de-DE" dirty="0"/>
           </a:p>
@@ -8420,6 +8494,7 @@
   <p:clrMapOvr>
     <a:masterClrMapping/>
   </p:clrMapOvr>
+  <p:hf hdr="0"/>
 </p:sldLayout>
 </file>
 
@@ -8564,9 +8639,10 @@
           </a:lstStyle>
           <a:p>
             <a:r>
-              <a:rPr lang="de-DE" altLang="de-DE"/>
-              <a:t>Prof. Mädche – footbased-activity revognition</a:t>
-            </a:r>
+              <a:rPr lang="en-US" altLang="de-DE"/>
+              <a:t>Prof. Dr. Alexander Mädche – footbased-activity recognition</a:t>
+            </a:r>
+            <a:endParaRPr lang="de-DE" altLang="de-DE"/>
           </a:p>
         </p:txBody>
       </p:sp>
@@ -8818,9 +8894,10 @@
           </a:lstStyle>
           <a:p>
             <a:r>
-              <a:rPr lang="de-DE" altLang="de-DE"/>
-              <a:t>Prof. Mädche – footbased-activity revognition</a:t>
-            </a:r>
+              <a:rPr lang="en-US" altLang="de-DE"/>
+              <a:t>Prof. Dr. Alexander Mädche – footbased-activity recognition</a:t>
+            </a:r>
+            <a:endParaRPr lang="de-DE" altLang="de-DE"/>
           </a:p>
         </p:txBody>
       </p:sp>
@@ -9211,9 +9288,10 @@
           </a:lstStyle>
           <a:p>
             <a:r>
-              <a:rPr lang="de-DE" altLang="de-DE"/>
-              <a:t>Prof. Mädche – footbased-activity revognition</a:t>
-            </a:r>
+              <a:rPr lang="en-US" altLang="de-DE"/>
+              <a:t>Prof. Dr. Alexander Mädche – footbased-activity recognition</a:t>
+            </a:r>
+            <a:endParaRPr lang="de-DE" altLang="de-DE"/>
           </a:p>
         </p:txBody>
       </p:sp>
@@ -9297,9 +9375,10 @@
           </a:lstStyle>
           <a:p>
             <a:r>
-              <a:rPr lang="de-DE" altLang="de-DE"/>
-              <a:t>Prof. Mädche – footbased-activity revognition</a:t>
-            </a:r>
+              <a:rPr lang="en-US" altLang="de-DE"/>
+              <a:t>Prof. Dr. Alexander Mädche – footbased-activity recognition</a:t>
+            </a:r>
+            <a:endParaRPr lang="de-DE" altLang="de-DE"/>
           </a:p>
         </p:txBody>
       </p:sp>
@@ -9361,9 +9440,10 @@
           </a:lstStyle>
           <a:p>
             <a:r>
-              <a:rPr lang="de-DE" altLang="de-DE"/>
-              <a:t>Prof. Mädche – footbased-activity revognition</a:t>
-            </a:r>
+              <a:rPr lang="en-US" altLang="de-DE"/>
+              <a:t>Prof. Dr. Alexander Mädche – footbased-activity recognition</a:t>
+            </a:r>
+            <a:endParaRPr lang="de-DE" altLang="de-DE"/>
           </a:p>
         </p:txBody>
       </p:sp>
@@ -9605,9 +9685,10 @@
           </a:lstStyle>
           <a:p>
             <a:r>
-              <a:rPr lang="de-DE" altLang="de-DE"/>
-              <a:t>Prof. Mädche – footbased-activity revognition</a:t>
-            </a:r>
+              <a:rPr lang="en-US" altLang="de-DE"/>
+              <a:t>Prof. Dr. Alexander Mädche – footbased-activity recognition</a:t>
+            </a:r>
+            <a:endParaRPr lang="de-DE" altLang="de-DE"/>
           </a:p>
         </p:txBody>
       </p:sp>
@@ -9830,9 +9911,10 @@
           </a:lstStyle>
           <a:p>
             <a:r>
-              <a:rPr lang="de-DE" altLang="de-DE"/>
-              <a:t>Prof. Mädche – footbased-activity revognition</a:t>
-            </a:r>
+              <a:rPr lang="en-US" altLang="de-DE"/>
+              <a:t>Prof. Dr. Alexander Mädche – footbased-activity recognition</a:t>
+            </a:r>
+            <a:endParaRPr lang="de-DE" altLang="de-DE"/>
           </a:p>
         </p:txBody>
       </p:sp>
@@ -10126,9 +10208,30 @@
           </a:lstStyle>
           <a:p>
             <a:r>
-              <a:rPr lang="de-DE" altLang="de-DE"/>
-              <a:t>Prof. Mädche – footbased-activity revognition</a:t>
-            </a:r>
+              <a:rPr lang="de-DE" altLang="de-DE" dirty="0"/>
+              <a:t>Prof. Dr. Alexander </a:t>
+            </a:r>
+            <a:r>
+              <a:rPr lang="de-DE" altLang="de-DE" dirty="0" err="1"/>
+              <a:t>Mädche</a:t>
+            </a:r>
+            <a:r>
+              <a:rPr lang="de-DE" altLang="de-DE" dirty="0"/>
+              <a:t> – </a:t>
+            </a:r>
+            <a:r>
+              <a:rPr lang="de-DE" altLang="de-DE" dirty="0" err="1"/>
+              <a:t>footbased-activity</a:t>
+            </a:r>
+            <a:r>
+              <a:rPr lang="de-DE" altLang="de-DE" dirty="0"/>
+              <a:t> </a:t>
+            </a:r>
+            <a:r>
+              <a:rPr lang="de-DE" altLang="de-DE" dirty="0" err="1"/>
+              <a:t>recognition</a:t>
+            </a:r>
+            <a:endParaRPr lang="de-DE" altLang="de-DE" dirty="0"/>
           </a:p>
         </p:txBody>
       </p:sp>
@@ -10198,8 +10301,16 @@
               </a:spcBef>
             </a:pPr>
             <a:r>
-              <a:rPr lang="de-DE" altLang="de-DE" sz="900"/>
-              <a:t>Abteilungs-, Fakultäts-, Institutsbezeichnung</a:t>
+              <a:rPr lang="de-DE" altLang="de-DE" sz="900" dirty="0"/>
+              <a:t>Institute </a:t>
+            </a:r>
+            <a:r>
+              <a:rPr lang="de-DE" altLang="de-DE" sz="900" dirty="0" err="1"/>
+              <a:t>of</a:t>
+            </a:r>
+            <a:r>
+              <a:rPr lang="de-DE" altLang="de-DE" sz="900" dirty="0"/>
+              <a:t> Information Systems and Marketing (IISM)</a:t>
             </a:r>
           </a:p>
         </p:txBody>
@@ -10348,8 +10459,8 @@
               </a:spcBef>
             </a:pPr>
             <a:r>
-              <a:rPr lang="de-DE" altLang="de-DE" sz="900"/>
-              <a:t>25.09.2009</a:t>
+              <a:rPr lang="de-DE" altLang="de-DE" sz="900" dirty="0"/>
+              <a:t>20.07.2018</a:t>
             </a:r>
           </a:p>
         </p:txBody>
@@ -11037,7 +11148,7 @@
             </a:r>
             <a:r>
               <a:rPr lang="de-DE" dirty="0" err="1"/>
-              <a:t>asses</a:t>
+              <a:t>assess</a:t>
             </a:r>
             <a:r>
               <a:rPr lang="de-DE" dirty="0"/>
@@ -11151,8 +11262,8 @@
           <a:lstStyle/>
           <a:p>
             <a:r>
-              <a:rPr lang="de-DE" altLang="de-DE"/>
-              <a:t>Prof. Mädche – footbased-activity revognition</a:t>
+              <a:rPr lang="en-US" altLang="de-DE"/>
+              <a:t>Prof. Dr. Alexander Mädche – footbased-activity recognition</a:t>
             </a:r>
             <a:endParaRPr lang="de-DE" altLang="de-DE" dirty="0"/>
           </a:p>
@@ -11532,8 +11643,8 @@
           <a:lstStyle/>
           <a:p>
             <a:r>
-              <a:rPr lang="de-DE" altLang="de-DE"/>
-              <a:t>Prof. Mädche – footbased-activity revognition</a:t>
+              <a:rPr lang="en-US" altLang="de-DE"/>
+              <a:t>Prof. Dr. Alexander Mädche – footbased-activity recognition</a:t>
             </a:r>
             <a:endParaRPr lang="de-DE" altLang="de-DE" dirty="0"/>
           </a:p>
@@ -11670,6 +11781,35 @@
           </a:p>
         </p:txBody>
       </p:sp>
+      <p:sp>
+        <p:nvSpPr>
+          <p:cNvPr id="3" name="Fußzeilenplatzhalter 2">
+            <a:extLst>
+              <a:ext uri="{FF2B5EF4-FFF2-40B4-BE49-F238E27FC236}">
+                <a16:creationId xmlns:a16="http://schemas.microsoft.com/office/drawing/2014/main" id="{8D00BAB7-10A0-4F3E-AC42-CE2102B7262B}"/>
+              </a:ext>
+            </a:extLst>
+          </p:cNvPr>
+          <p:cNvSpPr>
+            <a:spLocks noGrp="1"/>
+          </p:cNvSpPr>
+          <p:nvPr>
+            <p:ph type="ftr" sz="quarter" idx="10"/>
+          </p:nvPr>
+        </p:nvSpPr>
+        <p:spPr/>
+        <p:txBody>
+          <a:bodyPr/>
+          <a:lstStyle/>
+          <a:p>
+            <a:r>
+              <a:rPr lang="en-US" altLang="de-DE"/>
+              <a:t>Prof. Dr. Alexander Mädche – footbased-activity recognition</a:t>
+            </a:r>
+            <a:endParaRPr lang="de-DE" altLang="de-DE" dirty="0"/>
+          </a:p>
+        </p:txBody>
+      </p:sp>
     </p:spTree>
     <p:extLst>
       <p:ext uri="{BB962C8B-B14F-4D97-AF65-F5344CB8AC3E}">
@@ -11684,781 +11824,6 @@
 </file>
 
 <file path=ppt/slides/slide13.xml><?xml version="1.0" encoding="utf-8"?>
-<p:sld xmlns:a="http://schemas.openxmlformats.org/drawingml/2006/main" xmlns:r="http://schemas.openxmlformats.org/officeDocument/2006/relationships" xmlns:p="http://schemas.openxmlformats.org/presentationml/2006/main">
-  <p:cSld>
-    <p:spTree>
-      <p:nvGrpSpPr>
-        <p:cNvPr id="1" name=""/>
-        <p:cNvGrpSpPr/>
-        <p:nvPr/>
-      </p:nvGrpSpPr>
-      <p:grpSpPr>
-        <a:xfrm>
-          <a:off x="0" y="0"/>
-          <a:ext cx="0" cy="0"/>
-          <a:chOff x="0" y="0"/>
-          <a:chExt cx="0" cy="0"/>
-        </a:xfrm>
-      </p:grpSpPr>
-      <p:sp>
-        <p:nvSpPr>
-          <p:cNvPr id="131" name="Movement examples"/>
-          <p:cNvSpPr txBox="1">
-            <a:spLocks noGrp="1"/>
-          </p:cNvSpPr>
-          <p:nvPr>
-            <p:ph type="title"/>
-          </p:nvPr>
-        </p:nvSpPr>
-        <p:spPr>
-          <a:prstGeom prst="rect">
-            <a:avLst/>
-          </a:prstGeom>
-        </p:spPr>
-        <p:txBody>
-          <a:bodyPr>
-            <a:normAutofit/>
-          </a:bodyPr>
-          <a:lstStyle/>
-          <a:p>
-            <a:r>
-              <a:rPr dirty="0"/>
-              <a:t>Movement</a:t>
-            </a:r>
-            <a:r>
-              <a:rPr lang="de-DE" dirty="0"/>
-              <a:t>s</a:t>
-            </a:r>
-            <a:endParaRPr dirty="0"/>
-          </a:p>
-        </p:txBody>
-      </p:sp>
-      <p:sp>
-        <p:nvSpPr>
-          <p:cNvPr id="3" name="Inhaltsplatzhalter 2">
-            <a:extLst>
-              <a:ext uri="{FF2B5EF4-FFF2-40B4-BE49-F238E27FC236}">
-                <a16:creationId xmlns:a16="http://schemas.microsoft.com/office/drawing/2014/main" id="{0D472774-C06A-48FA-BEE9-1F66D731D6C0}"/>
-              </a:ext>
-            </a:extLst>
-          </p:cNvPr>
-          <p:cNvSpPr>
-            <a:spLocks noGrp="1"/>
-          </p:cNvSpPr>
-          <p:nvPr>
-            <p:ph idx="1"/>
-          </p:nvPr>
-        </p:nvSpPr>
-        <p:spPr/>
-        <p:txBody>
-          <a:bodyPr/>
-          <a:lstStyle/>
-          <a:p>
-            <a:endParaRPr lang="de-DE"/>
-          </a:p>
-        </p:txBody>
-      </p:sp>
-      <p:sp>
-        <p:nvSpPr>
-          <p:cNvPr id="9" name="Textplatzhalter 1">
-            <a:extLst>
-              <a:ext uri="{FF2B5EF4-FFF2-40B4-BE49-F238E27FC236}">
-                <a16:creationId xmlns:a16="http://schemas.microsoft.com/office/drawing/2014/main" id="{590EA84A-05DE-43B9-ACFB-BC3BA9BDB129}"/>
-              </a:ext>
-            </a:extLst>
-          </p:cNvPr>
-          <p:cNvSpPr txBox="1">
-            <a:spLocks/>
-          </p:cNvSpPr>
-          <p:nvPr/>
-        </p:nvSpPr>
-        <p:spPr>
-          <a:xfrm>
-            <a:off x="669727" y="1821656"/>
-            <a:ext cx="7804547" cy="4420195"/>
-          </a:xfrm>
-          <a:prstGeom prst="rect">
-            <a:avLst/>
-          </a:prstGeom>
-        </p:spPr>
-        <p:txBody>
-          <a:bodyPr>
-            <a:noAutofit/>
-          </a:bodyPr>
-          <a:lstStyle>
-            <a:lvl1pPr marL="444500" marR="0" indent="-360000" algn="l" defTabSz="584200" rtl="0" latinLnBrk="0">
-              <a:lnSpc>
-                <a:spcPct val="100000"/>
-              </a:lnSpc>
-              <a:spcBef>
-                <a:spcPts val="2500"/>
-              </a:spcBef>
-              <a:spcAft>
-                <a:spcPts val="0"/>
-              </a:spcAft>
-              <a:buClrTx/>
-              <a:buSzPct val="145000"/>
-              <a:buFontTx/>
-              <a:buChar char="•"/>
-              <a:tabLst/>
-              <a:defRPr sz="2400" b="0" i="0" u="none" strike="noStrike" cap="none" spc="0" baseline="0">
-                <a:ln>
-                  <a:noFill/>
-                </a:ln>
-                <a:solidFill>
-                  <a:srgbClr val="000000"/>
-                </a:solidFill>
-                <a:uFillTx/>
-                <a:latin typeface="Helvetica Neue"/>
-                <a:ea typeface="Helvetica Neue"/>
-                <a:cs typeface="Helvetica Neue"/>
-                <a:sym typeface="Helvetica Neue"/>
-              </a:defRPr>
-            </a:lvl1pPr>
-            <a:lvl2pPr marL="889000" marR="0" indent="-360000" algn="l" defTabSz="584200" rtl="0" latinLnBrk="0">
-              <a:lnSpc>
-                <a:spcPct val="100000"/>
-              </a:lnSpc>
-              <a:spcBef>
-                <a:spcPts val="2500"/>
-              </a:spcBef>
-              <a:spcAft>
-                <a:spcPts val="0"/>
-              </a:spcAft>
-              <a:buClrTx/>
-              <a:buSzPct val="145000"/>
-              <a:buFontTx/>
-              <a:buChar char="•"/>
-              <a:tabLst/>
-              <a:defRPr sz="2400" b="0" i="0" u="none" strike="noStrike" cap="none" spc="0" baseline="0">
-                <a:ln>
-                  <a:noFill/>
-                </a:ln>
-                <a:solidFill>
-                  <a:srgbClr val="000000"/>
-                </a:solidFill>
-                <a:uFillTx/>
-                <a:latin typeface="Helvetica Neue"/>
-                <a:ea typeface="Helvetica Neue"/>
-                <a:cs typeface="Helvetica Neue"/>
-                <a:sym typeface="Helvetica Neue"/>
-              </a:defRPr>
-            </a:lvl2pPr>
-            <a:lvl3pPr marL="1333500" marR="0" indent="-360000" algn="l" defTabSz="584200" rtl="0" latinLnBrk="0">
-              <a:lnSpc>
-                <a:spcPct val="100000"/>
-              </a:lnSpc>
-              <a:spcBef>
-                <a:spcPts val="2500"/>
-              </a:spcBef>
-              <a:spcAft>
-                <a:spcPts val="0"/>
-              </a:spcAft>
-              <a:buClrTx/>
-              <a:buSzPct val="145000"/>
-              <a:buFontTx/>
-              <a:buChar char="•"/>
-              <a:tabLst/>
-              <a:defRPr sz="2400" b="0" i="0" u="none" strike="noStrike" cap="none" spc="0" baseline="0">
-                <a:ln>
-                  <a:noFill/>
-                </a:ln>
-                <a:solidFill>
-                  <a:srgbClr val="000000"/>
-                </a:solidFill>
-                <a:uFillTx/>
-                <a:latin typeface="Helvetica Neue"/>
-                <a:ea typeface="Helvetica Neue"/>
-                <a:cs typeface="Helvetica Neue"/>
-                <a:sym typeface="Helvetica Neue"/>
-              </a:defRPr>
-            </a:lvl3pPr>
-            <a:lvl4pPr marL="1778000" marR="0" indent="-360000" algn="l" defTabSz="584200" rtl="0" latinLnBrk="0">
-              <a:lnSpc>
-                <a:spcPct val="100000"/>
-              </a:lnSpc>
-              <a:spcBef>
-                <a:spcPts val="2500"/>
-              </a:spcBef>
-              <a:spcAft>
-                <a:spcPts val="0"/>
-              </a:spcAft>
-              <a:buClrTx/>
-              <a:buSzPct val="145000"/>
-              <a:buFontTx/>
-              <a:buChar char="•"/>
-              <a:tabLst/>
-              <a:defRPr sz="2400" b="0" i="0" u="none" strike="noStrike" cap="none" spc="0" baseline="0">
-                <a:ln>
-                  <a:noFill/>
-                </a:ln>
-                <a:solidFill>
-                  <a:srgbClr val="000000"/>
-                </a:solidFill>
-                <a:uFillTx/>
-                <a:latin typeface="Helvetica Neue"/>
-                <a:ea typeface="Helvetica Neue"/>
-                <a:cs typeface="Helvetica Neue"/>
-                <a:sym typeface="Helvetica Neue"/>
-              </a:defRPr>
-            </a:lvl4pPr>
-            <a:lvl5pPr marL="2222500" marR="0" indent="-360000" algn="l" defTabSz="584200" rtl="0" latinLnBrk="0">
-              <a:lnSpc>
-                <a:spcPct val="100000"/>
-              </a:lnSpc>
-              <a:spcBef>
-                <a:spcPts val="2500"/>
-              </a:spcBef>
-              <a:spcAft>
-                <a:spcPts val="0"/>
-              </a:spcAft>
-              <a:buClrTx/>
-              <a:buSzPct val="145000"/>
-              <a:buFontTx/>
-              <a:buChar char="•"/>
-              <a:tabLst/>
-              <a:defRPr sz="2400" b="0" i="0" u="none" strike="noStrike" cap="none" spc="0" baseline="0">
-                <a:ln>
-                  <a:noFill/>
-                </a:ln>
-                <a:solidFill>
-                  <a:srgbClr val="000000"/>
-                </a:solidFill>
-                <a:uFillTx/>
-                <a:latin typeface="Helvetica Neue"/>
-                <a:ea typeface="Helvetica Neue"/>
-                <a:cs typeface="Helvetica Neue"/>
-                <a:sym typeface="Helvetica Neue"/>
-              </a:defRPr>
-            </a:lvl5pPr>
-            <a:lvl6pPr marL="2667000" marR="0" indent="-444500" algn="l" defTabSz="584200" rtl="0" latinLnBrk="0">
-              <a:lnSpc>
-                <a:spcPct val="100000"/>
-              </a:lnSpc>
-              <a:spcBef>
-                <a:spcPts val="4200"/>
-              </a:spcBef>
-              <a:spcAft>
-                <a:spcPts val="0"/>
-              </a:spcAft>
-              <a:buClrTx/>
-              <a:buSzPct val="145000"/>
-              <a:buFontTx/>
-              <a:buChar char="•"/>
-              <a:tabLst/>
-              <a:defRPr sz="3200" b="0" i="0" u="none" strike="noStrike" cap="none" spc="0" baseline="0">
-                <a:ln>
-                  <a:noFill/>
-                </a:ln>
-                <a:solidFill>
-                  <a:srgbClr val="000000"/>
-                </a:solidFill>
-                <a:uFillTx/>
-                <a:latin typeface="Helvetica Neue"/>
-                <a:ea typeface="Helvetica Neue"/>
-                <a:cs typeface="Helvetica Neue"/>
-                <a:sym typeface="Helvetica Neue"/>
-              </a:defRPr>
-            </a:lvl6pPr>
-            <a:lvl7pPr marL="3111500" marR="0" indent="-444500" algn="l" defTabSz="584200" rtl="0" latinLnBrk="0">
-              <a:lnSpc>
-                <a:spcPct val="100000"/>
-              </a:lnSpc>
-              <a:spcBef>
-                <a:spcPts val="4200"/>
-              </a:spcBef>
-              <a:spcAft>
-                <a:spcPts val="0"/>
-              </a:spcAft>
-              <a:buClrTx/>
-              <a:buSzPct val="145000"/>
-              <a:buFontTx/>
-              <a:buChar char="•"/>
-              <a:tabLst/>
-              <a:defRPr sz="3200" b="0" i="0" u="none" strike="noStrike" cap="none" spc="0" baseline="0">
-                <a:ln>
-                  <a:noFill/>
-                </a:ln>
-                <a:solidFill>
-                  <a:srgbClr val="000000"/>
-                </a:solidFill>
-                <a:uFillTx/>
-                <a:latin typeface="Helvetica Neue"/>
-                <a:ea typeface="Helvetica Neue"/>
-                <a:cs typeface="Helvetica Neue"/>
-                <a:sym typeface="Helvetica Neue"/>
-              </a:defRPr>
-            </a:lvl7pPr>
-            <a:lvl8pPr marL="3556000" marR="0" indent="-444500" algn="l" defTabSz="584200" rtl="0" latinLnBrk="0">
-              <a:lnSpc>
-                <a:spcPct val="100000"/>
-              </a:lnSpc>
-              <a:spcBef>
-                <a:spcPts val="4200"/>
-              </a:spcBef>
-              <a:spcAft>
-                <a:spcPts val="0"/>
-              </a:spcAft>
-              <a:buClrTx/>
-              <a:buSzPct val="145000"/>
-              <a:buFontTx/>
-              <a:buChar char="•"/>
-              <a:tabLst/>
-              <a:defRPr sz="3200" b="0" i="0" u="none" strike="noStrike" cap="none" spc="0" baseline="0">
-                <a:ln>
-                  <a:noFill/>
-                </a:ln>
-                <a:solidFill>
-                  <a:srgbClr val="000000"/>
-                </a:solidFill>
-                <a:uFillTx/>
-                <a:latin typeface="Helvetica Neue"/>
-                <a:ea typeface="Helvetica Neue"/>
-                <a:cs typeface="Helvetica Neue"/>
-                <a:sym typeface="Helvetica Neue"/>
-              </a:defRPr>
-            </a:lvl8pPr>
-            <a:lvl9pPr marL="4000500" marR="0" indent="-444500" algn="l" defTabSz="584200" rtl="0" latinLnBrk="0">
-              <a:lnSpc>
-                <a:spcPct val="100000"/>
-              </a:lnSpc>
-              <a:spcBef>
-                <a:spcPts val="4200"/>
-              </a:spcBef>
-              <a:spcAft>
-                <a:spcPts val="0"/>
-              </a:spcAft>
-              <a:buClrTx/>
-              <a:buSzPct val="145000"/>
-              <a:buFontTx/>
-              <a:buChar char="•"/>
-              <a:tabLst/>
-              <a:defRPr sz="3200" b="0" i="0" u="none" strike="noStrike" cap="none" spc="0" baseline="0">
-                <a:ln>
-                  <a:noFill/>
-                </a:ln>
-                <a:solidFill>
-                  <a:srgbClr val="000000"/>
-                </a:solidFill>
-                <a:uFillTx/>
-                <a:latin typeface="Helvetica Neue"/>
-                <a:ea typeface="Helvetica Neue"/>
-                <a:cs typeface="Helvetica Neue"/>
-                <a:sym typeface="Helvetica Neue"/>
-              </a:defRPr>
-            </a:lvl9pPr>
-          </a:lstStyle>
-          <a:p>
-            <a:pPr marL="241093" indent="-241093">
-              <a:defRPr>
-                <a:solidFill>
-                  <a:srgbClr val="549E8A"/>
-                </a:solidFill>
-              </a:defRPr>
-            </a:pPr>
-            <a:r>
-              <a:rPr lang="en-US" sz="1687" dirty="0">
-                <a:solidFill>
-                  <a:schemeClr val="tx1"/>
-                </a:solidFill>
-                <a:latin typeface="Arial" panose="020B0604020202020204" pitchFamily="34" charset="0"/>
-                <a:cs typeface="Arial" panose="020B0604020202020204" pitchFamily="34" charset="0"/>
-              </a:rPr>
-              <a:t>Movements should be easy to use in an everyday office environment</a:t>
-            </a:r>
-          </a:p>
-          <a:p>
-            <a:pPr marL="241093" indent="-241093">
-              <a:defRPr>
-                <a:solidFill>
-                  <a:srgbClr val="549E8A"/>
-                </a:solidFill>
-              </a:defRPr>
-            </a:pPr>
-            <a:r>
-              <a:rPr lang="en-US" sz="1687" dirty="0">
-                <a:solidFill>
-                  <a:schemeClr val="tx1"/>
-                </a:solidFill>
-                <a:latin typeface="Arial" panose="020B0604020202020204" pitchFamily="34" charset="0"/>
-                <a:cs typeface="Arial" panose="020B0604020202020204" pitchFamily="34" charset="0"/>
-              </a:rPr>
-              <a:t>Planned movements and mapped actions (excerpt):</a:t>
-            </a:r>
-          </a:p>
-          <a:p>
-            <a:pPr marL="553621" lvl="1" indent="-241093">
-              <a:defRPr>
-                <a:solidFill>
-                  <a:srgbClr val="549E8A"/>
-                </a:solidFill>
-              </a:defRPr>
-            </a:pPr>
-            <a:r>
-              <a:rPr lang="en-US" sz="1687" dirty="0">
-                <a:solidFill>
-                  <a:schemeClr val="tx1"/>
-                </a:solidFill>
-                <a:latin typeface="Arial" panose="020B0604020202020204" pitchFamily="34" charset="0"/>
-                <a:cs typeface="Arial" panose="020B0604020202020204" pitchFamily="34" charset="0"/>
-              </a:rPr>
-              <a:t>Toe and heel raise				</a:t>
-            </a:r>
-            <a:r>
-              <a:rPr lang="en-US" sz="1687" b="1" dirty="0">
-                <a:solidFill>
-                  <a:schemeClr val="tx1"/>
-                </a:solidFill>
-                <a:latin typeface="Cambria Math" panose="02040503050406030204" pitchFamily="18" charset="0"/>
-                <a:ea typeface="Cambria Math" panose="02040503050406030204" pitchFamily="18" charset="0"/>
-                <a:cs typeface="Arial" panose="020B0604020202020204" pitchFamily="34" charset="0"/>
-              </a:rPr>
-              <a:t>→	</a:t>
-            </a:r>
-            <a:r>
-              <a:rPr lang="en-US" sz="1687" dirty="0">
-                <a:solidFill>
-                  <a:schemeClr val="tx1"/>
-                </a:solidFill>
-                <a:latin typeface="Arial" panose="020B0604020202020204" pitchFamily="34" charset="0"/>
-                <a:ea typeface="Cambria Math" panose="02040503050406030204" pitchFamily="18" charset="0"/>
-                <a:cs typeface="Arial" panose="020B0604020202020204" pitchFamily="34" charset="0"/>
-              </a:rPr>
-              <a:t>zoom in or out on the </a:t>
-            </a:r>
-            <a:r>
-              <a:rPr lang="en-US" sz="1687" dirty="0" err="1">
-                <a:solidFill>
-                  <a:schemeClr val="tx1"/>
-                </a:solidFill>
-                <a:latin typeface="Arial" panose="020B0604020202020204" pitchFamily="34" charset="0"/>
-                <a:ea typeface="Cambria Math" panose="02040503050406030204" pitchFamily="18" charset="0"/>
-                <a:cs typeface="Arial" panose="020B0604020202020204" pitchFamily="34" charset="0"/>
-              </a:rPr>
-              <a:t>dasboard</a:t>
-            </a:r>
-            <a:endParaRPr lang="en-US" sz="1687" b="1" dirty="0">
-              <a:solidFill>
-                <a:schemeClr val="tx1"/>
-              </a:solidFill>
-              <a:latin typeface="Arial" panose="020B0604020202020204" pitchFamily="34" charset="0"/>
-              <a:cs typeface="Arial" panose="020B0604020202020204" pitchFamily="34" charset="0"/>
-            </a:endParaRPr>
-          </a:p>
-          <a:p>
-            <a:pPr marL="553621" lvl="1" indent="-241093">
-              <a:defRPr>
-                <a:solidFill>
-                  <a:srgbClr val="549E8A"/>
-                </a:solidFill>
-              </a:defRPr>
-            </a:pPr>
-            <a:r>
-              <a:rPr lang="en-US" sz="1687" dirty="0">
-                <a:solidFill>
-                  <a:schemeClr val="tx1"/>
-                </a:solidFill>
-                <a:latin typeface="Arial" panose="020B0604020202020204" pitchFamily="34" charset="0"/>
-                <a:cs typeface="Arial" panose="020B0604020202020204" pitchFamily="34" charset="0"/>
-              </a:rPr>
-              <a:t>One foot hover					</a:t>
-            </a:r>
-            <a:r>
-              <a:rPr lang="en-US" sz="1687" b="1" dirty="0">
-                <a:solidFill>
-                  <a:schemeClr val="tx1"/>
-                </a:solidFill>
-                <a:latin typeface="Cambria Math" panose="02040503050406030204" pitchFamily="18" charset="0"/>
-                <a:ea typeface="Cambria Math" panose="02040503050406030204" pitchFamily="18" charset="0"/>
-                <a:cs typeface="Arial" panose="020B0604020202020204" pitchFamily="34" charset="0"/>
-              </a:rPr>
-              <a:t>→	</a:t>
-            </a:r>
-            <a:r>
-              <a:rPr lang="en-US" sz="1687" dirty="0">
-                <a:solidFill>
-                  <a:schemeClr val="tx1"/>
-                </a:solidFill>
-                <a:latin typeface="Arial" panose="020B0604020202020204" pitchFamily="34" charset="0"/>
-                <a:ea typeface="Cambria Math" panose="02040503050406030204" pitchFamily="18" charset="0"/>
-                <a:cs typeface="Arial" panose="020B0604020202020204" pitchFamily="34" charset="0"/>
-              </a:rPr>
-              <a:t>end current application (Alt + F4)</a:t>
-            </a:r>
-            <a:endParaRPr lang="en-US" sz="1687" dirty="0">
-              <a:solidFill>
-                <a:schemeClr val="tx1"/>
-              </a:solidFill>
-              <a:latin typeface="Arial" panose="020B0604020202020204" pitchFamily="34" charset="0"/>
-              <a:cs typeface="Arial" panose="020B0604020202020204" pitchFamily="34" charset="0"/>
-            </a:endParaRPr>
-          </a:p>
-          <a:p>
-            <a:pPr marL="553621" lvl="1" indent="-241093">
-              <a:defRPr>
-                <a:solidFill>
-                  <a:srgbClr val="549E8A"/>
-                </a:solidFill>
-              </a:defRPr>
-            </a:pPr>
-            <a:r>
-              <a:rPr lang="en-US" sz="1687" dirty="0">
-                <a:solidFill>
-                  <a:schemeClr val="tx1"/>
-                </a:solidFill>
-                <a:latin typeface="Arial" panose="020B0604020202020204" pitchFamily="34" charset="0"/>
-                <a:cs typeface="Arial" panose="020B0604020202020204" pitchFamily="34" charset="0"/>
-              </a:rPr>
-              <a:t>Toe tap						</a:t>
-            </a:r>
-            <a:r>
-              <a:rPr lang="en-US" sz="1687" b="1" dirty="0">
-                <a:solidFill>
-                  <a:schemeClr val="tx1"/>
-                </a:solidFill>
-                <a:latin typeface="Cambria Math" panose="02040503050406030204" pitchFamily="18" charset="0"/>
-                <a:ea typeface="Cambria Math" panose="02040503050406030204" pitchFamily="18" charset="0"/>
-                <a:cs typeface="Arial" panose="020B0604020202020204" pitchFamily="34" charset="0"/>
-              </a:rPr>
-              <a:t>→	</a:t>
-            </a:r>
-            <a:r>
-              <a:rPr lang="en-US" sz="1687" dirty="0">
-                <a:solidFill>
-                  <a:schemeClr val="tx1"/>
-                </a:solidFill>
-                <a:latin typeface="Arial" panose="020B0604020202020204" pitchFamily="34" charset="0"/>
-                <a:ea typeface="Cambria Math" panose="02040503050406030204" pitchFamily="18" charset="0"/>
-                <a:cs typeface="Arial" panose="020B0604020202020204" pitchFamily="34" charset="0"/>
-              </a:rPr>
-              <a:t>scrolling</a:t>
-            </a:r>
-            <a:endParaRPr lang="en-US" sz="1687" b="1" dirty="0">
-              <a:solidFill>
-                <a:schemeClr val="tx1"/>
-              </a:solidFill>
-              <a:latin typeface="Arial" panose="020B0604020202020204" pitchFamily="34" charset="0"/>
-              <a:cs typeface="Arial" panose="020B0604020202020204" pitchFamily="34" charset="0"/>
-            </a:endParaRPr>
-          </a:p>
-          <a:p>
-            <a:pPr marL="553621" lvl="1" indent="-241093">
-              <a:defRPr>
-                <a:solidFill>
-                  <a:srgbClr val="549E8A"/>
-                </a:solidFill>
-              </a:defRPr>
-            </a:pPr>
-            <a:r>
-              <a:rPr lang="en-US" sz="1687" dirty="0">
-                <a:solidFill>
-                  <a:schemeClr val="tx1"/>
-                </a:solidFill>
-                <a:latin typeface="Arial" panose="020B0604020202020204" pitchFamily="34" charset="0"/>
-                <a:cs typeface="Arial" panose="020B0604020202020204" pitchFamily="34" charset="0"/>
-              </a:rPr>
-              <a:t>Left and right side supination	</a:t>
-            </a:r>
-            <a:r>
-              <a:rPr lang="en-US" sz="1687" b="1" dirty="0">
-                <a:solidFill>
-                  <a:schemeClr val="tx1"/>
-                </a:solidFill>
-                <a:latin typeface="Cambria Math" panose="02040503050406030204" pitchFamily="18" charset="0"/>
-                <a:ea typeface="Cambria Math" panose="02040503050406030204" pitchFamily="18" charset="0"/>
-                <a:cs typeface="Arial" panose="020B0604020202020204" pitchFamily="34" charset="0"/>
-              </a:rPr>
-              <a:t>→	</a:t>
-            </a:r>
-            <a:r>
-              <a:rPr lang="en-US" sz="1687" dirty="0">
-                <a:solidFill>
-                  <a:schemeClr val="tx1"/>
-                </a:solidFill>
-                <a:latin typeface="Arial" panose="020B0604020202020204" pitchFamily="34" charset="0"/>
-                <a:ea typeface="Cambria Math" panose="02040503050406030204" pitchFamily="18" charset="0"/>
-                <a:cs typeface="Arial" panose="020B0604020202020204" pitchFamily="34" charset="0"/>
-              </a:rPr>
-              <a:t>scrolling</a:t>
-            </a:r>
-            <a:endParaRPr lang="en-US" sz="1687" b="1" dirty="0">
-              <a:solidFill>
-                <a:schemeClr val="tx1"/>
-              </a:solidFill>
-              <a:latin typeface="Arial" panose="020B0604020202020204" pitchFamily="34" charset="0"/>
-              <a:cs typeface="Arial" panose="020B0604020202020204" pitchFamily="34" charset="0"/>
-            </a:endParaRPr>
-          </a:p>
-          <a:p>
-            <a:pPr marL="553621" lvl="1" indent="-241093">
-              <a:defRPr>
-                <a:solidFill>
-                  <a:srgbClr val="549E8A"/>
-                </a:solidFill>
-              </a:defRPr>
-            </a:pPr>
-            <a:r>
-              <a:rPr lang="en-US" sz="1687" dirty="0">
-                <a:solidFill>
-                  <a:schemeClr val="tx1"/>
-                </a:solidFill>
-                <a:latin typeface="Arial" panose="020B0604020202020204" pitchFamily="34" charset="0"/>
-                <a:cs typeface="Arial" panose="020B0604020202020204" pitchFamily="34" charset="0"/>
-              </a:rPr>
-              <a:t>Slides							</a:t>
-            </a:r>
-            <a:r>
-              <a:rPr lang="en-US" sz="1687" b="1" dirty="0">
-                <a:solidFill>
-                  <a:schemeClr val="tx1"/>
-                </a:solidFill>
-                <a:latin typeface="Cambria Math" panose="02040503050406030204" pitchFamily="18" charset="0"/>
-                <a:ea typeface="Cambria Math" panose="02040503050406030204" pitchFamily="18" charset="0"/>
-                <a:cs typeface="Arial" panose="020B0604020202020204" pitchFamily="34" charset="0"/>
-              </a:rPr>
-              <a:t>→	</a:t>
-            </a:r>
-            <a:r>
-              <a:rPr lang="en-US" sz="1687" dirty="0">
-                <a:solidFill>
-                  <a:schemeClr val="tx1"/>
-                </a:solidFill>
-                <a:latin typeface="Arial" panose="020B0604020202020204" pitchFamily="34" charset="0"/>
-                <a:ea typeface="Cambria Math" panose="02040503050406030204" pitchFamily="18" charset="0"/>
-                <a:cs typeface="Arial" panose="020B0604020202020204" pitchFamily="34" charset="0"/>
-              </a:rPr>
-              <a:t>scrolling up or down</a:t>
-            </a:r>
-            <a:endParaRPr lang="en-US" sz="1687" dirty="0">
-              <a:solidFill>
-                <a:schemeClr val="tx1"/>
-              </a:solidFill>
-              <a:latin typeface="Arial" panose="020B0604020202020204" pitchFamily="34" charset="0"/>
-              <a:cs typeface="Arial" panose="020B0604020202020204" pitchFamily="34" charset="0"/>
-            </a:endParaRPr>
-          </a:p>
-          <a:p>
-            <a:pPr marL="553621" lvl="1" indent="-241093">
-              <a:defRPr>
-                <a:solidFill>
-                  <a:srgbClr val="549E8A"/>
-                </a:solidFill>
-              </a:defRPr>
-            </a:pPr>
-            <a:r>
-              <a:rPr lang="en-US" sz="1687" dirty="0">
-                <a:solidFill>
-                  <a:schemeClr val="tx1"/>
-                </a:solidFill>
-                <a:latin typeface="Arial" panose="020B0604020202020204" pitchFamily="34" charset="0"/>
-                <a:cs typeface="Arial" panose="020B0604020202020204" pitchFamily="34" charset="0"/>
-              </a:rPr>
-              <a:t>Toe and heel rotation			</a:t>
-            </a:r>
-            <a:r>
-              <a:rPr lang="en-US" sz="1687" b="1" dirty="0">
-                <a:solidFill>
-                  <a:schemeClr val="tx1"/>
-                </a:solidFill>
-                <a:latin typeface="Cambria Math" panose="02040503050406030204" pitchFamily="18" charset="0"/>
-                <a:ea typeface="Cambria Math" panose="02040503050406030204" pitchFamily="18" charset="0"/>
-                <a:cs typeface="Arial" panose="020B0604020202020204" pitchFamily="34" charset="0"/>
-              </a:rPr>
-              <a:t>→	</a:t>
-            </a:r>
-            <a:r>
-              <a:rPr lang="en-US" sz="1687" dirty="0">
-                <a:solidFill>
-                  <a:schemeClr val="tx1"/>
-                </a:solidFill>
-                <a:latin typeface="Arial" panose="020B0604020202020204" pitchFamily="34" charset="0"/>
-                <a:ea typeface="Cambria Math" panose="02040503050406030204" pitchFamily="18" charset="0"/>
-                <a:cs typeface="Arial" panose="020B0604020202020204" pitchFamily="34" charset="0"/>
-              </a:rPr>
-              <a:t>swipe to next or previous dashboard</a:t>
-            </a:r>
-            <a:endParaRPr lang="en-US" sz="1687" b="1" dirty="0">
-              <a:solidFill>
-                <a:schemeClr val="tx1"/>
-              </a:solidFill>
-              <a:latin typeface="Arial" panose="020B0604020202020204" pitchFamily="34" charset="0"/>
-              <a:cs typeface="Arial" panose="020B0604020202020204" pitchFamily="34" charset="0"/>
-            </a:endParaRPr>
-          </a:p>
-          <a:p>
-            <a:pPr marL="553621" lvl="1" indent="-241093">
-              <a:defRPr>
-                <a:solidFill>
-                  <a:srgbClr val="549E8A"/>
-                </a:solidFill>
-              </a:defRPr>
-            </a:pPr>
-            <a:endParaRPr lang="en-US" sz="1687" dirty="0">
-              <a:solidFill>
-                <a:schemeClr val="tx1"/>
-              </a:solidFill>
-              <a:latin typeface="Arial" panose="020B0604020202020204" pitchFamily="34" charset="0"/>
-              <a:cs typeface="Arial" panose="020B0604020202020204" pitchFamily="34" charset="0"/>
-            </a:endParaRPr>
-          </a:p>
-          <a:p>
-            <a:pPr marL="0" indent="0">
-              <a:buNone/>
-              <a:defRPr>
-                <a:solidFill>
-                  <a:srgbClr val="549E8A"/>
-                </a:solidFill>
-              </a:defRPr>
-            </a:pPr>
-            <a:endParaRPr lang="en-US" sz="1687" dirty="0">
-              <a:solidFill>
-                <a:schemeClr val="tx1"/>
-              </a:solidFill>
-              <a:latin typeface="Arial" panose="020B0604020202020204" pitchFamily="34" charset="0"/>
-              <a:cs typeface="Arial" panose="020B0604020202020204" pitchFamily="34" charset="0"/>
-            </a:endParaRPr>
-          </a:p>
-          <a:p>
-            <a:pPr marL="0" indent="0">
-              <a:buNone/>
-              <a:defRPr>
-                <a:solidFill>
-                  <a:srgbClr val="549E8A"/>
-                </a:solidFill>
-              </a:defRPr>
-            </a:pPr>
-            <a:endParaRPr lang="en-US" sz="1687" dirty="0">
-              <a:solidFill>
-                <a:schemeClr val="tx1"/>
-              </a:solidFill>
-              <a:latin typeface="Arial" panose="020B0604020202020204" pitchFamily="34" charset="0"/>
-              <a:cs typeface="Arial" panose="020B0604020202020204" pitchFamily="34" charset="0"/>
-            </a:endParaRPr>
-          </a:p>
-          <a:p>
-            <a:pPr marL="404986" indent="-404986">
-              <a:lnSpc>
-                <a:spcPct val="120000"/>
-              </a:lnSpc>
-            </a:pPr>
-            <a:endParaRPr lang="de-DE" sz="1687" dirty="0"/>
-          </a:p>
-        </p:txBody>
-      </p:sp>
-    </p:spTree>
-    <p:extLst>
-      <p:ext uri="{BB962C8B-B14F-4D97-AF65-F5344CB8AC3E}">
-        <p14:creationId xmlns:p14="http://schemas.microsoft.com/office/powerpoint/2010/main" val="332515277"/>
-      </p:ext>
-    </p:extLst>
-  </p:cSld>
-  <p:clrMapOvr>
-    <a:masterClrMapping/>
-  </p:clrMapOvr>
-</p:sld>
-</file>
-
-<file path=ppt/slides/slide14.xml><?xml version="1.0" encoding="utf-8"?>
 <p:sld xmlns:a="http://schemas.openxmlformats.org/drawingml/2006/main" xmlns:r="http://schemas.openxmlformats.org/officeDocument/2006/relationships" xmlns:p="http://schemas.openxmlformats.org/presentationml/2006/main">
   <p:cSld>
     <p:spTree>
@@ -12870,6 +12235,35 @@
           </a:p>
         </p:txBody>
       </p:sp>
+      <p:sp>
+        <p:nvSpPr>
+          <p:cNvPr id="2" name="Fußzeilenplatzhalter 1">
+            <a:extLst>
+              <a:ext uri="{FF2B5EF4-FFF2-40B4-BE49-F238E27FC236}">
+                <a16:creationId xmlns:a16="http://schemas.microsoft.com/office/drawing/2014/main" id="{D4852557-3029-4DFA-B426-6A1273ACEC71}"/>
+              </a:ext>
+            </a:extLst>
+          </p:cNvPr>
+          <p:cNvSpPr>
+            <a:spLocks noGrp="1"/>
+          </p:cNvSpPr>
+          <p:nvPr>
+            <p:ph type="ftr" sz="quarter" idx="10"/>
+          </p:nvPr>
+        </p:nvSpPr>
+        <p:spPr/>
+        <p:txBody>
+          <a:bodyPr/>
+          <a:lstStyle/>
+          <a:p>
+            <a:r>
+              <a:rPr lang="en-US" altLang="de-DE"/>
+              <a:t>Prof. Dr. Alexander Mädche – footbased-activity recognition</a:t>
+            </a:r>
+            <a:endParaRPr lang="de-DE" altLang="de-DE" dirty="0"/>
+          </a:p>
+        </p:txBody>
+      </p:sp>
     </p:spTree>
   </p:cSld>
   <p:clrMapOvr>
@@ -12878,7 +12272,7 @@
 </p:sld>
 </file>
 
-<file path=ppt/slides/slide15.xml><?xml version="1.0" encoding="utf-8"?>
+<file path=ppt/slides/slide14.xml><?xml version="1.0" encoding="utf-8"?>
 <p:sld xmlns:a="http://schemas.openxmlformats.org/drawingml/2006/main" xmlns:r="http://schemas.openxmlformats.org/officeDocument/2006/relationships" xmlns:p="http://schemas.openxmlformats.org/presentationml/2006/main">
   <p:cSld>
     <p:spTree>
@@ -12957,714 +12351,213 @@
           <a:bodyPr/>
           <a:lstStyle/>
           <a:p>
-            <a:endParaRPr lang="de-DE"/>
-          </a:p>
-        </p:txBody>
-      </p:sp>
-      <p:sp>
-        <p:nvSpPr>
-          <p:cNvPr id="5" name="Textplatzhalter 1">
-            <a:extLst>
-              <a:ext uri="{FF2B5EF4-FFF2-40B4-BE49-F238E27FC236}">
-                <a16:creationId xmlns:a16="http://schemas.microsoft.com/office/drawing/2014/main" id="{01C32BE4-A79F-4670-B891-46D9F1A6B3B9}"/>
-              </a:ext>
-            </a:extLst>
-          </p:cNvPr>
-          <p:cNvSpPr txBox="1">
-            <a:spLocks/>
-          </p:cNvSpPr>
-          <p:nvPr/>
-        </p:nvSpPr>
-        <p:spPr>
-          <a:xfrm>
-            <a:off x="669727" y="1821656"/>
-            <a:ext cx="7804547" cy="4420195"/>
-          </a:xfrm>
-          <a:prstGeom prst="rect">
-            <a:avLst/>
-          </a:prstGeom>
-        </p:spPr>
-        <p:txBody>
-          <a:bodyPr>
-            <a:noAutofit/>
-          </a:bodyPr>
-          <a:lstStyle>
-            <a:lvl1pPr marL="444500" marR="0" indent="-360000" algn="l" defTabSz="584200" rtl="0" latinLnBrk="0">
-              <a:lnSpc>
-                <a:spcPct val="100000"/>
-              </a:lnSpc>
-              <a:spcBef>
-                <a:spcPts val="2500"/>
-              </a:spcBef>
-              <a:spcAft>
-                <a:spcPts val="0"/>
-              </a:spcAft>
-              <a:buClrTx/>
-              <a:buSzPct val="145000"/>
-              <a:buFontTx/>
-              <a:buChar char="•"/>
-              <a:tabLst/>
-              <a:defRPr sz="2400" b="0" i="0" u="none" strike="noStrike" cap="none" spc="0" baseline="0">
-                <a:ln>
-                  <a:noFill/>
-                </a:ln>
-                <a:solidFill>
-                  <a:srgbClr val="000000"/>
-                </a:solidFill>
-                <a:uFillTx/>
-                <a:latin typeface="Helvetica Neue"/>
-                <a:ea typeface="Helvetica Neue"/>
-                <a:cs typeface="Helvetica Neue"/>
-                <a:sym typeface="Helvetica Neue"/>
-              </a:defRPr>
-            </a:lvl1pPr>
-            <a:lvl2pPr marL="889000" marR="0" indent="-360000" algn="l" defTabSz="584200" rtl="0" latinLnBrk="0">
-              <a:lnSpc>
-                <a:spcPct val="100000"/>
-              </a:lnSpc>
-              <a:spcBef>
-                <a:spcPts val="2500"/>
-              </a:spcBef>
-              <a:spcAft>
-                <a:spcPts val="0"/>
-              </a:spcAft>
-              <a:buClrTx/>
-              <a:buSzPct val="145000"/>
-              <a:buFontTx/>
-              <a:buChar char="•"/>
-              <a:tabLst/>
-              <a:defRPr sz="2400" b="0" i="0" u="none" strike="noStrike" cap="none" spc="0" baseline="0">
-                <a:ln>
-                  <a:noFill/>
-                </a:ln>
-                <a:solidFill>
-                  <a:srgbClr val="000000"/>
-                </a:solidFill>
-                <a:uFillTx/>
-                <a:latin typeface="Helvetica Neue"/>
-                <a:ea typeface="Helvetica Neue"/>
-                <a:cs typeface="Helvetica Neue"/>
-                <a:sym typeface="Helvetica Neue"/>
-              </a:defRPr>
-            </a:lvl2pPr>
-            <a:lvl3pPr marL="1333500" marR="0" indent="-360000" algn="l" defTabSz="584200" rtl="0" latinLnBrk="0">
-              <a:lnSpc>
-                <a:spcPct val="100000"/>
-              </a:lnSpc>
-              <a:spcBef>
-                <a:spcPts val="2500"/>
-              </a:spcBef>
-              <a:spcAft>
-                <a:spcPts val="0"/>
-              </a:spcAft>
-              <a:buClrTx/>
-              <a:buSzPct val="145000"/>
-              <a:buFontTx/>
-              <a:buChar char="•"/>
-              <a:tabLst/>
-              <a:defRPr sz="2400" b="0" i="0" u="none" strike="noStrike" cap="none" spc="0" baseline="0">
-                <a:ln>
-                  <a:noFill/>
-                </a:ln>
-                <a:solidFill>
-                  <a:srgbClr val="000000"/>
-                </a:solidFill>
-                <a:uFillTx/>
-                <a:latin typeface="Helvetica Neue"/>
-                <a:ea typeface="Helvetica Neue"/>
-                <a:cs typeface="Helvetica Neue"/>
-                <a:sym typeface="Helvetica Neue"/>
-              </a:defRPr>
-            </a:lvl3pPr>
-            <a:lvl4pPr marL="1778000" marR="0" indent="-360000" algn="l" defTabSz="584200" rtl="0" latinLnBrk="0">
-              <a:lnSpc>
-                <a:spcPct val="100000"/>
-              </a:lnSpc>
-              <a:spcBef>
-                <a:spcPts val="2500"/>
-              </a:spcBef>
-              <a:spcAft>
-                <a:spcPts val="0"/>
-              </a:spcAft>
-              <a:buClrTx/>
-              <a:buSzPct val="145000"/>
-              <a:buFontTx/>
-              <a:buChar char="•"/>
-              <a:tabLst/>
-              <a:defRPr sz="2400" b="0" i="0" u="none" strike="noStrike" cap="none" spc="0" baseline="0">
-                <a:ln>
-                  <a:noFill/>
-                </a:ln>
-                <a:solidFill>
-                  <a:srgbClr val="000000"/>
-                </a:solidFill>
-                <a:uFillTx/>
-                <a:latin typeface="Helvetica Neue"/>
-                <a:ea typeface="Helvetica Neue"/>
-                <a:cs typeface="Helvetica Neue"/>
-                <a:sym typeface="Helvetica Neue"/>
-              </a:defRPr>
-            </a:lvl4pPr>
-            <a:lvl5pPr marL="2222500" marR="0" indent="-360000" algn="l" defTabSz="584200" rtl="0" latinLnBrk="0">
-              <a:lnSpc>
-                <a:spcPct val="100000"/>
-              </a:lnSpc>
-              <a:spcBef>
-                <a:spcPts val="2500"/>
-              </a:spcBef>
-              <a:spcAft>
-                <a:spcPts val="0"/>
-              </a:spcAft>
-              <a:buClrTx/>
-              <a:buSzPct val="145000"/>
-              <a:buFontTx/>
-              <a:buChar char="•"/>
-              <a:tabLst/>
-              <a:defRPr sz="2400" b="0" i="0" u="none" strike="noStrike" cap="none" spc="0" baseline="0">
-                <a:ln>
-                  <a:noFill/>
-                </a:ln>
-                <a:solidFill>
-                  <a:srgbClr val="000000"/>
-                </a:solidFill>
-                <a:uFillTx/>
-                <a:latin typeface="Helvetica Neue"/>
-                <a:ea typeface="Helvetica Neue"/>
-                <a:cs typeface="Helvetica Neue"/>
-                <a:sym typeface="Helvetica Neue"/>
-              </a:defRPr>
-            </a:lvl5pPr>
-            <a:lvl6pPr marL="2667000" marR="0" indent="-444500" algn="l" defTabSz="584200" rtl="0" latinLnBrk="0">
-              <a:lnSpc>
-                <a:spcPct val="100000"/>
-              </a:lnSpc>
-              <a:spcBef>
-                <a:spcPts val="4200"/>
-              </a:spcBef>
-              <a:spcAft>
-                <a:spcPts val="0"/>
-              </a:spcAft>
-              <a:buClrTx/>
-              <a:buSzPct val="145000"/>
-              <a:buFontTx/>
-              <a:buChar char="•"/>
-              <a:tabLst/>
-              <a:defRPr sz="3200" b="0" i="0" u="none" strike="noStrike" cap="none" spc="0" baseline="0">
-                <a:ln>
-                  <a:noFill/>
-                </a:ln>
-                <a:solidFill>
-                  <a:srgbClr val="000000"/>
-                </a:solidFill>
-                <a:uFillTx/>
-                <a:latin typeface="Helvetica Neue"/>
-                <a:ea typeface="Helvetica Neue"/>
-                <a:cs typeface="Helvetica Neue"/>
-                <a:sym typeface="Helvetica Neue"/>
-              </a:defRPr>
-            </a:lvl6pPr>
-            <a:lvl7pPr marL="3111500" marR="0" indent="-444500" algn="l" defTabSz="584200" rtl="0" latinLnBrk="0">
-              <a:lnSpc>
-                <a:spcPct val="100000"/>
-              </a:lnSpc>
-              <a:spcBef>
-                <a:spcPts val="4200"/>
-              </a:spcBef>
-              <a:spcAft>
-                <a:spcPts val="0"/>
-              </a:spcAft>
-              <a:buClrTx/>
-              <a:buSzPct val="145000"/>
-              <a:buFontTx/>
-              <a:buChar char="•"/>
-              <a:tabLst/>
-              <a:defRPr sz="3200" b="0" i="0" u="none" strike="noStrike" cap="none" spc="0" baseline="0">
-                <a:ln>
-                  <a:noFill/>
-                </a:ln>
-                <a:solidFill>
-                  <a:srgbClr val="000000"/>
-                </a:solidFill>
-                <a:uFillTx/>
-                <a:latin typeface="Helvetica Neue"/>
-                <a:ea typeface="Helvetica Neue"/>
-                <a:cs typeface="Helvetica Neue"/>
-                <a:sym typeface="Helvetica Neue"/>
-              </a:defRPr>
-            </a:lvl7pPr>
-            <a:lvl8pPr marL="3556000" marR="0" indent="-444500" algn="l" defTabSz="584200" rtl="0" latinLnBrk="0">
-              <a:lnSpc>
-                <a:spcPct val="100000"/>
-              </a:lnSpc>
-              <a:spcBef>
-                <a:spcPts val="4200"/>
-              </a:spcBef>
-              <a:spcAft>
-                <a:spcPts val="0"/>
-              </a:spcAft>
-              <a:buClrTx/>
-              <a:buSzPct val="145000"/>
-              <a:buFontTx/>
-              <a:buChar char="•"/>
-              <a:tabLst/>
-              <a:defRPr sz="3200" b="0" i="0" u="none" strike="noStrike" cap="none" spc="0" baseline="0">
-                <a:ln>
-                  <a:noFill/>
-                </a:ln>
-                <a:solidFill>
-                  <a:srgbClr val="000000"/>
-                </a:solidFill>
-                <a:uFillTx/>
-                <a:latin typeface="Helvetica Neue"/>
-                <a:ea typeface="Helvetica Neue"/>
-                <a:cs typeface="Helvetica Neue"/>
-                <a:sym typeface="Helvetica Neue"/>
-              </a:defRPr>
-            </a:lvl8pPr>
-            <a:lvl9pPr marL="4000500" marR="0" indent="-444500" algn="l" defTabSz="584200" rtl="0" latinLnBrk="0">
-              <a:lnSpc>
-                <a:spcPct val="100000"/>
-              </a:lnSpc>
-              <a:spcBef>
-                <a:spcPts val="4200"/>
-              </a:spcBef>
-              <a:spcAft>
-                <a:spcPts val="0"/>
-              </a:spcAft>
-              <a:buClrTx/>
-              <a:buSzPct val="145000"/>
-              <a:buFontTx/>
-              <a:buChar char="•"/>
-              <a:tabLst/>
-              <a:defRPr sz="3200" b="0" i="0" u="none" strike="noStrike" cap="none" spc="0" baseline="0">
-                <a:ln>
-                  <a:noFill/>
-                </a:ln>
-                <a:solidFill>
-                  <a:srgbClr val="000000"/>
-                </a:solidFill>
-                <a:uFillTx/>
-                <a:latin typeface="Helvetica Neue"/>
-                <a:ea typeface="Helvetica Neue"/>
-                <a:cs typeface="Helvetica Neue"/>
-                <a:sym typeface="Helvetica Neue"/>
-              </a:defRPr>
-            </a:lvl9pPr>
-          </a:lstStyle>
-          <a:p>
-            <a:pPr marL="404986" indent="-404986">
-              <a:defRPr>
-                <a:solidFill>
-                  <a:srgbClr val="549E8A"/>
-                </a:solidFill>
-              </a:defRPr>
-            </a:pPr>
-            <a:r>
-              <a:rPr lang="de-DE" sz="1687" dirty="0">
-                <a:solidFill>
-                  <a:schemeClr val="tx1"/>
-                </a:solidFill>
-              </a:rPr>
+            <a:r>
+              <a:rPr lang="de-DE" dirty="0"/>
               <a:t>This </a:t>
             </a:r>
             <a:r>
-              <a:rPr lang="de-DE" sz="1687" dirty="0" err="1">
-                <a:solidFill>
-                  <a:schemeClr val="tx1"/>
-                </a:solidFill>
-              </a:rPr>
+              <a:rPr lang="de-DE" dirty="0" err="1"/>
               <a:t>is</a:t>
             </a:r>
             <a:r>
-              <a:rPr lang="de-DE" sz="1687" dirty="0">
-                <a:solidFill>
-                  <a:schemeClr val="tx1"/>
-                </a:solidFill>
-              </a:rPr>
+              <a:rPr lang="de-DE" dirty="0"/>
               <a:t> </a:t>
             </a:r>
             <a:r>
-              <a:rPr lang="de-DE" sz="1687" dirty="0" err="1">
-                <a:solidFill>
-                  <a:schemeClr val="tx1"/>
-                </a:solidFill>
-              </a:rPr>
+              <a:rPr lang="de-DE" dirty="0" err="1"/>
               <a:t>the</a:t>
             </a:r>
             <a:r>
-              <a:rPr lang="de-DE" sz="1687" dirty="0">
-                <a:solidFill>
-                  <a:schemeClr val="tx1"/>
-                </a:solidFill>
-              </a:rPr>
+              <a:rPr lang="de-DE" dirty="0"/>
               <a:t> </a:t>
             </a:r>
             <a:r>
-              <a:rPr lang="de-DE" sz="1687" dirty="0" err="1">
-                <a:solidFill>
-                  <a:schemeClr val="tx1"/>
-                </a:solidFill>
-              </a:rPr>
+              <a:rPr lang="de-DE" dirty="0" err="1"/>
               <a:t>data</a:t>
             </a:r>
             <a:r>
-              <a:rPr lang="de-DE" sz="1687" dirty="0">
-                <a:solidFill>
-                  <a:schemeClr val="tx1"/>
-                </a:solidFill>
-              </a:rPr>
+              <a:rPr lang="de-DE" dirty="0"/>
               <a:t> </a:t>
             </a:r>
             <a:r>
-              <a:rPr lang="de-DE" sz="1687" dirty="0" err="1">
-                <a:solidFill>
-                  <a:schemeClr val="tx1"/>
-                </a:solidFill>
-              </a:rPr>
+              <a:rPr lang="de-DE" dirty="0" err="1"/>
               <a:t>we</a:t>
             </a:r>
             <a:r>
-              <a:rPr lang="de-DE" sz="1687" dirty="0">
-                <a:solidFill>
-                  <a:schemeClr val="tx1"/>
-                </a:solidFill>
-              </a:rPr>
+              <a:rPr lang="de-DE" dirty="0"/>
               <a:t> </a:t>
             </a:r>
             <a:r>
-              <a:rPr lang="de-DE" sz="1687" dirty="0" err="1">
-                <a:solidFill>
-                  <a:schemeClr val="tx1"/>
-                </a:solidFill>
-              </a:rPr>
+              <a:rPr lang="de-DE" dirty="0" err="1"/>
               <a:t>receive</a:t>
             </a:r>
             <a:r>
-              <a:rPr lang="de-DE" sz="1687" dirty="0">
-                <a:solidFill>
-                  <a:schemeClr val="tx1"/>
-                </a:solidFill>
-              </a:rPr>
+              <a:rPr lang="de-DE" dirty="0"/>
               <a:t> </a:t>
             </a:r>
             <a:r>
-              <a:rPr lang="de-DE" sz="1687" dirty="0" err="1">
-                <a:solidFill>
-                  <a:schemeClr val="tx1"/>
-                </a:solidFill>
-              </a:rPr>
+              <a:rPr lang="de-DE" dirty="0" err="1"/>
               <a:t>from</a:t>
             </a:r>
             <a:r>
-              <a:rPr lang="de-DE" sz="1687" dirty="0">
-                <a:solidFill>
-                  <a:schemeClr val="tx1"/>
-                </a:solidFill>
-              </a:rPr>
+              <a:rPr lang="de-DE" dirty="0"/>
               <a:t> out </a:t>
             </a:r>
             <a:r>
-              <a:rPr lang="de-DE" sz="1687" dirty="0" err="1">
-                <a:solidFill>
-                  <a:schemeClr val="tx1"/>
-                </a:solidFill>
-              </a:rPr>
+              <a:rPr lang="de-DE" dirty="0" err="1"/>
               <a:t>sensor</a:t>
             </a:r>
             <a:r>
-              <a:rPr lang="de-DE" sz="1687" dirty="0">
-                <a:solidFill>
-                  <a:schemeClr val="tx1"/>
-                </a:solidFill>
-              </a:rPr>
+              <a:rPr lang="de-DE" dirty="0"/>
               <a:t> </a:t>
             </a:r>
             <a:r>
-              <a:rPr lang="de-DE" sz="1687" dirty="0" err="1">
-                <a:solidFill>
-                  <a:schemeClr val="tx1"/>
-                </a:solidFill>
-              </a:rPr>
+              <a:rPr lang="de-DE" dirty="0" err="1"/>
               <a:t>for</a:t>
             </a:r>
             <a:r>
-              <a:rPr lang="de-DE" sz="1687" dirty="0">
-                <a:solidFill>
-                  <a:schemeClr val="tx1"/>
-                </a:solidFill>
-              </a:rPr>
+              <a:rPr lang="de-DE" dirty="0"/>
               <a:t> </a:t>
             </a:r>
             <a:r>
-              <a:rPr lang="de-DE" sz="1687" dirty="0" err="1">
-                <a:solidFill>
-                  <a:schemeClr val="tx1"/>
-                </a:solidFill>
-              </a:rPr>
+              <a:rPr lang="de-DE" dirty="0" err="1"/>
               <a:t>the</a:t>
             </a:r>
             <a:r>
-              <a:rPr lang="de-DE" sz="1687" dirty="0">
-                <a:solidFill>
-                  <a:schemeClr val="tx1"/>
-                </a:solidFill>
-              </a:rPr>
+              <a:rPr lang="de-DE" dirty="0"/>
               <a:t> </a:t>
             </a:r>
             <a:r>
-              <a:rPr lang="de-DE" sz="1687" dirty="0" err="1">
-                <a:solidFill>
-                  <a:schemeClr val="tx1"/>
-                </a:solidFill>
-              </a:rPr>
+              <a:rPr lang="de-DE" dirty="0" err="1"/>
               <a:t>movement</a:t>
             </a:r>
             <a:r>
-              <a:rPr lang="de-DE" sz="1687" dirty="0">
-                <a:solidFill>
-                  <a:schemeClr val="tx1"/>
-                </a:solidFill>
-              </a:rPr>
+              <a:rPr lang="de-DE" dirty="0"/>
               <a:t> „</a:t>
             </a:r>
             <a:r>
-              <a:rPr lang="de-DE" sz="1687" dirty="0" err="1">
-                <a:solidFill>
-                  <a:schemeClr val="tx1"/>
-                </a:solidFill>
-              </a:rPr>
+              <a:rPr lang="de-DE" dirty="0" err="1"/>
               <a:t>suspination</a:t>
             </a:r>
             <a:r>
-              <a:rPr lang="de-DE" sz="1687" dirty="0">
-                <a:solidFill>
-                  <a:schemeClr val="tx1"/>
-                </a:solidFill>
-              </a:rPr>
+              <a:rPr lang="de-DE" dirty="0"/>
               <a:t>“</a:t>
             </a:r>
           </a:p>
           <a:p>
-            <a:pPr marL="717514" lvl="1" indent="-404986">
-              <a:defRPr>
-                <a:solidFill>
-                  <a:srgbClr val="549E8A"/>
-                </a:solidFill>
-              </a:defRPr>
-            </a:pPr>
-            <a:r>
-              <a:rPr lang="de-DE" sz="1687" dirty="0">
-                <a:solidFill>
-                  <a:schemeClr val="tx1"/>
-                </a:solidFill>
-              </a:rPr>
+            <a:pPr lvl="1"/>
+            <a:r>
+              <a:rPr lang="de-DE" dirty="0"/>
               <a:t>In </a:t>
             </a:r>
             <a:r>
-              <a:rPr lang="de-DE" sz="1687" dirty="0" err="1">
-                <a:solidFill>
-                  <a:schemeClr val="tx1"/>
-                </a:solidFill>
-              </a:rPr>
+              <a:rPr lang="de-DE" dirty="0" err="1"/>
               <a:t>the</a:t>
             </a:r>
             <a:r>
-              <a:rPr lang="de-DE" sz="1687" dirty="0">
-                <a:solidFill>
-                  <a:schemeClr val="tx1"/>
-                </a:solidFill>
-              </a:rPr>
+              <a:rPr lang="de-DE" dirty="0"/>
               <a:t> </a:t>
             </a:r>
             <a:r>
-              <a:rPr lang="de-DE" sz="1687" dirty="0" err="1">
-                <a:solidFill>
-                  <a:schemeClr val="tx1"/>
-                </a:solidFill>
-              </a:rPr>
+              <a:rPr lang="de-DE" dirty="0" err="1"/>
               <a:t>future</a:t>
             </a:r>
             <a:r>
-              <a:rPr lang="de-DE" sz="1687" dirty="0">
-                <a:solidFill>
-                  <a:schemeClr val="tx1"/>
-                </a:solidFill>
-              </a:rPr>
+              <a:rPr lang="de-DE" dirty="0"/>
               <a:t> </a:t>
             </a:r>
             <a:r>
-              <a:rPr lang="de-DE" sz="1687" dirty="0" err="1">
-                <a:solidFill>
-                  <a:schemeClr val="tx1"/>
-                </a:solidFill>
-              </a:rPr>
+              <a:rPr lang="de-DE" dirty="0" err="1"/>
               <a:t>the</a:t>
             </a:r>
             <a:r>
-              <a:rPr lang="de-DE" sz="1687" dirty="0">
-                <a:solidFill>
-                  <a:schemeClr val="tx1"/>
-                </a:solidFill>
-              </a:rPr>
+              <a:rPr lang="de-DE" dirty="0"/>
               <a:t> </a:t>
             </a:r>
             <a:r>
-              <a:rPr lang="de-DE" sz="1687" dirty="0" err="1">
-                <a:solidFill>
-                  <a:schemeClr val="tx1"/>
-                </a:solidFill>
-              </a:rPr>
+              <a:rPr lang="de-DE" dirty="0" err="1"/>
               <a:t>system</a:t>
             </a:r>
             <a:r>
-              <a:rPr lang="de-DE" sz="1687" dirty="0">
-                <a:solidFill>
-                  <a:schemeClr val="tx1"/>
-                </a:solidFill>
-              </a:rPr>
+              <a:rPr lang="de-DE" dirty="0"/>
               <a:t> </a:t>
             </a:r>
             <a:r>
-              <a:rPr lang="de-DE" sz="1687" dirty="0" err="1">
-                <a:solidFill>
-                  <a:schemeClr val="tx1"/>
-                </a:solidFill>
-              </a:rPr>
+              <a:rPr lang="de-DE" dirty="0" err="1"/>
               <a:t>can</a:t>
             </a:r>
             <a:r>
-              <a:rPr lang="de-DE" sz="1687" dirty="0">
-                <a:solidFill>
-                  <a:schemeClr val="tx1"/>
-                </a:solidFill>
-              </a:rPr>
+              <a:rPr lang="de-DE" dirty="0"/>
               <a:t> </a:t>
             </a:r>
             <a:r>
-              <a:rPr lang="de-DE" sz="1687" dirty="0" err="1">
-                <a:solidFill>
-                  <a:schemeClr val="tx1"/>
-                </a:solidFill>
-              </a:rPr>
+              <a:rPr lang="de-DE" dirty="0" err="1"/>
               <a:t>differentiate</a:t>
             </a:r>
             <a:r>
-              <a:rPr lang="de-DE" sz="1687" dirty="0">
-                <a:solidFill>
-                  <a:schemeClr val="tx1"/>
-                </a:solidFill>
-              </a:rPr>
+              <a:rPr lang="de-DE" dirty="0"/>
               <a:t> </a:t>
             </a:r>
             <a:r>
-              <a:rPr lang="de-DE" sz="1687" dirty="0" err="1">
-                <a:solidFill>
-                  <a:schemeClr val="tx1"/>
-                </a:solidFill>
-              </a:rPr>
+              <a:rPr lang="de-DE" dirty="0" err="1"/>
               <a:t>between</a:t>
             </a:r>
             <a:r>
-              <a:rPr lang="de-DE" sz="1687" dirty="0">
-                <a:solidFill>
-                  <a:schemeClr val="tx1"/>
-                </a:solidFill>
-              </a:rPr>
+              <a:rPr lang="de-DE" dirty="0"/>
               <a:t> </a:t>
             </a:r>
             <a:r>
-              <a:rPr lang="de-DE" sz="1687" dirty="0" err="1">
-                <a:solidFill>
-                  <a:schemeClr val="tx1"/>
-                </a:solidFill>
-              </a:rPr>
+              <a:rPr lang="de-DE" dirty="0" err="1"/>
               <a:t>the</a:t>
             </a:r>
             <a:r>
-              <a:rPr lang="de-DE" sz="1687" dirty="0">
-                <a:solidFill>
-                  <a:schemeClr val="tx1"/>
-                </a:solidFill>
-              </a:rPr>
+              <a:rPr lang="de-DE" dirty="0"/>
               <a:t> </a:t>
             </a:r>
             <a:r>
-              <a:rPr lang="de-DE" sz="1687" dirty="0" err="1">
-                <a:solidFill>
-                  <a:schemeClr val="tx1"/>
-                </a:solidFill>
-              </a:rPr>
+              <a:rPr lang="de-DE" dirty="0" err="1"/>
               <a:t>movements</a:t>
             </a:r>
             <a:r>
-              <a:rPr lang="de-DE" sz="1687" dirty="0">
-                <a:solidFill>
-                  <a:schemeClr val="tx1"/>
-                </a:solidFill>
-              </a:rPr>
+              <a:rPr lang="de-DE" dirty="0"/>
               <a:t> </a:t>
             </a:r>
             <a:r>
-              <a:rPr lang="de-DE" sz="1687" dirty="0" err="1">
-                <a:solidFill>
-                  <a:schemeClr val="tx1"/>
-                </a:solidFill>
-              </a:rPr>
+              <a:rPr lang="de-DE" dirty="0" err="1"/>
               <a:t>based</a:t>
             </a:r>
             <a:r>
-              <a:rPr lang="de-DE" sz="1687" dirty="0">
-                <a:solidFill>
-                  <a:schemeClr val="tx1"/>
-                </a:solidFill>
-              </a:rPr>
+              <a:rPr lang="de-DE" dirty="0"/>
               <a:t> on </a:t>
             </a:r>
             <a:r>
-              <a:rPr lang="de-DE" sz="1687" dirty="0" err="1">
-                <a:solidFill>
-                  <a:schemeClr val="tx1"/>
-                </a:solidFill>
-              </a:rPr>
+              <a:rPr lang="de-DE" dirty="0" err="1"/>
               <a:t>the</a:t>
             </a:r>
             <a:r>
-              <a:rPr lang="de-DE" sz="1687" dirty="0">
-                <a:solidFill>
-                  <a:schemeClr val="tx1"/>
-                </a:solidFill>
-              </a:rPr>
+              <a:rPr lang="de-DE" dirty="0"/>
               <a:t> </a:t>
             </a:r>
             <a:r>
-              <a:rPr lang="de-DE" sz="1687" dirty="0" err="1">
-                <a:solidFill>
-                  <a:schemeClr val="tx1"/>
-                </a:solidFill>
-              </a:rPr>
+              <a:rPr lang="de-DE" dirty="0" err="1"/>
               <a:t>data</a:t>
             </a:r>
             <a:r>
-              <a:rPr lang="de-DE" sz="1687" dirty="0">
-                <a:solidFill>
-                  <a:schemeClr val="tx1"/>
-                </a:solidFill>
-              </a:rPr>
+              <a:rPr lang="de-DE" dirty="0"/>
               <a:t> </a:t>
             </a:r>
             <a:r>
-              <a:rPr lang="de-DE" sz="1687" dirty="0" err="1">
-                <a:solidFill>
-                  <a:schemeClr val="tx1"/>
-                </a:solidFill>
-              </a:rPr>
+              <a:rPr lang="de-DE" dirty="0" err="1"/>
               <a:t>alone</a:t>
             </a:r>
-            <a:endParaRPr lang="de-DE" sz="1687" dirty="0">
-              <a:solidFill>
-                <a:schemeClr val="tx1"/>
-              </a:solidFill>
-            </a:endParaRPr>
+            <a:endParaRPr lang="de-DE" dirty="0"/>
+          </a:p>
+          <a:p>
+            <a:pPr lvl="1"/>
+            <a:endParaRPr lang="de-DE" dirty="0"/>
+          </a:p>
+          <a:p>
+            <a:endParaRPr lang="de-DE" dirty="0"/>
           </a:p>
         </p:txBody>
       </p:sp>
@@ -13704,6 +12597,35 @@
           </a:prstGeom>
         </p:spPr>
       </p:pic>
+      <p:sp>
+        <p:nvSpPr>
+          <p:cNvPr id="2" name="Fußzeilenplatzhalter 1">
+            <a:extLst>
+              <a:ext uri="{FF2B5EF4-FFF2-40B4-BE49-F238E27FC236}">
+                <a16:creationId xmlns:a16="http://schemas.microsoft.com/office/drawing/2014/main" id="{E1561025-86F4-4BF4-806C-9E610CA33AF6}"/>
+              </a:ext>
+            </a:extLst>
+          </p:cNvPr>
+          <p:cNvSpPr>
+            <a:spLocks noGrp="1"/>
+          </p:cNvSpPr>
+          <p:nvPr>
+            <p:ph type="ftr" sz="quarter" idx="10"/>
+          </p:nvPr>
+        </p:nvSpPr>
+        <p:spPr/>
+        <p:txBody>
+          <a:bodyPr/>
+          <a:lstStyle/>
+          <a:p>
+            <a:r>
+              <a:rPr lang="en-US" altLang="de-DE"/>
+              <a:t>Prof. Dr. Alexander Mädche – footbased-activity recognition</a:t>
+            </a:r>
+            <a:endParaRPr lang="de-DE" altLang="de-DE" dirty="0"/>
+          </a:p>
+        </p:txBody>
+      </p:sp>
     </p:spTree>
   </p:cSld>
   <p:clrMapOvr>
@@ -13712,7 +12634,7 @@
 </p:sld>
 </file>
 
-<file path=ppt/slides/slide16.xml><?xml version="1.0" encoding="utf-8"?>
+<file path=ppt/slides/slide15.xml><?xml version="1.0" encoding="utf-8"?>
 <p:sld xmlns:a="http://schemas.openxmlformats.org/drawingml/2006/main" xmlns:r="http://schemas.openxmlformats.org/officeDocument/2006/relationships" xmlns:p="http://schemas.openxmlformats.org/presentationml/2006/main" show="0">
   <p:cSld>
     <p:spTree>
@@ -13810,6 +12732,35 @@
           </a:ln>
         </p:spPr>
       </p:pic>
+      <p:sp>
+        <p:nvSpPr>
+          <p:cNvPr id="2" name="Fußzeilenplatzhalter 1">
+            <a:extLst>
+              <a:ext uri="{FF2B5EF4-FFF2-40B4-BE49-F238E27FC236}">
+                <a16:creationId xmlns:a16="http://schemas.microsoft.com/office/drawing/2014/main" id="{34006AA8-0A27-4279-8F1D-ACB2E8E0A47F}"/>
+              </a:ext>
+            </a:extLst>
+          </p:cNvPr>
+          <p:cNvSpPr>
+            <a:spLocks noGrp="1"/>
+          </p:cNvSpPr>
+          <p:nvPr>
+            <p:ph type="ftr" sz="quarter" idx="10"/>
+          </p:nvPr>
+        </p:nvSpPr>
+        <p:spPr/>
+        <p:txBody>
+          <a:bodyPr/>
+          <a:lstStyle/>
+          <a:p>
+            <a:r>
+              <a:rPr lang="en-US" altLang="de-DE"/>
+              <a:t>Prof. Dr. Alexander Mädche – footbased-activity recognition</a:t>
+            </a:r>
+            <a:endParaRPr lang="de-DE" altLang="de-DE" dirty="0"/>
+          </a:p>
+        </p:txBody>
+      </p:sp>
     </p:spTree>
   </p:cSld>
   <p:clrMapOvr>
@@ -13819,7 +12770,7 @@
 </p:sld>
 </file>
 
-<file path=ppt/slides/slide17.xml><?xml version="1.0" encoding="utf-8"?>
+<file path=ppt/slides/slide16.xml><?xml version="1.0" encoding="utf-8"?>
 <p:sld xmlns:a="http://schemas.openxmlformats.org/drawingml/2006/main" xmlns:r="http://schemas.openxmlformats.org/officeDocument/2006/relationships" xmlns:p="http://schemas.openxmlformats.org/presentationml/2006/main" show="0">
   <p:cSld>
     <p:spTree>
@@ -13860,9 +12811,10 @@
           <a:lstStyle/>
           <a:p>
             <a:r>
-              <a:rPr lang="de-DE" altLang="de-DE"/>
-              <a:t>Prof. Mädche – footbased-activity revognition</a:t>
-            </a:r>
+              <a:rPr lang="en-US" altLang="de-DE"/>
+              <a:t>Prof. Dr. Alexander Mädche – footbased-activity recognition</a:t>
+            </a:r>
+            <a:endParaRPr lang="de-DE" altLang="de-DE"/>
           </a:p>
         </p:txBody>
       </p:sp>
@@ -14063,7 +13015,7 @@
 </p:sld>
 </file>
 
-<file path=ppt/slides/slide18.xml><?xml version="1.0" encoding="utf-8"?>
+<file path=ppt/slides/slide17.xml><?xml version="1.0" encoding="utf-8"?>
 <p:sld xmlns:a="http://schemas.openxmlformats.org/drawingml/2006/main" xmlns:r="http://schemas.openxmlformats.org/officeDocument/2006/relationships" xmlns:p="http://schemas.openxmlformats.org/presentationml/2006/main" show="0">
   <p:cSld>
     <p:spTree>
@@ -14104,9 +13056,10 @@
           <a:lstStyle/>
           <a:p>
             <a:r>
-              <a:rPr lang="de-DE" altLang="de-DE"/>
-              <a:t>Prof. Mädche – footbased-activity revognition</a:t>
-            </a:r>
+              <a:rPr lang="en-US" altLang="de-DE"/>
+              <a:t>Prof. Dr. Alexander Mädche – footbased-activity recognition</a:t>
+            </a:r>
+            <a:endParaRPr lang="de-DE" altLang="de-DE"/>
           </a:p>
         </p:txBody>
       </p:sp>
@@ -14389,7 +13342,7 @@
               <a:pPr>
                 <a:defRPr/>
               </a:pPr>
-              <a:t>08.07.2018</a:t>
+              <a:t>10.07.2018</a:t>
             </a:fld>
             <a:endParaRPr lang="de-DE">
               <a:latin typeface="Arial" charset="0"/>
@@ -14405,7 +13358,7 @@
 </p:sld>
 </file>
 
-<file path=ppt/slides/slide19.xml><?xml version="1.0" encoding="utf-8"?>
+<file path=ppt/slides/slide18.xml><?xml version="1.0" encoding="utf-8"?>
 <p:sld xmlns:a="http://schemas.openxmlformats.org/drawingml/2006/main" xmlns:r="http://schemas.openxmlformats.org/officeDocument/2006/relationships" xmlns:p="http://schemas.openxmlformats.org/presentationml/2006/main" show="0">
   <p:cSld>
     <p:spTree>
@@ -14446,9 +13399,10 @@
           <a:lstStyle/>
           <a:p>
             <a:r>
-              <a:rPr lang="de-DE" altLang="de-DE"/>
-              <a:t>Prof. Mädche – footbased-activity revognition</a:t>
-            </a:r>
+              <a:rPr lang="en-US" altLang="de-DE"/>
+              <a:t>Prof. Dr. Alexander Mädche – footbased-activity recognition</a:t>
+            </a:r>
+            <a:endParaRPr lang="de-DE" altLang="de-DE"/>
           </a:p>
         </p:txBody>
       </p:sp>
@@ -14532,6 +13486,152 @@
           <a:p>
             <a:pPr eaLnBrk="1" hangingPunct="1"/>
             <a:endParaRPr lang="de-DE" altLang="de-DE"/>
+          </a:p>
+        </p:txBody>
+      </p:sp>
+    </p:spTree>
+  </p:cSld>
+  <p:clrMapOvr>
+    <a:masterClrMapping/>
+  </p:clrMapOvr>
+</p:sld>
+</file>
+
+<file path=ppt/slides/slide19.xml><?xml version="1.0" encoding="utf-8"?>
+<p:sld xmlns:a="http://schemas.openxmlformats.org/drawingml/2006/main" xmlns:r="http://schemas.openxmlformats.org/officeDocument/2006/relationships" xmlns:p="http://schemas.openxmlformats.org/presentationml/2006/main" show="0">
+  <p:cSld>
+    <p:spTree>
+      <p:nvGrpSpPr>
+        <p:cNvPr id="1" name=""/>
+        <p:cNvGrpSpPr/>
+        <p:nvPr/>
+      </p:nvGrpSpPr>
+      <p:grpSpPr>
+        <a:xfrm>
+          <a:off x="0" y="0"/>
+          <a:ext cx="0" cy="0"/>
+          <a:chOff x="0" y="0"/>
+          <a:chExt cx="0" cy="0"/>
+        </a:xfrm>
+      </p:grpSpPr>
+      <p:sp>
+        <p:nvSpPr>
+          <p:cNvPr id="4" name="Rectangle 5">
+            <a:extLst>
+              <a:ext uri="{FF2B5EF4-FFF2-40B4-BE49-F238E27FC236}">
+                <a16:creationId xmlns:a16="http://schemas.microsoft.com/office/drawing/2014/main" id="{06C64F5E-8E78-4CC6-BFC6-8A4FE9FA00EF}"/>
+              </a:ext>
+            </a:extLst>
+          </p:cNvPr>
+          <p:cNvSpPr>
+            <a:spLocks noGrp="1" noChangeArrowheads="1"/>
+          </p:cNvSpPr>
+          <p:nvPr>
+            <p:ph type="ftr" sz="quarter" idx="10"/>
+          </p:nvPr>
+        </p:nvSpPr>
+        <p:spPr>
+          <a:ln/>
+        </p:spPr>
+        <p:txBody>
+          <a:bodyPr/>
+          <a:lstStyle/>
+          <a:p>
+            <a:r>
+              <a:rPr lang="en-US" altLang="de-DE"/>
+              <a:t>Prof. Dr. Alexander Mädche – footbased-activity recognition</a:t>
+            </a:r>
+            <a:endParaRPr lang="de-DE" altLang="de-DE"/>
+          </a:p>
+        </p:txBody>
+      </p:sp>
+      <p:sp>
+        <p:nvSpPr>
+          <p:cNvPr id="7173" name="Rectangle 2">
+            <a:extLst>
+              <a:ext uri="{FF2B5EF4-FFF2-40B4-BE49-F238E27FC236}">
+                <a16:creationId xmlns:a16="http://schemas.microsoft.com/office/drawing/2014/main" id="{775B2171-1BF0-42F3-AAD7-F8F2D0A278A6}"/>
+              </a:ext>
+            </a:extLst>
+          </p:cNvPr>
+          <p:cNvSpPr>
+            <a:spLocks noGrp="1" noChangeArrowheads="1"/>
+          </p:cNvSpPr>
+          <p:nvPr>
+            <p:ph type="title"/>
+          </p:nvPr>
+        </p:nvSpPr>
+        <p:spPr/>
+        <p:txBody>
+          <a:bodyPr/>
+          <a:lstStyle/>
+          <a:p>
+            <a:pPr eaLnBrk="1" hangingPunct="1"/>
+            <a:r>
+              <a:rPr lang="de-DE" altLang="de-DE"/>
+              <a:t>Tipps zur Verwendung von Powerpoint</a:t>
+            </a:r>
+          </a:p>
+        </p:txBody>
+      </p:sp>
+      <p:sp>
+        <p:nvSpPr>
+          <p:cNvPr id="7174" name="Rectangle 3">
+            <a:extLst>
+              <a:ext uri="{FF2B5EF4-FFF2-40B4-BE49-F238E27FC236}">
+                <a16:creationId xmlns:a16="http://schemas.microsoft.com/office/drawing/2014/main" id="{8F4ED7F3-E01C-48B1-96F8-06C305ECE154}"/>
+              </a:ext>
+            </a:extLst>
+          </p:cNvPr>
+          <p:cNvSpPr>
+            <a:spLocks noGrp="1" noChangeArrowheads="1"/>
+          </p:cNvSpPr>
+          <p:nvPr>
+            <p:ph type="body" idx="1"/>
+          </p:nvPr>
+        </p:nvSpPr>
+        <p:spPr/>
+        <p:txBody>
+          <a:bodyPr/>
+          <a:lstStyle/>
+          <a:p>
+            <a:pPr eaLnBrk="1" hangingPunct="1"/>
+            <a:r>
+              <a:rPr lang="de-DE" altLang="de-DE"/>
+              <a:t>Seitenaufbau</a:t>
+            </a:r>
+          </a:p>
+          <a:p>
+            <a:pPr lvl="1" eaLnBrk="1" hangingPunct="1"/>
+            <a:r>
+              <a:rPr lang="de-DE" altLang="de-DE"/>
+              <a:t>Text und Grafiken:</a:t>
+            </a:r>
+            <a:br>
+              <a:rPr lang="de-DE" altLang="de-DE"/>
+            </a:br>
+            <a:r>
+              <a:rPr lang="de-DE" altLang="de-DE"/>
+              <a:t>Diese Elemente sollten gezielt und zurückhaltend eingesetzt werden. Empfohlen werden zehn Worte pro Zeile und fünf Zeilen pro Folie. </a:t>
+            </a:r>
+          </a:p>
+          <a:p>
+            <a:pPr lvl="1" eaLnBrk="1" hangingPunct="1"/>
+            <a:endParaRPr lang="de-DE" altLang="de-DE"/>
+          </a:p>
+          <a:p>
+            <a:pPr lvl="1" eaLnBrk="1" hangingPunct="1"/>
+            <a:r>
+              <a:rPr lang="de-DE" altLang="de-DE"/>
+              <a:t>Zahlen und Daten</a:t>
+            </a:r>
+            <a:br>
+              <a:rPr lang="de-DE" altLang="de-DE"/>
+            </a:br>
+            <a:r>
+              <a:rPr lang="de-DE" altLang="de-DE"/>
+              <a:t>Effektive PowerPoint-Präsentationen enthalten wenig Zahlen: ausführliche Daten können Sie nach der Präsentation auf Handouts verteilen.</a:t>
+            </a:r>
           </a:p>
         </p:txBody>
       </p:sp>
@@ -14646,7 +13746,10 @@
               <a:rPr lang="de-DE" dirty="0" err="1"/>
               <a:t>project</a:t>
             </a:r>
-            <a:endParaRPr lang="de-DE" dirty="0"/>
+            <a:r>
+              <a:rPr lang="de-DE" dirty="0"/>
+              <a:t>		Etwas abstrahieren!</a:t>
+            </a:r>
           </a:p>
           <a:p>
             <a:r>
@@ -14709,7 +13812,7 @@
                 <a:latin typeface="Arial" panose="020B0604020202020204" pitchFamily="34" charset="0"/>
                 <a:cs typeface="Arial" panose="020B0604020202020204" pitchFamily="34" charset="0"/>
               </a:rPr>
-              <a:t>Results of the Evaluation</a:t>
+              <a:t>Evaluation</a:t>
             </a:r>
           </a:p>
           <a:p>
@@ -14742,8 +13845,8 @@
           <a:lstStyle/>
           <a:p>
             <a:r>
-              <a:rPr lang="de-DE" altLang="de-DE"/>
-              <a:t>Prof. Mädche – footbased-activity revognition</a:t>
+              <a:rPr lang="en-US" altLang="de-DE"/>
+              <a:t>Prof. Dr. Alexander Mädche – footbased-activity recognition</a:t>
             </a:r>
             <a:endParaRPr lang="de-DE" altLang="de-DE" dirty="0"/>
           </a:p>
@@ -14755,151 +13858,6 @@
         <p14:creationId xmlns:p14="http://schemas.microsoft.com/office/powerpoint/2010/main" val="3781453100"/>
       </p:ext>
     </p:extLst>
-  </p:cSld>
-  <p:clrMapOvr>
-    <a:masterClrMapping/>
-  </p:clrMapOvr>
-</p:sld>
-</file>
-
-<file path=ppt/slides/slide20.xml><?xml version="1.0" encoding="utf-8"?>
-<p:sld xmlns:a="http://schemas.openxmlformats.org/drawingml/2006/main" xmlns:r="http://schemas.openxmlformats.org/officeDocument/2006/relationships" xmlns:p="http://schemas.openxmlformats.org/presentationml/2006/main" show="0">
-  <p:cSld>
-    <p:spTree>
-      <p:nvGrpSpPr>
-        <p:cNvPr id="1" name=""/>
-        <p:cNvGrpSpPr/>
-        <p:nvPr/>
-      </p:nvGrpSpPr>
-      <p:grpSpPr>
-        <a:xfrm>
-          <a:off x="0" y="0"/>
-          <a:ext cx="0" cy="0"/>
-          <a:chOff x="0" y="0"/>
-          <a:chExt cx="0" cy="0"/>
-        </a:xfrm>
-      </p:grpSpPr>
-      <p:sp>
-        <p:nvSpPr>
-          <p:cNvPr id="4" name="Rectangle 5">
-            <a:extLst>
-              <a:ext uri="{FF2B5EF4-FFF2-40B4-BE49-F238E27FC236}">
-                <a16:creationId xmlns:a16="http://schemas.microsoft.com/office/drawing/2014/main" id="{06C64F5E-8E78-4CC6-BFC6-8A4FE9FA00EF}"/>
-              </a:ext>
-            </a:extLst>
-          </p:cNvPr>
-          <p:cNvSpPr>
-            <a:spLocks noGrp="1" noChangeArrowheads="1"/>
-          </p:cNvSpPr>
-          <p:nvPr>
-            <p:ph type="ftr" sz="quarter" idx="10"/>
-          </p:nvPr>
-        </p:nvSpPr>
-        <p:spPr>
-          <a:ln/>
-        </p:spPr>
-        <p:txBody>
-          <a:bodyPr/>
-          <a:lstStyle/>
-          <a:p>
-            <a:r>
-              <a:rPr lang="de-DE" altLang="de-DE"/>
-              <a:t>Prof. Mädche – footbased-activity revognition</a:t>
-            </a:r>
-          </a:p>
-        </p:txBody>
-      </p:sp>
-      <p:sp>
-        <p:nvSpPr>
-          <p:cNvPr id="7173" name="Rectangle 2">
-            <a:extLst>
-              <a:ext uri="{FF2B5EF4-FFF2-40B4-BE49-F238E27FC236}">
-                <a16:creationId xmlns:a16="http://schemas.microsoft.com/office/drawing/2014/main" id="{775B2171-1BF0-42F3-AAD7-F8F2D0A278A6}"/>
-              </a:ext>
-            </a:extLst>
-          </p:cNvPr>
-          <p:cNvSpPr>
-            <a:spLocks noGrp="1" noChangeArrowheads="1"/>
-          </p:cNvSpPr>
-          <p:nvPr>
-            <p:ph type="title"/>
-          </p:nvPr>
-        </p:nvSpPr>
-        <p:spPr/>
-        <p:txBody>
-          <a:bodyPr/>
-          <a:lstStyle/>
-          <a:p>
-            <a:pPr eaLnBrk="1" hangingPunct="1"/>
-            <a:r>
-              <a:rPr lang="de-DE" altLang="de-DE"/>
-              <a:t>Tipps zur Verwendung von Powerpoint</a:t>
-            </a:r>
-          </a:p>
-        </p:txBody>
-      </p:sp>
-      <p:sp>
-        <p:nvSpPr>
-          <p:cNvPr id="7174" name="Rectangle 3">
-            <a:extLst>
-              <a:ext uri="{FF2B5EF4-FFF2-40B4-BE49-F238E27FC236}">
-                <a16:creationId xmlns:a16="http://schemas.microsoft.com/office/drawing/2014/main" id="{8F4ED7F3-E01C-48B1-96F8-06C305ECE154}"/>
-              </a:ext>
-            </a:extLst>
-          </p:cNvPr>
-          <p:cNvSpPr>
-            <a:spLocks noGrp="1" noChangeArrowheads="1"/>
-          </p:cNvSpPr>
-          <p:nvPr>
-            <p:ph type="body" idx="1"/>
-          </p:nvPr>
-        </p:nvSpPr>
-        <p:spPr/>
-        <p:txBody>
-          <a:bodyPr/>
-          <a:lstStyle/>
-          <a:p>
-            <a:pPr eaLnBrk="1" hangingPunct="1"/>
-            <a:r>
-              <a:rPr lang="de-DE" altLang="de-DE"/>
-              <a:t>Seitenaufbau</a:t>
-            </a:r>
-          </a:p>
-          <a:p>
-            <a:pPr lvl="1" eaLnBrk="1" hangingPunct="1"/>
-            <a:r>
-              <a:rPr lang="de-DE" altLang="de-DE"/>
-              <a:t>Text und Grafiken:</a:t>
-            </a:r>
-            <a:br>
-              <a:rPr lang="de-DE" altLang="de-DE"/>
-            </a:br>
-            <a:r>
-              <a:rPr lang="de-DE" altLang="de-DE"/>
-              <a:t>Diese Elemente sollten gezielt und zurückhaltend eingesetzt werden. Empfohlen werden zehn Worte pro Zeile und fünf Zeilen pro Folie. </a:t>
-            </a:r>
-          </a:p>
-          <a:p>
-            <a:pPr lvl="1" eaLnBrk="1" hangingPunct="1"/>
-            <a:endParaRPr lang="de-DE" altLang="de-DE"/>
-          </a:p>
-          <a:p>
-            <a:pPr lvl="1" eaLnBrk="1" hangingPunct="1"/>
-            <a:r>
-              <a:rPr lang="de-DE" altLang="de-DE"/>
-              <a:t>Zahlen und Daten</a:t>
-            </a:r>
-            <a:br>
-              <a:rPr lang="de-DE" altLang="de-DE"/>
-            </a:br>
-            <a:r>
-              <a:rPr lang="de-DE" altLang="de-DE"/>
-              <a:t>Effektive PowerPoint-Präsentationen enthalten wenig Zahlen: ausführliche Daten können Sie nach der Präsentation auf Handouts verteilen.</a:t>
-            </a:r>
-          </a:p>
-        </p:txBody>
-      </p:sp>
-    </p:spTree>
   </p:cSld>
   <p:clrMapOvr>
     <a:masterClrMapping/>
@@ -15168,6 +14126,35 @@
           </a:p>
         </p:txBody>
       </p:sp>
+      <p:sp>
+        <p:nvSpPr>
+          <p:cNvPr id="2" name="Fußzeilenplatzhalter 1">
+            <a:extLst>
+              <a:ext uri="{FF2B5EF4-FFF2-40B4-BE49-F238E27FC236}">
+                <a16:creationId xmlns:a16="http://schemas.microsoft.com/office/drawing/2014/main" id="{3025B596-744D-45A5-A76C-1E6CD3B764F0}"/>
+              </a:ext>
+            </a:extLst>
+          </p:cNvPr>
+          <p:cNvSpPr>
+            <a:spLocks noGrp="1"/>
+          </p:cNvSpPr>
+          <p:nvPr>
+            <p:ph type="ftr" sz="quarter" idx="10"/>
+          </p:nvPr>
+        </p:nvSpPr>
+        <p:spPr/>
+        <p:txBody>
+          <a:bodyPr/>
+          <a:lstStyle/>
+          <a:p>
+            <a:r>
+              <a:rPr lang="en-US" altLang="de-DE"/>
+              <a:t>Prof. Dr. Alexander Mädche – footbased-activity recognition</a:t>
+            </a:r>
+            <a:endParaRPr lang="de-DE" altLang="de-DE" dirty="0"/>
+          </a:p>
+        </p:txBody>
+      </p:sp>
     </p:spTree>
     <p:extLst>
       <p:ext uri="{BB962C8B-B14F-4D97-AF65-F5344CB8AC3E}">
@@ -15324,8 +14311,8 @@
           <a:lstStyle/>
           <a:p>
             <a:r>
-              <a:rPr lang="de-DE" altLang="de-DE"/>
-              <a:t>Prof. Mädche – footbased-activity revognition</a:t>
+              <a:rPr lang="en-US" altLang="de-DE"/>
+              <a:t>Prof. Dr. Alexander Mädche – footbased-activity recognition</a:t>
             </a:r>
             <a:endParaRPr lang="de-DE" altLang="de-DE" dirty="0"/>
           </a:p>
@@ -15453,13 +14440,10 @@
               </a:rPr>
               <a:t>Suspination</a:t>
             </a:r>
-            <a:r>
-              <a:rPr lang="en-US" sz="2000" dirty="0">
-                <a:latin typeface="Arial" panose="020B0604020202020204" pitchFamily="34" charset="0"/>
-                <a:cs typeface="Arial" panose="020B0604020202020204" pitchFamily="34" charset="0"/>
-              </a:rPr>
-              <a:t> and pronation</a:t>
-            </a:r>
+            <a:endParaRPr lang="en-US" sz="2000" dirty="0">
+              <a:latin typeface="Arial" panose="020B0604020202020204" pitchFamily="34" charset="0"/>
+              <a:cs typeface="Arial" panose="020B0604020202020204" pitchFamily="34" charset="0"/>
+            </a:endParaRPr>
           </a:p>
           <a:p>
             <a:pPr lvl="1"/>
@@ -15508,8 +14492,8 @@
           <a:lstStyle/>
           <a:p>
             <a:r>
-              <a:rPr lang="de-DE" altLang="de-DE"/>
-              <a:t>Prof. Mädche – footbased-activity revognition</a:t>
+              <a:rPr lang="en-US" altLang="de-DE"/>
+              <a:t>Prof. Dr. Alexander Mädche – footbased-activity recognition</a:t>
             </a:r>
             <a:endParaRPr lang="de-DE" altLang="de-DE" dirty="0"/>
           </a:p>
@@ -15658,7 +14642,7 @@
 </file>
 
 <file path=ppt/slides/slide6.xml><?xml version="1.0" encoding="utf-8"?>
-<p:sld xmlns:a="http://schemas.openxmlformats.org/drawingml/2006/main" xmlns:r="http://schemas.openxmlformats.org/officeDocument/2006/relationships" xmlns:p="http://schemas.openxmlformats.org/presentationml/2006/main">
+<p:sld xmlns:a="http://schemas.openxmlformats.org/drawingml/2006/main" xmlns:r="http://schemas.openxmlformats.org/officeDocument/2006/relationships" xmlns:p="http://schemas.openxmlformats.org/presentationml/2006/main" show="0">
   <p:cSld>
     <p:spTree>
       <p:nvGrpSpPr>
@@ -15826,8 +14810,8 @@
           <a:lstStyle/>
           <a:p>
             <a:r>
-              <a:rPr lang="de-DE" altLang="de-DE"/>
-              <a:t>Prof. Mädche – footbased-activity revognition</a:t>
+              <a:rPr lang="en-US" altLang="de-DE"/>
+              <a:t>Prof. Dr. Alexander Mädche – footbased-activity recognition</a:t>
             </a:r>
             <a:endParaRPr lang="de-DE" altLang="de-DE" dirty="0"/>
           </a:p>
@@ -15886,76 +14870,6 @@
             <a:r>
               <a:rPr lang="en-GB" sz="1400"/>
               <a:t>Mid-term presentation</a:t>
-            </a:r>
-          </a:p>
-        </p:txBody>
-      </p:sp>
-      <p:sp>
-        <p:nvSpPr>
-          <p:cNvPr id="10" name="Rechteck 9">
-            <a:extLst>
-              <a:ext uri="{FF2B5EF4-FFF2-40B4-BE49-F238E27FC236}">
-                <a16:creationId xmlns:a16="http://schemas.microsoft.com/office/drawing/2014/main" id="{23294234-B07B-4D7D-99FC-3DF2759ABB8F}"/>
-              </a:ext>
-            </a:extLst>
-          </p:cNvPr>
-          <p:cNvSpPr/>
-          <p:nvPr/>
-        </p:nvSpPr>
-        <p:spPr>
-          <a:xfrm>
-            <a:off x="2284412" y="4365413"/>
-            <a:ext cx="4572000" cy="1323439"/>
-          </a:xfrm>
-          <a:prstGeom prst="rect">
-            <a:avLst/>
-          </a:prstGeom>
-        </p:spPr>
-        <p:txBody>
-          <a:bodyPr>
-            <a:spAutoFit/>
-          </a:bodyPr>
-          <a:lstStyle/>
-          <a:p>
-            <a:pPr lvl="1"/>
-            <a:r>
-              <a:rPr lang="en-US" sz="2000" dirty="0">
-                <a:cs typeface="Arial" panose="020B0604020202020204" pitchFamily="34" charset="0"/>
-              </a:rPr>
-              <a:t>Toe and heel raise</a:t>
-            </a:r>
-          </a:p>
-          <a:p>
-            <a:pPr lvl="1"/>
-            <a:r>
-              <a:rPr lang="en-US" sz="2000" dirty="0" err="1">
-                <a:cs typeface="Arial" panose="020B0604020202020204" pitchFamily="34" charset="0"/>
-              </a:rPr>
-              <a:t>Suspination</a:t>
-            </a:r>
-            <a:r>
-              <a:rPr lang="en-US" sz="2000" dirty="0">
-                <a:cs typeface="Arial" panose="020B0604020202020204" pitchFamily="34" charset="0"/>
-              </a:rPr>
-              <a:t> and pronation</a:t>
-            </a:r>
-          </a:p>
-          <a:p>
-            <a:pPr lvl="1"/>
-            <a:r>
-              <a:rPr lang="en-US" sz="2000" dirty="0">
-                <a:cs typeface="Arial" panose="020B0604020202020204" pitchFamily="34" charset="0"/>
-              </a:rPr>
-              <a:t>Front and Back slide</a:t>
-            </a:r>
-          </a:p>
-          <a:p>
-            <a:pPr lvl="1"/>
-            <a:r>
-              <a:rPr lang="en-US" sz="2000" dirty="0">
-                <a:cs typeface="Arial" panose="020B0604020202020204" pitchFamily="34" charset="0"/>
-              </a:rPr>
-              <a:t>Rotate toe left and right</a:t>
             </a:r>
           </a:p>
         </p:txBody>
@@ -16092,8 +15006,8 @@
           <a:lstStyle/>
           <a:p>
             <a:r>
-              <a:rPr lang="de-DE" altLang="de-DE"/>
-              <a:t>Prof. Mädche – footbased-activity revognition</a:t>
+              <a:rPr lang="en-US" altLang="de-DE"/>
+              <a:t>Prof. Dr. Alexander Mädche – footbased-activity recognition</a:t>
             </a:r>
             <a:endParaRPr lang="de-DE" altLang="de-DE" dirty="0"/>
           </a:p>
@@ -16732,8 +15646,8 @@
           <a:lstStyle/>
           <a:p>
             <a:r>
-              <a:rPr lang="de-DE" altLang="de-DE"/>
-              <a:t>Prof. Mädche – footbased-activity revognition</a:t>
+              <a:rPr lang="en-US" altLang="de-DE"/>
+              <a:t>Prof. Dr. Alexander Mädche – footbased-activity recognition</a:t>
             </a:r>
             <a:endParaRPr lang="de-DE" altLang="de-DE" dirty="0"/>
           </a:p>
@@ -16950,6 +15864,35 @@
           </a:prstGeom>
         </p:spPr>
       </p:pic>
+      <p:sp>
+        <p:nvSpPr>
+          <p:cNvPr id="4" name="Fußzeilenplatzhalter 3">
+            <a:extLst>
+              <a:ext uri="{FF2B5EF4-FFF2-40B4-BE49-F238E27FC236}">
+                <a16:creationId xmlns:a16="http://schemas.microsoft.com/office/drawing/2014/main" id="{BE3BEA86-E9FC-464E-9EEB-CDD0CB689218}"/>
+              </a:ext>
+            </a:extLst>
+          </p:cNvPr>
+          <p:cNvSpPr>
+            <a:spLocks noGrp="1"/>
+          </p:cNvSpPr>
+          <p:nvPr>
+            <p:ph type="ftr" sz="quarter" idx="10"/>
+          </p:nvPr>
+        </p:nvSpPr>
+        <p:spPr/>
+        <p:txBody>
+          <a:bodyPr/>
+          <a:lstStyle/>
+          <a:p>
+            <a:r>
+              <a:rPr lang="en-US" altLang="de-DE"/>
+              <a:t>Prof. Dr. Alexander Mädche – footbased-activity recognition</a:t>
+            </a:r>
+            <a:endParaRPr lang="de-DE" altLang="de-DE" dirty="0"/>
+          </a:p>
+        </p:txBody>
+      </p:sp>
     </p:spTree>
     <p:extLst>
       <p:ext uri="{BB962C8B-B14F-4D97-AF65-F5344CB8AC3E}">

--- a/docs/presentation/final presentation/final presentation_foot-based activity recognition.pptx
+++ b/docs/presentation/final presentation/final presentation_foot-based activity recognition.pptx
@@ -5,10 +5,10 @@
     <p:sldMasterId id="2147483648" r:id="rId1"/>
   </p:sldMasterIdLst>
   <p:notesMasterIdLst>
-    <p:notesMasterId r:id="rId21"/>
+    <p:notesMasterId r:id="rId22"/>
   </p:notesMasterIdLst>
   <p:handoutMasterIdLst>
-    <p:handoutMasterId r:id="rId22"/>
+    <p:handoutMasterId r:id="rId23"/>
   </p:handoutMasterIdLst>
   <p:sldIdLst>
     <p:sldId id="256" r:id="rId2"/>
@@ -19,17 +19,18 @@
     <p:sldId id="285" r:id="rId7"/>
     <p:sldId id="286" r:id="rId8"/>
     <p:sldId id="282" r:id="rId9"/>
-    <p:sldId id="276" r:id="rId10"/>
-    <p:sldId id="281" r:id="rId11"/>
-    <p:sldId id="284" r:id="rId12"/>
-    <p:sldId id="272" r:id="rId13"/>
-    <p:sldId id="275" r:id="rId14"/>
-    <p:sldId id="262" r:id="rId15"/>
-    <p:sldId id="277" r:id="rId16"/>
-    <p:sldId id="258" r:id="rId17"/>
-    <p:sldId id="257" r:id="rId18"/>
-    <p:sldId id="261" r:id="rId19"/>
-    <p:sldId id="259" r:id="rId20"/>
+    <p:sldId id="275" r:id="rId10"/>
+    <p:sldId id="262" r:id="rId11"/>
+    <p:sldId id="281" r:id="rId12"/>
+    <p:sldId id="284" r:id="rId13"/>
+    <p:sldId id="288" r:id="rId14"/>
+    <p:sldId id="272" r:id="rId15"/>
+    <p:sldId id="287" r:id="rId16"/>
+    <p:sldId id="277" r:id="rId17"/>
+    <p:sldId id="258" r:id="rId18"/>
+    <p:sldId id="257" r:id="rId19"/>
+    <p:sldId id="261" r:id="rId20"/>
+    <p:sldId id="259" r:id="rId21"/>
   </p:sldIdLst>
   <p:sldSz cx="9144000" cy="6858000" type="screen4x3"/>
   <p:notesSz cx="6858000" cy="9144000"/>
@@ -3312,8 +3313,8 @@
       </dsp:nvSpPr>
       <dsp:spPr>
         <a:xfrm rot="5400000">
-          <a:off x="-176793" y="177677"/>
-          <a:ext cx="1178624" cy="825036"/>
+          <a:off x="-158996" y="160062"/>
+          <a:ext cx="1059974" cy="741982"/>
         </a:xfrm>
         <a:prstGeom prst="chevron">
           <a:avLst/>
@@ -3354,12 +3355,12 @@
         </a:fontRef>
       </dsp:style>
       <dsp:txBody>
-        <a:bodyPr spcFirstLastPara="0" vert="horz" wrap="square" lIns="15240" tIns="15240" rIns="15240" bIns="15240" numCol="1" spcCol="1270" anchor="ctr" anchorCtr="0">
+        <a:bodyPr spcFirstLastPara="0" vert="horz" wrap="square" lIns="13970" tIns="13970" rIns="13970" bIns="13970" numCol="1" spcCol="1270" anchor="ctr" anchorCtr="0">
           <a:noAutofit/>
         </a:bodyPr>
         <a:lstStyle/>
         <a:p>
-          <a:pPr marL="0" lvl="0" indent="0" algn="ctr" defTabSz="1066800">
+          <a:pPr marL="0" lvl="0" indent="0" algn="ctr" defTabSz="977900">
             <a:lnSpc>
               <a:spcPct val="90000"/>
             </a:lnSpc>
@@ -3371,12 +3372,12 @@
             </a:spcAft>
             <a:buNone/>
           </a:pPr>
-          <a:endParaRPr lang="en-GB" sz="2400" kern="1200" noProof="0" dirty="0"/>
+          <a:endParaRPr lang="en-GB" sz="2200" kern="1200" noProof="0" dirty="0"/>
         </a:p>
       </dsp:txBody>
       <dsp:txXfrm rot="-5400000">
-        <a:off x="1" y="413401"/>
-        <a:ext cx="825036" cy="353588"/>
+        <a:off x="0" y="372057"/>
+        <a:ext cx="741982" cy="317992"/>
       </dsp:txXfrm>
     </dsp:sp>
     <dsp:sp modelId="{2C9EE4B3-67B2-4126-B124-2FF399990CC0}">
@@ -3386,8 +3387,8 @@
       </dsp:nvSpPr>
       <dsp:spPr>
         <a:xfrm rot="5400000">
-          <a:off x="3773881" y="-2947960"/>
-          <a:ext cx="766105" cy="6663795"/>
+          <a:off x="3482883" y="-2739834"/>
+          <a:ext cx="688983" cy="6170785"/>
         </a:xfrm>
         <a:prstGeom prst="round2SameRect">
           <a:avLst/>
@@ -3427,12 +3428,12 @@
         <a:fontRef idx="minor"/>
       </dsp:style>
       <dsp:txBody>
-        <a:bodyPr spcFirstLastPara="0" vert="horz" wrap="square" lIns="177800" tIns="15875" rIns="15875" bIns="15875" numCol="1" spcCol="1270" anchor="ctr" anchorCtr="0">
+        <a:bodyPr spcFirstLastPara="0" vert="horz" wrap="square" lIns="156464" tIns="13970" rIns="13970" bIns="13970" numCol="1" spcCol="1270" anchor="ctr" anchorCtr="0">
           <a:noAutofit/>
         </a:bodyPr>
         <a:lstStyle/>
         <a:p>
-          <a:pPr marL="228600" lvl="1" indent="-228600" algn="l" defTabSz="1111250">
+          <a:pPr marL="228600" lvl="1" indent="-228600" algn="l" defTabSz="977900">
             <a:lnSpc>
               <a:spcPct val="90000"/>
             </a:lnSpc>
@@ -3445,14 +3446,14 @@
             <a:buChar char="•"/>
           </a:pPr>
           <a:r>
-            <a:rPr lang="en-GB" sz="2500" kern="1200" noProof="0" dirty="0"/>
+            <a:rPr lang="en-GB" sz="2200" kern="1200" noProof="0" dirty="0"/>
             <a:t>Instruction on the process of the evaluation</a:t>
           </a:r>
         </a:p>
       </dsp:txBody>
       <dsp:txXfrm rot="-5400000">
-        <a:off x="825036" y="38283"/>
-        <a:ext cx="6626397" cy="691309"/>
+        <a:off x="741983" y="34699"/>
+        <a:ext cx="6137152" cy="621717"/>
       </dsp:txXfrm>
     </dsp:sp>
     <dsp:sp modelId="{55C8EF97-FE2C-45BC-B3B5-F6E934C01C16}">
@@ -3462,8 +3463,8 @@
       </dsp:nvSpPr>
       <dsp:spPr>
         <a:xfrm rot="5400000">
-          <a:off x="-176793" y="1154898"/>
-          <a:ext cx="1178624" cy="825036"/>
+          <a:off x="-158996" y="1015233"/>
+          <a:ext cx="1059974" cy="741982"/>
         </a:xfrm>
         <a:prstGeom prst="chevron">
           <a:avLst/>
@@ -3504,12 +3505,12 @@
         </a:fontRef>
       </dsp:style>
       <dsp:txBody>
-        <a:bodyPr spcFirstLastPara="0" vert="horz" wrap="square" lIns="15240" tIns="15240" rIns="15240" bIns="15240" numCol="1" spcCol="1270" anchor="ctr" anchorCtr="0">
+        <a:bodyPr spcFirstLastPara="0" vert="horz" wrap="square" lIns="13970" tIns="13970" rIns="13970" bIns="13970" numCol="1" spcCol="1270" anchor="ctr" anchorCtr="0">
           <a:noAutofit/>
         </a:bodyPr>
         <a:lstStyle/>
         <a:p>
-          <a:pPr marL="0" lvl="0" indent="0" algn="ctr" defTabSz="1066800">
+          <a:pPr marL="0" lvl="0" indent="0" algn="ctr" defTabSz="977900">
             <a:lnSpc>
               <a:spcPct val="90000"/>
             </a:lnSpc>
@@ -3521,12 +3522,12 @@
             </a:spcAft>
             <a:buNone/>
           </a:pPr>
-          <a:endParaRPr lang="en-GB" sz="2400" kern="1200" noProof="0" dirty="0"/>
+          <a:endParaRPr lang="en-GB" sz="2200" kern="1200" noProof="0" dirty="0"/>
         </a:p>
       </dsp:txBody>
       <dsp:txXfrm rot="-5400000">
-        <a:off x="1" y="1390622"/>
-        <a:ext cx="825036" cy="353588"/>
+        <a:off x="0" y="1227228"/>
+        <a:ext cx="741982" cy="317992"/>
       </dsp:txXfrm>
     </dsp:sp>
     <dsp:sp modelId="{5C4DEC0F-AEFA-45A2-883D-FABF9DB29115}">
@@ -3536,8 +3537,8 @@
       </dsp:nvSpPr>
       <dsp:spPr>
         <a:xfrm rot="5400000">
-          <a:off x="3773881" y="-1970739"/>
-          <a:ext cx="766105" cy="6663795"/>
+          <a:off x="3482883" y="-1884663"/>
+          <a:ext cx="688983" cy="6170785"/>
         </a:xfrm>
         <a:prstGeom prst="round2SameRect">
           <a:avLst/>
@@ -3577,12 +3578,12 @@
         <a:fontRef idx="minor"/>
       </dsp:style>
       <dsp:txBody>
-        <a:bodyPr spcFirstLastPara="0" vert="horz" wrap="square" lIns="177800" tIns="15875" rIns="15875" bIns="15875" numCol="1" spcCol="1270" anchor="ctr" anchorCtr="0">
+        <a:bodyPr spcFirstLastPara="0" vert="horz" wrap="square" lIns="156464" tIns="13970" rIns="13970" bIns="13970" numCol="1" spcCol="1270" anchor="ctr" anchorCtr="0">
           <a:noAutofit/>
         </a:bodyPr>
         <a:lstStyle/>
         <a:p>
-          <a:pPr marL="228600" lvl="1" indent="-228600" algn="l" defTabSz="1111250">
+          <a:pPr marL="228600" lvl="1" indent="-228600" algn="l" defTabSz="977900">
             <a:lnSpc>
               <a:spcPct val="90000"/>
             </a:lnSpc>
@@ -3595,14 +3596,14 @@
             <a:buChar char="•"/>
           </a:pPr>
           <a:r>
-            <a:rPr lang="en-GB" sz="2500" kern="1200" noProof="0" dirty="0"/>
+            <a:rPr lang="en-GB" sz="2200" kern="1200" noProof="0" dirty="0"/>
             <a:t>The participants are given set of tasks to perform. </a:t>
           </a:r>
         </a:p>
       </dsp:txBody>
       <dsp:txXfrm rot="-5400000">
-        <a:off x="825036" y="1015504"/>
-        <a:ext cx="6626397" cy="691309"/>
+        <a:off x="741983" y="889870"/>
+        <a:ext cx="6137152" cy="621717"/>
       </dsp:txXfrm>
     </dsp:sp>
     <dsp:sp modelId="{73EAE748-FCCC-46C8-9EFC-C434C5144562}">
@@ -3612,8 +3613,8 @@
       </dsp:nvSpPr>
       <dsp:spPr>
         <a:xfrm rot="5400000">
-          <a:off x="-176793" y="2132119"/>
-          <a:ext cx="1178624" cy="825036"/>
+          <a:off x="-158996" y="1870404"/>
+          <a:ext cx="1059974" cy="741982"/>
         </a:xfrm>
         <a:prstGeom prst="chevron">
           <a:avLst/>
@@ -3654,12 +3655,12 @@
         </a:fontRef>
       </dsp:style>
       <dsp:txBody>
-        <a:bodyPr spcFirstLastPara="0" vert="horz" wrap="square" lIns="15240" tIns="15240" rIns="15240" bIns="15240" numCol="1" spcCol="1270" anchor="ctr" anchorCtr="0">
+        <a:bodyPr spcFirstLastPara="0" vert="horz" wrap="square" lIns="13970" tIns="13970" rIns="13970" bIns="13970" numCol="1" spcCol="1270" anchor="ctr" anchorCtr="0">
           <a:noAutofit/>
         </a:bodyPr>
         <a:lstStyle/>
         <a:p>
-          <a:pPr marL="0" lvl="0" indent="0" algn="ctr" defTabSz="1066800">
+          <a:pPr marL="0" lvl="0" indent="0" algn="ctr" defTabSz="977900">
             <a:lnSpc>
               <a:spcPct val="90000"/>
             </a:lnSpc>
@@ -3671,12 +3672,12 @@
             </a:spcAft>
             <a:buNone/>
           </a:pPr>
-          <a:endParaRPr lang="en-GB" sz="2400" kern="1200" noProof="0" dirty="0"/>
+          <a:endParaRPr lang="en-GB" sz="2200" kern="1200" noProof="0" dirty="0"/>
         </a:p>
       </dsp:txBody>
       <dsp:txXfrm rot="-5400000">
-        <a:off x="1" y="2367843"/>
-        <a:ext cx="825036" cy="353588"/>
+        <a:off x="0" y="2082399"/>
+        <a:ext cx="741982" cy="317992"/>
       </dsp:txXfrm>
     </dsp:sp>
     <dsp:sp modelId="{EB35E926-F32E-4173-AED5-1C611E515A11}">
@@ -3686,8 +3687,8 @@
       </dsp:nvSpPr>
       <dsp:spPr>
         <a:xfrm rot="5400000">
-          <a:off x="3773881" y="-993518"/>
-          <a:ext cx="766105" cy="6663795"/>
+          <a:off x="3482883" y="-1029493"/>
+          <a:ext cx="688983" cy="6170785"/>
         </a:xfrm>
         <a:prstGeom prst="round2SameRect">
           <a:avLst/>
@@ -3727,12 +3728,12 @@
         <a:fontRef idx="minor"/>
       </dsp:style>
       <dsp:txBody>
-        <a:bodyPr spcFirstLastPara="0" vert="horz" wrap="square" lIns="177800" tIns="15875" rIns="15875" bIns="15875" numCol="1" spcCol="1270" anchor="ctr" anchorCtr="0">
+        <a:bodyPr spcFirstLastPara="0" vert="horz" wrap="square" lIns="156464" tIns="13970" rIns="13970" bIns="13970" numCol="1" spcCol="1270" anchor="ctr" anchorCtr="0">
           <a:noAutofit/>
         </a:bodyPr>
         <a:lstStyle/>
         <a:p>
-          <a:pPr marL="228600" lvl="1" indent="-228600" algn="l" defTabSz="1111250">
+          <a:pPr marL="228600" lvl="1" indent="-228600" algn="l" defTabSz="977900">
             <a:lnSpc>
               <a:spcPct val="90000"/>
             </a:lnSpc>
@@ -3745,14 +3746,14 @@
             <a:buChar char="•"/>
           </a:pPr>
           <a:r>
-            <a:rPr lang="en-GB" sz="2500" kern="1200" noProof="0" dirty="0"/>
+            <a:rPr lang="en-GB" sz="2200" kern="1200" noProof="0" dirty="0"/>
             <a:t>The opinion of the participants and performance indicators are measured</a:t>
           </a:r>
         </a:p>
       </dsp:txBody>
       <dsp:txXfrm rot="-5400000">
-        <a:off x="825036" y="1992725"/>
-        <a:ext cx="6626397" cy="691309"/>
+        <a:off x="741983" y="1745040"/>
+        <a:ext cx="6137152" cy="621717"/>
       </dsp:txXfrm>
     </dsp:sp>
   </dsp:spTree>
@@ -6853,7 +6854,7 @@
             </a:pPr>
             <a:fld id="{F4539D2B-C763-4100-A573-12D3AB7BF3BE}" type="datetime1">
               <a:rPr lang="de-DE" smtClean="0"/>
-              <a:t>10.07.2018</a:t>
+              <a:t>12.07.2018</a:t>
             </a:fld>
             <a:endParaRPr lang="de-DE"/>
           </a:p>
@@ -11074,43 +11075,51 @@
       </p:grpSpPr>
       <p:sp>
         <p:nvSpPr>
-          <p:cNvPr id="2" name="Titel 1">
-            <a:extLst>
-              <a:ext uri="{FF2B5EF4-FFF2-40B4-BE49-F238E27FC236}">
-                <a16:creationId xmlns:a16="http://schemas.microsoft.com/office/drawing/2014/main" id="{3A0D60BF-60CB-4F2F-9A7A-B449FEBB77AE}"/>
-              </a:ext>
-            </a:extLst>
-          </p:cNvPr>
-          <p:cNvSpPr>
+          <p:cNvPr id="145" name="Software"/>
+          <p:cNvSpPr txBox="1">
             <a:spLocks noGrp="1"/>
           </p:cNvSpPr>
           <p:nvPr>
             <p:ph type="title"/>
           </p:nvPr>
         </p:nvSpPr>
-        <p:spPr/>
+        <p:spPr>
+          <a:prstGeom prst="rect">
+            <a:avLst/>
+          </a:prstGeom>
+        </p:spPr>
         <p:txBody>
-          <a:bodyPr/>
+          <a:bodyPr>
+            <a:normAutofit/>
+          </a:bodyPr>
           <a:lstStyle/>
           <a:p>
             <a:r>
               <a:rPr lang="de-DE" dirty="0"/>
-              <a:t>Evaluation - </a:t>
+              <a:t>Sensor </a:t>
             </a:r>
             <a:r>
               <a:rPr lang="de-DE" dirty="0" err="1"/>
-              <a:t>Overview</a:t>
-            </a:r>
-            <a:endParaRPr lang="de-DE" dirty="0"/>
+              <a:t>data</a:t>
+            </a:r>
+            <a:r>
+              <a:rPr lang="de-DE" dirty="0"/>
+              <a:t> </a:t>
+            </a:r>
+            <a:r>
+              <a:rPr lang="de-DE" dirty="0" err="1"/>
+              <a:t>output</a:t>
+            </a:r>
+            <a:endParaRPr dirty="0"/>
           </a:p>
         </p:txBody>
       </p:sp>
       <p:sp>
         <p:nvSpPr>
-          <p:cNvPr id="3" name="Inhaltsplatzhalter 2">
+          <p:cNvPr id="4" name="Inhaltsplatzhalter 3">
             <a:extLst>
               <a:ext uri="{FF2B5EF4-FFF2-40B4-BE49-F238E27FC236}">
-                <a16:creationId xmlns:a16="http://schemas.microsoft.com/office/drawing/2014/main" id="{2E24CB45-1962-4CC6-A767-1F31E2733BDC}"/>
+                <a16:creationId xmlns:a16="http://schemas.microsoft.com/office/drawing/2014/main" id="{4816488E-43EA-4790-B23E-4AB8FC279605}"/>
               </a:ext>
             </a:extLst>
           </p:cNvPr>
@@ -11128,19 +11137,11 @@
           <a:p>
             <a:r>
               <a:rPr lang="de-DE" dirty="0"/>
-              <a:t>The </a:t>
+              <a:t>This </a:t>
             </a:r>
             <a:r>
               <a:rPr lang="de-DE" dirty="0" err="1"/>
-              <a:t>goal</a:t>
-            </a:r>
-            <a:r>
-              <a:rPr lang="de-DE" dirty="0"/>
-              <a:t> was </a:t>
-            </a:r>
-            <a:r>
-              <a:rPr lang="de-DE" dirty="0" err="1"/>
-              <a:t>to</a:t>
+              <a:t>is</a:t>
             </a:r>
             <a:r>
               <a:rPr lang="de-DE" dirty="0"/>
@@ -11148,7 +11149,7 @@
             </a:r>
             <a:r>
               <a:rPr lang="de-DE" dirty="0" err="1"/>
-              <a:t>assess</a:t>
+              <a:t>the</a:t>
             </a:r>
             <a:r>
               <a:rPr lang="de-DE" dirty="0"/>
@@ -11156,7 +11157,7 @@
             </a:r>
             <a:r>
               <a:rPr lang="de-DE" dirty="0" err="1"/>
-              <a:t>the</a:t>
+              <a:t>data</a:t>
             </a:r>
             <a:r>
               <a:rPr lang="de-DE" dirty="0"/>
@@ -11164,7 +11165,7 @@
             </a:r>
             <a:r>
               <a:rPr lang="de-DE" dirty="0" err="1"/>
-              <a:t>usability</a:t>
+              <a:t>we</a:t>
             </a:r>
             <a:r>
               <a:rPr lang="de-DE" dirty="0"/>
@@ -11172,7 +11173,7 @@
             </a:r>
             <a:r>
               <a:rPr lang="de-DE" dirty="0" err="1"/>
-              <a:t>of</a:t>
+              <a:t>receive</a:t>
             </a:r>
             <a:r>
               <a:rPr lang="de-DE" dirty="0"/>
@@ -11180,7 +11181,15 @@
             </a:r>
             <a:r>
               <a:rPr lang="de-DE" dirty="0" err="1"/>
-              <a:t>our</a:t>
+              <a:t>from</a:t>
+            </a:r>
+            <a:r>
+              <a:rPr lang="de-DE" dirty="0"/>
+              <a:t> out </a:t>
+            </a:r>
+            <a:r>
+              <a:rPr lang="de-DE" dirty="0" err="1"/>
+              <a:t>sensor</a:t>
             </a:r>
             <a:r>
               <a:rPr lang="de-DE" dirty="0"/>
@@ -11188,26 +11197,7 @@
             </a:r>
             <a:r>
               <a:rPr lang="de-DE" dirty="0" err="1"/>
-              <a:t>foot</a:t>
-            </a:r>
-            <a:r>
-              <a:rPr lang="de-DE" dirty="0"/>
-              <a:t>-bases </a:t>
-            </a:r>
-            <a:r>
-              <a:rPr lang="de-DE" dirty="0" err="1"/>
-              <a:t>sensor</a:t>
-            </a:r>
-            <a:endParaRPr lang="de-DE" dirty="0"/>
-          </a:p>
-          <a:p>
-            <a:r>
-              <a:rPr lang="de-DE" dirty="0"/>
-              <a:t>The </a:t>
-            </a:r>
-            <a:r>
-              <a:rPr lang="de-DE" dirty="0" err="1"/>
-              <a:t>structure</a:t>
+              <a:t>for</a:t>
             </a:r>
             <a:r>
               <a:rPr lang="de-DE" dirty="0"/>
@@ -11215,7 +11205,7 @@
             </a:r>
             <a:r>
               <a:rPr lang="de-DE" dirty="0" err="1"/>
-              <a:t>of</a:t>
+              <a:t>the</a:t>
             </a:r>
             <a:r>
               <a:rPr lang="de-DE" dirty="0"/>
@@ -11223,6 +11213,29 @@
             </a:r>
             <a:r>
               <a:rPr lang="de-DE" dirty="0" err="1"/>
+              <a:t>movement</a:t>
+            </a:r>
+            <a:r>
+              <a:rPr lang="de-DE" dirty="0"/>
+              <a:t> „</a:t>
+            </a:r>
+            <a:r>
+              <a:rPr lang="de-DE" dirty="0" err="1"/>
+              <a:t>suspination</a:t>
+            </a:r>
+            <a:r>
+              <a:rPr lang="de-DE" dirty="0"/>
+              <a:t>“</a:t>
+            </a:r>
+          </a:p>
+          <a:p>
+            <a:pPr lvl="1"/>
+            <a:r>
+              <a:rPr lang="de-DE" dirty="0"/>
+              <a:t>In </a:t>
+            </a:r>
+            <a:r>
+              <a:rPr lang="de-DE" dirty="0" err="1"/>
               <a:t>the</a:t>
             </a:r>
             <a:r>
@@ -11231,21 +11244,149 @@
             </a:r>
             <a:r>
               <a:rPr lang="de-DE" dirty="0" err="1"/>
-              <a:t>evaluation</a:t>
+              <a:t>future</a:t>
             </a:r>
             <a:r>
               <a:rPr lang="de-DE" dirty="0"/>
-              <a:t>:</a:t>
-            </a:r>
+              <a:t> </a:t>
+            </a:r>
+            <a:r>
+              <a:rPr lang="de-DE" dirty="0" err="1"/>
+              <a:t>the</a:t>
+            </a:r>
+            <a:r>
+              <a:rPr lang="de-DE" dirty="0"/>
+              <a:t> </a:t>
+            </a:r>
+            <a:r>
+              <a:rPr lang="de-DE" dirty="0" err="1"/>
+              <a:t>system</a:t>
+            </a:r>
+            <a:r>
+              <a:rPr lang="de-DE" dirty="0"/>
+              <a:t> </a:t>
+            </a:r>
+            <a:r>
+              <a:rPr lang="de-DE" dirty="0" err="1"/>
+              <a:t>can</a:t>
+            </a:r>
+            <a:r>
+              <a:rPr lang="de-DE" dirty="0"/>
+              <a:t> </a:t>
+            </a:r>
+            <a:r>
+              <a:rPr lang="de-DE" dirty="0" err="1"/>
+              <a:t>differentiate</a:t>
+            </a:r>
+            <a:r>
+              <a:rPr lang="de-DE" dirty="0"/>
+              <a:t> </a:t>
+            </a:r>
+            <a:r>
+              <a:rPr lang="de-DE" dirty="0" err="1"/>
+              <a:t>between</a:t>
+            </a:r>
+            <a:r>
+              <a:rPr lang="de-DE" dirty="0"/>
+              <a:t> </a:t>
+            </a:r>
+            <a:r>
+              <a:rPr lang="de-DE" dirty="0" err="1"/>
+              <a:t>the</a:t>
+            </a:r>
+            <a:r>
+              <a:rPr lang="de-DE" dirty="0"/>
+              <a:t> </a:t>
+            </a:r>
+            <a:r>
+              <a:rPr lang="de-DE" dirty="0" err="1"/>
+              <a:t>movements</a:t>
+            </a:r>
+            <a:r>
+              <a:rPr lang="de-DE" dirty="0"/>
+              <a:t> </a:t>
+            </a:r>
+            <a:r>
+              <a:rPr lang="de-DE" dirty="0" err="1"/>
+              <a:t>based</a:t>
+            </a:r>
+            <a:r>
+              <a:rPr lang="de-DE" dirty="0"/>
+              <a:t> on </a:t>
+            </a:r>
+            <a:r>
+              <a:rPr lang="de-DE" dirty="0" err="1"/>
+              <a:t>the</a:t>
+            </a:r>
+            <a:r>
+              <a:rPr lang="de-DE" dirty="0"/>
+              <a:t> </a:t>
+            </a:r>
+            <a:r>
+              <a:rPr lang="de-DE" dirty="0" err="1"/>
+              <a:t>data</a:t>
+            </a:r>
+            <a:r>
+              <a:rPr lang="de-DE" dirty="0"/>
+              <a:t> </a:t>
+            </a:r>
+            <a:r>
+              <a:rPr lang="de-DE" dirty="0" err="1"/>
+              <a:t>alone</a:t>
+            </a:r>
+            <a:endParaRPr lang="de-DE" dirty="0"/>
+          </a:p>
+          <a:p>
+            <a:pPr lvl="1"/>
+            <a:endParaRPr lang="de-DE" dirty="0"/>
+          </a:p>
+          <a:p>
+            <a:endParaRPr lang="de-DE" dirty="0"/>
           </a:p>
         </p:txBody>
       </p:sp>
+      <p:pic>
+        <p:nvPicPr>
+          <p:cNvPr id="3" name="Grafik 2">
+            <a:extLst>
+              <a:ext uri="{FF2B5EF4-FFF2-40B4-BE49-F238E27FC236}">
+                <a16:creationId xmlns:a16="http://schemas.microsoft.com/office/drawing/2014/main" id="{9DD19CC6-E9C9-4192-BD09-B52F1F8ED71D}"/>
+              </a:ext>
+            </a:extLst>
+          </p:cNvPr>
+          <p:cNvPicPr>
+            <a:picLocks noChangeAspect="1"/>
+          </p:cNvPicPr>
+          <p:nvPr/>
+        </p:nvPicPr>
+        <p:blipFill>
+          <a:blip r:embed="rId2">
+            <a:extLst>
+              <a:ext uri="{28A0092B-C50C-407E-A947-70E740481C1C}">
+                <a14:useLocalDpi xmlns:a14="http://schemas.microsoft.com/office/drawing/2010/main" val="0"/>
+              </a:ext>
+            </a:extLst>
+          </a:blip>
+          <a:stretch>
+            <a:fillRect/>
+          </a:stretch>
+        </p:blipFill>
+        <p:spPr>
+          <a:xfrm>
+            <a:off x="-371618" y="3148524"/>
+            <a:ext cx="9882474" cy="2569444"/>
+          </a:xfrm>
+          <a:prstGeom prst="rect">
+            <a:avLst/>
+          </a:prstGeom>
+        </p:spPr>
+      </p:pic>
       <p:sp>
         <p:nvSpPr>
-          <p:cNvPr id="4" name="Fußzeilenplatzhalter 3">
+          <p:cNvPr id="2" name="Fußzeilenplatzhalter 1">
             <a:extLst>
               <a:ext uri="{FF2B5EF4-FFF2-40B4-BE49-F238E27FC236}">
-                <a16:creationId xmlns:a16="http://schemas.microsoft.com/office/drawing/2014/main" id="{9DE01315-BC3D-4F26-B536-8324630FB9D0}"/>
+                <a16:creationId xmlns:a16="http://schemas.microsoft.com/office/drawing/2014/main" id="{E1561025-86F4-4BF4-806C-9E610CA33AF6}"/>
               </a:ext>
             </a:extLst>
           </p:cNvPr>
@@ -11269,40 +11410,7 @@
           </a:p>
         </p:txBody>
       </p:sp>
-      <p:graphicFrame>
-        <p:nvGraphicFramePr>
-          <p:cNvPr id="5" name="Diagramm 4">
-            <a:extLst>
-              <a:ext uri="{FF2B5EF4-FFF2-40B4-BE49-F238E27FC236}">
-                <a16:creationId xmlns:a16="http://schemas.microsoft.com/office/drawing/2014/main" id="{B55E3907-17FB-412D-A57F-4C4B34B54830}"/>
-              </a:ext>
-            </a:extLst>
-          </p:cNvPr>
-          <p:cNvGraphicFramePr/>
-          <p:nvPr>
-            <p:extLst>
-              <p:ext uri="{D42A27DB-BD31-4B8C-83A1-F6EECF244321}">
-                <p14:modId xmlns:p14="http://schemas.microsoft.com/office/powerpoint/2010/main" val="2932110282"/>
-              </p:ext>
-            </p:extLst>
-          </p:nvPr>
-        </p:nvGraphicFramePr>
-        <p:xfrm>
-          <a:off x="683568" y="2742438"/>
-          <a:ext cx="7488832" cy="3134834"/>
-        </p:xfrm>
-        <a:graphic>
-          <a:graphicData uri="http://schemas.openxmlformats.org/drawingml/2006/diagram">
-            <dgm:relIds xmlns:dgm="http://schemas.openxmlformats.org/drawingml/2006/diagram" xmlns:r="http://schemas.openxmlformats.org/officeDocument/2006/relationships" r:dm="rId2" r:lo="rId3" r:qs="rId4" r:cs="rId5"/>
-          </a:graphicData>
-        </a:graphic>
-      </p:graphicFrame>
     </p:spTree>
-    <p:extLst>
-      <p:ext uri="{BB962C8B-B14F-4D97-AF65-F5344CB8AC3E}">
-        <p14:creationId xmlns:p14="http://schemas.microsoft.com/office/powerpoint/2010/main" val="2489148469"/>
-      </p:ext>
-    </p:extLst>
   </p:cSld>
   <p:clrMapOvr>
     <a:masterClrMapping/>
@@ -11354,7 +11462,7 @@
             </a:r>
             <a:r>
               <a:rPr lang="de-DE" dirty="0" err="1"/>
-              <a:t>Results</a:t>
+              <a:t>Overview</a:t>
             </a:r>
             <a:endParaRPr lang="de-DE" dirty="0"/>
           </a:p>
@@ -11383,27 +11491,19 @@
           <a:p>
             <a:r>
               <a:rPr lang="de-DE" dirty="0"/>
-              <a:t>Multiple </a:t>
+              <a:t>The </a:t>
             </a:r>
             <a:r>
               <a:rPr lang="de-DE" dirty="0" err="1"/>
-              <a:t>pie</a:t>
+              <a:t>goal</a:t>
             </a:r>
             <a:r>
               <a:rPr lang="de-DE" dirty="0"/>
-              <a:t> and bar </a:t>
+              <a:t> was </a:t>
             </a:r>
             <a:r>
               <a:rPr lang="de-DE" dirty="0" err="1"/>
-              <a:t>charts</a:t>
-            </a:r>
-            <a:r>
-              <a:rPr lang="de-DE" dirty="0"/>
-              <a:t> will </a:t>
-            </a:r>
-            <a:r>
-              <a:rPr lang="de-DE" dirty="0" err="1"/>
-              <a:t>be</a:t>
+              <a:t>to</a:t>
             </a:r>
             <a:r>
               <a:rPr lang="de-DE" dirty="0"/>
@@ -11411,7 +11511,7 @@
             </a:r>
             <a:r>
               <a:rPr lang="de-DE" dirty="0" err="1"/>
-              <a:t>made</a:t>
+              <a:t>assess</a:t>
             </a:r>
             <a:r>
               <a:rPr lang="de-DE" dirty="0"/>
@@ -11419,7 +11519,7 @@
             </a:r>
             <a:r>
               <a:rPr lang="de-DE" dirty="0" err="1"/>
-              <a:t>to</a:t>
+              <a:t>the</a:t>
             </a:r>
             <a:r>
               <a:rPr lang="de-DE" dirty="0"/>
@@ -11427,7 +11527,7 @@
             </a:r>
             <a:r>
               <a:rPr lang="de-DE" dirty="0" err="1"/>
-              <a:t>represent</a:t>
+              <a:t>usability</a:t>
             </a:r>
             <a:r>
               <a:rPr lang="de-DE" dirty="0"/>
@@ -11435,7 +11535,7 @@
             </a:r>
             <a:r>
               <a:rPr lang="de-DE" dirty="0" err="1"/>
-              <a:t>the</a:t>
+              <a:t>of</a:t>
             </a:r>
             <a:r>
               <a:rPr lang="de-DE" dirty="0"/>
@@ -11443,7 +11543,7 @@
             </a:r>
             <a:r>
               <a:rPr lang="de-DE" dirty="0" err="1"/>
-              <a:t>results</a:t>
+              <a:t>our</a:t>
             </a:r>
             <a:r>
               <a:rPr lang="de-DE" dirty="0"/>
@@ -11451,23 +11551,15 @@
             </a:r>
             <a:r>
               <a:rPr lang="de-DE" dirty="0" err="1"/>
-              <a:t>of</a:t>
+              <a:t>foot</a:t>
             </a:r>
             <a:r>
               <a:rPr lang="de-DE" dirty="0"/>
-              <a:t> </a:t>
+              <a:t>-bases </a:t>
             </a:r>
             <a:r>
               <a:rPr lang="de-DE" dirty="0" err="1"/>
-              <a:t>the</a:t>
-            </a:r>
-            <a:r>
-              <a:rPr lang="de-DE" dirty="0"/>
-              <a:t> </a:t>
-            </a:r>
-            <a:r>
-              <a:rPr lang="de-DE" dirty="0" err="1"/>
-              <a:t>evaluation</a:t>
+              <a:t>sensor</a:t>
             </a:r>
             <a:endParaRPr lang="de-DE" dirty="0"/>
           </a:p>
@@ -11498,7 +11590,11 @@
                   <a:srgbClr val="FF0000"/>
                 </a:solidFill>
               </a:rPr>
-              <a:t>XXX </a:t>
+              <a:t>XXX</a:t>
+            </a:r>
+            <a:r>
+              <a:rPr lang="de-DE" dirty="0"/>
+              <a:t> </a:t>
             </a:r>
             <a:r>
               <a:rPr lang="de-DE" dirty="0" err="1"/>
@@ -11507,12 +11603,13 @@
             <a:endParaRPr lang="de-DE" dirty="0"/>
           </a:p>
           <a:p>
-            <a:endParaRPr lang="de-DE" dirty="0"/>
-          </a:p>
-          <a:p>
+            <a:r>
+              <a:rPr lang="de-DE" dirty="0"/>
+              <a:t>The </a:t>
+            </a:r>
             <a:r>
               <a:rPr lang="de-DE" dirty="0" err="1"/>
-              <a:t>Results</a:t>
+              <a:t>structure</a:t>
             </a:r>
             <a:r>
               <a:rPr lang="de-DE" dirty="0"/>
@@ -11520,7 +11617,7 @@
             </a:r>
             <a:r>
               <a:rPr lang="de-DE" dirty="0" err="1"/>
-              <a:t>that</a:t>
+              <a:t>of</a:t>
             </a:r>
             <a:r>
               <a:rPr lang="de-DE" dirty="0"/>
@@ -11528,7 +11625,7 @@
             </a:r>
             <a:r>
               <a:rPr lang="de-DE" dirty="0" err="1"/>
-              <a:t>should</a:t>
+              <a:t>the</a:t>
             </a:r>
             <a:r>
               <a:rPr lang="de-DE" dirty="0"/>
@@ -11536,88 +11633,12 @@
             </a:r>
             <a:r>
               <a:rPr lang="de-DE" dirty="0" err="1"/>
-              <a:t>be</a:t>
+              <a:t>evaluation</a:t>
             </a:r>
             <a:r>
               <a:rPr lang="de-DE" dirty="0"/>
-              <a:t> </a:t>
-            </a:r>
-            <a:r>
-              <a:rPr lang="de-DE" dirty="0" err="1"/>
-              <a:t>shown</a:t>
-            </a:r>
-            <a:r>
-              <a:rPr lang="de-DE" dirty="0"/>
-              <a:t>: </a:t>
-            </a:r>
-          </a:p>
-          <a:p>
-            <a:pPr lvl="1"/>
-            <a:r>
-              <a:rPr lang="de-DE" dirty="0"/>
-              <a:t>F1 </a:t>
-            </a:r>
-            <a:r>
-              <a:rPr lang="de-DE" dirty="0" err="1"/>
-              <a:t>Measure</a:t>
-            </a:r>
-            <a:r>
-              <a:rPr lang="de-DE" dirty="0"/>
-              <a:t> </a:t>
-            </a:r>
-            <a:r>
-              <a:rPr lang="de-DE" dirty="0">
-                <a:solidFill>
-                  <a:srgbClr val="FF0000"/>
-                </a:solidFill>
-              </a:rPr>
-              <a:t>(</a:t>
-            </a:r>
-            <a:r>
-              <a:rPr lang="de-DE" dirty="0" err="1">
-                <a:solidFill>
-                  <a:srgbClr val="FF0000"/>
-                </a:solidFill>
-              </a:rPr>
-              <a:t>or</a:t>
-            </a:r>
-            <a:r>
-              <a:rPr lang="de-DE" dirty="0">
-                <a:solidFill>
-                  <a:srgbClr val="FF0000"/>
-                </a:solidFill>
-              </a:rPr>
-              <a:t> Precision and Recall)</a:t>
-            </a:r>
-          </a:p>
-          <a:p>
-            <a:pPr lvl="1"/>
-            <a:r>
-              <a:rPr lang="en-US" dirty="0"/>
-              <a:t>Each tasks difficulty to perform:	1 - 5</a:t>
-            </a:r>
-          </a:p>
-          <a:p>
-            <a:pPr lvl="1"/>
-            <a:r>
-              <a:rPr lang="en-US" dirty="0"/>
-              <a:t>Precision of sensor:		1 - 5</a:t>
-            </a:r>
-          </a:p>
-          <a:p>
-            <a:pPr lvl="1"/>
-            <a:r>
-              <a:rPr lang="en-US" dirty="0"/>
-              <a:t>Usability of sensor: 		1 - 5</a:t>
-            </a:r>
-          </a:p>
-          <a:p>
-            <a:pPr lvl="1"/>
-            <a:r>
-              <a:rPr lang="en-US" dirty="0"/>
-              <a:t>Would you use it in your everyday work? (Given the sensor would be smaller, wireless and with a good battery) 1 - 5</a:t>
-            </a:r>
-            <a:endParaRPr lang="de-DE" dirty="0"/>
+              <a:t>:</a:t>
+            </a:r>
           </a:p>
         </p:txBody>
       </p:sp>
@@ -11650,6 +11671,426 @@
           </a:p>
         </p:txBody>
       </p:sp>
+      <p:graphicFrame>
+        <p:nvGraphicFramePr>
+          <p:cNvPr id="5" name="Diagramm 4">
+            <a:extLst>
+              <a:ext uri="{FF2B5EF4-FFF2-40B4-BE49-F238E27FC236}">
+                <a16:creationId xmlns:a16="http://schemas.microsoft.com/office/drawing/2014/main" id="{B55E3907-17FB-412D-A57F-4C4B34B54830}"/>
+              </a:ext>
+            </a:extLst>
+          </p:cNvPr>
+          <p:cNvGraphicFramePr/>
+          <p:nvPr>
+            <p:extLst>
+              <p:ext uri="{D42A27DB-BD31-4B8C-83A1-F6EECF244321}">
+                <p14:modId xmlns:p14="http://schemas.microsoft.com/office/powerpoint/2010/main" val="893945889"/>
+              </p:ext>
+            </p:extLst>
+          </p:nvPr>
+        </p:nvGraphicFramePr>
+        <p:xfrm>
+          <a:off x="1115616" y="3140968"/>
+          <a:ext cx="6912768" cy="2772449"/>
+        </p:xfrm>
+        <a:graphic>
+          <a:graphicData uri="http://schemas.openxmlformats.org/drawingml/2006/diagram">
+            <dgm:relIds xmlns:dgm="http://schemas.openxmlformats.org/drawingml/2006/diagram" xmlns:r="http://schemas.openxmlformats.org/officeDocument/2006/relationships" r:dm="rId2" r:lo="rId3" r:qs="rId4" r:cs="rId5"/>
+          </a:graphicData>
+        </a:graphic>
+      </p:graphicFrame>
+    </p:spTree>
+    <p:extLst>
+      <p:ext uri="{BB962C8B-B14F-4D97-AF65-F5344CB8AC3E}">
+        <p14:creationId xmlns:p14="http://schemas.microsoft.com/office/powerpoint/2010/main" val="2489148469"/>
+      </p:ext>
+    </p:extLst>
+  </p:cSld>
+  <p:clrMapOvr>
+    <a:masterClrMapping/>
+  </p:clrMapOvr>
+</p:sld>
+</file>
+
+<file path=ppt/slides/slide12.xml><?xml version="1.0" encoding="utf-8"?>
+<p:sld xmlns:a="http://schemas.openxmlformats.org/drawingml/2006/main" xmlns:r="http://schemas.openxmlformats.org/officeDocument/2006/relationships" xmlns:p="http://schemas.openxmlformats.org/presentationml/2006/main">
+  <p:cSld>
+    <p:spTree>
+      <p:nvGrpSpPr>
+        <p:cNvPr id="1" name=""/>
+        <p:cNvGrpSpPr/>
+        <p:nvPr/>
+      </p:nvGrpSpPr>
+      <p:grpSpPr>
+        <a:xfrm>
+          <a:off x="0" y="0"/>
+          <a:ext cx="0" cy="0"/>
+          <a:chOff x="0" y="0"/>
+          <a:chExt cx="0" cy="0"/>
+        </a:xfrm>
+      </p:grpSpPr>
+      <p:sp>
+        <p:nvSpPr>
+          <p:cNvPr id="2" name="Titel 1">
+            <a:extLst>
+              <a:ext uri="{FF2B5EF4-FFF2-40B4-BE49-F238E27FC236}">
+                <a16:creationId xmlns:a16="http://schemas.microsoft.com/office/drawing/2014/main" id="{3A0D60BF-60CB-4F2F-9A7A-B449FEBB77AE}"/>
+              </a:ext>
+            </a:extLst>
+          </p:cNvPr>
+          <p:cNvSpPr>
+            <a:spLocks noGrp="1"/>
+          </p:cNvSpPr>
+          <p:nvPr>
+            <p:ph type="title"/>
+          </p:nvPr>
+        </p:nvSpPr>
+        <p:spPr/>
+        <p:txBody>
+          <a:bodyPr/>
+          <a:lstStyle/>
+          <a:p>
+            <a:r>
+              <a:rPr lang="de-DE" dirty="0"/>
+              <a:t>Evaluation - </a:t>
+            </a:r>
+            <a:r>
+              <a:rPr lang="de-DE" dirty="0" err="1"/>
+              <a:t>Results</a:t>
+            </a:r>
+            <a:endParaRPr lang="de-DE" dirty="0"/>
+          </a:p>
+        </p:txBody>
+      </p:sp>
+      <p:sp>
+        <p:nvSpPr>
+          <p:cNvPr id="3" name="Inhaltsplatzhalter 2">
+            <a:extLst>
+              <a:ext uri="{FF2B5EF4-FFF2-40B4-BE49-F238E27FC236}">
+                <a16:creationId xmlns:a16="http://schemas.microsoft.com/office/drawing/2014/main" id="{2E24CB45-1962-4CC6-A767-1F31E2733BDC}"/>
+              </a:ext>
+            </a:extLst>
+          </p:cNvPr>
+          <p:cNvSpPr>
+            <a:spLocks noGrp="1"/>
+          </p:cNvSpPr>
+          <p:nvPr>
+            <p:ph idx="1"/>
+          </p:nvPr>
+        </p:nvSpPr>
+        <p:spPr/>
+        <p:txBody>
+          <a:bodyPr/>
+          <a:lstStyle/>
+          <a:p>
+            <a:r>
+              <a:rPr lang="de-DE" dirty="0"/>
+              <a:t>Multiple </a:t>
+            </a:r>
+            <a:r>
+              <a:rPr lang="de-DE" dirty="0" err="1"/>
+              <a:t>pie</a:t>
+            </a:r>
+            <a:r>
+              <a:rPr lang="de-DE" dirty="0"/>
+              <a:t> and bar </a:t>
+            </a:r>
+            <a:r>
+              <a:rPr lang="de-DE" dirty="0" err="1"/>
+              <a:t>charts</a:t>
+            </a:r>
+            <a:r>
+              <a:rPr lang="de-DE" dirty="0"/>
+              <a:t> will </a:t>
+            </a:r>
+            <a:r>
+              <a:rPr lang="de-DE" dirty="0" err="1"/>
+              <a:t>be</a:t>
+            </a:r>
+            <a:r>
+              <a:rPr lang="de-DE" dirty="0"/>
+              <a:t> </a:t>
+            </a:r>
+            <a:r>
+              <a:rPr lang="de-DE" dirty="0" err="1"/>
+              <a:t>made</a:t>
+            </a:r>
+            <a:r>
+              <a:rPr lang="de-DE" dirty="0"/>
+              <a:t> </a:t>
+            </a:r>
+            <a:r>
+              <a:rPr lang="de-DE" dirty="0" err="1"/>
+              <a:t>to</a:t>
+            </a:r>
+            <a:r>
+              <a:rPr lang="de-DE" dirty="0"/>
+              <a:t> </a:t>
+            </a:r>
+            <a:r>
+              <a:rPr lang="de-DE" dirty="0" err="1"/>
+              <a:t>represent</a:t>
+            </a:r>
+            <a:r>
+              <a:rPr lang="de-DE" dirty="0"/>
+              <a:t> </a:t>
+            </a:r>
+            <a:r>
+              <a:rPr lang="de-DE" dirty="0" err="1"/>
+              <a:t>the</a:t>
+            </a:r>
+            <a:r>
+              <a:rPr lang="de-DE" dirty="0"/>
+              <a:t> </a:t>
+            </a:r>
+            <a:r>
+              <a:rPr lang="de-DE" dirty="0" err="1"/>
+              <a:t>results</a:t>
+            </a:r>
+            <a:r>
+              <a:rPr lang="de-DE" dirty="0"/>
+              <a:t> </a:t>
+            </a:r>
+            <a:r>
+              <a:rPr lang="de-DE" dirty="0" err="1"/>
+              <a:t>of</a:t>
+            </a:r>
+            <a:r>
+              <a:rPr lang="de-DE" dirty="0"/>
+              <a:t> </a:t>
+            </a:r>
+            <a:r>
+              <a:rPr lang="de-DE" dirty="0" err="1"/>
+              <a:t>the</a:t>
+            </a:r>
+            <a:r>
+              <a:rPr lang="de-DE" dirty="0"/>
+              <a:t> </a:t>
+            </a:r>
+            <a:r>
+              <a:rPr lang="de-DE" dirty="0" err="1"/>
+              <a:t>evaluation</a:t>
+            </a:r>
+            <a:endParaRPr lang="de-DE" dirty="0"/>
+          </a:p>
+          <a:p>
+            <a:r>
+              <a:rPr lang="de-DE" dirty="0"/>
+              <a:t>The </a:t>
+            </a:r>
+            <a:r>
+              <a:rPr lang="de-DE" dirty="0" err="1"/>
+              <a:t>evaluation</a:t>
+            </a:r>
+            <a:r>
+              <a:rPr lang="de-DE" dirty="0"/>
+              <a:t> </a:t>
+            </a:r>
+            <a:r>
+              <a:rPr lang="de-DE" dirty="0" err="1"/>
+              <a:t>had</a:t>
+            </a:r>
+            <a:r>
+              <a:rPr lang="de-DE" dirty="0"/>
+              <a:t> </a:t>
+            </a:r>
+            <a:r>
+              <a:rPr lang="de-DE" dirty="0">
+                <a:solidFill>
+                  <a:srgbClr val="FF0000"/>
+                </a:solidFill>
+              </a:rPr>
+              <a:t>XXX </a:t>
+            </a:r>
+            <a:r>
+              <a:rPr lang="de-DE" dirty="0" err="1"/>
+              <a:t>participants</a:t>
+            </a:r>
+            <a:endParaRPr lang="de-DE" dirty="0"/>
+          </a:p>
+          <a:p>
+            <a:endParaRPr lang="de-DE" dirty="0"/>
+          </a:p>
+          <a:p>
+            <a:r>
+              <a:rPr lang="de-DE" dirty="0" err="1"/>
+              <a:t>Results</a:t>
+            </a:r>
+            <a:r>
+              <a:rPr lang="de-DE" dirty="0"/>
+              <a:t> </a:t>
+            </a:r>
+            <a:r>
+              <a:rPr lang="de-DE" dirty="0" err="1"/>
+              <a:t>that</a:t>
+            </a:r>
+            <a:r>
+              <a:rPr lang="de-DE" dirty="0"/>
+              <a:t> </a:t>
+            </a:r>
+            <a:r>
+              <a:rPr lang="de-DE" dirty="0" err="1"/>
+              <a:t>should</a:t>
+            </a:r>
+            <a:r>
+              <a:rPr lang="de-DE" dirty="0"/>
+              <a:t> </a:t>
+            </a:r>
+            <a:r>
+              <a:rPr lang="de-DE" dirty="0" err="1"/>
+              <a:t>be</a:t>
+            </a:r>
+            <a:r>
+              <a:rPr lang="de-DE" dirty="0"/>
+              <a:t> </a:t>
+            </a:r>
+            <a:r>
+              <a:rPr lang="de-DE" dirty="0" err="1"/>
+              <a:t>shown</a:t>
+            </a:r>
+            <a:r>
+              <a:rPr lang="de-DE" dirty="0"/>
+              <a:t>: </a:t>
+            </a:r>
+          </a:p>
+          <a:p>
+            <a:pPr lvl="1"/>
+            <a:r>
+              <a:rPr lang="de-DE" dirty="0"/>
+              <a:t>F1 </a:t>
+            </a:r>
+            <a:r>
+              <a:rPr lang="de-DE" dirty="0" err="1"/>
+              <a:t>Measure</a:t>
+            </a:r>
+            <a:r>
+              <a:rPr lang="de-DE" dirty="0"/>
+              <a:t> </a:t>
+            </a:r>
+            <a:r>
+              <a:rPr lang="de-DE" dirty="0">
+                <a:solidFill>
+                  <a:srgbClr val="FF0000"/>
+                </a:solidFill>
+              </a:rPr>
+              <a:t>(</a:t>
+            </a:r>
+            <a:r>
+              <a:rPr lang="de-DE" dirty="0" err="1">
+                <a:solidFill>
+                  <a:srgbClr val="FF0000"/>
+                </a:solidFill>
+              </a:rPr>
+              <a:t>or</a:t>
+            </a:r>
+            <a:r>
+              <a:rPr lang="de-DE" dirty="0">
+                <a:solidFill>
+                  <a:srgbClr val="FF0000"/>
+                </a:solidFill>
+              </a:rPr>
+              <a:t> Precision and Recall)</a:t>
+            </a:r>
+          </a:p>
+          <a:p>
+            <a:pPr lvl="1"/>
+            <a:r>
+              <a:rPr lang="en-US" dirty="0"/>
+              <a:t>Each tasks difficulty to perform:	1 - 5</a:t>
+            </a:r>
+          </a:p>
+          <a:p>
+            <a:pPr lvl="1"/>
+            <a:r>
+              <a:rPr lang="en-US" dirty="0"/>
+              <a:t>Precision of sensor:		1 - 5</a:t>
+            </a:r>
+          </a:p>
+          <a:p>
+            <a:pPr lvl="1"/>
+            <a:r>
+              <a:rPr lang="en-US" dirty="0"/>
+              <a:t>Usability of sensor: 		1 - 5</a:t>
+            </a:r>
+          </a:p>
+          <a:p>
+            <a:pPr lvl="1"/>
+            <a:r>
+              <a:rPr lang="en-US" dirty="0"/>
+              <a:t>Would you use it in your everyday work? (Given the sensor would be smaller, wireless and with a good battery) 1 – 5</a:t>
+            </a:r>
+          </a:p>
+          <a:p>
+            <a:pPr lvl="1"/>
+            <a:r>
+              <a:rPr lang="en-US" dirty="0" err="1">
+                <a:solidFill>
+                  <a:srgbClr val="FF0000"/>
+                </a:solidFill>
+              </a:rPr>
+              <a:t>Eher</a:t>
+            </a:r>
+            <a:r>
+              <a:rPr lang="en-US" dirty="0">
+                <a:solidFill>
+                  <a:srgbClr val="FF0000"/>
+                </a:solidFill>
+              </a:rPr>
+              <a:t> qualitative </a:t>
+            </a:r>
+            <a:r>
+              <a:rPr lang="en-US" dirty="0" err="1">
+                <a:solidFill>
+                  <a:srgbClr val="FF0000"/>
+                </a:solidFill>
+              </a:rPr>
+              <a:t>Ergebnisse</a:t>
+            </a:r>
+            <a:r>
+              <a:rPr lang="en-US" dirty="0">
+                <a:solidFill>
+                  <a:srgbClr val="FF0000"/>
+                </a:solidFill>
+              </a:rPr>
+              <a:t>!</a:t>
+            </a:r>
+            <a:endParaRPr lang="de-DE" dirty="0">
+              <a:solidFill>
+                <a:srgbClr val="FF0000"/>
+              </a:solidFill>
+            </a:endParaRPr>
+          </a:p>
+        </p:txBody>
+      </p:sp>
+      <p:sp>
+        <p:nvSpPr>
+          <p:cNvPr id="4" name="Fußzeilenplatzhalter 3">
+            <a:extLst>
+              <a:ext uri="{FF2B5EF4-FFF2-40B4-BE49-F238E27FC236}">
+                <a16:creationId xmlns:a16="http://schemas.microsoft.com/office/drawing/2014/main" id="{9DE01315-BC3D-4F26-B536-8324630FB9D0}"/>
+              </a:ext>
+            </a:extLst>
+          </p:cNvPr>
+          <p:cNvSpPr>
+            <a:spLocks noGrp="1"/>
+          </p:cNvSpPr>
+          <p:nvPr>
+            <p:ph type="ftr" sz="quarter" idx="10"/>
+          </p:nvPr>
+        </p:nvSpPr>
+        <p:spPr/>
+        <p:txBody>
+          <a:bodyPr/>
+          <a:lstStyle/>
+          <a:p>
+            <a:r>
+              <a:rPr lang="en-US" altLang="de-DE"/>
+              <a:t>Prof. Dr. Alexander Mädche – footbased-activity recognition</a:t>
+            </a:r>
+            <a:endParaRPr lang="de-DE" altLang="de-DE" dirty="0"/>
+          </a:p>
+        </p:txBody>
+      </p:sp>
     </p:spTree>
     <p:extLst>
       <p:ext uri="{BB962C8B-B14F-4D97-AF65-F5344CB8AC3E}">
@@ -11663,7 +12104,399 @@
 </p:sld>
 </file>
 
-<file path=ppt/slides/slide12.xml><?xml version="1.0" encoding="utf-8"?>
+<file path=ppt/slides/slide13.xml><?xml version="1.0" encoding="utf-8"?>
+<p:sld xmlns:a="http://schemas.openxmlformats.org/drawingml/2006/main" xmlns:r="http://schemas.openxmlformats.org/officeDocument/2006/relationships" xmlns:p="http://schemas.openxmlformats.org/presentationml/2006/main">
+  <p:cSld>
+    <p:spTree>
+      <p:nvGrpSpPr>
+        <p:cNvPr id="1" name=""/>
+        <p:cNvGrpSpPr/>
+        <p:nvPr/>
+      </p:nvGrpSpPr>
+      <p:grpSpPr>
+        <a:xfrm>
+          <a:off x="0" y="0"/>
+          <a:ext cx="0" cy="0"/>
+          <a:chOff x="0" y="0"/>
+          <a:chExt cx="0" cy="0"/>
+        </a:xfrm>
+      </p:grpSpPr>
+      <p:sp>
+        <p:nvSpPr>
+          <p:cNvPr id="2" name="Titel 1">
+            <a:extLst>
+              <a:ext uri="{FF2B5EF4-FFF2-40B4-BE49-F238E27FC236}">
+                <a16:creationId xmlns:a16="http://schemas.microsoft.com/office/drawing/2014/main" id="{3A0D60BF-60CB-4F2F-9A7A-B449FEBB77AE}"/>
+              </a:ext>
+            </a:extLst>
+          </p:cNvPr>
+          <p:cNvSpPr>
+            <a:spLocks noGrp="1"/>
+          </p:cNvSpPr>
+          <p:nvPr>
+            <p:ph type="title"/>
+          </p:nvPr>
+        </p:nvSpPr>
+        <p:spPr/>
+        <p:txBody>
+          <a:bodyPr/>
+          <a:lstStyle/>
+          <a:p>
+            <a:r>
+              <a:rPr lang="de-DE" dirty="0"/>
+              <a:t>Evaluation - </a:t>
+            </a:r>
+            <a:r>
+              <a:rPr lang="de-DE" dirty="0" err="1"/>
+              <a:t>Results</a:t>
+            </a:r>
+            <a:endParaRPr lang="de-DE" dirty="0"/>
+          </a:p>
+        </p:txBody>
+      </p:sp>
+      <p:sp>
+        <p:nvSpPr>
+          <p:cNvPr id="3" name="Inhaltsplatzhalter 2">
+            <a:extLst>
+              <a:ext uri="{FF2B5EF4-FFF2-40B4-BE49-F238E27FC236}">
+                <a16:creationId xmlns:a16="http://schemas.microsoft.com/office/drawing/2014/main" id="{2E24CB45-1962-4CC6-A767-1F31E2733BDC}"/>
+              </a:ext>
+            </a:extLst>
+          </p:cNvPr>
+          <p:cNvSpPr>
+            <a:spLocks noGrp="1"/>
+          </p:cNvSpPr>
+          <p:nvPr>
+            <p:ph idx="1"/>
+          </p:nvPr>
+        </p:nvSpPr>
+        <p:spPr/>
+        <p:txBody>
+          <a:bodyPr/>
+          <a:lstStyle/>
+          <a:p>
+            <a:r>
+              <a:rPr lang="de-DE" dirty="0"/>
+              <a:t>Multiple </a:t>
+            </a:r>
+            <a:r>
+              <a:rPr lang="de-DE" dirty="0" err="1"/>
+              <a:t>pie</a:t>
+            </a:r>
+            <a:r>
+              <a:rPr lang="de-DE" dirty="0"/>
+              <a:t> and bar </a:t>
+            </a:r>
+            <a:r>
+              <a:rPr lang="de-DE" dirty="0" err="1"/>
+              <a:t>charts</a:t>
+            </a:r>
+            <a:r>
+              <a:rPr lang="de-DE" dirty="0"/>
+              <a:t> will </a:t>
+            </a:r>
+            <a:r>
+              <a:rPr lang="de-DE" dirty="0" err="1"/>
+              <a:t>be</a:t>
+            </a:r>
+            <a:r>
+              <a:rPr lang="de-DE" dirty="0"/>
+              <a:t> </a:t>
+            </a:r>
+            <a:r>
+              <a:rPr lang="de-DE" dirty="0" err="1"/>
+              <a:t>made</a:t>
+            </a:r>
+            <a:r>
+              <a:rPr lang="de-DE" dirty="0"/>
+              <a:t> </a:t>
+            </a:r>
+            <a:r>
+              <a:rPr lang="de-DE" dirty="0" err="1"/>
+              <a:t>to</a:t>
+            </a:r>
+            <a:r>
+              <a:rPr lang="de-DE" dirty="0"/>
+              <a:t> </a:t>
+            </a:r>
+            <a:r>
+              <a:rPr lang="de-DE" dirty="0" err="1"/>
+              <a:t>represent</a:t>
+            </a:r>
+            <a:r>
+              <a:rPr lang="de-DE" dirty="0"/>
+              <a:t> </a:t>
+            </a:r>
+            <a:r>
+              <a:rPr lang="de-DE" dirty="0" err="1"/>
+              <a:t>the</a:t>
+            </a:r>
+            <a:r>
+              <a:rPr lang="de-DE" dirty="0"/>
+              <a:t> </a:t>
+            </a:r>
+            <a:r>
+              <a:rPr lang="de-DE" dirty="0" err="1"/>
+              <a:t>results</a:t>
+            </a:r>
+            <a:r>
+              <a:rPr lang="de-DE" dirty="0"/>
+              <a:t> </a:t>
+            </a:r>
+            <a:r>
+              <a:rPr lang="de-DE" dirty="0" err="1"/>
+              <a:t>of</a:t>
+            </a:r>
+            <a:r>
+              <a:rPr lang="de-DE" dirty="0"/>
+              <a:t> </a:t>
+            </a:r>
+            <a:r>
+              <a:rPr lang="de-DE" dirty="0" err="1"/>
+              <a:t>the</a:t>
+            </a:r>
+            <a:r>
+              <a:rPr lang="de-DE" dirty="0"/>
+              <a:t> </a:t>
+            </a:r>
+            <a:r>
+              <a:rPr lang="de-DE" dirty="0" err="1"/>
+              <a:t>evaluation</a:t>
+            </a:r>
+            <a:endParaRPr lang="de-DE" dirty="0"/>
+          </a:p>
+          <a:p>
+            <a:r>
+              <a:rPr lang="de-DE" dirty="0"/>
+              <a:t>The </a:t>
+            </a:r>
+            <a:r>
+              <a:rPr lang="de-DE" dirty="0" err="1"/>
+              <a:t>evaluation</a:t>
+            </a:r>
+            <a:r>
+              <a:rPr lang="de-DE" dirty="0"/>
+              <a:t> </a:t>
+            </a:r>
+            <a:r>
+              <a:rPr lang="de-DE" dirty="0" err="1"/>
+              <a:t>had</a:t>
+            </a:r>
+            <a:r>
+              <a:rPr lang="de-DE" dirty="0"/>
+              <a:t> </a:t>
+            </a:r>
+            <a:r>
+              <a:rPr lang="de-DE" dirty="0">
+                <a:solidFill>
+                  <a:srgbClr val="FF0000"/>
+                </a:solidFill>
+              </a:rPr>
+              <a:t>XXX </a:t>
+            </a:r>
+            <a:r>
+              <a:rPr lang="de-DE" dirty="0" err="1"/>
+              <a:t>participants</a:t>
+            </a:r>
+            <a:endParaRPr lang="de-DE" dirty="0"/>
+          </a:p>
+          <a:p>
+            <a:endParaRPr lang="de-DE" dirty="0"/>
+          </a:p>
+          <a:p>
+            <a:r>
+              <a:rPr lang="de-DE" dirty="0" err="1"/>
+              <a:t>Results</a:t>
+            </a:r>
+            <a:r>
+              <a:rPr lang="de-DE" dirty="0"/>
+              <a:t> </a:t>
+            </a:r>
+            <a:r>
+              <a:rPr lang="de-DE" dirty="0" err="1"/>
+              <a:t>that</a:t>
+            </a:r>
+            <a:r>
+              <a:rPr lang="de-DE" dirty="0"/>
+              <a:t> </a:t>
+            </a:r>
+            <a:r>
+              <a:rPr lang="de-DE" dirty="0" err="1"/>
+              <a:t>should</a:t>
+            </a:r>
+            <a:r>
+              <a:rPr lang="de-DE" dirty="0"/>
+              <a:t> </a:t>
+            </a:r>
+            <a:r>
+              <a:rPr lang="de-DE" dirty="0" err="1"/>
+              <a:t>be</a:t>
+            </a:r>
+            <a:r>
+              <a:rPr lang="de-DE" dirty="0"/>
+              <a:t> </a:t>
+            </a:r>
+            <a:r>
+              <a:rPr lang="de-DE" dirty="0" err="1"/>
+              <a:t>shown</a:t>
+            </a:r>
+            <a:r>
+              <a:rPr lang="de-DE" dirty="0"/>
+              <a:t>: </a:t>
+            </a:r>
+          </a:p>
+          <a:p>
+            <a:pPr lvl="1"/>
+            <a:r>
+              <a:rPr lang="de-DE" dirty="0"/>
+              <a:t>F1 </a:t>
+            </a:r>
+            <a:r>
+              <a:rPr lang="de-DE" dirty="0" err="1"/>
+              <a:t>Measure</a:t>
+            </a:r>
+            <a:r>
+              <a:rPr lang="de-DE" dirty="0"/>
+              <a:t> </a:t>
+            </a:r>
+            <a:r>
+              <a:rPr lang="de-DE" dirty="0">
+                <a:solidFill>
+                  <a:srgbClr val="FF0000"/>
+                </a:solidFill>
+              </a:rPr>
+              <a:t>(</a:t>
+            </a:r>
+            <a:r>
+              <a:rPr lang="de-DE" dirty="0" err="1">
+                <a:solidFill>
+                  <a:srgbClr val="FF0000"/>
+                </a:solidFill>
+              </a:rPr>
+              <a:t>or</a:t>
+            </a:r>
+            <a:r>
+              <a:rPr lang="de-DE" dirty="0">
+                <a:solidFill>
+                  <a:srgbClr val="FF0000"/>
+                </a:solidFill>
+              </a:rPr>
+              <a:t> Precision and Recall)</a:t>
+            </a:r>
+          </a:p>
+          <a:p>
+            <a:pPr lvl="1"/>
+            <a:r>
+              <a:rPr lang="en-US" dirty="0"/>
+              <a:t>Each tasks difficulty to perform:	1 - 5</a:t>
+            </a:r>
+          </a:p>
+          <a:p>
+            <a:pPr lvl="1"/>
+            <a:r>
+              <a:rPr lang="en-US" dirty="0"/>
+              <a:t>Precision of sensor:		1 - 5</a:t>
+            </a:r>
+          </a:p>
+          <a:p>
+            <a:pPr lvl="1"/>
+            <a:r>
+              <a:rPr lang="en-US" dirty="0"/>
+              <a:t>Usability of sensor: 		1 - 5</a:t>
+            </a:r>
+          </a:p>
+          <a:p>
+            <a:pPr lvl="1"/>
+            <a:r>
+              <a:rPr lang="en-US" dirty="0"/>
+              <a:t>Would you use it in your everyday work? (Given the sensor would be smaller, wireless and with a good battery) 1 – 5</a:t>
+            </a:r>
+          </a:p>
+          <a:p>
+            <a:pPr lvl="1"/>
+            <a:r>
+              <a:rPr lang="en-US" dirty="0" err="1">
+                <a:solidFill>
+                  <a:srgbClr val="FF0000"/>
+                </a:solidFill>
+              </a:rPr>
+              <a:t>Eher</a:t>
+            </a:r>
+            <a:r>
+              <a:rPr lang="en-US" dirty="0">
+                <a:solidFill>
+                  <a:srgbClr val="FF0000"/>
+                </a:solidFill>
+              </a:rPr>
+              <a:t> qualitative </a:t>
+            </a:r>
+            <a:r>
+              <a:rPr lang="en-US" dirty="0" err="1">
+                <a:solidFill>
+                  <a:srgbClr val="FF0000"/>
+                </a:solidFill>
+              </a:rPr>
+              <a:t>Ergebnisse</a:t>
+            </a:r>
+            <a:r>
+              <a:rPr lang="en-US" dirty="0">
+                <a:solidFill>
+                  <a:srgbClr val="FF0000"/>
+                </a:solidFill>
+              </a:rPr>
+              <a:t>!</a:t>
+            </a:r>
+            <a:endParaRPr lang="de-DE" dirty="0">
+              <a:solidFill>
+                <a:srgbClr val="FF0000"/>
+              </a:solidFill>
+            </a:endParaRPr>
+          </a:p>
+        </p:txBody>
+      </p:sp>
+      <p:sp>
+        <p:nvSpPr>
+          <p:cNvPr id="4" name="Fußzeilenplatzhalter 3">
+            <a:extLst>
+              <a:ext uri="{FF2B5EF4-FFF2-40B4-BE49-F238E27FC236}">
+                <a16:creationId xmlns:a16="http://schemas.microsoft.com/office/drawing/2014/main" id="{9DE01315-BC3D-4F26-B536-8324630FB9D0}"/>
+              </a:ext>
+            </a:extLst>
+          </p:cNvPr>
+          <p:cNvSpPr>
+            <a:spLocks noGrp="1"/>
+          </p:cNvSpPr>
+          <p:nvPr>
+            <p:ph type="ftr" sz="quarter" idx="10"/>
+          </p:nvPr>
+        </p:nvSpPr>
+        <p:spPr/>
+        <p:txBody>
+          <a:bodyPr/>
+          <a:lstStyle/>
+          <a:p>
+            <a:r>
+              <a:rPr lang="en-US" altLang="de-DE"/>
+              <a:t>Prof. Dr. Alexander Mädche – footbased-activity recognition</a:t>
+            </a:r>
+            <a:endParaRPr lang="de-DE" altLang="de-DE" dirty="0"/>
+          </a:p>
+        </p:txBody>
+      </p:sp>
+    </p:spTree>
+    <p:extLst>
+      <p:ext uri="{BB962C8B-B14F-4D97-AF65-F5344CB8AC3E}">
+        <p14:creationId xmlns:p14="http://schemas.microsoft.com/office/powerpoint/2010/main" val="832255553"/>
+      </p:ext>
+    </p:extLst>
+  </p:cSld>
+  <p:clrMapOvr>
+    <a:masterClrMapping/>
+  </p:clrMapOvr>
+</p:sld>
+</file>
+
+<file path=ppt/slides/slide14.xml><?xml version="1.0" encoding="utf-8"?>
 <p:sld xmlns:a="http://schemas.openxmlformats.org/drawingml/2006/main" xmlns:r="http://schemas.openxmlformats.org/officeDocument/2006/relationships" xmlns:p="http://schemas.openxmlformats.org/presentationml/2006/main">
   <p:cSld>
     <p:spTree>
@@ -11742,7 +12575,7 @@
               </a:lnSpc>
             </a:pPr>
             <a:r>
-              <a:rPr lang="en-GB" sz="1687" dirty="0"/>
+              <a:rPr lang="en-GB" dirty="0"/>
               <a:t>The foot sensor can be used as an input device, similar to the use of a mouse or keyboard</a:t>
             </a:r>
           </a:p>
@@ -11765,18 +12598,7 @@
             </a:pPr>
             <a:r>
               <a:rPr lang="en-GB" dirty="0"/>
-              <a:t>Frees the hands</a:t>
-            </a:r>
-          </a:p>
-          <a:p>
-            <a:pPr marL="717514" lvl="1" indent="-404986">
-              <a:lnSpc>
-                <a:spcPct val="120000"/>
-              </a:lnSpc>
-            </a:pPr>
-            <a:r>
-              <a:rPr lang="en-GB" dirty="0"/>
-              <a:t>Use the sensor as a second mouse, which eliminates the need to take the hands from the keyboard</a:t>
+              <a:t>Use the sensor as a second mouse, which frees the hands</a:t>
             </a:r>
           </a:p>
         </p:txBody>
@@ -11823,7 +12645,3297 @@
 </p:sld>
 </file>
 
-<file path=ppt/slides/slide13.xml><?xml version="1.0" encoding="utf-8"?>
+<file path=ppt/slides/slide15.xml><?xml version="1.0" encoding="utf-8"?>
+<p:sld xmlns:a="http://schemas.openxmlformats.org/drawingml/2006/main" xmlns:r="http://schemas.openxmlformats.org/officeDocument/2006/relationships" xmlns:p="http://schemas.openxmlformats.org/presentationml/2006/main">
+  <p:cSld>
+    <p:spTree>
+      <p:nvGrpSpPr>
+        <p:cNvPr id="1" name=""/>
+        <p:cNvGrpSpPr/>
+        <p:nvPr/>
+      </p:nvGrpSpPr>
+      <p:grpSpPr>
+        <a:xfrm>
+          <a:off x="0" y="0"/>
+          <a:ext cx="0" cy="0"/>
+          <a:chOff x="0" y="0"/>
+          <a:chExt cx="0" cy="0"/>
+        </a:xfrm>
+      </p:grpSpPr>
+      <p:sp>
+        <p:nvSpPr>
+          <p:cNvPr id="2" name="Titel 1">
+            <a:extLst>
+              <a:ext uri="{FF2B5EF4-FFF2-40B4-BE49-F238E27FC236}">
+                <a16:creationId xmlns:a16="http://schemas.microsoft.com/office/drawing/2014/main" id="{6E159A78-E222-428D-AAE8-4089453622B5}"/>
+              </a:ext>
+            </a:extLst>
+          </p:cNvPr>
+          <p:cNvSpPr>
+            <a:spLocks noGrp="1"/>
+          </p:cNvSpPr>
+          <p:nvPr>
+            <p:ph type="title"/>
+          </p:nvPr>
+        </p:nvSpPr>
+        <p:spPr/>
+        <p:txBody>
+          <a:bodyPr/>
+          <a:lstStyle/>
+          <a:p>
+            <a:r>
+              <a:rPr lang="de-DE" dirty="0"/>
+              <a:t>Evaluation - </a:t>
+            </a:r>
+            <a:r>
+              <a:rPr lang="de-DE" dirty="0" err="1"/>
+              <a:t>Results</a:t>
+            </a:r>
+            <a:endParaRPr lang="de-DE" dirty="0"/>
+          </a:p>
+        </p:txBody>
+      </p:sp>
+      <p:sp>
+        <p:nvSpPr>
+          <p:cNvPr id="3" name="Inhaltsplatzhalter 2">
+            <a:extLst>
+              <a:ext uri="{FF2B5EF4-FFF2-40B4-BE49-F238E27FC236}">
+                <a16:creationId xmlns:a16="http://schemas.microsoft.com/office/drawing/2014/main" id="{033659F0-AF57-412D-9443-CA45093263AC}"/>
+              </a:ext>
+            </a:extLst>
+          </p:cNvPr>
+          <p:cNvSpPr>
+            <a:spLocks noGrp="1"/>
+          </p:cNvSpPr>
+          <p:nvPr>
+            <p:ph idx="1"/>
+          </p:nvPr>
+        </p:nvSpPr>
+        <p:spPr/>
+        <p:txBody>
+          <a:bodyPr/>
+          <a:lstStyle/>
+          <a:p>
+            <a:r>
+              <a:rPr lang="de-DE" dirty="0"/>
+              <a:t>The </a:t>
+            </a:r>
+            <a:r>
+              <a:rPr lang="de-DE" dirty="0" err="1"/>
+              <a:t>main</a:t>
+            </a:r>
+            <a:r>
+              <a:rPr lang="de-DE" dirty="0"/>
+              <a:t> </a:t>
+            </a:r>
+            <a:r>
+              <a:rPr lang="de-DE" dirty="0" err="1"/>
+              <a:t>takeaways</a:t>
+            </a:r>
+            <a:r>
+              <a:rPr lang="de-DE" dirty="0"/>
+              <a:t> </a:t>
+            </a:r>
+            <a:r>
+              <a:rPr lang="de-DE" dirty="0" err="1"/>
+              <a:t>from</a:t>
+            </a:r>
+            <a:r>
+              <a:rPr lang="de-DE" dirty="0"/>
+              <a:t> </a:t>
+            </a:r>
+            <a:r>
+              <a:rPr lang="de-DE" dirty="0" err="1"/>
+              <a:t>the</a:t>
+            </a:r>
+            <a:r>
+              <a:rPr lang="de-DE" dirty="0"/>
+              <a:t> </a:t>
+            </a:r>
+            <a:r>
+              <a:rPr lang="de-DE" dirty="0" err="1"/>
+              <a:t>work</a:t>
+            </a:r>
+            <a:r>
+              <a:rPr lang="de-DE" dirty="0"/>
+              <a:t> </a:t>
+            </a:r>
+            <a:r>
+              <a:rPr lang="de-DE" dirty="0" err="1"/>
+              <a:t>with</a:t>
+            </a:r>
+            <a:r>
+              <a:rPr lang="de-DE" dirty="0"/>
+              <a:t> </a:t>
+            </a:r>
+            <a:r>
+              <a:rPr lang="de-DE" dirty="0" err="1"/>
+              <a:t>foot-based</a:t>
+            </a:r>
+            <a:r>
+              <a:rPr lang="de-DE" dirty="0"/>
+              <a:t> </a:t>
+            </a:r>
+            <a:r>
+              <a:rPr lang="de-DE" dirty="0" err="1"/>
+              <a:t>sensors</a:t>
+            </a:r>
+            <a:r>
+              <a:rPr lang="de-DE" dirty="0"/>
+              <a:t>:</a:t>
+            </a:r>
+          </a:p>
+          <a:p>
+            <a:endParaRPr lang="de-DE" dirty="0"/>
+          </a:p>
+          <a:p>
+            <a:r>
+              <a:rPr lang="de-DE" dirty="0" err="1">
+                <a:solidFill>
+                  <a:srgbClr val="FF0000"/>
+                </a:solidFill>
+              </a:rPr>
+              <a:t>Sum</a:t>
+            </a:r>
+            <a:r>
+              <a:rPr lang="de-DE" dirty="0">
+                <a:solidFill>
+                  <a:srgbClr val="FF0000"/>
+                </a:solidFill>
+              </a:rPr>
+              <a:t> </a:t>
+            </a:r>
+            <a:r>
+              <a:rPr lang="de-DE" dirty="0" err="1">
+                <a:solidFill>
+                  <a:srgbClr val="FF0000"/>
+                </a:solidFill>
+              </a:rPr>
+              <a:t>up</a:t>
+            </a:r>
+            <a:r>
+              <a:rPr lang="de-DE" dirty="0">
+                <a:solidFill>
+                  <a:srgbClr val="FF0000"/>
+                </a:solidFill>
+              </a:rPr>
+              <a:t> </a:t>
+            </a:r>
+            <a:r>
+              <a:rPr lang="de-DE" dirty="0" err="1">
+                <a:solidFill>
+                  <a:srgbClr val="FF0000"/>
+                </a:solidFill>
+              </a:rPr>
+              <a:t>the</a:t>
+            </a:r>
+            <a:r>
+              <a:rPr lang="de-DE" dirty="0">
+                <a:solidFill>
+                  <a:srgbClr val="FF0000"/>
+                </a:solidFill>
+              </a:rPr>
+              <a:t> </a:t>
+            </a:r>
+            <a:r>
+              <a:rPr lang="de-DE" dirty="0" err="1">
+                <a:solidFill>
+                  <a:srgbClr val="FF0000"/>
+                </a:solidFill>
+              </a:rPr>
+              <a:t>main</a:t>
+            </a:r>
+            <a:r>
+              <a:rPr lang="de-DE" dirty="0">
+                <a:solidFill>
+                  <a:srgbClr val="FF0000"/>
+                </a:solidFill>
+              </a:rPr>
+              <a:t> </a:t>
+            </a:r>
+            <a:r>
+              <a:rPr lang="de-DE" dirty="0" err="1">
+                <a:solidFill>
+                  <a:srgbClr val="FF0000"/>
+                </a:solidFill>
+              </a:rPr>
+              <a:t>points</a:t>
+            </a:r>
+            <a:r>
+              <a:rPr lang="de-DE" dirty="0">
+                <a:solidFill>
+                  <a:srgbClr val="FF0000"/>
+                </a:solidFill>
+              </a:rPr>
+              <a:t> </a:t>
+            </a:r>
+            <a:r>
+              <a:rPr lang="de-DE" dirty="0" err="1">
+                <a:solidFill>
+                  <a:srgbClr val="FF0000"/>
+                </a:solidFill>
+              </a:rPr>
+              <a:t>of</a:t>
+            </a:r>
+            <a:r>
+              <a:rPr lang="de-DE" dirty="0">
+                <a:solidFill>
+                  <a:srgbClr val="FF0000"/>
+                </a:solidFill>
+              </a:rPr>
+              <a:t> </a:t>
+            </a:r>
+            <a:r>
+              <a:rPr lang="de-DE" dirty="0" err="1">
+                <a:solidFill>
+                  <a:srgbClr val="FF0000"/>
+                </a:solidFill>
+              </a:rPr>
+              <a:t>the</a:t>
+            </a:r>
+            <a:r>
+              <a:rPr lang="de-DE" dirty="0">
+                <a:solidFill>
+                  <a:srgbClr val="FF0000"/>
+                </a:solidFill>
+              </a:rPr>
+              <a:t> </a:t>
+            </a:r>
+            <a:r>
+              <a:rPr lang="de-DE" dirty="0" err="1">
+                <a:solidFill>
+                  <a:srgbClr val="FF0000"/>
+                </a:solidFill>
+              </a:rPr>
+              <a:t>presentation</a:t>
+            </a:r>
+            <a:endParaRPr lang="de-DE" dirty="0">
+              <a:solidFill>
+                <a:srgbClr val="FF0000"/>
+              </a:solidFill>
+            </a:endParaRPr>
+          </a:p>
+        </p:txBody>
+      </p:sp>
+      <p:sp>
+        <p:nvSpPr>
+          <p:cNvPr id="4" name="Fußzeilenplatzhalter 3">
+            <a:extLst>
+              <a:ext uri="{FF2B5EF4-FFF2-40B4-BE49-F238E27FC236}">
+                <a16:creationId xmlns:a16="http://schemas.microsoft.com/office/drawing/2014/main" id="{241B234E-9B26-4485-8F3A-8FDEA16C86DC}"/>
+              </a:ext>
+            </a:extLst>
+          </p:cNvPr>
+          <p:cNvSpPr>
+            <a:spLocks noGrp="1"/>
+          </p:cNvSpPr>
+          <p:nvPr>
+            <p:ph type="ftr" sz="quarter" idx="10"/>
+          </p:nvPr>
+        </p:nvSpPr>
+        <p:spPr/>
+        <p:txBody>
+          <a:bodyPr/>
+          <a:lstStyle/>
+          <a:p>
+            <a:r>
+              <a:rPr lang="en-US" altLang="de-DE"/>
+              <a:t>Prof. Dr. Alexander Mädche – footbased-activity recognition</a:t>
+            </a:r>
+            <a:endParaRPr lang="de-DE" altLang="de-DE" dirty="0"/>
+          </a:p>
+        </p:txBody>
+      </p:sp>
+    </p:spTree>
+    <p:extLst>
+      <p:ext uri="{BB962C8B-B14F-4D97-AF65-F5344CB8AC3E}">
+        <p14:creationId xmlns:p14="http://schemas.microsoft.com/office/powerpoint/2010/main" val="2879554282"/>
+      </p:ext>
+    </p:extLst>
+  </p:cSld>
+  <p:clrMapOvr>
+    <a:masterClrMapping/>
+  </p:clrMapOvr>
+</p:sld>
+</file>
+
+<file path=ppt/slides/slide16.xml><?xml version="1.0" encoding="utf-8"?>
+<p:sld xmlns:a="http://schemas.openxmlformats.org/drawingml/2006/main" xmlns:r="http://schemas.openxmlformats.org/officeDocument/2006/relationships" xmlns:p="http://schemas.openxmlformats.org/presentationml/2006/main" show="0">
+  <p:cSld>
+    <p:spTree>
+      <p:nvGrpSpPr>
+        <p:cNvPr id="1" name=""/>
+        <p:cNvGrpSpPr/>
+        <p:nvPr/>
+      </p:nvGrpSpPr>
+      <p:grpSpPr>
+        <a:xfrm>
+          <a:off x="0" y="0"/>
+          <a:ext cx="0" cy="0"/>
+          <a:chOff x="0" y="0"/>
+          <a:chExt cx="0" cy="0"/>
+        </a:xfrm>
+      </p:grpSpPr>
+      <p:sp>
+        <p:nvSpPr>
+          <p:cNvPr id="127" name="Dashboard"/>
+          <p:cNvSpPr txBox="1">
+            <a:spLocks noGrp="1"/>
+          </p:cNvSpPr>
+          <p:nvPr>
+            <p:ph type="title"/>
+          </p:nvPr>
+        </p:nvSpPr>
+        <p:spPr>
+          <a:prstGeom prst="rect">
+            <a:avLst/>
+          </a:prstGeom>
+        </p:spPr>
+        <p:txBody>
+          <a:bodyPr>
+            <a:normAutofit/>
+          </a:bodyPr>
+          <a:lstStyle/>
+          <a:p>
+            <a:r>
+              <a:t>Dashboard</a:t>
+            </a:r>
+          </a:p>
+        </p:txBody>
+      </p:sp>
+      <p:sp>
+        <p:nvSpPr>
+          <p:cNvPr id="3" name="Inhaltsplatzhalter 2">
+            <a:extLst>
+              <a:ext uri="{FF2B5EF4-FFF2-40B4-BE49-F238E27FC236}">
+                <a16:creationId xmlns:a16="http://schemas.microsoft.com/office/drawing/2014/main" id="{7AC26832-B9A3-4F50-8CF3-E53D93B06D8B}"/>
+              </a:ext>
+            </a:extLst>
+          </p:cNvPr>
+          <p:cNvSpPr>
+            <a:spLocks noGrp="1"/>
+          </p:cNvSpPr>
+          <p:nvPr>
+            <p:ph idx="1"/>
+          </p:nvPr>
+        </p:nvSpPr>
+        <p:spPr/>
+        <p:txBody>
+          <a:bodyPr/>
+          <a:lstStyle/>
+          <a:p>
+            <a:endParaRPr lang="de-DE"/>
+          </a:p>
+        </p:txBody>
+      </p:sp>
+      <p:pic>
+        <p:nvPicPr>
+          <p:cNvPr id="129" name="Spend_7.png" descr="Spend_7.png"/>
+          <p:cNvPicPr>
+            <a:picLocks noChangeAspect="1"/>
+          </p:cNvPicPr>
+          <p:nvPr/>
+        </p:nvPicPr>
+        <p:blipFill>
+          <a:blip r:embed="rId2">
+            <a:extLst/>
+          </a:blip>
+          <a:stretch>
+            <a:fillRect/>
+          </a:stretch>
+        </p:blipFill>
+        <p:spPr>
+          <a:xfrm>
+            <a:off x="490958" y="1337956"/>
+            <a:ext cx="7930295" cy="3756954"/>
+          </a:xfrm>
+          <a:prstGeom prst="rect">
+            <a:avLst/>
+          </a:prstGeom>
+          <a:ln w="12700">
+            <a:miter lim="400000"/>
+          </a:ln>
+        </p:spPr>
+      </p:pic>
+      <p:sp>
+        <p:nvSpPr>
+          <p:cNvPr id="2" name="Fußzeilenplatzhalter 1">
+            <a:extLst>
+              <a:ext uri="{FF2B5EF4-FFF2-40B4-BE49-F238E27FC236}">
+                <a16:creationId xmlns:a16="http://schemas.microsoft.com/office/drawing/2014/main" id="{34006AA8-0A27-4279-8F1D-ACB2E8E0A47F}"/>
+              </a:ext>
+            </a:extLst>
+          </p:cNvPr>
+          <p:cNvSpPr>
+            <a:spLocks noGrp="1"/>
+          </p:cNvSpPr>
+          <p:nvPr>
+            <p:ph type="ftr" sz="quarter" idx="10"/>
+          </p:nvPr>
+        </p:nvSpPr>
+        <p:spPr/>
+        <p:txBody>
+          <a:bodyPr/>
+          <a:lstStyle/>
+          <a:p>
+            <a:r>
+              <a:rPr lang="en-US" altLang="de-DE"/>
+              <a:t>Prof. Dr. Alexander Mädche – footbased-activity recognition</a:t>
+            </a:r>
+            <a:endParaRPr lang="de-DE" altLang="de-DE" dirty="0"/>
+          </a:p>
+        </p:txBody>
+      </p:sp>
+    </p:spTree>
+  </p:cSld>
+  <p:clrMapOvr>
+    <a:masterClrMapping/>
+  </p:clrMapOvr>
+  <p:transition spd="med"/>
+</p:sld>
+</file>
+
+<file path=ppt/slides/slide17.xml><?xml version="1.0" encoding="utf-8"?>
+<p:sld xmlns:a="http://schemas.openxmlformats.org/drawingml/2006/main" xmlns:r="http://schemas.openxmlformats.org/officeDocument/2006/relationships" xmlns:p="http://schemas.openxmlformats.org/presentationml/2006/main" show="0">
+  <p:cSld>
+    <p:spTree>
+      <p:nvGrpSpPr>
+        <p:cNvPr id="1" name=""/>
+        <p:cNvGrpSpPr/>
+        <p:nvPr/>
+      </p:nvGrpSpPr>
+      <p:grpSpPr>
+        <a:xfrm>
+          <a:off x="0" y="0"/>
+          <a:ext cx="0" cy="0"/>
+          <a:chOff x="0" y="0"/>
+          <a:chExt cx="0" cy="0"/>
+        </a:xfrm>
+      </p:grpSpPr>
+      <p:sp>
+        <p:nvSpPr>
+          <p:cNvPr id="4" name="Rectangle 5">
+            <a:extLst>
+              <a:ext uri="{FF2B5EF4-FFF2-40B4-BE49-F238E27FC236}">
+                <a16:creationId xmlns:a16="http://schemas.microsoft.com/office/drawing/2014/main" id="{B3D8528D-C515-4BA6-AE0F-D077B6C14DB0}"/>
+              </a:ext>
+            </a:extLst>
+          </p:cNvPr>
+          <p:cNvSpPr>
+            <a:spLocks noGrp="1" noChangeArrowheads="1"/>
+          </p:cNvSpPr>
+          <p:nvPr>
+            <p:ph type="ftr" sz="quarter" idx="10"/>
+          </p:nvPr>
+        </p:nvSpPr>
+        <p:spPr>
+          <a:ln/>
+        </p:spPr>
+        <p:txBody>
+          <a:bodyPr/>
+          <a:lstStyle/>
+          <a:p>
+            <a:r>
+              <a:rPr lang="en-US" altLang="de-DE"/>
+              <a:t>Prof. Dr. Alexander Mädche – footbased-activity recognition</a:t>
+            </a:r>
+            <a:endParaRPr lang="de-DE" altLang="de-DE"/>
+          </a:p>
+        </p:txBody>
+      </p:sp>
+      <p:sp>
+        <p:nvSpPr>
+          <p:cNvPr id="4101" name="Rectangle 2">
+            <a:extLst>
+              <a:ext uri="{FF2B5EF4-FFF2-40B4-BE49-F238E27FC236}">
+                <a16:creationId xmlns:a16="http://schemas.microsoft.com/office/drawing/2014/main" id="{810BF0C1-59F5-4F77-BEEC-878A42EC7377}"/>
+              </a:ext>
+            </a:extLst>
+          </p:cNvPr>
+          <p:cNvSpPr>
+            <a:spLocks noGrp="1" noChangeArrowheads="1"/>
+          </p:cNvSpPr>
+          <p:nvPr>
+            <p:ph type="title"/>
+          </p:nvPr>
+        </p:nvSpPr>
+        <p:spPr/>
+        <p:txBody>
+          <a:bodyPr/>
+          <a:lstStyle/>
+          <a:p>
+            <a:pPr eaLnBrk="1" hangingPunct="1"/>
+            <a:r>
+              <a:rPr lang="de-DE" altLang="de-DE" sz="2000"/>
+              <a:t>Masterfolie </a:t>
+            </a:r>
+            <a:br>
+              <a:rPr lang="de-DE" altLang="de-DE" sz="2000"/>
+            </a:br>
+            <a:r>
+              <a:rPr lang="de-DE" altLang="de-DE" sz="2000"/>
+              <a:t>(über: </a:t>
+            </a:r>
+            <a:r>
+              <a:rPr lang="de-DE" altLang="de-DE" sz="2000" i="1"/>
+              <a:t>Ansicht – Master – Folienmaster</a:t>
+            </a:r>
+            <a:r>
+              <a:rPr lang="de-DE" altLang="de-DE" sz="2000"/>
+              <a:t>)</a:t>
+            </a:r>
+            <a:endParaRPr lang="de-DE" altLang="de-DE" sz="2000" i="1"/>
+          </a:p>
+        </p:txBody>
+      </p:sp>
+      <p:sp>
+        <p:nvSpPr>
+          <p:cNvPr id="4102" name="Rectangle 3">
+            <a:extLst>
+              <a:ext uri="{FF2B5EF4-FFF2-40B4-BE49-F238E27FC236}">
+                <a16:creationId xmlns:a16="http://schemas.microsoft.com/office/drawing/2014/main" id="{90888C2A-3FFF-4A28-B89C-2BD241FA5EC5}"/>
+              </a:ext>
+            </a:extLst>
+          </p:cNvPr>
+          <p:cNvSpPr>
+            <a:spLocks noGrp="1" noChangeArrowheads="1"/>
+          </p:cNvSpPr>
+          <p:nvPr>
+            <p:ph type="body" idx="1"/>
+          </p:nvPr>
+        </p:nvSpPr>
+        <p:spPr/>
+        <p:txBody>
+          <a:bodyPr/>
+          <a:lstStyle/>
+          <a:p>
+            <a:pPr eaLnBrk="1" hangingPunct="1">
+              <a:lnSpc>
+                <a:spcPct val="90000"/>
+              </a:lnSpc>
+            </a:pPr>
+            <a:r>
+              <a:rPr lang="de-DE" altLang="de-DE"/>
+              <a:t>Die Masterfolie wird genutzt, um grundlegende Elemente der Präsentation festzulegen und ggf. zu ändern.</a:t>
+            </a:r>
+          </a:p>
+          <a:p>
+            <a:pPr eaLnBrk="1" hangingPunct="1">
+              <a:lnSpc>
+                <a:spcPct val="90000"/>
+              </a:lnSpc>
+            </a:pPr>
+            <a:endParaRPr lang="de-DE" altLang="de-DE"/>
+          </a:p>
+          <a:p>
+            <a:pPr eaLnBrk="1" hangingPunct="1">
+              <a:lnSpc>
+                <a:spcPct val="90000"/>
+              </a:lnSpc>
+            </a:pPr>
+            <a:r>
+              <a:rPr lang="de-DE" altLang="de-DE"/>
+              <a:t>Folgende Elemente können Sie in der Normalansicht individuell eintragen:</a:t>
+            </a:r>
+          </a:p>
+          <a:p>
+            <a:pPr lvl="1" eaLnBrk="1" hangingPunct="1">
+              <a:lnSpc>
+                <a:spcPct val="90000"/>
+              </a:lnSpc>
+            </a:pPr>
+            <a:endParaRPr lang="de-DE" altLang="de-DE"/>
+          </a:p>
+          <a:p>
+            <a:pPr lvl="1" eaLnBrk="1" hangingPunct="1">
+              <a:lnSpc>
+                <a:spcPct val="90000"/>
+              </a:lnSpc>
+            </a:pPr>
+            <a:r>
+              <a:rPr lang="de-DE" altLang="de-DE"/>
+              <a:t>Inhaltsbereich:</a:t>
+            </a:r>
+          </a:p>
+          <a:p>
+            <a:pPr lvl="2" eaLnBrk="1" hangingPunct="1">
+              <a:lnSpc>
+                <a:spcPct val="90000"/>
+              </a:lnSpc>
+            </a:pPr>
+            <a:r>
+              <a:rPr lang="de-DE" altLang="de-DE" sz="1800"/>
+              <a:t>Präsentationsüberschrift</a:t>
+            </a:r>
+          </a:p>
+          <a:p>
+            <a:pPr lvl="2" eaLnBrk="1" hangingPunct="1">
+              <a:lnSpc>
+                <a:spcPct val="90000"/>
+              </a:lnSpc>
+            </a:pPr>
+            <a:r>
+              <a:rPr lang="de-DE" altLang="de-DE" sz="1800"/>
+              <a:t>Unterüberschrift</a:t>
+            </a:r>
+          </a:p>
+          <a:p>
+            <a:pPr lvl="2" eaLnBrk="1" hangingPunct="1">
+              <a:lnSpc>
+                <a:spcPct val="90000"/>
+              </a:lnSpc>
+            </a:pPr>
+            <a:r>
+              <a:rPr lang="de-DE" altLang="de-DE" sz="1800"/>
+              <a:t>Fakultätsbezeichnung</a:t>
+            </a:r>
+          </a:p>
+          <a:p>
+            <a:pPr lvl="2" eaLnBrk="1" hangingPunct="1">
+              <a:lnSpc>
+                <a:spcPct val="90000"/>
+              </a:lnSpc>
+            </a:pPr>
+            <a:r>
+              <a:rPr lang="de-DE" altLang="de-DE" sz="1800"/>
+              <a:t>Bildaustausch (graue Lasche am rechten Folienrand – zum leichteren Austausch)</a:t>
+            </a:r>
+          </a:p>
+          <a:p>
+            <a:pPr eaLnBrk="1" hangingPunct="1">
+              <a:lnSpc>
+                <a:spcPct val="90000"/>
+              </a:lnSpc>
+              <a:buFontTx/>
+              <a:buNone/>
+            </a:pPr>
+            <a:endParaRPr lang="de-DE" altLang="de-DE"/>
+          </a:p>
+          <a:p>
+            <a:pPr lvl="1" eaLnBrk="1" hangingPunct="1">
+              <a:lnSpc>
+                <a:spcPct val="90000"/>
+              </a:lnSpc>
+            </a:pPr>
+            <a:r>
+              <a:rPr lang="de-DE" altLang="de-DE"/>
+              <a:t>Fußzeile (über: Ansicht – </a:t>
+            </a:r>
+            <a:r>
+              <a:rPr lang="de-DE" altLang="de-DE" i="1"/>
+              <a:t>Kopf- und Fußzeile</a:t>
+            </a:r>
+            <a:r>
+              <a:rPr lang="de-DE" altLang="de-DE"/>
+              <a:t>)</a:t>
+            </a:r>
+          </a:p>
+        </p:txBody>
+      </p:sp>
+    </p:spTree>
+  </p:cSld>
+  <p:clrMapOvr>
+    <a:masterClrMapping/>
+  </p:clrMapOvr>
+</p:sld>
+</file>
+
+<file path=ppt/slides/slide18.xml><?xml version="1.0" encoding="utf-8"?>
+<p:sld xmlns:a="http://schemas.openxmlformats.org/drawingml/2006/main" xmlns:r="http://schemas.openxmlformats.org/officeDocument/2006/relationships" xmlns:p="http://schemas.openxmlformats.org/presentationml/2006/main" show="0">
+  <p:cSld>
+    <p:spTree>
+      <p:nvGrpSpPr>
+        <p:cNvPr id="1" name=""/>
+        <p:cNvGrpSpPr/>
+        <p:nvPr/>
+      </p:nvGrpSpPr>
+      <p:grpSpPr>
+        <a:xfrm>
+          <a:off x="0" y="0"/>
+          <a:ext cx="0" cy="0"/>
+          <a:chOff x="0" y="0"/>
+          <a:chExt cx="0" cy="0"/>
+        </a:xfrm>
+      </p:grpSpPr>
+      <p:sp>
+        <p:nvSpPr>
+          <p:cNvPr id="5" name="Rectangle 5">
+            <a:extLst>
+              <a:ext uri="{FF2B5EF4-FFF2-40B4-BE49-F238E27FC236}">
+                <a16:creationId xmlns:a16="http://schemas.microsoft.com/office/drawing/2014/main" id="{BA5DFAE4-140E-4A9D-B6B9-9C2940EF6332}"/>
+              </a:ext>
+            </a:extLst>
+          </p:cNvPr>
+          <p:cNvSpPr>
+            <a:spLocks noGrp="1" noChangeArrowheads="1"/>
+          </p:cNvSpPr>
+          <p:nvPr>
+            <p:ph type="ftr" sz="quarter" idx="10"/>
+          </p:nvPr>
+        </p:nvSpPr>
+        <p:spPr>
+          <a:ln/>
+        </p:spPr>
+        <p:txBody>
+          <a:bodyPr/>
+          <a:lstStyle/>
+          <a:p>
+            <a:r>
+              <a:rPr lang="en-US" altLang="de-DE"/>
+              <a:t>Prof. Dr. Alexander Mädche – footbased-activity recognition</a:t>
+            </a:r>
+            <a:endParaRPr lang="de-DE" altLang="de-DE"/>
+          </a:p>
+        </p:txBody>
+      </p:sp>
+      <p:sp>
+        <p:nvSpPr>
+          <p:cNvPr id="5125" name="Rectangle 2">
+            <a:extLst>
+              <a:ext uri="{FF2B5EF4-FFF2-40B4-BE49-F238E27FC236}">
+                <a16:creationId xmlns:a16="http://schemas.microsoft.com/office/drawing/2014/main" id="{99E879B6-EC90-4104-831B-02CA95FFCB3C}"/>
+              </a:ext>
+            </a:extLst>
+          </p:cNvPr>
+          <p:cNvSpPr>
+            <a:spLocks noGrp="1" noChangeArrowheads="1"/>
+          </p:cNvSpPr>
+          <p:nvPr>
+            <p:ph type="title"/>
+          </p:nvPr>
+        </p:nvSpPr>
+        <p:spPr/>
+        <p:txBody>
+          <a:bodyPr/>
+          <a:lstStyle/>
+          <a:p>
+            <a:pPr eaLnBrk="1" hangingPunct="1"/>
+            <a:r>
+              <a:rPr lang="de-DE" altLang="de-DE" sz="2000"/>
+              <a:t>Folientitel: Arial 24pt fett</a:t>
+            </a:r>
+            <a:br>
+              <a:rPr lang="de-DE" altLang="de-DE" sz="2000"/>
+            </a:br>
+            <a:r>
+              <a:rPr lang="de-DE" altLang="de-DE" sz="2000"/>
+              <a:t>2-zeilig: Arial 20pt fett</a:t>
+            </a:r>
+          </a:p>
+        </p:txBody>
+      </p:sp>
+      <p:sp>
+        <p:nvSpPr>
+          <p:cNvPr id="5126" name="Rectangle 3">
+            <a:extLst>
+              <a:ext uri="{FF2B5EF4-FFF2-40B4-BE49-F238E27FC236}">
+                <a16:creationId xmlns:a16="http://schemas.microsoft.com/office/drawing/2014/main" id="{25879E36-61D1-4619-8418-68DA824D0F80}"/>
+              </a:ext>
+            </a:extLst>
+          </p:cNvPr>
+          <p:cNvSpPr>
+            <a:spLocks noGrp="1" noChangeArrowheads="1"/>
+          </p:cNvSpPr>
+          <p:nvPr>
+            <p:ph type="body" idx="1"/>
+          </p:nvPr>
+        </p:nvSpPr>
+        <p:spPr>
+          <a:xfrm>
+            <a:off x="392113" y="1198563"/>
+            <a:ext cx="8248650" cy="4894262"/>
+          </a:xfrm>
+          <a:noFill/>
+        </p:spPr>
+        <p:txBody>
+          <a:bodyPr/>
+          <a:lstStyle/>
+          <a:p>
+            <a:pPr eaLnBrk="1" hangingPunct="1">
+              <a:lnSpc>
+                <a:spcPct val="90000"/>
+              </a:lnSpc>
+            </a:pPr>
+            <a:r>
+              <a:rPr lang="de-DE" altLang="de-DE"/>
+              <a:t>Fließtext: Arial 24pt regular</a:t>
+            </a:r>
+          </a:p>
+          <a:p>
+            <a:pPr eaLnBrk="1" hangingPunct="1">
+              <a:lnSpc>
+                <a:spcPct val="90000"/>
+              </a:lnSpc>
+            </a:pPr>
+            <a:r>
+              <a:rPr lang="de-DE" altLang="de-DE"/>
+              <a:t>Fußzeile: Arial 9pt regular</a:t>
+            </a:r>
+          </a:p>
+          <a:p>
+            <a:pPr eaLnBrk="1" hangingPunct="1">
+              <a:lnSpc>
+                <a:spcPct val="90000"/>
+              </a:lnSpc>
+            </a:pPr>
+            <a:r>
+              <a:rPr lang="de-DE" altLang="de-DE"/>
+              <a:t>Seitenzahl: Arial 9pt fett</a:t>
+            </a:r>
+          </a:p>
+          <a:p>
+            <a:pPr eaLnBrk="1" hangingPunct="1">
+              <a:lnSpc>
+                <a:spcPct val="90000"/>
+              </a:lnSpc>
+            </a:pPr>
+            <a:endParaRPr lang="de-DE" altLang="de-DE"/>
+          </a:p>
+          <a:p>
+            <a:pPr eaLnBrk="1" hangingPunct="1">
+              <a:lnSpc>
+                <a:spcPct val="90000"/>
+              </a:lnSpc>
+            </a:pPr>
+            <a:r>
+              <a:rPr lang="de-DE" altLang="de-DE"/>
+              <a:t>Aufzählungspunkte, falls nicht auf Folie vorhanden:</a:t>
+            </a:r>
+          </a:p>
+          <a:p>
+            <a:pPr marL="827088" lvl="1" eaLnBrk="1" hangingPunct="1">
+              <a:lnSpc>
+                <a:spcPct val="90000"/>
+              </a:lnSpc>
+            </a:pPr>
+            <a:r>
+              <a:rPr lang="de-DE" altLang="de-DE" i="1"/>
+              <a:t>Format – Nummerierung- und Aufzählungszeichen – Bild – Importieren</a:t>
+            </a:r>
+          </a:p>
+          <a:p>
+            <a:pPr marL="827088" lvl="1" eaLnBrk="1" hangingPunct="1">
+              <a:lnSpc>
+                <a:spcPct val="90000"/>
+              </a:lnSpc>
+            </a:pPr>
+            <a:r>
+              <a:rPr lang="de-DE" altLang="de-DE"/>
+              <a:t>Die Datei</a:t>
+            </a:r>
+            <a:r>
+              <a:rPr lang="de-DE" altLang="de-DE" i="1"/>
+              <a:t> </a:t>
+            </a:r>
+            <a:r>
+              <a:rPr lang="de-DE" altLang="de-DE">
+                <a:solidFill>
+                  <a:schemeClr val="accent1"/>
+                </a:solidFill>
+              </a:rPr>
+              <a:t>„kit-point.png“</a:t>
+            </a:r>
+            <a:r>
+              <a:rPr lang="de-DE" altLang="de-DE"/>
+              <a:t> auswählen</a:t>
+            </a:r>
+          </a:p>
+          <a:p>
+            <a:pPr marL="827088" lvl="1" eaLnBrk="1" hangingPunct="1">
+              <a:lnSpc>
+                <a:spcPct val="90000"/>
+              </a:lnSpc>
+            </a:pPr>
+            <a:r>
+              <a:rPr lang="de-DE" altLang="de-DE"/>
+              <a:t>Größe: </a:t>
+            </a:r>
+            <a:r>
+              <a:rPr lang="de-DE" altLang="de-DE">
+                <a:solidFill>
+                  <a:schemeClr val="accent1"/>
+                </a:solidFill>
+              </a:rPr>
+              <a:t>„70% vom Text“</a:t>
+            </a:r>
+          </a:p>
+          <a:p>
+            <a:pPr marL="827088" lvl="1" eaLnBrk="1" hangingPunct="1">
+              <a:lnSpc>
+                <a:spcPct val="90000"/>
+              </a:lnSpc>
+            </a:pPr>
+            <a:endParaRPr lang="de-DE" altLang="de-DE">
+              <a:solidFill>
+                <a:schemeClr val="accent1"/>
+              </a:solidFill>
+            </a:endParaRPr>
+          </a:p>
+          <a:p>
+            <a:pPr eaLnBrk="1" hangingPunct="1">
+              <a:lnSpc>
+                <a:spcPct val="90000"/>
+              </a:lnSpc>
+            </a:pPr>
+            <a:r>
+              <a:rPr lang="de-DE" altLang="de-DE"/>
+              <a:t>Farben:</a:t>
+            </a:r>
+          </a:p>
+          <a:p>
+            <a:pPr marL="827088" lvl="1" eaLnBrk="1" hangingPunct="1">
+              <a:lnSpc>
+                <a:spcPct val="90000"/>
+              </a:lnSpc>
+            </a:pPr>
+            <a:r>
+              <a:rPr lang="de-DE" altLang="de-DE"/>
+              <a:t>Sind bereits voreingestellt. Sie erhalten automatisch die KIT-Farbpalette</a:t>
+            </a:r>
+          </a:p>
+          <a:p>
+            <a:pPr eaLnBrk="1" hangingPunct="1">
+              <a:lnSpc>
+                <a:spcPct val="90000"/>
+              </a:lnSpc>
+            </a:pPr>
+            <a:endParaRPr lang="de-DE" altLang="de-DE"/>
+          </a:p>
+        </p:txBody>
+      </p:sp>
+      <p:sp>
+        <p:nvSpPr>
+          <p:cNvPr id="1039" name="Rectangle 15">
+            <a:extLst>
+              <a:ext uri="{FF2B5EF4-FFF2-40B4-BE49-F238E27FC236}">
+                <a16:creationId xmlns:a16="http://schemas.microsoft.com/office/drawing/2014/main" id="{EE6DA821-B4CE-4273-A776-975D0BE5086C}"/>
+              </a:ext>
+            </a:extLst>
+          </p:cNvPr>
+          <p:cNvSpPr>
+            <a:spLocks noChangeArrowheads="1"/>
+          </p:cNvSpPr>
+          <p:nvPr/>
+        </p:nvSpPr>
+        <p:spPr bwMode="auto">
+          <a:xfrm>
+            <a:off x="539750" y="6524625"/>
+            <a:ext cx="868363" cy="114300"/>
+          </a:xfrm>
+          <a:prstGeom prst="rect">
+            <a:avLst/>
+          </a:prstGeom>
+          <a:noFill/>
+          <a:ln>
+            <a:noFill/>
+          </a:ln>
+          <a:extLst>
+            <a:ext uri="{909E8E84-426E-40DD-AFC4-6F175D3DCCD1}">
+              <a14:hiddenFill xmlns:a14="http://schemas.microsoft.com/office/drawing/2010/main">
+                <a:solidFill>
+                  <a:srgbClr val="FFFFFF"/>
+                </a:solidFill>
+              </a14:hiddenFill>
+            </a:ext>
+            <a:ext uri="{91240B29-F687-4F45-9708-019B960494DF}">
+              <a14:hiddenLine xmlns:a14="http://schemas.microsoft.com/office/drawing/2010/main" w="9525">
+                <a:solidFill>
+                  <a:srgbClr val="000000"/>
+                </a:solidFill>
+                <a:miter lim="800000"/>
+                <a:headEnd/>
+                <a:tailEnd/>
+              </a14:hiddenLine>
+            </a:ext>
+          </a:extLst>
+        </p:spPr>
+        <p:txBody>
+          <a:bodyPr lIns="0" tIns="0" rIns="0" bIns="0"/>
+          <a:lstStyle>
+            <a:lvl1pPr>
+              <a:defRPr sz="900"/>
+            </a:lvl1pPr>
+          </a:lstStyle>
+          <a:p>
+            <a:pPr>
+              <a:defRPr/>
+            </a:pPr>
+            <a:fld id="{F7A4AFA6-9E74-410F-9898-DA510230AF5E}" type="datetime1">
+              <a:rPr lang="de-DE" smtClean="0">
+                <a:latin typeface="Arial" charset="0"/>
+              </a:rPr>
+              <a:pPr>
+                <a:defRPr/>
+              </a:pPr>
+              <a:t>12.07.2018</a:t>
+            </a:fld>
+            <a:endParaRPr lang="de-DE">
+              <a:latin typeface="Arial" charset="0"/>
+            </a:endParaRPr>
+          </a:p>
+        </p:txBody>
+      </p:sp>
+    </p:spTree>
+  </p:cSld>
+  <p:clrMapOvr>
+    <a:masterClrMapping/>
+  </p:clrMapOvr>
+</p:sld>
+</file>
+
+<file path=ppt/slides/slide19.xml><?xml version="1.0" encoding="utf-8"?>
+<p:sld xmlns:a="http://schemas.openxmlformats.org/drawingml/2006/main" xmlns:r="http://schemas.openxmlformats.org/officeDocument/2006/relationships" xmlns:p="http://schemas.openxmlformats.org/presentationml/2006/main" show="0">
+  <p:cSld>
+    <p:spTree>
+      <p:nvGrpSpPr>
+        <p:cNvPr id="1" name=""/>
+        <p:cNvGrpSpPr/>
+        <p:nvPr/>
+      </p:nvGrpSpPr>
+      <p:grpSpPr>
+        <a:xfrm>
+          <a:off x="0" y="0"/>
+          <a:ext cx="0" cy="0"/>
+          <a:chOff x="0" y="0"/>
+          <a:chExt cx="0" cy="0"/>
+        </a:xfrm>
+      </p:grpSpPr>
+      <p:sp>
+        <p:nvSpPr>
+          <p:cNvPr id="4" name="Rectangle 5">
+            <a:extLst>
+              <a:ext uri="{FF2B5EF4-FFF2-40B4-BE49-F238E27FC236}">
+                <a16:creationId xmlns:a16="http://schemas.microsoft.com/office/drawing/2014/main" id="{FAE77AEE-0C24-4CBD-A273-108FCBA0E2EA}"/>
+              </a:ext>
+            </a:extLst>
+          </p:cNvPr>
+          <p:cNvSpPr>
+            <a:spLocks noGrp="1" noChangeArrowheads="1"/>
+          </p:cNvSpPr>
+          <p:nvPr>
+            <p:ph type="ftr" sz="quarter" idx="10"/>
+          </p:nvPr>
+        </p:nvSpPr>
+        <p:spPr>
+          <a:ln/>
+        </p:spPr>
+        <p:txBody>
+          <a:bodyPr/>
+          <a:lstStyle/>
+          <a:p>
+            <a:r>
+              <a:rPr lang="en-US" altLang="de-DE"/>
+              <a:t>Prof. Dr. Alexander Mädche – footbased-activity recognition</a:t>
+            </a:r>
+            <a:endParaRPr lang="de-DE" altLang="de-DE"/>
+          </a:p>
+        </p:txBody>
+      </p:sp>
+      <p:sp>
+        <p:nvSpPr>
+          <p:cNvPr id="6149" name="Rectangle 2">
+            <a:extLst>
+              <a:ext uri="{FF2B5EF4-FFF2-40B4-BE49-F238E27FC236}">
+                <a16:creationId xmlns:a16="http://schemas.microsoft.com/office/drawing/2014/main" id="{19E6B206-B57E-4FDA-869F-E8EE332C9CBC}"/>
+              </a:ext>
+            </a:extLst>
+          </p:cNvPr>
+          <p:cNvSpPr>
+            <a:spLocks noGrp="1" noChangeArrowheads="1"/>
+          </p:cNvSpPr>
+          <p:nvPr>
+            <p:ph type="title"/>
+          </p:nvPr>
+        </p:nvSpPr>
+        <p:spPr/>
+        <p:txBody>
+          <a:bodyPr/>
+          <a:lstStyle/>
+          <a:p>
+            <a:pPr eaLnBrk="1" hangingPunct="1"/>
+            <a:r>
+              <a:rPr lang="de-DE" altLang="de-DE"/>
+              <a:t>Generelle Hinweise</a:t>
+            </a:r>
+          </a:p>
+        </p:txBody>
+      </p:sp>
+      <p:sp>
+        <p:nvSpPr>
+          <p:cNvPr id="6150" name="Rectangle 3">
+            <a:extLst>
+              <a:ext uri="{FF2B5EF4-FFF2-40B4-BE49-F238E27FC236}">
+                <a16:creationId xmlns:a16="http://schemas.microsoft.com/office/drawing/2014/main" id="{56BC0F19-BE00-4B05-B441-CBAECF90DA84}"/>
+              </a:ext>
+            </a:extLst>
+          </p:cNvPr>
+          <p:cNvSpPr>
+            <a:spLocks noGrp="1" noChangeArrowheads="1"/>
+          </p:cNvSpPr>
+          <p:nvPr>
+            <p:ph type="body" idx="1"/>
+          </p:nvPr>
+        </p:nvSpPr>
+        <p:spPr/>
+        <p:txBody>
+          <a:bodyPr/>
+          <a:lstStyle/>
+          <a:p>
+            <a:pPr eaLnBrk="1" hangingPunct="1"/>
+            <a:r>
+              <a:rPr lang="de-DE" altLang="de-DE"/>
+              <a:t>Das Foliendesign sollte nicht geändert werden</a:t>
+            </a:r>
+          </a:p>
+          <a:p>
+            <a:pPr eaLnBrk="1" hangingPunct="1"/>
+            <a:r>
+              <a:rPr lang="de-DE" altLang="de-DE"/>
+              <a:t>Wenn Sie aus einem anderen Office-Programm Texte kopieren, wird Powerpoint die Formatierungen beibehalten. Hier müssen Sie die Texte evtl. neu formatieren.</a:t>
+            </a:r>
+          </a:p>
+          <a:p>
+            <a:pPr eaLnBrk="1" hangingPunct="1"/>
+            <a:r>
+              <a:rPr lang="de-DE" altLang="de-DE"/>
+              <a:t>Grundlegende Elemente wie diese im grauen KIT-Rahmen, das KIT-Logo oder die Platzhalter sollten in der Position nicht verändert oder gelöscht werden.</a:t>
+            </a:r>
+          </a:p>
+          <a:p>
+            <a:pPr eaLnBrk="1" hangingPunct="1">
+              <a:buFontTx/>
+              <a:buNone/>
+            </a:pPr>
+            <a:endParaRPr lang="de-DE" altLang="de-DE"/>
+          </a:p>
+          <a:p>
+            <a:pPr eaLnBrk="1" hangingPunct="1"/>
+            <a:endParaRPr lang="de-DE" altLang="de-DE"/>
+          </a:p>
+        </p:txBody>
+      </p:sp>
+    </p:spTree>
+  </p:cSld>
+  <p:clrMapOvr>
+    <a:masterClrMapping/>
+  </p:clrMapOvr>
+</p:sld>
+</file>
+
+<file path=ppt/slides/slide2.xml><?xml version="1.0" encoding="utf-8"?>
+<p:sld xmlns:a="http://schemas.openxmlformats.org/drawingml/2006/main" xmlns:r="http://schemas.openxmlformats.org/officeDocument/2006/relationships" xmlns:p="http://schemas.openxmlformats.org/presentationml/2006/main">
+  <p:cSld>
+    <p:spTree>
+      <p:nvGrpSpPr>
+        <p:cNvPr id="1" name=""/>
+        <p:cNvGrpSpPr/>
+        <p:nvPr/>
+      </p:nvGrpSpPr>
+      <p:grpSpPr>
+        <a:xfrm>
+          <a:off x="0" y="0"/>
+          <a:ext cx="0" cy="0"/>
+          <a:chOff x="0" y="0"/>
+          <a:chExt cx="0" cy="0"/>
+        </a:xfrm>
+      </p:grpSpPr>
+      <p:sp>
+        <p:nvSpPr>
+          <p:cNvPr id="2" name="Titel 1">
+            <a:extLst>
+              <a:ext uri="{FF2B5EF4-FFF2-40B4-BE49-F238E27FC236}">
+                <a16:creationId xmlns:a16="http://schemas.microsoft.com/office/drawing/2014/main" id="{7ADB6F09-3F58-4F85-9BC6-F1872B487CA1}"/>
+              </a:ext>
+            </a:extLst>
+          </p:cNvPr>
+          <p:cNvSpPr>
+            <a:spLocks noGrp="1"/>
+          </p:cNvSpPr>
+          <p:nvPr>
+            <p:ph type="title"/>
+          </p:nvPr>
+        </p:nvSpPr>
+        <p:spPr/>
+        <p:txBody>
+          <a:bodyPr/>
+          <a:lstStyle/>
+          <a:p>
+            <a:r>
+              <a:rPr lang="de-DE" dirty="0"/>
+              <a:t>Table </a:t>
+            </a:r>
+            <a:r>
+              <a:rPr lang="de-DE" dirty="0" err="1"/>
+              <a:t>of</a:t>
+            </a:r>
+            <a:r>
+              <a:rPr lang="de-DE" dirty="0"/>
+              <a:t> </a:t>
+            </a:r>
+            <a:r>
+              <a:rPr lang="de-DE" dirty="0" err="1"/>
+              <a:t>contents</a:t>
+            </a:r>
+            <a:endParaRPr lang="de-DE" dirty="0"/>
+          </a:p>
+        </p:txBody>
+      </p:sp>
+      <p:sp>
+        <p:nvSpPr>
+          <p:cNvPr id="3" name="Inhaltsplatzhalter 2">
+            <a:extLst>
+              <a:ext uri="{FF2B5EF4-FFF2-40B4-BE49-F238E27FC236}">
+                <a16:creationId xmlns:a16="http://schemas.microsoft.com/office/drawing/2014/main" id="{8D704CFC-50BF-49FD-BFCD-FA6975F54B72}"/>
+              </a:ext>
+            </a:extLst>
+          </p:cNvPr>
+          <p:cNvSpPr>
+            <a:spLocks noGrp="1"/>
+          </p:cNvSpPr>
+          <p:nvPr>
+            <p:ph idx="1"/>
+          </p:nvPr>
+        </p:nvSpPr>
+        <p:spPr/>
+        <p:txBody>
+          <a:bodyPr/>
+          <a:lstStyle/>
+          <a:p>
+            <a:r>
+              <a:rPr lang="de-DE" dirty="0" err="1"/>
+              <a:t>Overview</a:t>
+            </a:r>
+            <a:endParaRPr lang="de-DE" dirty="0"/>
+          </a:p>
+          <a:p>
+            <a:r>
+              <a:rPr lang="en-US" dirty="0">
+                <a:latin typeface="Arial" panose="020B0604020202020204" pitchFamily="34" charset="0"/>
+                <a:cs typeface="Arial" panose="020B0604020202020204" pitchFamily="34" charset="0"/>
+              </a:rPr>
+              <a:t>Hardware </a:t>
+            </a:r>
+          </a:p>
+          <a:p>
+            <a:r>
+              <a:rPr lang="en-US" dirty="0">
+                <a:latin typeface="Arial" panose="020B0604020202020204" pitchFamily="34" charset="0"/>
+                <a:cs typeface="Arial" panose="020B0604020202020204" pitchFamily="34" charset="0"/>
+              </a:rPr>
+              <a:t>Software</a:t>
+            </a:r>
+          </a:p>
+          <a:p>
+            <a:r>
+              <a:rPr lang="en-US" dirty="0">
+                <a:latin typeface="Arial" panose="020B0604020202020204" pitchFamily="34" charset="0"/>
+                <a:cs typeface="Arial" panose="020B0604020202020204" pitchFamily="34" charset="0"/>
+              </a:rPr>
+              <a:t>Evaluation</a:t>
+            </a:r>
+          </a:p>
+          <a:p>
+            <a:pPr marL="0" indent="0">
+              <a:buNone/>
+            </a:pPr>
+            <a:endParaRPr lang="de-DE" dirty="0"/>
+          </a:p>
+        </p:txBody>
+      </p:sp>
+      <p:sp>
+        <p:nvSpPr>
+          <p:cNvPr id="4" name="Fußzeilenplatzhalter 3">
+            <a:extLst>
+              <a:ext uri="{FF2B5EF4-FFF2-40B4-BE49-F238E27FC236}">
+                <a16:creationId xmlns:a16="http://schemas.microsoft.com/office/drawing/2014/main" id="{E1B0741A-C12D-4AD2-9F70-D6F30FB3BC95}"/>
+              </a:ext>
+            </a:extLst>
+          </p:cNvPr>
+          <p:cNvSpPr>
+            <a:spLocks noGrp="1"/>
+          </p:cNvSpPr>
+          <p:nvPr>
+            <p:ph type="ftr" sz="quarter" idx="10"/>
+          </p:nvPr>
+        </p:nvSpPr>
+        <p:spPr/>
+        <p:txBody>
+          <a:bodyPr/>
+          <a:lstStyle/>
+          <a:p>
+            <a:r>
+              <a:rPr lang="en-US" altLang="de-DE"/>
+              <a:t>Prof. Dr. Alexander Mädche – footbased-activity recognition</a:t>
+            </a:r>
+            <a:endParaRPr lang="de-DE" altLang="de-DE" dirty="0"/>
+          </a:p>
+        </p:txBody>
+      </p:sp>
+    </p:spTree>
+    <p:extLst>
+      <p:ext uri="{BB962C8B-B14F-4D97-AF65-F5344CB8AC3E}">
+        <p14:creationId xmlns:p14="http://schemas.microsoft.com/office/powerpoint/2010/main" val="3781453100"/>
+      </p:ext>
+    </p:extLst>
+  </p:cSld>
+  <p:clrMapOvr>
+    <a:masterClrMapping/>
+  </p:clrMapOvr>
+</p:sld>
+</file>
+
+<file path=ppt/slides/slide20.xml><?xml version="1.0" encoding="utf-8"?>
+<p:sld xmlns:a="http://schemas.openxmlformats.org/drawingml/2006/main" xmlns:r="http://schemas.openxmlformats.org/officeDocument/2006/relationships" xmlns:p="http://schemas.openxmlformats.org/presentationml/2006/main" show="0">
+  <p:cSld>
+    <p:spTree>
+      <p:nvGrpSpPr>
+        <p:cNvPr id="1" name=""/>
+        <p:cNvGrpSpPr/>
+        <p:nvPr/>
+      </p:nvGrpSpPr>
+      <p:grpSpPr>
+        <a:xfrm>
+          <a:off x="0" y="0"/>
+          <a:ext cx="0" cy="0"/>
+          <a:chOff x="0" y="0"/>
+          <a:chExt cx="0" cy="0"/>
+        </a:xfrm>
+      </p:grpSpPr>
+      <p:sp>
+        <p:nvSpPr>
+          <p:cNvPr id="4" name="Rectangle 5">
+            <a:extLst>
+              <a:ext uri="{FF2B5EF4-FFF2-40B4-BE49-F238E27FC236}">
+                <a16:creationId xmlns:a16="http://schemas.microsoft.com/office/drawing/2014/main" id="{06C64F5E-8E78-4CC6-BFC6-8A4FE9FA00EF}"/>
+              </a:ext>
+            </a:extLst>
+          </p:cNvPr>
+          <p:cNvSpPr>
+            <a:spLocks noGrp="1" noChangeArrowheads="1"/>
+          </p:cNvSpPr>
+          <p:nvPr>
+            <p:ph type="ftr" sz="quarter" idx="10"/>
+          </p:nvPr>
+        </p:nvSpPr>
+        <p:spPr>
+          <a:ln/>
+        </p:spPr>
+        <p:txBody>
+          <a:bodyPr/>
+          <a:lstStyle/>
+          <a:p>
+            <a:r>
+              <a:rPr lang="en-US" altLang="de-DE"/>
+              <a:t>Prof. Dr. Alexander Mädche – footbased-activity recognition</a:t>
+            </a:r>
+            <a:endParaRPr lang="de-DE" altLang="de-DE"/>
+          </a:p>
+        </p:txBody>
+      </p:sp>
+      <p:sp>
+        <p:nvSpPr>
+          <p:cNvPr id="7173" name="Rectangle 2">
+            <a:extLst>
+              <a:ext uri="{FF2B5EF4-FFF2-40B4-BE49-F238E27FC236}">
+                <a16:creationId xmlns:a16="http://schemas.microsoft.com/office/drawing/2014/main" id="{775B2171-1BF0-42F3-AAD7-F8F2D0A278A6}"/>
+              </a:ext>
+            </a:extLst>
+          </p:cNvPr>
+          <p:cNvSpPr>
+            <a:spLocks noGrp="1" noChangeArrowheads="1"/>
+          </p:cNvSpPr>
+          <p:nvPr>
+            <p:ph type="title"/>
+          </p:nvPr>
+        </p:nvSpPr>
+        <p:spPr/>
+        <p:txBody>
+          <a:bodyPr/>
+          <a:lstStyle/>
+          <a:p>
+            <a:pPr eaLnBrk="1" hangingPunct="1"/>
+            <a:r>
+              <a:rPr lang="de-DE" altLang="de-DE"/>
+              <a:t>Tipps zur Verwendung von Powerpoint</a:t>
+            </a:r>
+          </a:p>
+        </p:txBody>
+      </p:sp>
+      <p:sp>
+        <p:nvSpPr>
+          <p:cNvPr id="7174" name="Rectangle 3">
+            <a:extLst>
+              <a:ext uri="{FF2B5EF4-FFF2-40B4-BE49-F238E27FC236}">
+                <a16:creationId xmlns:a16="http://schemas.microsoft.com/office/drawing/2014/main" id="{8F4ED7F3-E01C-48B1-96F8-06C305ECE154}"/>
+              </a:ext>
+            </a:extLst>
+          </p:cNvPr>
+          <p:cNvSpPr>
+            <a:spLocks noGrp="1" noChangeArrowheads="1"/>
+          </p:cNvSpPr>
+          <p:nvPr>
+            <p:ph type="body" idx="1"/>
+          </p:nvPr>
+        </p:nvSpPr>
+        <p:spPr/>
+        <p:txBody>
+          <a:bodyPr/>
+          <a:lstStyle/>
+          <a:p>
+            <a:pPr eaLnBrk="1" hangingPunct="1"/>
+            <a:r>
+              <a:rPr lang="de-DE" altLang="de-DE"/>
+              <a:t>Seitenaufbau</a:t>
+            </a:r>
+          </a:p>
+          <a:p>
+            <a:pPr lvl="1" eaLnBrk="1" hangingPunct="1"/>
+            <a:r>
+              <a:rPr lang="de-DE" altLang="de-DE"/>
+              <a:t>Text und Grafiken:</a:t>
+            </a:r>
+            <a:br>
+              <a:rPr lang="de-DE" altLang="de-DE"/>
+            </a:br>
+            <a:r>
+              <a:rPr lang="de-DE" altLang="de-DE"/>
+              <a:t>Diese Elemente sollten gezielt und zurückhaltend eingesetzt werden. Empfohlen werden zehn Worte pro Zeile und fünf Zeilen pro Folie. </a:t>
+            </a:r>
+          </a:p>
+          <a:p>
+            <a:pPr lvl="1" eaLnBrk="1" hangingPunct="1"/>
+            <a:endParaRPr lang="de-DE" altLang="de-DE"/>
+          </a:p>
+          <a:p>
+            <a:pPr lvl="1" eaLnBrk="1" hangingPunct="1"/>
+            <a:r>
+              <a:rPr lang="de-DE" altLang="de-DE"/>
+              <a:t>Zahlen und Daten</a:t>
+            </a:r>
+            <a:br>
+              <a:rPr lang="de-DE" altLang="de-DE"/>
+            </a:br>
+            <a:r>
+              <a:rPr lang="de-DE" altLang="de-DE"/>
+              <a:t>Effektive PowerPoint-Präsentationen enthalten wenig Zahlen: ausführliche Daten können Sie nach der Präsentation auf Handouts verteilen.</a:t>
+            </a:r>
+          </a:p>
+        </p:txBody>
+      </p:sp>
+    </p:spTree>
+  </p:cSld>
+  <p:clrMapOvr>
+    <a:masterClrMapping/>
+  </p:clrMapOvr>
+</p:sld>
+</file>
+
+<file path=ppt/slides/slide3.xml><?xml version="1.0" encoding="utf-8"?>
+<p:sld xmlns:a="http://schemas.openxmlformats.org/drawingml/2006/main" xmlns:r="http://schemas.openxmlformats.org/officeDocument/2006/relationships" xmlns:p="http://schemas.openxmlformats.org/presentationml/2006/main">
+  <p:cSld>
+    <p:spTree>
+      <p:nvGrpSpPr>
+        <p:cNvPr id="1" name=""/>
+        <p:cNvGrpSpPr/>
+        <p:nvPr/>
+      </p:nvGrpSpPr>
+      <p:grpSpPr>
+        <a:xfrm>
+          <a:off x="0" y="0"/>
+          <a:ext cx="0" cy="0"/>
+          <a:chOff x="0" y="0"/>
+          <a:chExt cx="0" cy="0"/>
+        </a:xfrm>
+      </p:grpSpPr>
+      <p:sp>
+        <p:nvSpPr>
+          <p:cNvPr id="123" name="Subtasks"/>
+          <p:cNvSpPr txBox="1">
+            <a:spLocks noGrp="1"/>
+          </p:cNvSpPr>
+          <p:nvPr>
+            <p:ph type="title"/>
+          </p:nvPr>
+        </p:nvSpPr>
+        <p:spPr>
+          <a:prstGeom prst="rect">
+            <a:avLst/>
+          </a:prstGeom>
+        </p:spPr>
+        <p:txBody>
+          <a:bodyPr>
+            <a:normAutofit/>
+          </a:bodyPr>
+          <a:lstStyle/>
+          <a:p>
+            <a:r>
+              <a:rPr lang="de-DE" dirty="0" err="1"/>
+              <a:t>Overview</a:t>
+            </a:r>
+            <a:r>
+              <a:rPr lang="de-DE" dirty="0"/>
+              <a:t> - Goal</a:t>
+            </a:r>
+            <a:endParaRPr dirty="0"/>
+          </a:p>
+        </p:txBody>
+      </p:sp>
+      <p:sp>
+        <p:nvSpPr>
+          <p:cNvPr id="8" name="Textplatzhalter 1">
+            <a:extLst>
+              <a:ext uri="{FF2B5EF4-FFF2-40B4-BE49-F238E27FC236}">
+                <a16:creationId xmlns:a16="http://schemas.microsoft.com/office/drawing/2014/main" id="{4284B9BC-B241-43F8-B70E-DF82525C35FF}"/>
+              </a:ext>
+            </a:extLst>
+          </p:cNvPr>
+          <p:cNvSpPr>
+            <a:spLocks noGrp="1"/>
+          </p:cNvSpPr>
+          <p:nvPr>
+            <p:ph idx="1"/>
+          </p:nvPr>
+        </p:nvSpPr>
+        <p:spPr/>
+        <p:txBody>
+          <a:bodyPr>
+            <a:noAutofit/>
+          </a:bodyPr>
+          <a:lstStyle/>
+          <a:p>
+            <a:pPr marL="241093" indent="-241093">
+              <a:defRPr>
+                <a:solidFill>
+                  <a:srgbClr val="549E8A"/>
+                </a:solidFill>
+              </a:defRPr>
+            </a:pPr>
+            <a:r>
+              <a:rPr lang="en-US" dirty="0">
+                <a:solidFill>
+                  <a:schemeClr val="tx1"/>
+                </a:solidFill>
+                <a:latin typeface="Arial" panose="020B0604020202020204" pitchFamily="34" charset="0"/>
+                <a:cs typeface="Arial" panose="020B0604020202020204" pitchFamily="34" charset="0"/>
+              </a:rPr>
+              <a:t>Design a foot-based movement recognition system </a:t>
+            </a:r>
+          </a:p>
+          <a:p>
+            <a:pPr marL="241093" indent="-241093">
+              <a:defRPr>
+                <a:solidFill>
+                  <a:srgbClr val="549E8A"/>
+                </a:solidFill>
+              </a:defRPr>
+            </a:pPr>
+            <a:r>
+              <a:rPr lang="en-US" dirty="0">
+                <a:solidFill>
+                  <a:schemeClr val="tx1"/>
+                </a:solidFill>
+                <a:latin typeface="Arial" panose="020B0604020202020204" pitchFamily="34" charset="0"/>
+                <a:cs typeface="Arial" panose="020B0604020202020204" pitchFamily="34" charset="0"/>
+              </a:rPr>
+              <a:t>Controls can be mapped to interact with KPMG Dashboards and other applications (presentations, software development and others)</a:t>
+            </a:r>
+          </a:p>
+          <a:p>
+            <a:pPr marL="241093" indent="-241093">
+              <a:defRPr>
+                <a:solidFill>
+                  <a:srgbClr val="549E8A"/>
+                </a:solidFill>
+              </a:defRPr>
+            </a:pPr>
+            <a:r>
+              <a:rPr lang="en-US" dirty="0">
+                <a:solidFill>
+                  <a:schemeClr val="tx1"/>
+                </a:solidFill>
+                <a:latin typeface="Arial" panose="020B0604020202020204" pitchFamily="34" charset="0"/>
+                <a:cs typeface="Arial" panose="020B0604020202020204" pitchFamily="34" charset="0"/>
+              </a:rPr>
+              <a:t>We focus on usability and reliability in everyday use</a:t>
+            </a:r>
+          </a:p>
+          <a:p>
+            <a:pPr marL="0" indent="0">
+              <a:buNone/>
+              <a:defRPr>
+                <a:solidFill>
+                  <a:srgbClr val="549E8A"/>
+                </a:solidFill>
+              </a:defRPr>
+            </a:pPr>
+            <a:endParaRPr lang="en-US" dirty="0">
+              <a:solidFill>
+                <a:schemeClr val="tx1"/>
+              </a:solidFill>
+              <a:latin typeface="Arial" panose="020B0604020202020204" pitchFamily="34" charset="0"/>
+              <a:cs typeface="Arial" panose="020B0604020202020204" pitchFamily="34" charset="0"/>
+            </a:endParaRPr>
+          </a:p>
+          <a:p>
+            <a:pPr marL="0" indent="0">
+              <a:buNone/>
+              <a:defRPr>
+                <a:solidFill>
+                  <a:srgbClr val="549E8A"/>
+                </a:solidFill>
+              </a:defRPr>
+            </a:pPr>
+            <a:endParaRPr lang="en-US" dirty="0">
+              <a:solidFill>
+                <a:schemeClr val="tx1"/>
+              </a:solidFill>
+              <a:latin typeface="Arial" panose="020B0604020202020204" pitchFamily="34" charset="0"/>
+              <a:cs typeface="Arial" panose="020B0604020202020204" pitchFamily="34" charset="0"/>
+            </a:endParaRPr>
+          </a:p>
+          <a:p>
+            <a:pPr marL="404986" indent="-404986">
+              <a:lnSpc>
+                <a:spcPct val="120000"/>
+              </a:lnSpc>
+            </a:pPr>
+            <a:endParaRPr lang="de-DE" sz="1687" dirty="0"/>
+          </a:p>
+        </p:txBody>
+      </p:sp>
+      <p:pic>
+        <p:nvPicPr>
+          <p:cNvPr id="4" name="Spend_7.png" descr="Spend_7.png">
+            <a:extLst>
+              <a:ext uri="{FF2B5EF4-FFF2-40B4-BE49-F238E27FC236}">
+                <a16:creationId xmlns:a16="http://schemas.microsoft.com/office/drawing/2014/main" id="{2B976A03-134D-4EC2-82BA-078B3E3390D2}"/>
+              </a:ext>
+            </a:extLst>
+          </p:cNvPr>
+          <p:cNvPicPr>
+            <a:picLocks noChangeAspect="1"/>
+          </p:cNvPicPr>
+          <p:nvPr/>
+        </p:nvPicPr>
+        <p:blipFill>
+          <a:blip r:embed="rId2">
+            <a:extLst/>
+          </a:blip>
+          <a:stretch>
+            <a:fillRect/>
+          </a:stretch>
+        </p:blipFill>
+        <p:spPr>
+          <a:xfrm>
+            <a:off x="2154517" y="3678520"/>
+            <a:ext cx="4834967" cy="2290551"/>
+          </a:xfrm>
+          <a:prstGeom prst="rect">
+            <a:avLst/>
+          </a:prstGeom>
+          <a:ln w="12700">
+            <a:miter lim="400000"/>
+          </a:ln>
+        </p:spPr>
+      </p:pic>
+      <p:sp>
+        <p:nvSpPr>
+          <p:cNvPr id="6" name="Rechteck 5">
+            <a:extLst>
+              <a:ext uri="{FF2B5EF4-FFF2-40B4-BE49-F238E27FC236}">
+                <a16:creationId xmlns:a16="http://schemas.microsoft.com/office/drawing/2014/main" id="{9E106B68-974B-4F5E-A6C4-A982B4D49C7C}"/>
+              </a:ext>
+            </a:extLst>
+          </p:cNvPr>
+          <p:cNvSpPr/>
+          <p:nvPr/>
+        </p:nvSpPr>
+        <p:spPr>
+          <a:xfrm rot="1541309">
+            <a:off x="7353159" y="1170218"/>
+            <a:ext cx="1368152" cy="438374"/>
+          </a:xfrm>
+          <a:prstGeom prst="rect">
+            <a:avLst/>
+          </a:prstGeom>
+          <a:solidFill>
+            <a:srgbClr val="FA8214"/>
+          </a:solidFill>
+          <a:ln>
+            <a:solidFill>
+              <a:srgbClr val="FA8214"/>
+            </a:solidFill>
+          </a:ln>
+        </p:spPr>
+        <p:style>
+          <a:lnRef idx="2">
+            <a:schemeClr val="accent1">
+              <a:shade val="50000"/>
+            </a:schemeClr>
+          </a:lnRef>
+          <a:fillRef idx="1">
+            <a:schemeClr val="accent1"/>
+          </a:fillRef>
+          <a:effectRef idx="0">
+            <a:schemeClr val="accent1"/>
+          </a:effectRef>
+          <a:fontRef idx="minor">
+            <a:schemeClr val="lt1"/>
+          </a:fontRef>
+        </p:style>
+        <p:txBody>
+          <a:bodyPr rtlCol="0" anchor="ctr"/>
+          <a:lstStyle/>
+          <a:p>
+            <a:pPr algn="ctr"/>
+            <a:r>
+              <a:rPr lang="en-GB" sz="1400"/>
+              <a:t>Mid-term presentation</a:t>
+            </a:r>
+          </a:p>
+        </p:txBody>
+      </p:sp>
+      <p:sp>
+        <p:nvSpPr>
+          <p:cNvPr id="2" name="Fußzeilenplatzhalter 1">
+            <a:extLst>
+              <a:ext uri="{FF2B5EF4-FFF2-40B4-BE49-F238E27FC236}">
+                <a16:creationId xmlns:a16="http://schemas.microsoft.com/office/drawing/2014/main" id="{3025B596-744D-45A5-A76C-1E6CD3B764F0}"/>
+              </a:ext>
+            </a:extLst>
+          </p:cNvPr>
+          <p:cNvSpPr>
+            <a:spLocks noGrp="1"/>
+          </p:cNvSpPr>
+          <p:nvPr>
+            <p:ph type="ftr" sz="quarter" idx="10"/>
+          </p:nvPr>
+        </p:nvSpPr>
+        <p:spPr/>
+        <p:txBody>
+          <a:bodyPr/>
+          <a:lstStyle/>
+          <a:p>
+            <a:r>
+              <a:rPr lang="en-US" altLang="de-DE"/>
+              <a:t>Prof. Dr. Alexander Mädche – footbased-activity recognition</a:t>
+            </a:r>
+            <a:endParaRPr lang="de-DE" altLang="de-DE" dirty="0"/>
+          </a:p>
+        </p:txBody>
+      </p:sp>
+    </p:spTree>
+    <p:extLst>
+      <p:ext uri="{BB962C8B-B14F-4D97-AF65-F5344CB8AC3E}">
+        <p14:creationId xmlns:p14="http://schemas.microsoft.com/office/powerpoint/2010/main" val="2720190295"/>
+      </p:ext>
+    </p:extLst>
+  </p:cSld>
+  <p:clrMapOvr>
+    <a:masterClrMapping/>
+  </p:clrMapOvr>
+</p:sld>
+</file>
+
+<file path=ppt/slides/slide4.xml><?xml version="1.0" encoding="utf-8"?>
+<p:sld xmlns:a="http://schemas.openxmlformats.org/drawingml/2006/main" xmlns:r="http://schemas.openxmlformats.org/officeDocument/2006/relationships" xmlns:p="http://schemas.openxmlformats.org/presentationml/2006/main">
+  <p:cSld>
+    <p:spTree>
+      <p:nvGrpSpPr>
+        <p:cNvPr id="1" name=""/>
+        <p:cNvGrpSpPr/>
+        <p:nvPr/>
+      </p:nvGrpSpPr>
+      <p:grpSpPr>
+        <a:xfrm>
+          <a:off x="0" y="0"/>
+          <a:ext cx="0" cy="0"/>
+          <a:chOff x="0" y="0"/>
+          <a:chExt cx="0" cy="0"/>
+        </a:xfrm>
+      </p:grpSpPr>
+      <p:sp>
+        <p:nvSpPr>
+          <p:cNvPr id="12" name="Titel 11">
+            <a:extLst>
+              <a:ext uri="{FF2B5EF4-FFF2-40B4-BE49-F238E27FC236}">
+                <a16:creationId xmlns:a16="http://schemas.microsoft.com/office/drawing/2014/main" id="{95289E6D-B3BB-4DFC-AE83-076CC5C2AD24}"/>
+              </a:ext>
+            </a:extLst>
+          </p:cNvPr>
+          <p:cNvSpPr>
+            <a:spLocks noGrp="1"/>
+          </p:cNvSpPr>
+          <p:nvPr>
+            <p:ph type="title"/>
+          </p:nvPr>
+        </p:nvSpPr>
+        <p:spPr/>
+        <p:txBody>
+          <a:bodyPr/>
+          <a:lstStyle/>
+          <a:p>
+            <a:r>
+              <a:rPr lang="de-DE" dirty="0" err="1"/>
+              <a:t>Overview</a:t>
+            </a:r>
+            <a:endParaRPr lang="de-DE" dirty="0"/>
+          </a:p>
+        </p:txBody>
+      </p:sp>
+      <p:sp>
+        <p:nvSpPr>
+          <p:cNvPr id="13" name="Inhaltsplatzhalter 12">
+            <a:extLst>
+              <a:ext uri="{FF2B5EF4-FFF2-40B4-BE49-F238E27FC236}">
+                <a16:creationId xmlns:a16="http://schemas.microsoft.com/office/drawing/2014/main" id="{CC608D89-DE21-4671-AA96-631B4888C6D3}"/>
+              </a:ext>
+            </a:extLst>
+          </p:cNvPr>
+          <p:cNvSpPr>
+            <a:spLocks noGrp="1"/>
+          </p:cNvSpPr>
+          <p:nvPr>
+            <p:ph idx="1"/>
+          </p:nvPr>
+        </p:nvSpPr>
+        <p:spPr/>
+        <p:txBody>
+          <a:bodyPr/>
+          <a:lstStyle/>
+          <a:p>
+            <a:r>
+              <a:rPr lang="de-DE" dirty="0" err="1"/>
+              <a:t>Programming</a:t>
+            </a:r>
+            <a:r>
+              <a:rPr lang="de-DE" dirty="0"/>
+              <a:t> </a:t>
+            </a:r>
+            <a:r>
+              <a:rPr lang="de-DE" dirty="0" err="1"/>
+              <a:t>language</a:t>
+            </a:r>
+            <a:r>
+              <a:rPr lang="de-DE" dirty="0"/>
+              <a:t> </a:t>
+            </a:r>
+            <a:r>
+              <a:rPr lang="de-DE" dirty="0" err="1"/>
+              <a:t>used</a:t>
+            </a:r>
+            <a:r>
+              <a:rPr lang="de-DE" dirty="0"/>
+              <a:t>: Python</a:t>
+            </a:r>
+          </a:p>
+          <a:p>
+            <a:r>
+              <a:rPr lang="de-DE" dirty="0"/>
+              <a:t>Project </a:t>
+            </a:r>
+            <a:r>
+              <a:rPr lang="de-DE" dirty="0" err="1"/>
+              <a:t>organisation</a:t>
+            </a:r>
+            <a:r>
+              <a:rPr lang="de-DE" dirty="0"/>
+              <a:t>: </a:t>
+            </a:r>
+            <a:r>
+              <a:rPr lang="de-DE" dirty="0" err="1"/>
+              <a:t>Gannt</a:t>
+            </a:r>
+            <a:r>
+              <a:rPr lang="de-DE" dirty="0"/>
+              <a:t> </a:t>
+            </a:r>
+            <a:r>
+              <a:rPr lang="de-DE" dirty="0" err="1"/>
+              <a:t>diagram</a:t>
+            </a:r>
+            <a:endParaRPr lang="de-DE" dirty="0"/>
+          </a:p>
+        </p:txBody>
+      </p:sp>
+      <p:sp>
+        <p:nvSpPr>
+          <p:cNvPr id="4" name="Fußzeilenplatzhalter 3">
+            <a:extLst>
+              <a:ext uri="{FF2B5EF4-FFF2-40B4-BE49-F238E27FC236}">
+                <a16:creationId xmlns:a16="http://schemas.microsoft.com/office/drawing/2014/main" id="{0206FBEC-CD52-4CBD-AC0F-58ACD513D14C}"/>
+              </a:ext>
+            </a:extLst>
+          </p:cNvPr>
+          <p:cNvSpPr>
+            <a:spLocks noGrp="1"/>
+          </p:cNvSpPr>
+          <p:nvPr>
+            <p:ph type="ftr" sz="quarter" idx="10"/>
+          </p:nvPr>
+        </p:nvSpPr>
+        <p:spPr/>
+        <p:txBody>
+          <a:bodyPr/>
+          <a:lstStyle/>
+          <a:p>
+            <a:r>
+              <a:rPr lang="en-US" altLang="de-DE"/>
+              <a:t>Prof. Dr. Alexander Mädche – footbased-activity recognition</a:t>
+            </a:r>
+            <a:endParaRPr lang="de-DE" altLang="de-DE" dirty="0"/>
+          </a:p>
+        </p:txBody>
+      </p:sp>
+    </p:spTree>
+    <p:extLst>
+      <p:ext uri="{BB962C8B-B14F-4D97-AF65-F5344CB8AC3E}">
+        <p14:creationId xmlns:p14="http://schemas.microsoft.com/office/powerpoint/2010/main" val="2932203331"/>
+      </p:ext>
+    </p:extLst>
+  </p:cSld>
+  <p:clrMapOvr>
+    <a:masterClrMapping/>
+  </p:clrMapOvr>
+</p:sld>
+</file>
+
+<file path=ppt/slides/slide5.xml><?xml version="1.0" encoding="utf-8"?>
+<p:sld xmlns:a="http://schemas.openxmlformats.org/drawingml/2006/main" xmlns:r="http://schemas.openxmlformats.org/officeDocument/2006/relationships" xmlns:p="http://schemas.openxmlformats.org/presentationml/2006/main">
+  <p:cSld>
+    <p:spTree>
+      <p:nvGrpSpPr>
+        <p:cNvPr id="1" name=""/>
+        <p:cNvGrpSpPr/>
+        <p:nvPr/>
+      </p:nvGrpSpPr>
+      <p:grpSpPr>
+        <a:xfrm>
+          <a:off x="0" y="0"/>
+          <a:ext cx="0" cy="0"/>
+          <a:chOff x="0" y="0"/>
+          <a:chExt cx="0" cy="0"/>
+        </a:xfrm>
+      </p:grpSpPr>
+      <p:sp>
+        <p:nvSpPr>
+          <p:cNvPr id="5" name="Titel 4">
+            <a:extLst>
+              <a:ext uri="{FF2B5EF4-FFF2-40B4-BE49-F238E27FC236}">
+                <a16:creationId xmlns:a16="http://schemas.microsoft.com/office/drawing/2014/main" id="{77C70393-C89E-4531-AF2C-221453EEB910}"/>
+              </a:ext>
+            </a:extLst>
+          </p:cNvPr>
+          <p:cNvSpPr>
+            <a:spLocks noGrp="1"/>
+          </p:cNvSpPr>
+          <p:nvPr>
+            <p:ph type="title"/>
+          </p:nvPr>
+        </p:nvSpPr>
+        <p:spPr/>
+        <p:txBody>
+          <a:bodyPr/>
+          <a:lstStyle/>
+          <a:p>
+            <a:r>
+              <a:rPr lang="de-DE" dirty="0" err="1"/>
+              <a:t>Movements</a:t>
+            </a:r>
+            <a:endParaRPr lang="de-DE" dirty="0"/>
+          </a:p>
+        </p:txBody>
+      </p:sp>
+      <p:sp>
+        <p:nvSpPr>
+          <p:cNvPr id="6" name="Inhaltsplatzhalter 5">
+            <a:extLst>
+              <a:ext uri="{FF2B5EF4-FFF2-40B4-BE49-F238E27FC236}">
+                <a16:creationId xmlns:a16="http://schemas.microsoft.com/office/drawing/2014/main" id="{3FA75E6E-4A50-4F79-9565-2DE1D9CD1077}"/>
+              </a:ext>
+            </a:extLst>
+          </p:cNvPr>
+          <p:cNvSpPr>
+            <a:spLocks noGrp="1"/>
+          </p:cNvSpPr>
+          <p:nvPr>
+            <p:ph sz="half" idx="1"/>
+          </p:nvPr>
+        </p:nvSpPr>
+        <p:spPr/>
+        <p:txBody>
+          <a:bodyPr/>
+          <a:lstStyle/>
+          <a:p>
+            <a:r>
+              <a:rPr lang="en-US" sz="2400" dirty="0">
+                <a:latin typeface="Arial" panose="020B0604020202020204" pitchFamily="34" charset="0"/>
+                <a:cs typeface="Arial" panose="020B0604020202020204" pitchFamily="34" charset="0"/>
+              </a:rPr>
+              <a:t>Movements should be easy to use in an everyday office environment</a:t>
+            </a:r>
+          </a:p>
+          <a:p>
+            <a:endParaRPr lang="en-US" sz="2400" dirty="0">
+              <a:latin typeface="Arial" panose="020B0604020202020204" pitchFamily="34" charset="0"/>
+              <a:cs typeface="Arial" panose="020B0604020202020204" pitchFamily="34" charset="0"/>
+            </a:endParaRPr>
+          </a:p>
+          <a:p>
+            <a:r>
+              <a:rPr lang="en-US" sz="2400" dirty="0">
+                <a:latin typeface="Arial" panose="020B0604020202020204" pitchFamily="34" charset="0"/>
+                <a:cs typeface="Arial" panose="020B0604020202020204" pitchFamily="34" charset="0"/>
+              </a:rPr>
+              <a:t>Implemented movements:</a:t>
+            </a:r>
+          </a:p>
+          <a:p>
+            <a:pPr lvl="1"/>
+            <a:r>
+              <a:rPr lang="en-US" sz="2000" dirty="0">
+                <a:latin typeface="Arial" panose="020B0604020202020204" pitchFamily="34" charset="0"/>
+                <a:cs typeface="Arial" panose="020B0604020202020204" pitchFamily="34" charset="0"/>
+              </a:rPr>
+              <a:t>Toe and heel raise</a:t>
+            </a:r>
+          </a:p>
+          <a:p>
+            <a:pPr lvl="1"/>
+            <a:r>
+              <a:rPr lang="en-US" sz="2000" dirty="0" err="1">
+                <a:latin typeface="Arial" panose="020B0604020202020204" pitchFamily="34" charset="0"/>
+                <a:cs typeface="Arial" panose="020B0604020202020204" pitchFamily="34" charset="0"/>
+              </a:rPr>
+              <a:t>Suspination</a:t>
+            </a:r>
+            <a:endParaRPr lang="en-US" sz="2000" dirty="0">
+              <a:latin typeface="Arial" panose="020B0604020202020204" pitchFamily="34" charset="0"/>
+              <a:cs typeface="Arial" panose="020B0604020202020204" pitchFamily="34" charset="0"/>
+            </a:endParaRPr>
+          </a:p>
+          <a:p>
+            <a:pPr lvl="1"/>
+            <a:r>
+              <a:rPr lang="en-US" sz="2000" dirty="0">
+                <a:latin typeface="Arial" panose="020B0604020202020204" pitchFamily="34" charset="0"/>
+                <a:cs typeface="Arial" panose="020B0604020202020204" pitchFamily="34" charset="0"/>
+              </a:rPr>
+              <a:t>Front and Back slide</a:t>
+            </a:r>
+          </a:p>
+          <a:p>
+            <a:pPr lvl="1"/>
+            <a:r>
+              <a:rPr lang="en-US" sz="2000" dirty="0">
+                <a:latin typeface="Arial" panose="020B0604020202020204" pitchFamily="34" charset="0"/>
+                <a:cs typeface="Arial" panose="020B0604020202020204" pitchFamily="34" charset="0"/>
+              </a:rPr>
+              <a:t>Rotate toe left and right</a:t>
+            </a:r>
+          </a:p>
+          <a:p>
+            <a:endParaRPr lang="de-DE" dirty="0"/>
+          </a:p>
+        </p:txBody>
+      </p:sp>
+      <p:sp>
+        <p:nvSpPr>
+          <p:cNvPr id="4" name="Fußzeilenplatzhalter 3">
+            <a:extLst>
+              <a:ext uri="{FF2B5EF4-FFF2-40B4-BE49-F238E27FC236}">
+                <a16:creationId xmlns:a16="http://schemas.microsoft.com/office/drawing/2014/main" id="{D0C5FF02-96BC-4F0B-9529-9AFDEF2B5C5D}"/>
+              </a:ext>
+            </a:extLst>
+          </p:cNvPr>
+          <p:cNvSpPr>
+            <a:spLocks noGrp="1"/>
+          </p:cNvSpPr>
+          <p:nvPr>
+            <p:ph type="ftr" sz="quarter" idx="10"/>
+          </p:nvPr>
+        </p:nvSpPr>
+        <p:spPr/>
+        <p:txBody>
+          <a:bodyPr/>
+          <a:lstStyle/>
+          <a:p>
+            <a:r>
+              <a:rPr lang="en-US" altLang="de-DE"/>
+              <a:t>Prof. Dr. Alexander Mädche – footbased-activity recognition</a:t>
+            </a:r>
+            <a:endParaRPr lang="de-DE" altLang="de-DE" dirty="0"/>
+          </a:p>
+        </p:txBody>
+      </p:sp>
+      <p:pic>
+        <p:nvPicPr>
+          <p:cNvPr id="8" name="Screen Shot 2018-06-18 at 13.15.50.png" descr="Screen Shot 2018-06-18 at 13.15.50.png">
+            <a:extLst>
+              <a:ext uri="{FF2B5EF4-FFF2-40B4-BE49-F238E27FC236}">
+                <a16:creationId xmlns:a16="http://schemas.microsoft.com/office/drawing/2014/main" id="{499783AF-573A-46A7-98C6-AA8810318494}"/>
+              </a:ext>
+            </a:extLst>
+          </p:cNvPr>
+          <p:cNvPicPr>
+            <a:picLocks noGrp="1" noChangeAspect="1"/>
+          </p:cNvPicPr>
+          <p:nvPr>
+            <p:ph sz="half" idx="2"/>
+          </p:nvPr>
+        </p:nvPicPr>
+        <p:blipFill>
+          <a:blip r:embed="rId2">
+            <a:extLst/>
+          </a:blip>
+          <a:stretch>
+            <a:fillRect/>
+          </a:stretch>
+        </p:blipFill>
+        <p:spPr>
+          <a:xfrm>
+            <a:off x="4649789" y="1198564"/>
+            <a:ext cx="3882651" cy="2400004"/>
+          </a:xfrm>
+          <a:prstGeom prst="rect">
+            <a:avLst/>
+          </a:prstGeom>
+          <a:ln w="12700">
+            <a:miter lim="400000"/>
+          </a:ln>
+        </p:spPr>
+      </p:pic>
+      <p:pic>
+        <p:nvPicPr>
+          <p:cNvPr id="9" name="Screen Shot 2018-06-18 at 13.16.19.png" descr="Screen Shot 2018-06-18 at 13.16.19.png">
+            <a:extLst>
+              <a:ext uri="{FF2B5EF4-FFF2-40B4-BE49-F238E27FC236}">
+                <a16:creationId xmlns:a16="http://schemas.microsoft.com/office/drawing/2014/main" id="{063C1153-A27E-4BEE-8CC0-DF9271E476E5}"/>
+              </a:ext>
+            </a:extLst>
+          </p:cNvPr>
+          <p:cNvPicPr>
+            <a:picLocks noChangeAspect="1"/>
+          </p:cNvPicPr>
+          <p:nvPr/>
+        </p:nvPicPr>
+        <p:blipFill>
+          <a:blip r:embed="rId3">
+            <a:extLst/>
+          </a:blip>
+          <a:stretch>
+            <a:fillRect/>
+          </a:stretch>
+        </p:blipFill>
+        <p:spPr>
+          <a:xfrm>
+            <a:off x="4649789" y="3645694"/>
+            <a:ext cx="3849857" cy="2401200"/>
+          </a:xfrm>
+          <a:prstGeom prst="rect">
+            <a:avLst/>
+          </a:prstGeom>
+          <a:ln w="12700">
+            <a:miter lim="400000"/>
+          </a:ln>
+        </p:spPr>
+      </p:pic>
+      <p:sp>
+        <p:nvSpPr>
+          <p:cNvPr id="13" name="Rechteck 12">
+            <a:extLst>
+              <a:ext uri="{FF2B5EF4-FFF2-40B4-BE49-F238E27FC236}">
+                <a16:creationId xmlns:a16="http://schemas.microsoft.com/office/drawing/2014/main" id="{A893B0BF-72A7-4DA5-B029-168A0C512216}"/>
+              </a:ext>
+            </a:extLst>
+          </p:cNvPr>
+          <p:cNvSpPr/>
+          <p:nvPr/>
+        </p:nvSpPr>
+        <p:spPr>
+          <a:xfrm rot="1541309">
+            <a:off x="7353159" y="1170218"/>
+            <a:ext cx="1368152" cy="438374"/>
+          </a:xfrm>
+          <a:prstGeom prst="rect">
+            <a:avLst/>
+          </a:prstGeom>
+          <a:solidFill>
+            <a:srgbClr val="FA8214"/>
+          </a:solidFill>
+          <a:ln>
+            <a:solidFill>
+              <a:srgbClr val="FA8214"/>
+            </a:solidFill>
+          </a:ln>
+        </p:spPr>
+        <p:style>
+          <a:lnRef idx="2">
+            <a:schemeClr val="accent1">
+              <a:shade val="50000"/>
+            </a:schemeClr>
+          </a:lnRef>
+          <a:fillRef idx="1">
+            <a:schemeClr val="accent1"/>
+          </a:fillRef>
+          <a:effectRef idx="0">
+            <a:schemeClr val="accent1"/>
+          </a:effectRef>
+          <a:fontRef idx="minor">
+            <a:schemeClr val="lt1"/>
+          </a:fontRef>
+        </p:style>
+        <p:txBody>
+          <a:bodyPr rtlCol="0" anchor="ctr"/>
+          <a:lstStyle/>
+          <a:p>
+            <a:pPr algn="ctr"/>
+            <a:r>
+              <a:rPr lang="en-GB" sz="1400"/>
+              <a:t>Mid-term presentation</a:t>
+            </a:r>
+          </a:p>
+        </p:txBody>
+      </p:sp>
+    </p:spTree>
+    <p:extLst>
+      <p:ext uri="{BB962C8B-B14F-4D97-AF65-F5344CB8AC3E}">
+        <p14:creationId xmlns:p14="http://schemas.microsoft.com/office/powerpoint/2010/main" val="3264316700"/>
+      </p:ext>
+    </p:extLst>
+  </p:cSld>
+  <p:clrMapOvr>
+    <a:masterClrMapping/>
+  </p:clrMapOvr>
+</p:sld>
+</file>
+
+<file path=ppt/slides/slide6.xml><?xml version="1.0" encoding="utf-8"?>
+<p:sld xmlns:a="http://schemas.openxmlformats.org/drawingml/2006/main" xmlns:r="http://schemas.openxmlformats.org/officeDocument/2006/relationships" xmlns:p="http://schemas.openxmlformats.org/presentationml/2006/main" show="0">
+  <p:cSld>
+    <p:spTree>
+      <p:nvGrpSpPr>
+        <p:cNvPr id="1" name=""/>
+        <p:cNvGrpSpPr/>
+        <p:nvPr/>
+      </p:nvGrpSpPr>
+      <p:grpSpPr>
+        <a:xfrm>
+          <a:off x="0" y="0"/>
+          <a:ext cx="0" cy="0"/>
+          <a:chOff x="0" y="0"/>
+          <a:chExt cx="0" cy="0"/>
+        </a:xfrm>
+      </p:grpSpPr>
+      <p:sp>
+        <p:nvSpPr>
+          <p:cNvPr id="5" name="Titel 4">
+            <a:extLst>
+              <a:ext uri="{FF2B5EF4-FFF2-40B4-BE49-F238E27FC236}">
+                <a16:creationId xmlns:a16="http://schemas.microsoft.com/office/drawing/2014/main" id="{77C70393-C89E-4531-AF2C-221453EEB910}"/>
+              </a:ext>
+            </a:extLst>
+          </p:cNvPr>
+          <p:cNvSpPr>
+            <a:spLocks noGrp="1"/>
+          </p:cNvSpPr>
+          <p:nvPr>
+            <p:ph type="title"/>
+          </p:nvPr>
+        </p:nvSpPr>
+        <p:spPr/>
+        <p:txBody>
+          <a:bodyPr/>
+          <a:lstStyle/>
+          <a:p>
+            <a:r>
+              <a:rPr lang="de-DE" dirty="0" err="1"/>
+              <a:t>Movements</a:t>
+            </a:r>
+            <a:endParaRPr lang="de-DE" dirty="0"/>
+          </a:p>
+        </p:txBody>
+      </p:sp>
+      <p:sp>
+        <p:nvSpPr>
+          <p:cNvPr id="6" name="Inhaltsplatzhalter 5">
+            <a:extLst>
+              <a:ext uri="{FF2B5EF4-FFF2-40B4-BE49-F238E27FC236}">
+                <a16:creationId xmlns:a16="http://schemas.microsoft.com/office/drawing/2014/main" id="{3FA75E6E-4A50-4F79-9565-2DE1D9CD1077}"/>
+              </a:ext>
+            </a:extLst>
+          </p:cNvPr>
+          <p:cNvSpPr>
+            <a:spLocks noGrp="1"/>
+          </p:cNvSpPr>
+          <p:nvPr>
+            <p:ph sz="half" idx="1"/>
+          </p:nvPr>
+        </p:nvSpPr>
+        <p:spPr>
+          <a:xfrm>
+            <a:off x="392112" y="1198563"/>
+            <a:ext cx="8356601" cy="4894262"/>
+          </a:xfrm>
+        </p:spPr>
+        <p:txBody>
+          <a:bodyPr/>
+          <a:lstStyle/>
+          <a:p>
+            <a:r>
+              <a:rPr lang="en-US" sz="2400" dirty="0">
+                <a:latin typeface="Arial" panose="020B0604020202020204" pitchFamily="34" charset="0"/>
+                <a:cs typeface="Arial" panose="020B0604020202020204" pitchFamily="34" charset="0"/>
+              </a:rPr>
+              <a:t>Movements should be easy to use 			          in an everyday office environment</a:t>
+            </a:r>
+          </a:p>
+          <a:p>
+            <a:endParaRPr lang="en-US" sz="2400" dirty="0">
+              <a:latin typeface="Arial" panose="020B0604020202020204" pitchFamily="34" charset="0"/>
+              <a:cs typeface="Arial" panose="020B0604020202020204" pitchFamily="34" charset="0"/>
+            </a:endParaRPr>
+          </a:p>
+          <a:p>
+            <a:r>
+              <a:rPr lang="en-US" sz="2400" dirty="0">
+                <a:latin typeface="Arial" panose="020B0604020202020204" pitchFamily="34" charset="0"/>
+                <a:cs typeface="Arial" panose="020B0604020202020204" pitchFamily="34" charset="0"/>
+              </a:rPr>
+              <a:t>Implemented movements:</a:t>
+            </a:r>
+          </a:p>
+          <a:p>
+            <a:pPr lvl="1"/>
+            <a:r>
+              <a:rPr lang="en-US" sz="2000" dirty="0">
+                <a:latin typeface="Arial" panose="020B0604020202020204" pitchFamily="34" charset="0"/>
+                <a:cs typeface="Arial" panose="020B0604020202020204" pitchFamily="34" charset="0"/>
+              </a:rPr>
+              <a:t>Toe and heel raise</a:t>
+            </a:r>
+          </a:p>
+          <a:p>
+            <a:pPr lvl="1"/>
+            <a:r>
+              <a:rPr lang="en-US" sz="2000" dirty="0" err="1">
+                <a:latin typeface="Arial" panose="020B0604020202020204" pitchFamily="34" charset="0"/>
+                <a:cs typeface="Arial" panose="020B0604020202020204" pitchFamily="34" charset="0"/>
+              </a:rPr>
+              <a:t>Suspination</a:t>
+            </a:r>
+            <a:r>
+              <a:rPr lang="en-US" sz="2000" dirty="0">
+                <a:latin typeface="Arial" panose="020B0604020202020204" pitchFamily="34" charset="0"/>
+                <a:cs typeface="Arial" panose="020B0604020202020204" pitchFamily="34" charset="0"/>
+              </a:rPr>
+              <a:t> and pronation</a:t>
+            </a:r>
+          </a:p>
+          <a:p>
+            <a:pPr lvl="1"/>
+            <a:r>
+              <a:rPr lang="en-US" sz="2000" dirty="0">
+                <a:latin typeface="Arial" panose="020B0604020202020204" pitchFamily="34" charset="0"/>
+                <a:cs typeface="Arial" panose="020B0604020202020204" pitchFamily="34" charset="0"/>
+              </a:rPr>
+              <a:t>Front and Back slide</a:t>
+            </a:r>
+          </a:p>
+          <a:p>
+            <a:pPr lvl="1"/>
+            <a:r>
+              <a:rPr lang="en-US" sz="2000" dirty="0">
+                <a:latin typeface="Arial" panose="020B0604020202020204" pitchFamily="34" charset="0"/>
+                <a:cs typeface="Arial" panose="020B0604020202020204" pitchFamily="34" charset="0"/>
+              </a:rPr>
+              <a:t>Rotate toe left and right</a:t>
+            </a:r>
+          </a:p>
+          <a:p>
+            <a:endParaRPr lang="de-DE" dirty="0"/>
+          </a:p>
+        </p:txBody>
+      </p:sp>
+      <p:sp>
+        <p:nvSpPr>
+          <p:cNvPr id="4" name="Fußzeilenplatzhalter 3">
+            <a:extLst>
+              <a:ext uri="{FF2B5EF4-FFF2-40B4-BE49-F238E27FC236}">
+                <a16:creationId xmlns:a16="http://schemas.microsoft.com/office/drawing/2014/main" id="{D0C5FF02-96BC-4F0B-9529-9AFDEF2B5C5D}"/>
+              </a:ext>
+            </a:extLst>
+          </p:cNvPr>
+          <p:cNvSpPr>
+            <a:spLocks noGrp="1"/>
+          </p:cNvSpPr>
+          <p:nvPr>
+            <p:ph type="ftr" sz="quarter" idx="10"/>
+          </p:nvPr>
+        </p:nvSpPr>
+        <p:spPr/>
+        <p:txBody>
+          <a:bodyPr/>
+          <a:lstStyle/>
+          <a:p>
+            <a:r>
+              <a:rPr lang="en-US" altLang="de-DE"/>
+              <a:t>Prof. Dr. Alexander Mädche – footbased-activity recognition</a:t>
+            </a:r>
+            <a:endParaRPr lang="de-DE" altLang="de-DE" dirty="0"/>
+          </a:p>
+        </p:txBody>
+      </p:sp>
+      <p:sp>
+        <p:nvSpPr>
+          <p:cNvPr id="13" name="Rechteck 12">
+            <a:extLst>
+              <a:ext uri="{FF2B5EF4-FFF2-40B4-BE49-F238E27FC236}">
+                <a16:creationId xmlns:a16="http://schemas.microsoft.com/office/drawing/2014/main" id="{A893B0BF-72A7-4DA5-B029-168A0C512216}"/>
+              </a:ext>
+            </a:extLst>
+          </p:cNvPr>
+          <p:cNvSpPr/>
+          <p:nvPr/>
+        </p:nvSpPr>
+        <p:spPr>
+          <a:xfrm rot="1541309">
+            <a:off x="7353159" y="1170218"/>
+            <a:ext cx="1368152" cy="438374"/>
+          </a:xfrm>
+          <a:prstGeom prst="rect">
+            <a:avLst/>
+          </a:prstGeom>
+          <a:solidFill>
+            <a:srgbClr val="FA8214"/>
+          </a:solidFill>
+          <a:ln>
+            <a:solidFill>
+              <a:srgbClr val="FA8214"/>
+            </a:solidFill>
+          </a:ln>
+        </p:spPr>
+        <p:style>
+          <a:lnRef idx="2">
+            <a:schemeClr val="accent1">
+              <a:shade val="50000"/>
+            </a:schemeClr>
+          </a:lnRef>
+          <a:fillRef idx="1">
+            <a:schemeClr val="accent1"/>
+          </a:fillRef>
+          <a:effectRef idx="0">
+            <a:schemeClr val="accent1"/>
+          </a:effectRef>
+          <a:fontRef idx="minor">
+            <a:schemeClr val="lt1"/>
+          </a:fontRef>
+        </p:style>
+        <p:txBody>
+          <a:bodyPr rtlCol="0" anchor="ctr"/>
+          <a:lstStyle/>
+          <a:p>
+            <a:pPr algn="ctr"/>
+            <a:r>
+              <a:rPr lang="en-GB" sz="1400"/>
+              <a:t>Mid-term presentation</a:t>
+            </a:r>
+          </a:p>
+        </p:txBody>
+      </p:sp>
+    </p:spTree>
+    <p:extLst>
+      <p:ext uri="{BB962C8B-B14F-4D97-AF65-F5344CB8AC3E}">
+        <p14:creationId xmlns:p14="http://schemas.microsoft.com/office/powerpoint/2010/main" val="3972071561"/>
+      </p:ext>
+    </p:extLst>
+  </p:cSld>
+  <p:clrMapOvr>
+    <a:masterClrMapping/>
+  </p:clrMapOvr>
+</p:sld>
+</file>
+
+<file path=ppt/slides/slide7.xml><?xml version="1.0" encoding="utf-8"?>
+<p:sld xmlns:a="http://schemas.openxmlformats.org/drawingml/2006/main" xmlns:r="http://schemas.openxmlformats.org/officeDocument/2006/relationships" xmlns:p="http://schemas.openxmlformats.org/presentationml/2006/main">
+  <p:cSld>
+    <p:spTree>
+      <p:nvGrpSpPr>
+        <p:cNvPr id="1" name=""/>
+        <p:cNvGrpSpPr/>
+        <p:nvPr/>
+      </p:nvGrpSpPr>
+      <p:grpSpPr>
+        <a:xfrm>
+          <a:off x="0" y="0"/>
+          <a:ext cx="0" cy="0"/>
+          <a:chOff x="0" y="0"/>
+          <a:chExt cx="0" cy="0"/>
+        </a:xfrm>
+      </p:grpSpPr>
+      <p:sp>
+        <p:nvSpPr>
+          <p:cNvPr id="5" name="Titel 4">
+            <a:extLst>
+              <a:ext uri="{FF2B5EF4-FFF2-40B4-BE49-F238E27FC236}">
+                <a16:creationId xmlns:a16="http://schemas.microsoft.com/office/drawing/2014/main" id="{77C70393-C89E-4531-AF2C-221453EEB910}"/>
+              </a:ext>
+            </a:extLst>
+          </p:cNvPr>
+          <p:cNvSpPr>
+            <a:spLocks noGrp="1"/>
+          </p:cNvSpPr>
+          <p:nvPr>
+            <p:ph type="title"/>
+          </p:nvPr>
+        </p:nvSpPr>
+        <p:spPr/>
+        <p:txBody>
+          <a:bodyPr/>
+          <a:lstStyle/>
+          <a:p>
+            <a:r>
+              <a:rPr lang="de-DE" dirty="0" err="1"/>
+              <a:t>Movements</a:t>
+            </a:r>
+            <a:endParaRPr lang="de-DE" dirty="0"/>
+          </a:p>
+        </p:txBody>
+      </p:sp>
+      <p:sp>
+        <p:nvSpPr>
+          <p:cNvPr id="6" name="Inhaltsplatzhalter 5">
+            <a:extLst>
+              <a:ext uri="{FF2B5EF4-FFF2-40B4-BE49-F238E27FC236}">
+                <a16:creationId xmlns:a16="http://schemas.microsoft.com/office/drawing/2014/main" id="{3FA75E6E-4A50-4F79-9565-2DE1D9CD1077}"/>
+              </a:ext>
+            </a:extLst>
+          </p:cNvPr>
+          <p:cNvSpPr>
+            <a:spLocks noGrp="1"/>
+          </p:cNvSpPr>
+          <p:nvPr>
+            <p:ph sz="half" idx="1"/>
+          </p:nvPr>
+        </p:nvSpPr>
+        <p:spPr>
+          <a:xfrm>
+            <a:off x="392112" y="1198563"/>
+            <a:ext cx="8356601" cy="4894262"/>
+          </a:xfrm>
+        </p:spPr>
+        <p:txBody>
+          <a:bodyPr/>
+          <a:lstStyle/>
+          <a:p>
+            <a:r>
+              <a:rPr lang="en-US" sz="2400" dirty="0">
+                <a:latin typeface="Arial" panose="020B0604020202020204" pitchFamily="34" charset="0"/>
+                <a:cs typeface="Arial" panose="020B0604020202020204" pitchFamily="34" charset="0"/>
+              </a:rPr>
+              <a:t>Movements should be easy to use 			          in an everyday office environment</a:t>
+            </a:r>
+          </a:p>
+          <a:p>
+            <a:endParaRPr lang="en-US" sz="2400" dirty="0">
+              <a:latin typeface="Arial" panose="020B0604020202020204" pitchFamily="34" charset="0"/>
+              <a:cs typeface="Arial" panose="020B0604020202020204" pitchFamily="34" charset="0"/>
+            </a:endParaRPr>
+          </a:p>
+          <a:p>
+            <a:r>
+              <a:rPr lang="en-US" sz="2400" dirty="0">
+                <a:latin typeface="Arial" panose="020B0604020202020204" pitchFamily="34" charset="0"/>
+                <a:cs typeface="Arial" panose="020B0604020202020204" pitchFamily="34" charset="0"/>
+              </a:rPr>
+              <a:t>Movements and mapped functions in the demo:</a:t>
+            </a:r>
+          </a:p>
+        </p:txBody>
+      </p:sp>
+      <p:sp>
+        <p:nvSpPr>
+          <p:cNvPr id="4" name="Fußzeilenplatzhalter 3">
+            <a:extLst>
+              <a:ext uri="{FF2B5EF4-FFF2-40B4-BE49-F238E27FC236}">
+                <a16:creationId xmlns:a16="http://schemas.microsoft.com/office/drawing/2014/main" id="{D0C5FF02-96BC-4F0B-9529-9AFDEF2B5C5D}"/>
+              </a:ext>
+            </a:extLst>
+          </p:cNvPr>
+          <p:cNvSpPr>
+            <a:spLocks noGrp="1"/>
+          </p:cNvSpPr>
+          <p:nvPr>
+            <p:ph type="ftr" sz="quarter" idx="10"/>
+          </p:nvPr>
+        </p:nvSpPr>
+        <p:spPr/>
+        <p:txBody>
+          <a:bodyPr/>
+          <a:lstStyle/>
+          <a:p>
+            <a:r>
+              <a:rPr lang="en-US" altLang="de-DE"/>
+              <a:t>Prof. Dr. Alexander Mädche – footbased-activity recognition</a:t>
+            </a:r>
+            <a:endParaRPr lang="de-DE" altLang="de-DE" dirty="0"/>
+          </a:p>
+        </p:txBody>
+      </p:sp>
+      <p:sp>
+        <p:nvSpPr>
+          <p:cNvPr id="13" name="Rechteck 12">
+            <a:extLst>
+              <a:ext uri="{FF2B5EF4-FFF2-40B4-BE49-F238E27FC236}">
+                <a16:creationId xmlns:a16="http://schemas.microsoft.com/office/drawing/2014/main" id="{A893B0BF-72A7-4DA5-B029-168A0C512216}"/>
+              </a:ext>
+            </a:extLst>
+          </p:cNvPr>
+          <p:cNvSpPr/>
+          <p:nvPr/>
+        </p:nvSpPr>
+        <p:spPr>
+          <a:xfrm rot="1541309">
+            <a:off x="7353159" y="1170218"/>
+            <a:ext cx="1368152" cy="438374"/>
+          </a:xfrm>
+          <a:prstGeom prst="rect">
+            <a:avLst/>
+          </a:prstGeom>
+          <a:solidFill>
+            <a:srgbClr val="FA8214"/>
+          </a:solidFill>
+          <a:ln>
+            <a:solidFill>
+              <a:srgbClr val="FA8214"/>
+            </a:solidFill>
+          </a:ln>
+        </p:spPr>
+        <p:style>
+          <a:lnRef idx="2">
+            <a:schemeClr val="accent1">
+              <a:shade val="50000"/>
+            </a:schemeClr>
+          </a:lnRef>
+          <a:fillRef idx="1">
+            <a:schemeClr val="accent1"/>
+          </a:fillRef>
+          <a:effectRef idx="0">
+            <a:schemeClr val="accent1"/>
+          </a:effectRef>
+          <a:fontRef idx="minor">
+            <a:schemeClr val="lt1"/>
+          </a:fontRef>
+        </p:style>
+        <p:txBody>
+          <a:bodyPr rtlCol="0" anchor="ctr"/>
+          <a:lstStyle/>
+          <a:p>
+            <a:pPr algn="ctr"/>
+            <a:r>
+              <a:rPr lang="en-GB" sz="1400"/>
+              <a:t>Mid-term presentation</a:t>
+            </a:r>
+          </a:p>
+        </p:txBody>
+      </p:sp>
+      <p:graphicFrame>
+        <p:nvGraphicFramePr>
+          <p:cNvPr id="3" name="Diagramm 2">
+            <a:extLst>
+              <a:ext uri="{FF2B5EF4-FFF2-40B4-BE49-F238E27FC236}">
+                <a16:creationId xmlns:a16="http://schemas.microsoft.com/office/drawing/2014/main" id="{09E86924-24C9-4937-A602-F981CA916A06}"/>
+              </a:ext>
+            </a:extLst>
+          </p:cNvPr>
+          <p:cNvGraphicFramePr/>
+          <p:nvPr>
+            <p:extLst>
+              <p:ext uri="{D42A27DB-BD31-4B8C-83A1-F6EECF244321}">
+                <p14:modId xmlns:p14="http://schemas.microsoft.com/office/powerpoint/2010/main" val="753961958"/>
+              </p:ext>
+            </p:extLst>
+          </p:nvPr>
+        </p:nvGraphicFramePr>
+        <p:xfrm>
+          <a:off x="390525" y="2983974"/>
+          <a:ext cx="8358188" cy="2893298"/>
+        </p:xfrm>
+        <a:graphic>
+          <a:graphicData uri="http://schemas.openxmlformats.org/drawingml/2006/diagram">
+            <dgm:relIds xmlns:dgm="http://schemas.openxmlformats.org/drawingml/2006/diagram" xmlns:r="http://schemas.openxmlformats.org/officeDocument/2006/relationships" r:dm="rId2" r:lo="rId3" r:qs="rId4" r:cs="rId5"/>
+          </a:graphicData>
+        </a:graphic>
+      </p:graphicFrame>
+    </p:spTree>
+    <p:extLst>
+      <p:ext uri="{BB962C8B-B14F-4D97-AF65-F5344CB8AC3E}">
+        <p14:creationId xmlns:p14="http://schemas.microsoft.com/office/powerpoint/2010/main" val="13426371"/>
+      </p:ext>
+    </p:extLst>
+  </p:cSld>
+  <p:clrMapOvr>
+    <a:masterClrMapping/>
+  </p:clrMapOvr>
+</p:sld>
+</file>
+
+<file path=ppt/slides/slide8.xml><?xml version="1.0" encoding="utf-8"?>
+<p:sld xmlns:a="http://schemas.openxmlformats.org/drawingml/2006/main" xmlns:r="http://schemas.openxmlformats.org/officeDocument/2006/relationships" xmlns:p="http://schemas.openxmlformats.org/presentationml/2006/main">
+  <p:cSld>
+    <p:spTree>
+      <p:nvGrpSpPr>
+        <p:cNvPr id="1" name=""/>
+        <p:cNvGrpSpPr/>
+        <p:nvPr/>
+      </p:nvGrpSpPr>
+      <p:grpSpPr>
+        <a:xfrm>
+          <a:off x="0" y="0"/>
+          <a:ext cx="0" cy="0"/>
+          <a:chOff x="0" y="0"/>
+          <a:chExt cx="0" cy="0"/>
+        </a:xfrm>
+      </p:grpSpPr>
+      <p:sp>
+        <p:nvSpPr>
+          <p:cNvPr id="2" name="Titel 1">
+            <a:extLst>
+              <a:ext uri="{FF2B5EF4-FFF2-40B4-BE49-F238E27FC236}">
+                <a16:creationId xmlns:a16="http://schemas.microsoft.com/office/drawing/2014/main" id="{8CC308DF-5EE3-404C-9EF6-7FC16A277414}"/>
+              </a:ext>
+            </a:extLst>
+          </p:cNvPr>
+          <p:cNvSpPr>
+            <a:spLocks noGrp="1"/>
+          </p:cNvSpPr>
+          <p:nvPr>
+            <p:ph type="title"/>
+          </p:nvPr>
+        </p:nvSpPr>
+        <p:spPr/>
+        <p:txBody>
+          <a:bodyPr/>
+          <a:lstStyle/>
+          <a:p>
+            <a:r>
+              <a:rPr lang="de-DE" dirty="0" err="1"/>
+              <a:t>Machine</a:t>
+            </a:r>
+            <a:r>
+              <a:rPr lang="de-DE" dirty="0"/>
+              <a:t> </a:t>
+            </a:r>
+            <a:r>
+              <a:rPr lang="de-DE" dirty="0" err="1"/>
+              <a:t>learning</a:t>
+            </a:r>
+            <a:r>
+              <a:rPr lang="de-DE" dirty="0"/>
+              <a:t> </a:t>
+            </a:r>
+            <a:r>
+              <a:rPr lang="de-DE" dirty="0" err="1"/>
+              <a:t>pipeline</a:t>
+            </a:r>
+            <a:endParaRPr lang="de-DE" dirty="0"/>
+          </a:p>
+        </p:txBody>
+      </p:sp>
+      <p:sp>
+        <p:nvSpPr>
+          <p:cNvPr id="3" name="Inhaltsplatzhalter 2">
+            <a:extLst>
+              <a:ext uri="{FF2B5EF4-FFF2-40B4-BE49-F238E27FC236}">
+                <a16:creationId xmlns:a16="http://schemas.microsoft.com/office/drawing/2014/main" id="{5AD32666-7FA9-43A2-A19C-1E0CCCC92022}"/>
+              </a:ext>
+            </a:extLst>
+          </p:cNvPr>
+          <p:cNvSpPr>
+            <a:spLocks noGrp="1"/>
+          </p:cNvSpPr>
+          <p:nvPr>
+            <p:ph idx="1"/>
+          </p:nvPr>
+        </p:nvSpPr>
+        <p:spPr/>
+        <p:txBody>
+          <a:bodyPr/>
+          <a:lstStyle/>
+          <a:p>
+            <a:r>
+              <a:rPr lang="de-DE" dirty="0" err="1"/>
+              <a:t>Implemented</a:t>
+            </a:r>
+            <a:r>
+              <a:rPr lang="de-DE" dirty="0"/>
+              <a:t> </a:t>
+            </a:r>
+            <a:r>
+              <a:rPr lang="de-DE" dirty="0" err="1"/>
+              <a:t>using</a:t>
+            </a:r>
+            <a:r>
+              <a:rPr lang="de-DE" dirty="0"/>
+              <a:t> </a:t>
+            </a:r>
+            <a:r>
+              <a:rPr lang="de-DE" dirty="0" err="1"/>
+              <a:t>the</a:t>
+            </a:r>
+            <a:r>
+              <a:rPr lang="de-DE" dirty="0"/>
+              <a:t> „</a:t>
+            </a:r>
+            <a:r>
+              <a:rPr lang="de-DE" dirty="0" err="1"/>
+              <a:t>sklearn</a:t>
+            </a:r>
+            <a:r>
+              <a:rPr lang="de-DE" dirty="0"/>
+              <a:t>“ </a:t>
+            </a:r>
+            <a:r>
+              <a:rPr lang="de-DE" dirty="0" err="1"/>
+              <a:t>bibliothek</a:t>
+            </a:r>
+            <a:endParaRPr lang="de-DE" dirty="0"/>
+          </a:p>
+          <a:p>
+            <a:pPr lvl="1"/>
+            <a:r>
+              <a:rPr lang="de-DE" dirty="0"/>
+              <a:t>More </a:t>
+            </a:r>
+            <a:r>
+              <a:rPr lang="de-DE" dirty="0" err="1"/>
+              <a:t>than</a:t>
+            </a:r>
+            <a:r>
+              <a:rPr lang="de-DE" dirty="0"/>
+              <a:t> 200 </a:t>
+            </a:r>
+            <a:r>
+              <a:rPr lang="de-DE" dirty="0" err="1"/>
+              <a:t>data</a:t>
+            </a:r>
+            <a:r>
+              <a:rPr lang="de-DE" dirty="0"/>
+              <a:t> </a:t>
+            </a:r>
+            <a:r>
+              <a:rPr lang="de-DE" dirty="0" err="1"/>
+              <a:t>sets</a:t>
+            </a:r>
+            <a:r>
+              <a:rPr lang="de-DE" dirty="0"/>
+              <a:t> </a:t>
+            </a:r>
+            <a:r>
+              <a:rPr lang="de-DE" dirty="0" err="1"/>
+              <a:t>were</a:t>
+            </a:r>
+            <a:r>
+              <a:rPr lang="de-DE" dirty="0"/>
+              <a:t> </a:t>
+            </a:r>
+            <a:r>
+              <a:rPr lang="de-DE" dirty="0" err="1"/>
+              <a:t>recorded</a:t>
+            </a:r>
+            <a:r>
+              <a:rPr lang="de-DE" dirty="0"/>
+              <a:t> and </a:t>
+            </a:r>
+            <a:r>
+              <a:rPr lang="de-DE" dirty="0" err="1"/>
+              <a:t>used</a:t>
+            </a:r>
+            <a:r>
+              <a:rPr lang="de-DE" dirty="0"/>
+              <a:t> </a:t>
+            </a:r>
+            <a:r>
+              <a:rPr lang="de-DE" dirty="0" err="1"/>
+              <a:t>as</a:t>
+            </a:r>
+            <a:r>
+              <a:rPr lang="de-DE" dirty="0"/>
+              <a:t> </a:t>
+            </a:r>
+            <a:r>
+              <a:rPr lang="de-DE" dirty="0" err="1"/>
+              <a:t>labeled</a:t>
+            </a:r>
+            <a:r>
+              <a:rPr lang="de-DE" dirty="0"/>
+              <a:t> </a:t>
+            </a:r>
+            <a:r>
+              <a:rPr lang="de-DE" dirty="0" err="1"/>
+              <a:t>sets</a:t>
+            </a:r>
+            <a:r>
+              <a:rPr lang="de-DE" dirty="0"/>
+              <a:t> </a:t>
+            </a:r>
+            <a:r>
+              <a:rPr lang="de-DE" dirty="0" err="1"/>
+              <a:t>for</a:t>
+            </a:r>
+            <a:r>
+              <a:rPr lang="de-DE" dirty="0"/>
+              <a:t> </a:t>
+            </a:r>
+            <a:r>
+              <a:rPr lang="de-DE" dirty="0" err="1"/>
+              <a:t>training</a:t>
+            </a:r>
+            <a:endParaRPr lang="de-DE" dirty="0"/>
+          </a:p>
+          <a:p>
+            <a:pPr lvl="1"/>
+            <a:r>
+              <a:rPr lang="de-DE" dirty="0" err="1"/>
+              <a:t>We</a:t>
+            </a:r>
+            <a:r>
+              <a:rPr lang="de-DE" dirty="0"/>
+              <a:t> </a:t>
+            </a:r>
+            <a:r>
+              <a:rPr lang="de-DE" dirty="0" err="1"/>
+              <a:t>used</a:t>
+            </a:r>
+            <a:r>
+              <a:rPr lang="de-DE" dirty="0"/>
+              <a:t> </a:t>
+            </a:r>
+            <a:r>
+              <a:rPr lang="de-DE" dirty="0" err="1"/>
+              <a:t>cross</a:t>
+            </a:r>
+            <a:r>
+              <a:rPr lang="de-DE" dirty="0"/>
+              <a:t> </a:t>
+            </a:r>
+            <a:r>
+              <a:rPr lang="de-DE" dirty="0" err="1"/>
+              <a:t>validation</a:t>
+            </a:r>
+            <a:r>
+              <a:rPr lang="de-DE" dirty="0"/>
+              <a:t> </a:t>
+            </a:r>
+            <a:r>
+              <a:rPr lang="de-DE" dirty="0" err="1"/>
+              <a:t>for</a:t>
+            </a:r>
+            <a:r>
+              <a:rPr lang="de-DE" dirty="0"/>
+              <a:t> </a:t>
+            </a:r>
+            <a:r>
+              <a:rPr lang="de-DE" dirty="0">
+                <a:solidFill>
+                  <a:srgbClr val="FF0000"/>
+                </a:solidFill>
+              </a:rPr>
+              <a:t>XXX</a:t>
+            </a:r>
+            <a:r>
+              <a:rPr lang="de-DE" dirty="0"/>
+              <a:t>, but </a:t>
+            </a:r>
+            <a:r>
+              <a:rPr lang="de-DE" dirty="0" err="1"/>
+              <a:t>these</a:t>
+            </a:r>
+            <a:r>
+              <a:rPr lang="de-DE" dirty="0"/>
+              <a:t> </a:t>
+            </a:r>
+            <a:r>
+              <a:rPr lang="de-DE" dirty="0" err="1"/>
+              <a:t>were</a:t>
+            </a:r>
+            <a:r>
+              <a:rPr lang="de-DE" dirty="0"/>
+              <a:t> also </a:t>
+            </a:r>
+            <a:r>
+              <a:rPr lang="de-DE" dirty="0" err="1"/>
+              <a:t>good</a:t>
+            </a:r>
+            <a:endParaRPr lang="de-DE" dirty="0"/>
+          </a:p>
+          <a:p>
+            <a:pPr lvl="1"/>
+            <a:r>
+              <a:rPr lang="de-DE" dirty="0"/>
+              <a:t>A </a:t>
+            </a:r>
+            <a:r>
+              <a:rPr lang="de-DE" dirty="0" err="1"/>
+              <a:t>combination</a:t>
+            </a:r>
+            <a:r>
+              <a:rPr lang="de-DE" dirty="0"/>
+              <a:t> </a:t>
+            </a:r>
+            <a:r>
+              <a:rPr lang="de-DE" dirty="0" err="1"/>
+              <a:t>of</a:t>
+            </a:r>
+            <a:r>
+              <a:rPr lang="de-DE" dirty="0"/>
+              <a:t> </a:t>
+            </a:r>
+            <a:r>
+              <a:rPr lang="de-DE" dirty="0">
+                <a:solidFill>
+                  <a:srgbClr val="FF0000"/>
+                </a:solidFill>
+              </a:rPr>
+              <a:t>integral and </a:t>
+            </a:r>
+            <a:r>
+              <a:rPr lang="de-DE" dirty="0" err="1">
+                <a:solidFill>
+                  <a:srgbClr val="FF0000"/>
+                </a:solidFill>
+              </a:rPr>
+              <a:t>furier</a:t>
+            </a:r>
+            <a:r>
+              <a:rPr lang="de-DE" dirty="0">
+                <a:solidFill>
+                  <a:srgbClr val="FF0000"/>
+                </a:solidFill>
+              </a:rPr>
+              <a:t> </a:t>
+            </a:r>
+            <a:r>
+              <a:rPr lang="de-DE" dirty="0" err="1">
+                <a:solidFill>
+                  <a:srgbClr val="FF0000"/>
+                </a:solidFill>
+              </a:rPr>
+              <a:t>transformations</a:t>
+            </a:r>
+            <a:r>
+              <a:rPr lang="de-DE" dirty="0">
+                <a:solidFill>
+                  <a:srgbClr val="FF0000"/>
+                </a:solidFill>
+              </a:rPr>
+              <a:t> </a:t>
+            </a:r>
+            <a:r>
+              <a:rPr lang="de-DE" dirty="0" err="1"/>
+              <a:t>are</a:t>
+            </a:r>
+            <a:r>
+              <a:rPr lang="de-DE" dirty="0"/>
+              <a:t> </a:t>
+            </a:r>
+            <a:r>
+              <a:rPr lang="de-DE" dirty="0" err="1"/>
+              <a:t>used</a:t>
+            </a:r>
+            <a:r>
+              <a:rPr lang="de-DE" dirty="0"/>
+              <a:t> </a:t>
+            </a:r>
+            <a:r>
+              <a:rPr lang="de-DE" dirty="0" err="1"/>
+              <a:t>for</a:t>
+            </a:r>
+            <a:r>
+              <a:rPr lang="de-DE" dirty="0"/>
+              <a:t> </a:t>
+            </a:r>
+            <a:r>
+              <a:rPr lang="de-DE" dirty="0" err="1"/>
+              <a:t>the</a:t>
+            </a:r>
+            <a:r>
+              <a:rPr lang="de-DE" dirty="0"/>
+              <a:t> feature </a:t>
+            </a:r>
+            <a:r>
+              <a:rPr lang="de-DE" dirty="0" err="1"/>
+              <a:t>extraction</a:t>
+            </a:r>
+            <a:endParaRPr lang="de-DE" dirty="0"/>
+          </a:p>
+          <a:p>
+            <a:endParaRPr lang="de-DE" dirty="0"/>
+          </a:p>
+          <a:p>
+            <a:r>
+              <a:rPr lang="de-DE" dirty="0" err="1"/>
+              <a:t>For</a:t>
+            </a:r>
+            <a:r>
+              <a:rPr lang="de-DE" dirty="0"/>
+              <a:t> </a:t>
+            </a:r>
+            <a:r>
+              <a:rPr lang="de-DE" dirty="0" err="1"/>
+              <a:t>the</a:t>
+            </a:r>
+            <a:r>
+              <a:rPr lang="de-DE" dirty="0"/>
+              <a:t> </a:t>
+            </a:r>
+            <a:r>
+              <a:rPr lang="de-DE" dirty="0" err="1"/>
+              <a:t>classification</a:t>
+            </a:r>
+            <a:r>
+              <a:rPr lang="de-DE" dirty="0"/>
+              <a:t> </a:t>
+            </a:r>
+            <a:r>
+              <a:rPr lang="de-DE" dirty="0" err="1"/>
+              <a:t>we</a:t>
+            </a:r>
+            <a:r>
+              <a:rPr lang="de-DE" dirty="0"/>
+              <a:t> </a:t>
+            </a:r>
+            <a:r>
+              <a:rPr lang="de-DE" dirty="0" err="1"/>
+              <a:t>use</a:t>
+            </a:r>
+            <a:r>
+              <a:rPr lang="de-DE" dirty="0"/>
+              <a:t> </a:t>
+            </a:r>
+            <a:r>
+              <a:rPr lang="de-DE" dirty="0" err="1">
+                <a:solidFill>
+                  <a:srgbClr val="FF0000"/>
+                </a:solidFill>
+              </a:rPr>
+              <a:t>this</a:t>
+            </a:r>
+            <a:r>
+              <a:rPr lang="de-DE" dirty="0"/>
+              <a:t> </a:t>
+            </a:r>
+            <a:r>
+              <a:rPr lang="de-DE" dirty="0" err="1"/>
+              <a:t>algorithm</a:t>
+            </a:r>
+            <a:endParaRPr lang="de-DE" dirty="0"/>
+          </a:p>
+          <a:p>
+            <a:r>
+              <a:rPr lang="de-DE" dirty="0"/>
+              <a:t>The </a:t>
+            </a:r>
+            <a:r>
+              <a:rPr lang="de-DE" dirty="0" err="1"/>
+              <a:t>following</a:t>
+            </a:r>
+            <a:r>
+              <a:rPr lang="de-DE" dirty="0"/>
+              <a:t> </a:t>
+            </a:r>
+            <a:r>
+              <a:rPr lang="de-DE" dirty="0" err="1"/>
+              <a:t>algorithms</a:t>
+            </a:r>
+            <a:r>
+              <a:rPr lang="de-DE" dirty="0"/>
+              <a:t> </a:t>
+            </a:r>
+            <a:r>
+              <a:rPr lang="de-DE" dirty="0" err="1"/>
+              <a:t>were</a:t>
+            </a:r>
+            <a:r>
+              <a:rPr lang="de-DE" dirty="0"/>
+              <a:t> </a:t>
+            </a:r>
+            <a:r>
+              <a:rPr lang="de-DE" dirty="0" err="1"/>
+              <a:t>tried</a:t>
+            </a:r>
+            <a:r>
+              <a:rPr lang="de-DE" dirty="0"/>
+              <a:t>, but </a:t>
+            </a:r>
+            <a:r>
+              <a:rPr lang="de-DE" dirty="0" err="1"/>
+              <a:t>replaced</a:t>
+            </a:r>
+            <a:r>
+              <a:rPr lang="de-DE" dirty="0"/>
+              <a:t> </a:t>
+            </a:r>
+            <a:r>
+              <a:rPr lang="de-DE" dirty="0" err="1"/>
+              <a:t>because</a:t>
+            </a:r>
+            <a:r>
+              <a:rPr lang="de-DE" dirty="0"/>
+              <a:t>…</a:t>
+            </a:r>
+          </a:p>
+          <a:p>
+            <a:endParaRPr lang="de-DE" dirty="0"/>
+          </a:p>
+          <a:p>
+            <a:endParaRPr lang="de-DE" dirty="0"/>
+          </a:p>
+        </p:txBody>
+      </p:sp>
+      <p:sp>
+        <p:nvSpPr>
+          <p:cNvPr id="4" name="Fußzeilenplatzhalter 3">
+            <a:extLst>
+              <a:ext uri="{FF2B5EF4-FFF2-40B4-BE49-F238E27FC236}">
+                <a16:creationId xmlns:a16="http://schemas.microsoft.com/office/drawing/2014/main" id="{46B1DE53-C2C2-4FA8-8CE4-A34E5C479353}"/>
+              </a:ext>
+            </a:extLst>
+          </p:cNvPr>
+          <p:cNvSpPr>
+            <a:spLocks noGrp="1"/>
+          </p:cNvSpPr>
+          <p:nvPr>
+            <p:ph type="ftr" sz="quarter" idx="10"/>
+          </p:nvPr>
+        </p:nvSpPr>
+        <p:spPr/>
+        <p:txBody>
+          <a:bodyPr/>
+          <a:lstStyle/>
+          <a:p>
+            <a:r>
+              <a:rPr lang="en-US" altLang="de-DE"/>
+              <a:t>Prof. Dr. Alexander Mädche – footbased-activity recognition</a:t>
+            </a:r>
+            <a:endParaRPr lang="de-DE" altLang="de-DE" dirty="0"/>
+          </a:p>
+        </p:txBody>
+      </p:sp>
+    </p:spTree>
+    <p:extLst>
+      <p:ext uri="{BB962C8B-B14F-4D97-AF65-F5344CB8AC3E}">
+        <p14:creationId xmlns:p14="http://schemas.microsoft.com/office/powerpoint/2010/main" val="2433012818"/>
+      </p:ext>
+    </p:extLst>
+  </p:cSld>
+  <p:clrMapOvr>
+    <a:masterClrMapping/>
+  </p:clrMapOvr>
+</p:sld>
+</file>
+
+<file path=ppt/slides/slide9.xml><?xml version="1.0" encoding="utf-8"?>
 <p:sld xmlns:a="http://schemas.openxmlformats.org/drawingml/2006/main" xmlns:r="http://schemas.openxmlformats.org/officeDocument/2006/relationships" xmlns:p="http://schemas.openxmlformats.org/presentationml/2006/main">
   <p:cSld>
     <p:spTree>
@@ -12265,3640 +16377,6 @@
         </p:txBody>
       </p:sp>
     </p:spTree>
-  </p:cSld>
-  <p:clrMapOvr>
-    <a:masterClrMapping/>
-  </p:clrMapOvr>
-</p:sld>
-</file>
-
-<file path=ppt/slides/slide14.xml><?xml version="1.0" encoding="utf-8"?>
-<p:sld xmlns:a="http://schemas.openxmlformats.org/drawingml/2006/main" xmlns:r="http://schemas.openxmlformats.org/officeDocument/2006/relationships" xmlns:p="http://schemas.openxmlformats.org/presentationml/2006/main">
-  <p:cSld>
-    <p:spTree>
-      <p:nvGrpSpPr>
-        <p:cNvPr id="1" name=""/>
-        <p:cNvGrpSpPr/>
-        <p:nvPr/>
-      </p:nvGrpSpPr>
-      <p:grpSpPr>
-        <a:xfrm>
-          <a:off x="0" y="0"/>
-          <a:ext cx="0" cy="0"/>
-          <a:chOff x="0" y="0"/>
-          <a:chExt cx="0" cy="0"/>
-        </a:xfrm>
-      </p:grpSpPr>
-      <p:sp>
-        <p:nvSpPr>
-          <p:cNvPr id="145" name="Software"/>
-          <p:cNvSpPr txBox="1">
-            <a:spLocks noGrp="1"/>
-          </p:cNvSpPr>
-          <p:nvPr>
-            <p:ph type="title"/>
-          </p:nvPr>
-        </p:nvSpPr>
-        <p:spPr>
-          <a:prstGeom prst="rect">
-            <a:avLst/>
-          </a:prstGeom>
-        </p:spPr>
-        <p:txBody>
-          <a:bodyPr>
-            <a:normAutofit/>
-          </a:bodyPr>
-          <a:lstStyle/>
-          <a:p>
-            <a:r>
-              <a:rPr lang="de-DE" dirty="0"/>
-              <a:t>Sensor </a:t>
-            </a:r>
-            <a:r>
-              <a:rPr lang="de-DE" dirty="0" err="1"/>
-              <a:t>data</a:t>
-            </a:r>
-            <a:r>
-              <a:rPr lang="de-DE" dirty="0"/>
-              <a:t> </a:t>
-            </a:r>
-            <a:r>
-              <a:rPr lang="de-DE" dirty="0" err="1"/>
-              <a:t>output</a:t>
-            </a:r>
-            <a:endParaRPr dirty="0"/>
-          </a:p>
-        </p:txBody>
-      </p:sp>
-      <p:sp>
-        <p:nvSpPr>
-          <p:cNvPr id="4" name="Inhaltsplatzhalter 3">
-            <a:extLst>
-              <a:ext uri="{FF2B5EF4-FFF2-40B4-BE49-F238E27FC236}">
-                <a16:creationId xmlns:a16="http://schemas.microsoft.com/office/drawing/2014/main" id="{4816488E-43EA-4790-B23E-4AB8FC279605}"/>
-              </a:ext>
-            </a:extLst>
-          </p:cNvPr>
-          <p:cNvSpPr>
-            <a:spLocks noGrp="1"/>
-          </p:cNvSpPr>
-          <p:nvPr>
-            <p:ph idx="1"/>
-          </p:nvPr>
-        </p:nvSpPr>
-        <p:spPr/>
-        <p:txBody>
-          <a:bodyPr/>
-          <a:lstStyle/>
-          <a:p>
-            <a:r>
-              <a:rPr lang="de-DE" dirty="0"/>
-              <a:t>This </a:t>
-            </a:r>
-            <a:r>
-              <a:rPr lang="de-DE" dirty="0" err="1"/>
-              <a:t>is</a:t>
-            </a:r>
-            <a:r>
-              <a:rPr lang="de-DE" dirty="0"/>
-              <a:t> </a:t>
-            </a:r>
-            <a:r>
-              <a:rPr lang="de-DE" dirty="0" err="1"/>
-              <a:t>the</a:t>
-            </a:r>
-            <a:r>
-              <a:rPr lang="de-DE" dirty="0"/>
-              <a:t> </a:t>
-            </a:r>
-            <a:r>
-              <a:rPr lang="de-DE" dirty="0" err="1"/>
-              <a:t>data</a:t>
-            </a:r>
-            <a:r>
-              <a:rPr lang="de-DE" dirty="0"/>
-              <a:t> </a:t>
-            </a:r>
-            <a:r>
-              <a:rPr lang="de-DE" dirty="0" err="1"/>
-              <a:t>we</a:t>
-            </a:r>
-            <a:r>
-              <a:rPr lang="de-DE" dirty="0"/>
-              <a:t> </a:t>
-            </a:r>
-            <a:r>
-              <a:rPr lang="de-DE" dirty="0" err="1"/>
-              <a:t>receive</a:t>
-            </a:r>
-            <a:r>
-              <a:rPr lang="de-DE" dirty="0"/>
-              <a:t> </a:t>
-            </a:r>
-            <a:r>
-              <a:rPr lang="de-DE" dirty="0" err="1"/>
-              <a:t>from</a:t>
-            </a:r>
-            <a:r>
-              <a:rPr lang="de-DE" dirty="0"/>
-              <a:t> out </a:t>
-            </a:r>
-            <a:r>
-              <a:rPr lang="de-DE" dirty="0" err="1"/>
-              <a:t>sensor</a:t>
-            </a:r>
-            <a:r>
-              <a:rPr lang="de-DE" dirty="0"/>
-              <a:t> </a:t>
-            </a:r>
-            <a:r>
-              <a:rPr lang="de-DE" dirty="0" err="1"/>
-              <a:t>for</a:t>
-            </a:r>
-            <a:r>
-              <a:rPr lang="de-DE" dirty="0"/>
-              <a:t> </a:t>
-            </a:r>
-            <a:r>
-              <a:rPr lang="de-DE" dirty="0" err="1"/>
-              <a:t>the</a:t>
-            </a:r>
-            <a:r>
-              <a:rPr lang="de-DE" dirty="0"/>
-              <a:t> </a:t>
-            </a:r>
-            <a:r>
-              <a:rPr lang="de-DE" dirty="0" err="1"/>
-              <a:t>movement</a:t>
-            </a:r>
-            <a:r>
-              <a:rPr lang="de-DE" dirty="0"/>
-              <a:t> „</a:t>
-            </a:r>
-            <a:r>
-              <a:rPr lang="de-DE" dirty="0" err="1"/>
-              <a:t>suspination</a:t>
-            </a:r>
-            <a:r>
-              <a:rPr lang="de-DE" dirty="0"/>
-              <a:t>“</a:t>
-            </a:r>
-          </a:p>
-          <a:p>
-            <a:pPr lvl="1"/>
-            <a:r>
-              <a:rPr lang="de-DE" dirty="0"/>
-              <a:t>In </a:t>
-            </a:r>
-            <a:r>
-              <a:rPr lang="de-DE" dirty="0" err="1"/>
-              <a:t>the</a:t>
-            </a:r>
-            <a:r>
-              <a:rPr lang="de-DE" dirty="0"/>
-              <a:t> </a:t>
-            </a:r>
-            <a:r>
-              <a:rPr lang="de-DE" dirty="0" err="1"/>
-              <a:t>future</a:t>
-            </a:r>
-            <a:r>
-              <a:rPr lang="de-DE" dirty="0"/>
-              <a:t> </a:t>
-            </a:r>
-            <a:r>
-              <a:rPr lang="de-DE" dirty="0" err="1"/>
-              <a:t>the</a:t>
-            </a:r>
-            <a:r>
-              <a:rPr lang="de-DE" dirty="0"/>
-              <a:t> </a:t>
-            </a:r>
-            <a:r>
-              <a:rPr lang="de-DE" dirty="0" err="1"/>
-              <a:t>system</a:t>
-            </a:r>
-            <a:r>
-              <a:rPr lang="de-DE" dirty="0"/>
-              <a:t> </a:t>
-            </a:r>
-            <a:r>
-              <a:rPr lang="de-DE" dirty="0" err="1"/>
-              <a:t>can</a:t>
-            </a:r>
-            <a:r>
-              <a:rPr lang="de-DE" dirty="0"/>
-              <a:t> </a:t>
-            </a:r>
-            <a:r>
-              <a:rPr lang="de-DE" dirty="0" err="1"/>
-              <a:t>differentiate</a:t>
-            </a:r>
-            <a:r>
-              <a:rPr lang="de-DE" dirty="0"/>
-              <a:t> </a:t>
-            </a:r>
-            <a:r>
-              <a:rPr lang="de-DE" dirty="0" err="1"/>
-              <a:t>between</a:t>
-            </a:r>
-            <a:r>
-              <a:rPr lang="de-DE" dirty="0"/>
-              <a:t> </a:t>
-            </a:r>
-            <a:r>
-              <a:rPr lang="de-DE" dirty="0" err="1"/>
-              <a:t>the</a:t>
-            </a:r>
-            <a:r>
-              <a:rPr lang="de-DE" dirty="0"/>
-              <a:t> </a:t>
-            </a:r>
-            <a:r>
-              <a:rPr lang="de-DE" dirty="0" err="1"/>
-              <a:t>movements</a:t>
-            </a:r>
-            <a:r>
-              <a:rPr lang="de-DE" dirty="0"/>
-              <a:t> </a:t>
-            </a:r>
-            <a:r>
-              <a:rPr lang="de-DE" dirty="0" err="1"/>
-              <a:t>based</a:t>
-            </a:r>
-            <a:r>
-              <a:rPr lang="de-DE" dirty="0"/>
-              <a:t> on </a:t>
-            </a:r>
-            <a:r>
-              <a:rPr lang="de-DE" dirty="0" err="1"/>
-              <a:t>the</a:t>
-            </a:r>
-            <a:r>
-              <a:rPr lang="de-DE" dirty="0"/>
-              <a:t> </a:t>
-            </a:r>
-            <a:r>
-              <a:rPr lang="de-DE" dirty="0" err="1"/>
-              <a:t>data</a:t>
-            </a:r>
-            <a:r>
-              <a:rPr lang="de-DE" dirty="0"/>
-              <a:t> </a:t>
-            </a:r>
-            <a:r>
-              <a:rPr lang="de-DE" dirty="0" err="1"/>
-              <a:t>alone</a:t>
-            </a:r>
-            <a:endParaRPr lang="de-DE" dirty="0"/>
-          </a:p>
-          <a:p>
-            <a:pPr lvl="1"/>
-            <a:endParaRPr lang="de-DE" dirty="0"/>
-          </a:p>
-          <a:p>
-            <a:endParaRPr lang="de-DE" dirty="0"/>
-          </a:p>
-        </p:txBody>
-      </p:sp>
-      <p:pic>
-        <p:nvPicPr>
-          <p:cNvPr id="3" name="Grafik 2">
-            <a:extLst>
-              <a:ext uri="{FF2B5EF4-FFF2-40B4-BE49-F238E27FC236}">
-                <a16:creationId xmlns:a16="http://schemas.microsoft.com/office/drawing/2014/main" id="{9DD19CC6-E9C9-4192-BD09-B52F1F8ED71D}"/>
-              </a:ext>
-            </a:extLst>
-          </p:cNvPr>
-          <p:cNvPicPr>
-            <a:picLocks noChangeAspect="1"/>
-          </p:cNvPicPr>
-          <p:nvPr/>
-        </p:nvPicPr>
-        <p:blipFill>
-          <a:blip r:embed="rId2">
-            <a:extLst>
-              <a:ext uri="{28A0092B-C50C-407E-A947-70E740481C1C}">
-                <a14:useLocalDpi xmlns:a14="http://schemas.microsoft.com/office/drawing/2010/main" val="0"/>
-              </a:ext>
-            </a:extLst>
-          </a:blip>
-          <a:stretch>
-            <a:fillRect/>
-          </a:stretch>
-        </p:blipFill>
-        <p:spPr>
-          <a:xfrm>
-            <a:off x="-371618" y="3148524"/>
-            <a:ext cx="9882474" cy="2569444"/>
-          </a:xfrm>
-          <a:prstGeom prst="rect">
-            <a:avLst/>
-          </a:prstGeom>
-        </p:spPr>
-      </p:pic>
-      <p:sp>
-        <p:nvSpPr>
-          <p:cNvPr id="2" name="Fußzeilenplatzhalter 1">
-            <a:extLst>
-              <a:ext uri="{FF2B5EF4-FFF2-40B4-BE49-F238E27FC236}">
-                <a16:creationId xmlns:a16="http://schemas.microsoft.com/office/drawing/2014/main" id="{E1561025-86F4-4BF4-806C-9E610CA33AF6}"/>
-              </a:ext>
-            </a:extLst>
-          </p:cNvPr>
-          <p:cNvSpPr>
-            <a:spLocks noGrp="1"/>
-          </p:cNvSpPr>
-          <p:nvPr>
-            <p:ph type="ftr" sz="quarter" idx="10"/>
-          </p:nvPr>
-        </p:nvSpPr>
-        <p:spPr/>
-        <p:txBody>
-          <a:bodyPr/>
-          <a:lstStyle/>
-          <a:p>
-            <a:r>
-              <a:rPr lang="en-US" altLang="de-DE"/>
-              <a:t>Prof. Dr. Alexander Mädche – footbased-activity recognition</a:t>
-            </a:r>
-            <a:endParaRPr lang="de-DE" altLang="de-DE" dirty="0"/>
-          </a:p>
-        </p:txBody>
-      </p:sp>
-    </p:spTree>
-  </p:cSld>
-  <p:clrMapOvr>
-    <a:masterClrMapping/>
-  </p:clrMapOvr>
-</p:sld>
-</file>
-
-<file path=ppt/slides/slide15.xml><?xml version="1.0" encoding="utf-8"?>
-<p:sld xmlns:a="http://schemas.openxmlformats.org/drawingml/2006/main" xmlns:r="http://schemas.openxmlformats.org/officeDocument/2006/relationships" xmlns:p="http://schemas.openxmlformats.org/presentationml/2006/main" show="0">
-  <p:cSld>
-    <p:spTree>
-      <p:nvGrpSpPr>
-        <p:cNvPr id="1" name=""/>
-        <p:cNvGrpSpPr/>
-        <p:nvPr/>
-      </p:nvGrpSpPr>
-      <p:grpSpPr>
-        <a:xfrm>
-          <a:off x="0" y="0"/>
-          <a:ext cx="0" cy="0"/>
-          <a:chOff x="0" y="0"/>
-          <a:chExt cx="0" cy="0"/>
-        </a:xfrm>
-      </p:grpSpPr>
-      <p:sp>
-        <p:nvSpPr>
-          <p:cNvPr id="127" name="Dashboard"/>
-          <p:cNvSpPr txBox="1">
-            <a:spLocks noGrp="1"/>
-          </p:cNvSpPr>
-          <p:nvPr>
-            <p:ph type="title"/>
-          </p:nvPr>
-        </p:nvSpPr>
-        <p:spPr>
-          <a:prstGeom prst="rect">
-            <a:avLst/>
-          </a:prstGeom>
-        </p:spPr>
-        <p:txBody>
-          <a:bodyPr>
-            <a:normAutofit/>
-          </a:bodyPr>
-          <a:lstStyle/>
-          <a:p>
-            <a:r>
-              <a:t>Dashboard</a:t>
-            </a:r>
-          </a:p>
-        </p:txBody>
-      </p:sp>
-      <p:sp>
-        <p:nvSpPr>
-          <p:cNvPr id="3" name="Inhaltsplatzhalter 2">
-            <a:extLst>
-              <a:ext uri="{FF2B5EF4-FFF2-40B4-BE49-F238E27FC236}">
-                <a16:creationId xmlns:a16="http://schemas.microsoft.com/office/drawing/2014/main" id="{7AC26832-B9A3-4F50-8CF3-E53D93B06D8B}"/>
-              </a:ext>
-            </a:extLst>
-          </p:cNvPr>
-          <p:cNvSpPr>
-            <a:spLocks noGrp="1"/>
-          </p:cNvSpPr>
-          <p:nvPr>
-            <p:ph idx="1"/>
-          </p:nvPr>
-        </p:nvSpPr>
-        <p:spPr/>
-        <p:txBody>
-          <a:bodyPr/>
-          <a:lstStyle/>
-          <a:p>
-            <a:endParaRPr lang="de-DE"/>
-          </a:p>
-        </p:txBody>
-      </p:sp>
-      <p:pic>
-        <p:nvPicPr>
-          <p:cNvPr id="129" name="Spend_7.png" descr="Spend_7.png"/>
-          <p:cNvPicPr>
-            <a:picLocks noChangeAspect="1"/>
-          </p:cNvPicPr>
-          <p:nvPr/>
-        </p:nvPicPr>
-        <p:blipFill>
-          <a:blip r:embed="rId2">
-            <a:extLst/>
-          </a:blip>
-          <a:stretch>
-            <a:fillRect/>
-          </a:stretch>
-        </p:blipFill>
-        <p:spPr>
-          <a:xfrm>
-            <a:off x="490958" y="1337956"/>
-            <a:ext cx="7930295" cy="3756954"/>
-          </a:xfrm>
-          <a:prstGeom prst="rect">
-            <a:avLst/>
-          </a:prstGeom>
-          <a:ln w="12700">
-            <a:miter lim="400000"/>
-          </a:ln>
-        </p:spPr>
-      </p:pic>
-      <p:sp>
-        <p:nvSpPr>
-          <p:cNvPr id="2" name="Fußzeilenplatzhalter 1">
-            <a:extLst>
-              <a:ext uri="{FF2B5EF4-FFF2-40B4-BE49-F238E27FC236}">
-                <a16:creationId xmlns:a16="http://schemas.microsoft.com/office/drawing/2014/main" id="{34006AA8-0A27-4279-8F1D-ACB2E8E0A47F}"/>
-              </a:ext>
-            </a:extLst>
-          </p:cNvPr>
-          <p:cNvSpPr>
-            <a:spLocks noGrp="1"/>
-          </p:cNvSpPr>
-          <p:nvPr>
-            <p:ph type="ftr" sz="quarter" idx="10"/>
-          </p:nvPr>
-        </p:nvSpPr>
-        <p:spPr/>
-        <p:txBody>
-          <a:bodyPr/>
-          <a:lstStyle/>
-          <a:p>
-            <a:r>
-              <a:rPr lang="en-US" altLang="de-DE"/>
-              <a:t>Prof. Dr. Alexander Mädche – footbased-activity recognition</a:t>
-            </a:r>
-            <a:endParaRPr lang="de-DE" altLang="de-DE" dirty="0"/>
-          </a:p>
-        </p:txBody>
-      </p:sp>
-    </p:spTree>
-  </p:cSld>
-  <p:clrMapOvr>
-    <a:masterClrMapping/>
-  </p:clrMapOvr>
-  <p:transition spd="med"/>
-</p:sld>
-</file>
-
-<file path=ppt/slides/slide16.xml><?xml version="1.0" encoding="utf-8"?>
-<p:sld xmlns:a="http://schemas.openxmlformats.org/drawingml/2006/main" xmlns:r="http://schemas.openxmlformats.org/officeDocument/2006/relationships" xmlns:p="http://schemas.openxmlformats.org/presentationml/2006/main" show="0">
-  <p:cSld>
-    <p:spTree>
-      <p:nvGrpSpPr>
-        <p:cNvPr id="1" name=""/>
-        <p:cNvGrpSpPr/>
-        <p:nvPr/>
-      </p:nvGrpSpPr>
-      <p:grpSpPr>
-        <a:xfrm>
-          <a:off x="0" y="0"/>
-          <a:ext cx="0" cy="0"/>
-          <a:chOff x="0" y="0"/>
-          <a:chExt cx="0" cy="0"/>
-        </a:xfrm>
-      </p:grpSpPr>
-      <p:sp>
-        <p:nvSpPr>
-          <p:cNvPr id="4" name="Rectangle 5">
-            <a:extLst>
-              <a:ext uri="{FF2B5EF4-FFF2-40B4-BE49-F238E27FC236}">
-                <a16:creationId xmlns:a16="http://schemas.microsoft.com/office/drawing/2014/main" id="{B3D8528D-C515-4BA6-AE0F-D077B6C14DB0}"/>
-              </a:ext>
-            </a:extLst>
-          </p:cNvPr>
-          <p:cNvSpPr>
-            <a:spLocks noGrp="1" noChangeArrowheads="1"/>
-          </p:cNvSpPr>
-          <p:nvPr>
-            <p:ph type="ftr" sz="quarter" idx="10"/>
-          </p:nvPr>
-        </p:nvSpPr>
-        <p:spPr>
-          <a:ln/>
-        </p:spPr>
-        <p:txBody>
-          <a:bodyPr/>
-          <a:lstStyle/>
-          <a:p>
-            <a:r>
-              <a:rPr lang="en-US" altLang="de-DE"/>
-              <a:t>Prof. Dr. Alexander Mädche – footbased-activity recognition</a:t>
-            </a:r>
-            <a:endParaRPr lang="de-DE" altLang="de-DE"/>
-          </a:p>
-        </p:txBody>
-      </p:sp>
-      <p:sp>
-        <p:nvSpPr>
-          <p:cNvPr id="4101" name="Rectangle 2">
-            <a:extLst>
-              <a:ext uri="{FF2B5EF4-FFF2-40B4-BE49-F238E27FC236}">
-                <a16:creationId xmlns:a16="http://schemas.microsoft.com/office/drawing/2014/main" id="{810BF0C1-59F5-4F77-BEEC-878A42EC7377}"/>
-              </a:ext>
-            </a:extLst>
-          </p:cNvPr>
-          <p:cNvSpPr>
-            <a:spLocks noGrp="1" noChangeArrowheads="1"/>
-          </p:cNvSpPr>
-          <p:nvPr>
-            <p:ph type="title"/>
-          </p:nvPr>
-        </p:nvSpPr>
-        <p:spPr/>
-        <p:txBody>
-          <a:bodyPr/>
-          <a:lstStyle/>
-          <a:p>
-            <a:pPr eaLnBrk="1" hangingPunct="1"/>
-            <a:r>
-              <a:rPr lang="de-DE" altLang="de-DE" sz="2000"/>
-              <a:t>Masterfolie </a:t>
-            </a:r>
-            <a:br>
-              <a:rPr lang="de-DE" altLang="de-DE" sz="2000"/>
-            </a:br>
-            <a:r>
-              <a:rPr lang="de-DE" altLang="de-DE" sz="2000"/>
-              <a:t>(über: </a:t>
-            </a:r>
-            <a:r>
-              <a:rPr lang="de-DE" altLang="de-DE" sz="2000" i="1"/>
-              <a:t>Ansicht – Master – Folienmaster</a:t>
-            </a:r>
-            <a:r>
-              <a:rPr lang="de-DE" altLang="de-DE" sz="2000"/>
-              <a:t>)</a:t>
-            </a:r>
-            <a:endParaRPr lang="de-DE" altLang="de-DE" sz="2000" i="1"/>
-          </a:p>
-        </p:txBody>
-      </p:sp>
-      <p:sp>
-        <p:nvSpPr>
-          <p:cNvPr id="4102" name="Rectangle 3">
-            <a:extLst>
-              <a:ext uri="{FF2B5EF4-FFF2-40B4-BE49-F238E27FC236}">
-                <a16:creationId xmlns:a16="http://schemas.microsoft.com/office/drawing/2014/main" id="{90888C2A-3FFF-4A28-B89C-2BD241FA5EC5}"/>
-              </a:ext>
-            </a:extLst>
-          </p:cNvPr>
-          <p:cNvSpPr>
-            <a:spLocks noGrp="1" noChangeArrowheads="1"/>
-          </p:cNvSpPr>
-          <p:nvPr>
-            <p:ph type="body" idx="1"/>
-          </p:nvPr>
-        </p:nvSpPr>
-        <p:spPr/>
-        <p:txBody>
-          <a:bodyPr/>
-          <a:lstStyle/>
-          <a:p>
-            <a:pPr eaLnBrk="1" hangingPunct="1">
-              <a:lnSpc>
-                <a:spcPct val="90000"/>
-              </a:lnSpc>
-            </a:pPr>
-            <a:r>
-              <a:rPr lang="de-DE" altLang="de-DE"/>
-              <a:t>Die Masterfolie wird genutzt, um grundlegende Elemente der Präsentation festzulegen und ggf. zu ändern.</a:t>
-            </a:r>
-          </a:p>
-          <a:p>
-            <a:pPr eaLnBrk="1" hangingPunct="1">
-              <a:lnSpc>
-                <a:spcPct val="90000"/>
-              </a:lnSpc>
-            </a:pPr>
-            <a:endParaRPr lang="de-DE" altLang="de-DE"/>
-          </a:p>
-          <a:p>
-            <a:pPr eaLnBrk="1" hangingPunct="1">
-              <a:lnSpc>
-                <a:spcPct val="90000"/>
-              </a:lnSpc>
-            </a:pPr>
-            <a:r>
-              <a:rPr lang="de-DE" altLang="de-DE"/>
-              <a:t>Folgende Elemente können Sie in der Normalansicht individuell eintragen:</a:t>
-            </a:r>
-          </a:p>
-          <a:p>
-            <a:pPr lvl="1" eaLnBrk="1" hangingPunct="1">
-              <a:lnSpc>
-                <a:spcPct val="90000"/>
-              </a:lnSpc>
-            </a:pPr>
-            <a:endParaRPr lang="de-DE" altLang="de-DE"/>
-          </a:p>
-          <a:p>
-            <a:pPr lvl="1" eaLnBrk="1" hangingPunct="1">
-              <a:lnSpc>
-                <a:spcPct val="90000"/>
-              </a:lnSpc>
-            </a:pPr>
-            <a:r>
-              <a:rPr lang="de-DE" altLang="de-DE"/>
-              <a:t>Inhaltsbereich:</a:t>
-            </a:r>
-          </a:p>
-          <a:p>
-            <a:pPr lvl="2" eaLnBrk="1" hangingPunct="1">
-              <a:lnSpc>
-                <a:spcPct val="90000"/>
-              </a:lnSpc>
-            </a:pPr>
-            <a:r>
-              <a:rPr lang="de-DE" altLang="de-DE" sz="1800"/>
-              <a:t>Präsentationsüberschrift</a:t>
-            </a:r>
-          </a:p>
-          <a:p>
-            <a:pPr lvl="2" eaLnBrk="1" hangingPunct="1">
-              <a:lnSpc>
-                <a:spcPct val="90000"/>
-              </a:lnSpc>
-            </a:pPr>
-            <a:r>
-              <a:rPr lang="de-DE" altLang="de-DE" sz="1800"/>
-              <a:t>Unterüberschrift</a:t>
-            </a:r>
-          </a:p>
-          <a:p>
-            <a:pPr lvl="2" eaLnBrk="1" hangingPunct="1">
-              <a:lnSpc>
-                <a:spcPct val="90000"/>
-              </a:lnSpc>
-            </a:pPr>
-            <a:r>
-              <a:rPr lang="de-DE" altLang="de-DE" sz="1800"/>
-              <a:t>Fakultätsbezeichnung</a:t>
-            </a:r>
-          </a:p>
-          <a:p>
-            <a:pPr lvl="2" eaLnBrk="1" hangingPunct="1">
-              <a:lnSpc>
-                <a:spcPct val="90000"/>
-              </a:lnSpc>
-            </a:pPr>
-            <a:r>
-              <a:rPr lang="de-DE" altLang="de-DE" sz="1800"/>
-              <a:t>Bildaustausch (graue Lasche am rechten Folienrand – zum leichteren Austausch)</a:t>
-            </a:r>
-          </a:p>
-          <a:p>
-            <a:pPr eaLnBrk="1" hangingPunct="1">
-              <a:lnSpc>
-                <a:spcPct val="90000"/>
-              </a:lnSpc>
-              <a:buFontTx/>
-              <a:buNone/>
-            </a:pPr>
-            <a:endParaRPr lang="de-DE" altLang="de-DE"/>
-          </a:p>
-          <a:p>
-            <a:pPr lvl="1" eaLnBrk="1" hangingPunct="1">
-              <a:lnSpc>
-                <a:spcPct val="90000"/>
-              </a:lnSpc>
-            </a:pPr>
-            <a:r>
-              <a:rPr lang="de-DE" altLang="de-DE"/>
-              <a:t>Fußzeile (über: Ansicht – </a:t>
-            </a:r>
-            <a:r>
-              <a:rPr lang="de-DE" altLang="de-DE" i="1"/>
-              <a:t>Kopf- und Fußzeile</a:t>
-            </a:r>
-            <a:r>
-              <a:rPr lang="de-DE" altLang="de-DE"/>
-              <a:t>)</a:t>
-            </a:r>
-          </a:p>
-        </p:txBody>
-      </p:sp>
-    </p:spTree>
-  </p:cSld>
-  <p:clrMapOvr>
-    <a:masterClrMapping/>
-  </p:clrMapOvr>
-</p:sld>
-</file>
-
-<file path=ppt/slides/slide17.xml><?xml version="1.0" encoding="utf-8"?>
-<p:sld xmlns:a="http://schemas.openxmlformats.org/drawingml/2006/main" xmlns:r="http://schemas.openxmlformats.org/officeDocument/2006/relationships" xmlns:p="http://schemas.openxmlformats.org/presentationml/2006/main" show="0">
-  <p:cSld>
-    <p:spTree>
-      <p:nvGrpSpPr>
-        <p:cNvPr id="1" name=""/>
-        <p:cNvGrpSpPr/>
-        <p:nvPr/>
-      </p:nvGrpSpPr>
-      <p:grpSpPr>
-        <a:xfrm>
-          <a:off x="0" y="0"/>
-          <a:ext cx="0" cy="0"/>
-          <a:chOff x="0" y="0"/>
-          <a:chExt cx="0" cy="0"/>
-        </a:xfrm>
-      </p:grpSpPr>
-      <p:sp>
-        <p:nvSpPr>
-          <p:cNvPr id="5" name="Rectangle 5">
-            <a:extLst>
-              <a:ext uri="{FF2B5EF4-FFF2-40B4-BE49-F238E27FC236}">
-                <a16:creationId xmlns:a16="http://schemas.microsoft.com/office/drawing/2014/main" id="{BA5DFAE4-140E-4A9D-B6B9-9C2940EF6332}"/>
-              </a:ext>
-            </a:extLst>
-          </p:cNvPr>
-          <p:cNvSpPr>
-            <a:spLocks noGrp="1" noChangeArrowheads="1"/>
-          </p:cNvSpPr>
-          <p:nvPr>
-            <p:ph type="ftr" sz="quarter" idx="10"/>
-          </p:nvPr>
-        </p:nvSpPr>
-        <p:spPr>
-          <a:ln/>
-        </p:spPr>
-        <p:txBody>
-          <a:bodyPr/>
-          <a:lstStyle/>
-          <a:p>
-            <a:r>
-              <a:rPr lang="en-US" altLang="de-DE"/>
-              <a:t>Prof. Dr. Alexander Mädche – footbased-activity recognition</a:t>
-            </a:r>
-            <a:endParaRPr lang="de-DE" altLang="de-DE"/>
-          </a:p>
-        </p:txBody>
-      </p:sp>
-      <p:sp>
-        <p:nvSpPr>
-          <p:cNvPr id="5125" name="Rectangle 2">
-            <a:extLst>
-              <a:ext uri="{FF2B5EF4-FFF2-40B4-BE49-F238E27FC236}">
-                <a16:creationId xmlns:a16="http://schemas.microsoft.com/office/drawing/2014/main" id="{99E879B6-EC90-4104-831B-02CA95FFCB3C}"/>
-              </a:ext>
-            </a:extLst>
-          </p:cNvPr>
-          <p:cNvSpPr>
-            <a:spLocks noGrp="1" noChangeArrowheads="1"/>
-          </p:cNvSpPr>
-          <p:nvPr>
-            <p:ph type="title"/>
-          </p:nvPr>
-        </p:nvSpPr>
-        <p:spPr/>
-        <p:txBody>
-          <a:bodyPr/>
-          <a:lstStyle/>
-          <a:p>
-            <a:pPr eaLnBrk="1" hangingPunct="1"/>
-            <a:r>
-              <a:rPr lang="de-DE" altLang="de-DE" sz="2000"/>
-              <a:t>Folientitel: Arial 24pt fett</a:t>
-            </a:r>
-            <a:br>
-              <a:rPr lang="de-DE" altLang="de-DE" sz="2000"/>
-            </a:br>
-            <a:r>
-              <a:rPr lang="de-DE" altLang="de-DE" sz="2000"/>
-              <a:t>2-zeilig: Arial 20pt fett</a:t>
-            </a:r>
-          </a:p>
-        </p:txBody>
-      </p:sp>
-      <p:sp>
-        <p:nvSpPr>
-          <p:cNvPr id="5126" name="Rectangle 3">
-            <a:extLst>
-              <a:ext uri="{FF2B5EF4-FFF2-40B4-BE49-F238E27FC236}">
-                <a16:creationId xmlns:a16="http://schemas.microsoft.com/office/drawing/2014/main" id="{25879E36-61D1-4619-8418-68DA824D0F80}"/>
-              </a:ext>
-            </a:extLst>
-          </p:cNvPr>
-          <p:cNvSpPr>
-            <a:spLocks noGrp="1" noChangeArrowheads="1"/>
-          </p:cNvSpPr>
-          <p:nvPr>
-            <p:ph type="body" idx="1"/>
-          </p:nvPr>
-        </p:nvSpPr>
-        <p:spPr>
-          <a:xfrm>
-            <a:off x="392113" y="1198563"/>
-            <a:ext cx="8248650" cy="4894262"/>
-          </a:xfrm>
-          <a:noFill/>
-        </p:spPr>
-        <p:txBody>
-          <a:bodyPr/>
-          <a:lstStyle/>
-          <a:p>
-            <a:pPr eaLnBrk="1" hangingPunct="1">
-              <a:lnSpc>
-                <a:spcPct val="90000"/>
-              </a:lnSpc>
-            </a:pPr>
-            <a:r>
-              <a:rPr lang="de-DE" altLang="de-DE"/>
-              <a:t>Fließtext: Arial 24pt regular</a:t>
-            </a:r>
-          </a:p>
-          <a:p>
-            <a:pPr eaLnBrk="1" hangingPunct="1">
-              <a:lnSpc>
-                <a:spcPct val="90000"/>
-              </a:lnSpc>
-            </a:pPr>
-            <a:r>
-              <a:rPr lang="de-DE" altLang="de-DE"/>
-              <a:t>Fußzeile: Arial 9pt regular</a:t>
-            </a:r>
-          </a:p>
-          <a:p>
-            <a:pPr eaLnBrk="1" hangingPunct="1">
-              <a:lnSpc>
-                <a:spcPct val="90000"/>
-              </a:lnSpc>
-            </a:pPr>
-            <a:r>
-              <a:rPr lang="de-DE" altLang="de-DE"/>
-              <a:t>Seitenzahl: Arial 9pt fett</a:t>
-            </a:r>
-          </a:p>
-          <a:p>
-            <a:pPr eaLnBrk="1" hangingPunct="1">
-              <a:lnSpc>
-                <a:spcPct val="90000"/>
-              </a:lnSpc>
-            </a:pPr>
-            <a:endParaRPr lang="de-DE" altLang="de-DE"/>
-          </a:p>
-          <a:p>
-            <a:pPr eaLnBrk="1" hangingPunct="1">
-              <a:lnSpc>
-                <a:spcPct val="90000"/>
-              </a:lnSpc>
-            </a:pPr>
-            <a:r>
-              <a:rPr lang="de-DE" altLang="de-DE"/>
-              <a:t>Aufzählungspunkte, falls nicht auf Folie vorhanden:</a:t>
-            </a:r>
-          </a:p>
-          <a:p>
-            <a:pPr marL="827088" lvl="1" eaLnBrk="1" hangingPunct="1">
-              <a:lnSpc>
-                <a:spcPct val="90000"/>
-              </a:lnSpc>
-            </a:pPr>
-            <a:r>
-              <a:rPr lang="de-DE" altLang="de-DE" i="1"/>
-              <a:t>Format – Nummerierung- und Aufzählungszeichen – Bild – Importieren</a:t>
-            </a:r>
-          </a:p>
-          <a:p>
-            <a:pPr marL="827088" lvl="1" eaLnBrk="1" hangingPunct="1">
-              <a:lnSpc>
-                <a:spcPct val="90000"/>
-              </a:lnSpc>
-            </a:pPr>
-            <a:r>
-              <a:rPr lang="de-DE" altLang="de-DE"/>
-              <a:t>Die Datei</a:t>
-            </a:r>
-            <a:r>
-              <a:rPr lang="de-DE" altLang="de-DE" i="1"/>
-              <a:t> </a:t>
-            </a:r>
-            <a:r>
-              <a:rPr lang="de-DE" altLang="de-DE">
-                <a:solidFill>
-                  <a:schemeClr val="accent1"/>
-                </a:solidFill>
-              </a:rPr>
-              <a:t>„kit-point.png“</a:t>
-            </a:r>
-            <a:r>
-              <a:rPr lang="de-DE" altLang="de-DE"/>
-              <a:t> auswählen</a:t>
-            </a:r>
-          </a:p>
-          <a:p>
-            <a:pPr marL="827088" lvl="1" eaLnBrk="1" hangingPunct="1">
-              <a:lnSpc>
-                <a:spcPct val="90000"/>
-              </a:lnSpc>
-            </a:pPr>
-            <a:r>
-              <a:rPr lang="de-DE" altLang="de-DE"/>
-              <a:t>Größe: </a:t>
-            </a:r>
-            <a:r>
-              <a:rPr lang="de-DE" altLang="de-DE">
-                <a:solidFill>
-                  <a:schemeClr val="accent1"/>
-                </a:solidFill>
-              </a:rPr>
-              <a:t>„70% vom Text“</a:t>
-            </a:r>
-          </a:p>
-          <a:p>
-            <a:pPr marL="827088" lvl="1" eaLnBrk="1" hangingPunct="1">
-              <a:lnSpc>
-                <a:spcPct val="90000"/>
-              </a:lnSpc>
-            </a:pPr>
-            <a:endParaRPr lang="de-DE" altLang="de-DE">
-              <a:solidFill>
-                <a:schemeClr val="accent1"/>
-              </a:solidFill>
-            </a:endParaRPr>
-          </a:p>
-          <a:p>
-            <a:pPr eaLnBrk="1" hangingPunct="1">
-              <a:lnSpc>
-                <a:spcPct val="90000"/>
-              </a:lnSpc>
-            </a:pPr>
-            <a:r>
-              <a:rPr lang="de-DE" altLang="de-DE"/>
-              <a:t>Farben:</a:t>
-            </a:r>
-          </a:p>
-          <a:p>
-            <a:pPr marL="827088" lvl="1" eaLnBrk="1" hangingPunct="1">
-              <a:lnSpc>
-                <a:spcPct val="90000"/>
-              </a:lnSpc>
-            </a:pPr>
-            <a:r>
-              <a:rPr lang="de-DE" altLang="de-DE"/>
-              <a:t>Sind bereits voreingestellt. Sie erhalten automatisch die KIT-Farbpalette</a:t>
-            </a:r>
-          </a:p>
-          <a:p>
-            <a:pPr eaLnBrk="1" hangingPunct="1">
-              <a:lnSpc>
-                <a:spcPct val="90000"/>
-              </a:lnSpc>
-            </a:pPr>
-            <a:endParaRPr lang="de-DE" altLang="de-DE"/>
-          </a:p>
-        </p:txBody>
-      </p:sp>
-      <p:sp>
-        <p:nvSpPr>
-          <p:cNvPr id="1039" name="Rectangle 15">
-            <a:extLst>
-              <a:ext uri="{FF2B5EF4-FFF2-40B4-BE49-F238E27FC236}">
-                <a16:creationId xmlns:a16="http://schemas.microsoft.com/office/drawing/2014/main" id="{EE6DA821-B4CE-4273-A776-975D0BE5086C}"/>
-              </a:ext>
-            </a:extLst>
-          </p:cNvPr>
-          <p:cNvSpPr>
-            <a:spLocks noChangeArrowheads="1"/>
-          </p:cNvSpPr>
-          <p:nvPr/>
-        </p:nvSpPr>
-        <p:spPr bwMode="auto">
-          <a:xfrm>
-            <a:off x="539750" y="6524625"/>
-            <a:ext cx="868363" cy="114300"/>
-          </a:xfrm>
-          <a:prstGeom prst="rect">
-            <a:avLst/>
-          </a:prstGeom>
-          <a:noFill/>
-          <a:ln>
-            <a:noFill/>
-          </a:ln>
-          <a:extLst>
-            <a:ext uri="{909E8E84-426E-40DD-AFC4-6F175D3DCCD1}">
-              <a14:hiddenFill xmlns:a14="http://schemas.microsoft.com/office/drawing/2010/main">
-                <a:solidFill>
-                  <a:srgbClr val="FFFFFF"/>
-                </a:solidFill>
-              </a14:hiddenFill>
-            </a:ext>
-            <a:ext uri="{91240B29-F687-4F45-9708-019B960494DF}">
-              <a14:hiddenLine xmlns:a14="http://schemas.microsoft.com/office/drawing/2010/main" w="9525">
-                <a:solidFill>
-                  <a:srgbClr val="000000"/>
-                </a:solidFill>
-                <a:miter lim="800000"/>
-                <a:headEnd/>
-                <a:tailEnd/>
-              </a14:hiddenLine>
-            </a:ext>
-          </a:extLst>
-        </p:spPr>
-        <p:txBody>
-          <a:bodyPr lIns="0" tIns="0" rIns="0" bIns="0"/>
-          <a:lstStyle>
-            <a:lvl1pPr>
-              <a:defRPr sz="900"/>
-            </a:lvl1pPr>
-          </a:lstStyle>
-          <a:p>
-            <a:pPr>
-              <a:defRPr/>
-            </a:pPr>
-            <a:fld id="{F7A4AFA6-9E74-410F-9898-DA510230AF5E}" type="datetime1">
-              <a:rPr lang="de-DE" smtClean="0">
-                <a:latin typeface="Arial" charset="0"/>
-              </a:rPr>
-              <a:pPr>
-                <a:defRPr/>
-              </a:pPr>
-              <a:t>10.07.2018</a:t>
-            </a:fld>
-            <a:endParaRPr lang="de-DE">
-              <a:latin typeface="Arial" charset="0"/>
-            </a:endParaRPr>
-          </a:p>
-        </p:txBody>
-      </p:sp>
-    </p:spTree>
-  </p:cSld>
-  <p:clrMapOvr>
-    <a:masterClrMapping/>
-  </p:clrMapOvr>
-</p:sld>
-</file>
-
-<file path=ppt/slides/slide18.xml><?xml version="1.0" encoding="utf-8"?>
-<p:sld xmlns:a="http://schemas.openxmlformats.org/drawingml/2006/main" xmlns:r="http://schemas.openxmlformats.org/officeDocument/2006/relationships" xmlns:p="http://schemas.openxmlformats.org/presentationml/2006/main" show="0">
-  <p:cSld>
-    <p:spTree>
-      <p:nvGrpSpPr>
-        <p:cNvPr id="1" name=""/>
-        <p:cNvGrpSpPr/>
-        <p:nvPr/>
-      </p:nvGrpSpPr>
-      <p:grpSpPr>
-        <a:xfrm>
-          <a:off x="0" y="0"/>
-          <a:ext cx="0" cy="0"/>
-          <a:chOff x="0" y="0"/>
-          <a:chExt cx="0" cy="0"/>
-        </a:xfrm>
-      </p:grpSpPr>
-      <p:sp>
-        <p:nvSpPr>
-          <p:cNvPr id="4" name="Rectangle 5">
-            <a:extLst>
-              <a:ext uri="{FF2B5EF4-FFF2-40B4-BE49-F238E27FC236}">
-                <a16:creationId xmlns:a16="http://schemas.microsoft.com/office/drawing/2014/main" id="{FAE77AEE-0C24-4CBD-A273-108FCBA0E2EA}"/>
-              </a:ext>
-            </a:extLst>
-          </p:cNvPr>
-          <p:cNvSpPr>
-            <a:spLocks noGrp="1" noChangeArrowheads="1"/>
-          </p:cNvSpPr>
-          <p:nvPr>
-            <p:ph type="ftr" sz="quarter" idx="10"/>
-          </p:nvPr>
-        </p:nvSpPr>
-        <p:spPr>
-          <a:ln/>
-        </p:spPr>
-        <p:txBody>
-          <a:bodyPr/>
-          <a:lstStyle/>
-          <a:p>
-            <a:r>
-              <a:rPr lang="en-US" altLang="de-DE"/>
-              <a:t>Prof. Dr. Alexander Mädche – footbased-activity recognition</a:t>
-            </a:r>
-            <a:endParaRPr lang="de-DE" altLang="de-DE"/>
-          </a:p>
-        </p:txBody>
-      </p:sp>
-      <p:sp>
-        <p:nvSpPr>
-          <p:cNvPr id="6149" name="Rectangle 2">
-            <a:extLst>
-              <a:ext uri="{FF2B5EF4-FFF2-40B4-BE49-F238E27FC236}">
-                <a16:creationId xmlns:a16="http://schemas.microsoft.com/office/drawing/2014/main" id="{19E6B206-B57E-4FDA-869F-E8EE332C9CBC}"/>
-              </a:ext>
-            </a:extLst>
-          </p:cNvPr>
-          <p:cNvSpPr>
-            <a:spLocks noGrp="1" noChangeArrowheads="1"/>
-          </p:cNvSpPr>
-          <p:nvPr>
-            <p:ph type="title"/>
-          </p:nvPr>
-        </p:nvSpPr>
-        <p:spPr/>
-        <p:txBody>
-          <a:bodyPr/>
-          <a:lstStyle/>
-          <a:p>
-            <a:pPr eaLnBrk="1" hangingPunct="1"/>
-            <a:r>
-              <a:rPr lang="de-DE" altLang="de-DE"/>
-              <a:t>Generelle Hinweise</a:t>
-            </a:r>
-          </a:p>
-        </p:txBody>
-      </p:sp>
-      <p:sp>
-        <p:nvSpPr>
-          <p:cNvPr id="6150" name="Rectangle 3">
-            <a:extLst>
-              <a:ext uri="{FF2B5EF4-FFF2-40B4-BE49-F238E27FC236}">
-                <a16:creationId xmlns:a16="http://schemas.microsoft.com/office/drawing/2014/main" id="{56BC0F19-BE00-4B05-B441-CBAECF90DA84}"/>
-              </a:ext>
-            </a:extLst>
-          </p:cNvPr>
-          <p:cNvSpPr>
-            <a:spLocks noGrp="1" noChangeArrowheads="1"/>
-          </p:cNvSpPr>
-          <p:nvPr>
-            <p:ph type="body" idx="1"/>
-          </p:nvPr>
-        </p:nvSpPr>
-        <p:spPr/>
-        <p:txBody>
-          <a:bodyPr/>
-          <a:lstStyle/>
-          <a:p>
-            <a:pPr eaLnBrk="1" hangingPunct="1"/>
-            <a:r>
-              <a:rPr lang="de-DE" altLang="de-DE"/>
-              <a:t>Das Foliendesign sollte nicht geändert werden</a:t>
-            </a:r>
-          </a:p>
-          <a:p>
-            <a:pPr eaLnBrk="1" hangingPunct="1"/>
-            <a:r>
-              <a:rPr lang="de-DE" altLang="de-DE"/>
-              <a:t>Wenn Sie aus einem anderen Office-Programm Texte kopieren, wird Powerpoint die Formatierungen beibehalten. Hier müssen Sie die Texte evtl. neu formatieren.</a:t>
-            </a:r>
-          </a:p>
-          <a:p>
-            <a:pPr eaLnBrk="1" hangingPunct="1"/>
-            <a:r>
-              <a:rPr lang="de-DE" altLang="de-DE"/>
-              <a:t>Grundlegende Elemente wie diese im grauen KIT-Rahmen, das KIT-Logo oder die Platzhalter sollten in der Position nicht verändert oder gelöscht werden.</a:t>
-            </a:r>
-          </a:p>
-          <a:p>
-            <a:pPr eaLnBrk="1" hangingPunct="1">
-              <a:buFontTx/>
-              <a:buNone/>
-            </a:pPr>
-            <a:endParaRPr lang="de-DE" altLang="de-DE"/>
-          </a:p>
-          <a:p>
-            <a:pPr eaLnBrk="1" hangingPunct="1"/>
-            <a:endParaRPr lang="de-DE" altLang="de-DE"/>
-          </a:p>
-        </p:txBody>
-      </p:sp>
-    </p:spTree>
-  </p:cSld>
-  <p:clrMapOvr>
-    <a:masterClrMapping/>
-  </p:clrMapOvr>
-</p:sld>
-</file>
-
-<file path=ppt/slides/slide19.xml><?xml version="1.0" encoding="utf-8"?>
-<p:sld xmlns:a="http://schemas.openxmlformats.org/drawingml/2006/main" xmlns:r="http://schemas.openxmlformats.org/officeDocument/2006/relationships" xmlns:p="http://schemas.openxmlformats.org/presentationml/2006/main" show="0">
-  <p:cSld>
-    <p:spTree>
-      <p:nvGrpSpPr>
-        <p:cNvPr id="1" name=""/>
-        <p:cNvGrpSpPr/>
-        <p:nvPr/>
-      </p:nvGrpSpPr>
-      <p:grpSpPr>
-        <a:xfrm>
-          <a:off x="0" y="0"/>
-          <a:ext cx="0" cy="0"/>
-          <a:chOff x="0" y="0"/>
-          <a:chExt cx="0" cy="0"/>
-        </a:xfrm>
-      </p:grpSpPr>
-      <p:sp>
-        <p:nvSpPr>
-          <p:cNvPr id="4" name="Rectangle 5">
-            <a:extLst>
-              <a:ext uri="{FF2B5EF4-FFF2-40B4-BE49-F238E27FC236}">
-                <a16:creationId xmlns:a16="http://schemas.microsoft.com/office/drawing/2014/main" id="{06C64F5E-8E78-4CC6-BFC6-8A4FE9FA00EF}"/>
-              </a:ext>
-            </a:extLst>
-          </p:cNvPr>
-          <p:cNvSpPr>
-            <a:spLocks noGrp="1" noChangeArrowheads="1"/>
-          </p:cNvSpPr>
-          <p:nvPr>
-            <p:ph type="ftr" sz="quarter" idx="10"/>
-          </p:nvPr>
-        </p:nvSpPr>
-        <p:spPr>
-          <a:ln/>
-        </p:spPr>
-        <p:txBody>
-          <a:bodyPr/>
-          <a:lstStyle/>
-          <a:p>
-            <a:r>
-              <a:rPr lang="en-US" altLang="de-DE"/>
-              <a:t>Prof. Dr. Alexander Mädche – footbased-activity recognition</a:t>
-            </a:r>
-            <a:endParaRPr lang="de-DE" altLang="de-DE"/>
-          </a:p>
-        </p:txBody>
-      </p:sp>
-      <p:sp>
-        <p:nvSpPr>
-          <p:cNvPr id="7173" name="Rectangle 2">
-            <a:extLst>
-              <a:ext uri="{FF2B5EF4-FFF2-40B4-BE49-F238E27FC236}">
-                <a16:creationId xmlns:a16="http://schemas.microsoft.com/office/drawing/2014/main" id="{775B2171-1BF0-42F3-AAD7-F8F2D0A278A6}"/>
-              </a:ext>
-            </a:extLst>
-          </p:cNvPr>
-          <p:cNvSpPr>
-            <a:spLocks noGrp="1" noChangeArrowheads="1"/>
-          </p:cNvSpPr>
-          <p:nvPr>
-            <p:ph type="title"/>
-          </p:nvPr>
-        </p:nvSpPr>
-        <p:spPr/>
-        <p:txBody>
-          <a:bodyPr/>
-          <a:lstStyle/>
-          <a:p>
-            <a:pPr eaLnBrk="1" hangingPunct="1"/>
-            <a:r>
-              <a:rPr lang="de-DE" altLang="de-DE"/>
-              <a:t>Tipps zur Verwendung von Powerpoint</a:t>
-            </a:r>
-          </a:p>
-        </p:txBody>
-      </p:sp>
-      <p:sp>
-        <p:nvSpPr>
-          <p:cNvPr id="7174" name="Rectangle 3">
-            <a:extLst>
-              <a:ext uri="{FF2B5EF4-FFF2-40B4-BE49-F238E27FC236}">
-                <a16:creationId xmlns:a16="http://schemas.microsoft.com/office/drawing/2014/main" id="{8F4ED7F3-E01C-48B1-96F8-06C305ECE154}"/>
-              </a:ext>
-            </a:extLst>
-          </p:cNvPr>
-          <p:cNvSpPr>
-            <a:spLocks noGrp="1" noChangeArrowheads="1"/>
-          </p:cNvSpPr>
-          <p:nvPr>
-            <p:ph type="body" idx="1"/>
-          </p:nvPr>
-        </p:nvSpPr>
-        <p:spPr/>
-        <p:txBody>
-          <a:bodyPr/>
-          <a:lstStyle/>
-          <a:p>
-            <a:pPr eaLnBrk="1" hangingPunct="1"/>
-            <a:r>
-              <a:rPr lang="de-DE" altLang="de-DE"/>
-              <a:t>Seitenaufbau</a:t>
-            </a:r>
-          </a:p>
-          <a:p>
-            <a:pPr lvl="1" eaLnBrk="1" hangingPunct="1"/>
-            <a:r>
-              <a:rPr lang="de-DE" altLang="de-DE"/>
-              <a:t>Text und Grafiken:</a:t>
-            </a:r>
-            <a:br>
-              <a:rPr lang="de-DE" altLang="de-DE"/>
-            </a:br>
-            <a:r>
-              <a:rPr lang="de-DE" altLang="de-DE"/>
-              <a:t>Diese Elemente sollten gezielt und zurückhaltend eingesetzt werden. Empfohlen werden zehn Worte pro Zeile und fünf Zeilen pro Folie. </a:t>
-            </a:r>
-          </a:p>
-          <a:p>
-            <a:pPr lvl="1" eaLnBrk="1" hangingPunct="1"/>
-            <a:endParaRPr lang="de-DE" altLang="de-DE"/>
-          </a:p>
-          <a:p>
-            <a:pPr lvl="1" eaLnBrk="1" hangingPunct="1"/>
-            <a:r>
-              <a:rPr lang="de-DE" altLang="de-DE"/>
-              <a:t>Zahlen und Daten</a:t>
-            </a:r>
-            <a:br>
-              <a:rPr lang="de-DE" altLang="de-DE"/>
-            </a:br>
-            <a:r>
-              <a:rPr lang="de-DE" altLang="de-DE"/>
-              <a:t>Effektive PowerPoint-Präsentationen enthalten wenig Zahlen: ausführliche Daten können Sie nach der Präsentation auf Handouts verteilen.</a:t>
-            </a:r>
-          </a:p>
-        </p:txBody>
-      </p:sp>
-    </p:spTree>
-  </p:cSld>
-  <p:clrMapOvr>
-    <a:masterClrMapping/>
-  </p:clrMapOvr>
-</p:sld>
-</file>
-
-<file path=ppt/slides/slide2.xml><?xml version="1.0" encoding="utf-8"?>
-<p:sld xmlns:a="http://schemas.openxmlformats.org/drawingml/2006/main" xmlns:r="http://schemas.openxmlformats.org/officeDocument/2006/relationships" xmlns:p="http://schemas.openxmlformats.org/presentationml/2006/main">
-  <p:cSld>
-    <p:spTree>
-      <p:nvGrpSpPr>
-        <p:cNvPr id="1" name=""/>
-        <p:cNvGrpSpPr/>
-        <p:nvPr/>
-      </p:nvGrpSpPr>
-      <p:grpSpPr>
-        <a:xfrm>
-          <a:off x="0" y="0"/>
-          <a:ext cx="0" cy="0"/>
-          <a:chOff x="0" y="0"/>
-          <a:chExt cx="0" cy="0"/>
-        </a:xfrm>
-      </p:grpSpPr>
-      <p:sp>
-        <p:nvSpPr>
-          <p:cNvPr id="2" name="Titel 1">
-            <a:extLst>
-              <a:ext uri="{FF2B5EF4-FFF2-40B4-BE49-F238E27FC236}">
-                <a16:creationId xmlns:a16="http://schemas.microsoft.com/office/drawing/2014/main" id="{7ADB6F09-3F58-4F85-9BC6-F1872B487CA1}"/>
-              </a:ext>
-            </a:extLst>
-          </p:cNvPr>
-          <p:cNvSpPr>
-            <a:spLocks noGrp="1"/>
-          </p:cNvSpPr>
-          <p:nvPr>
-            <p:ph type="title"/>
-          </p:nvPr>
-        </p:nvSpPr>
-        <p:spPr/>
-        <p:txBody>
-          <a:bodyPr/>
-          <a:lstStyle/>
-          <a:p>
-            <a:r>
-              <a:rPr lang="de-DE" dirty="0"/>
-              <a:t>Table </a:t>
-            </a:r>
-            <a:r>
-              <a:rPr lang="de-DE" dirty="0" err="1"/>
-              <a:t>of</a:t>
-            </a:r>
-            <a:r>
-              <a:rPr lang="de-DE" dirty="0"/>
-              <a:t> </a:t>
-            </a:r>
-            <a:r>
-              <a:rPr lang="de-DE" dirty="0" err="1"/>
-              <a:t>contents</a:t>
-            </a:r>
-            <a:endParaRPr lang="de-DE" dirty="0"/>
-          </a:p>
-        </p:txBody>
-      </p:sp>
-      <p:sp>
-        <p:nvSpPr>
-          <p:cNvPr id="3" name="Inhaltsplatzhalter 2">
-            <a:extLst>
-              <a:ext uri="{FF2B5EF4-FFF2-40B4-BE49-F238E27FC236}">
-                <a16:creationId xmlns:a16="http://schemas.microsoft.com/office/drawing/2014/main" id="{8D704CFC-50BF-49FD-BFCD-FA6975F54B72}"/>
-              </a:ext>
-            </a:extLst>
-          </p:cNvPr>
-          <p:cNvSpPr>
-            <a:spLocks noGrp="1"/>
-          </p:cNvSpPr>
-          <p:nvPr>
-            <p:ph idx="1"/>
-          </p:nvPr>
-        </p:nvSpPr>
-        <p:spPr/>
-        <p:txBody>
-          <a:bodyPr/>
-          <a:lstStyle/>
-          <a:p>
-            <a:r>
-              <a:rPr lang="de-DE" dirty="0"/>
-              <a:t>Goal </a:t>
-            </a:r>
-            <a:r>
-              <a:rPr lang="de-DE" dirty="0" err="1"/>
-              <a:t>of</a:t>
-            </a:r>
-            <a:r>
-              <a:rPr lang="de-DE" dirty="0"/>
-              <a:t> </a:t>
-            </a:r>
-            <a:r>
-              <a:rPr lang="de-DE" dirty="0" err="1"/>
-              <a:t>our</a:t>
-            </a:r>
-            <a:r>
-              <a:rPr lang="de-DE" dirty="0"/>
-              <a:t> </a:t>
-            </a:r>
-            <a:r>
-              <a:rPr lang="de-DE" dirty="0" err="1"/>
-              <a:t>project</a:t>
-            </a:r>
-            <a:r>
-              <a:rPr lang="de-DE" dirty="0"/>
-              <a:t>		Etwas abstrahieren!</a:t>
-            </a:r>
-          </a:p>
-          <a:p>
-            <a:r>
-              <a:rPr lang="de-DE" dirty="0" err="1"/>
-              <a:t>Overview</a:t>
-            </a:r>
-            <a:endParaRPr lang="en-US" dirty="0">
-              <a:latin typeface="Arial" panose="020B0604020202020204" pitchFamily="34" charset="0"/>
-              <a:cs typeface="Arial" panose="020B0604020202020204" pitchFamily="34" charset="0"/>
-            </a:endParaRPr>
-          </a:p>
-          <a:p>
-            <a:r>
-              <a:rPr lang="en-US" dirty="0">
-                <a:latin typeface="Arial" panose="020B0604020202020204" pitchFamily="34" charset="0"/>
-                <a:cs typeface="Arial" panose="020B0604020202020204" pitchFamily="34" charset="0"/>
-              </a:rPr>
-              <a:t>Movements</a:t>
-            </a:r>
-          </a:p>
-          <a:p>
-            <a:r>
-              <a:rPr lang="en-US" dirty="0">
-                <a:latin typeface="Arial" panose="020B0604020202020204" pitchFamily="34" charset="0"/>
-                <a:cs typeface="Arial" panose="020B0604020202020204" pitchFamily="34" charset="0"/>
-              </a:rPr>
-              <a:t>Hardware scheme</a:t>
-            </a:r>
-          </a:p>
-          <a:p>
-            <a:r>
-              <a:rPr lang="en-US" dirty="0">
-                <a:latin typeface="Arial" panose="020B0604020202020204" pitchFamily="34" charset="0"/>
-                <a:cs typeface="Arial" panose="020B0604020202020204" pitchFamily="34" charset="0"/>
-              </a:rPr>
-              <a:t>Sensor data output</a:t>
-            </a:r>
-          </a:p>
-          <a:p>
-            <a:r>
-              <a:rPr lang="en-US" dirty="0">
-                <a:latin typeface="Arial" panose="020B0604020202020204" pitchFamily="34" charset="0"/>
-                <a:cs typeface="Arial" panose="020B0604020202020204" pitchFamily="34" charset="0"/>
-              </a:rPr>
-              <a:t>Machine learning pipeline</a:t>
-            </a:r>
-          </a:p>
-          <a:p>
-            <a:r>
-              <a:rPr lang="en-US" dirty="0">
-                <a:latin typeface="Arial" panose="020B0604020202020204" pitchFamily="34" charset="0"/>
-                <a:cs typeface="Arial" panose="020B0604020202020204" pitchFamily="34" charset="0"/>
-              </a:rPr>
-              <a:t>Graphic user interface</a:t>
-            </a:r>
-          </a:p>
-          <a:p>
-            <a:r>
-              <a:rPr lang="en-US" dirty="0">
-                <a:latin typeface="Arial" panose="020B0604020202020204" pitchFamily="34" charset="0"/>
-                <a:cs typeface="Arial" panose="020B0604020202020204" pitchFamily="34" charset="0"/>
-              </a:rPr>
-              <a:t>Evaluation</a:t>
-            </a:r>
-          </a:p>
-          <a:p>
-            <a:pPr marL="0" indent="0">
-              <a:buNone/>
-            </a:pPr>
-            <a:endParaRPr lang="de-DE" dirty="0"/>
-          </a:p>
-        </p:txBody>
-      </p:sp>
-      <p:sp>
-        <p:nvSpPr>
-          <p:cNvPr id="4" name="Fußzeilenplatzhalter 3">
-            <a:extLst>
-              <a:ext uri="{FF2B5EF4-FFF2-40B4-BE49-F238E27FC236}">
-                <a16:creationId xmlns:a16="http://schemas.microsoft.com/office/drawing/2014/main" id="{E1B0741A-C12D-4AD2-9F70-D6F30FB3BC95}"/>
-              </a:ext>
-            </a:extLst>
-          </p:cNvPr>
-          <p:cNvSpPr>
-            <a:spLocks noGrp="1"/>
-          </p:cNvSpPr>
-          <p:nvPr>
-            <p:ph type="ftr" sz="quarter" idx="10"/>
-          </p:nvPr>
-        </p:nvSpPr>
-        <p:spPr/>
-        <p:txBody>
-          <a:bodyPr/>
-          <a:lstStyle/>
-          <a:p>
-            <a:r>
-              <a:rPr lang="en-US" altLang="de-DE"/>
-              <a:t>Prof. Dr. Alexander Mädche – footbased-activity recognition</a:t>
-            </a:r>
-            <a:endParaRPr lang="de-DE" altLang="de-DE" dirty="0"/>
-          </a:p>
-        </p:txBody>
-      </p:sp>
-    </p:spTree>
-    <p:extLst>
-      <p:ext uri="{BB962C8B-B14F-4D97-AF65-F5344CB8AC3E}">
-        <p14:creationId xmlns:p14="http://schemas.microsoft.com/office/powerpoint/2010/main" val="3781453100"/>
-      </p:ext>
-    </p:extLst>
-  </p:cSld>
-  <p:clrMapOvr>
-    <a:masterClrMapping/>
-  </p:clrMapOvr>
-</p:sld>
-</file>
-
-<file path=ppt/slides/slide3.xml><?xml version="1.0" encoding="utf-8"?>
-<p:sld xmlns:a="http://schemas.openxmlformats.org/drawingml/2006/main" xmlns:r="http://schemas.openxmlformats.org/officeDocument/2006/relationships" xmlns:p="http://schemas.openxmlformats.org/presentationml/2006/main">
-  <p:cSld>
-    <p:spTree>
-      <p:nvGrpSpPr>
-        <p:cNvPr id="1" name=""/>
-        <p:cNvGrpSpPr/>
-        <p:nvPr/>
-      </p:nvGrpSpPr>
-      <p:grpSpPr>
-        <a:xfrm>
-          <a:off x="0" y="0"/>
-          <a:ext cx="0" cy="0"/>
-          <a:chOff x="0" y="0"/>
-          <a:chExt cx="0" cy="0"/>
-        </a:xfrm>
-      </p:grpSpPr>
-      <p:sp>
-        <p:nvSpPr>
-          <p:cNvPr id="123" name="Subtasks"/>
-          <p:cNvSpPr txBox="1">
-            <a:spLocks noGrp="1"/>
-          </p:cNvSpPr>
-          <p:nvPr>
-            <p:ph type="title"/>
-          </p:nvPr>
-        </p:nvSpPr>
-        <p:spPr>
-          <a:prstGeom prst="rect">
-            <a:avLst/>
-          </a:prstGeom>
-        </p:spPr>
-        <p:txBody>
-          <a:bodyPr>
-            <a:normAutofit/>
-          </a:bodyPr>
-          <a:lstStyle/>
-          <a:p>
-            <a:r>
-              <a:rPr lang="de-DE" dirty="0"/>
-              <a:t>Goal</a:t>
-            </a:r>
-            <a:endParaRPr dirty="0"/>
-          </a:p>
-        </p:txBody>
-      </p:sp>
-      <p:sp>
-        <p:nvSpPr>
-          <p:cNvPr id="8" name="Textplatzhalter 1">
-            <a:extLst>
-              <a:ext uri="{FF2B5EF4-FFF2-40B4-BE49-F238E27FC236}">
-                <a16:creationId xmlns:a16="http://schemas.microsoft.com/office/drawing/2014/main" id="{4284B9BC-B241-43F8-B70E-DF82525C35FF}"/>
-              </a:ext>
-            </a:extLst>
-          </p:cNvPr>
-          <p:cNvSpPr>
-            <a:spLocks noGrp="1"/>
-          </p:cNvSpPr>
-          <p:nvPr>
-            <p:ph idx="1"/>
-          </p:nvPr>
-        </p:nvSpPr>
-        <p:spPr/>
-        <p:txBody>
-          <a:bodyPr>
-            <a:noAutofit/>
-          </a:bodyPr>
-          <a:lstStyle/>
-          <a:p>
-            <a:pPr marL="241093" indent="-241093">
-              <a:defRPr>
-                <a:solidFill>
-                  <a:srgbClr val="549E8A"/>
-                </a:solidFill>
-              </a:defRPr>
-            </a:pPr>
-            <a:r>
-              <a:rPr lang="en-US" dirty="0">
-                <a:solidFill>
-                  <a:schemeClr val="tx1"/>
-                </a:solidFill>
-                <a:latin typeface="Arial" panose="020B0604020202020204" pitchFamily="34" charset="0"/>
-                <a:cs typeface="Arial" panose="020B0604020202020204" pitchFamily="34" charset="0"/>
-              </a:rPr>
-              <a:t>Design a foot-based movement recognition system </a:t>
-            </a:r>
-          </a:p>
-          <a:p>
-            <a:pPr marL="241093" indent="-241093">
-              <a:defRPr>
-                <a:solidFill>
-                  <a:srgbClr val="549E8A"/>
-                </a:solidFill>
-              </a:defRPr>
-            </a:pPr>
-            <a:r>
-              <a:rPr lang="en-US" dirty="0">
-                <a:solidFill>
-                  <a:schemeClr val="tx1"/>
-                </a:solidFill>
-                <a:latin typeface="Arial" panose="020B0604020202020204" pitchFamily="34" charset="0"/>
-                <a:cs typeface="Arial" panose="020B0604020202020204" pitchFamily="34" charset="0"/>
-              </a:rPr>
-              <a:t>Controls can be mapped to interact with KPMG Dashboards and other applications (presentations, software development and others)</a:t>
-            </a:r>
-          </a:p>
-          <a:p>
-            <a:pPr marL="241093" indent="-241093">
-              <a:defRPr>
-                <a:solidFill>
-                  <a:srgbClr val="549E8A"/>
-                </a:solidFill>
-              </a:defRPr>
-            </a:pPr>
-            <a:r>
-              <a:rPr lang="en-US" dirty="0">
-                <a:solidFill>
-                  <a:schemeClr val="tx1"/>
-                </a:solidFill>
-                <a:latin typeface="Arial" panose="020B0604020202020204" pitchFamily="34" charset="0"/>
-                <a:cs typeface="Arial" panose="020B0604020202020204" pitchFamily="34" charset="0"/>
-              </a:rPr>
-              <a:t>We focus on usability and reliability in everyday use</a:t>
-            </a:r>
-          </a:p>
-          <a:p>
-            <a:pPr marL="0" indent="0">
-              <a:buNone/>
-              <a:defRPr>
-                <a:solidFill>
-                  <a:srgbClr val="549E8A"/>
-                </a:solidFill>
-              </a:defRPr>
-            </a:pPr>
-            <a:endParaRPr lang="en-US" dirty="0">
-              <a:solidFill>
-                <a:schemeClr val="tx1"/>
-              </a:solidFill>
-              <a:latin typeface="Arial" panose="020B0604020202020204" pitchFamily="34" charset="0"/>
-              <a:cs typeface="Arial" panose="020B0604020202020204" pitchFamily="34" charset="0"/>
-            </a:endParaRPr>
-          </a:p>
-          <a:p>
-            <a:pPr marL="0" indent="0">
-              <a:buNone/>
-              <a:defRPr>
-                <a:solidFill>
-                  <a:srgbClr val="549E8A"/>
-                </a:solidFill>
-              </a:defRPr>
-            </a:pPr>
-            <a:endParaRPr lang="en-US" dirty="0">
-              <a:solidFill>
-                <a:schemeClr val="tx1"/>
-              </a:solidFill>
-              <a:latin typeface="Arial" panose="020B0604020202020204" pitchFamily="34" charset="0"/>
-              <a:cs typeface="Arial" panose="020B0604020202020204" pitchFamily="34" charset="0"/>
-            </a:endParaRPr>
-          </a:p>
-          <a:p>
-            <a:pPr marL="404986" indent="-404986">
-              <a:lnSpc>
-                <a:spcPct val="120000"/>
-              </a:lnSpc>
-            </a:pPr>
-            <a:endParaRPr lang="de-DE" sz="1687" dirty="0"/>
-          </a:p>
-        </p:txBody>
-      </p:sp>
-      <p:pic>
-        <p:nvPicPr>
-          <p:cNvPr id="4" name="Spend_7.png" descr="Spend_7.png">
-            <a:extLst>
-              <a:ext uri="{FF2B5EF4-FFF2-40B4-BE49-F238E27FC236}">
-                <a16:creationId xmlns:a16="http://schemas.microsoft.com/office/drawing/2014/main" id="{2B976A03-134D-4EC2-82BA-078B3E3390D2}"/>
-              </a:ext>
-            </a:extLst>
-          </p:cNvPr>
-          <p:cNvPicPr>
-            <a:picLocks noChangeAspect="1"/>
-          </p:cNvPicPr>
-          <p:nvPr/>
-        </p:nvPicPr>
-        <p:blipFill>
-          <a:blip r:embed="rId2">
-            <a:extLst/>
-          </a:blip>
-          <a:stretch>
-            <a:fillRect/>
-          </a:stretch>
-        </p:blipFill>
-        <p:spPr>
-          <a:xfrm>
-            <a:off x="2154517" y="3678520"/>
-            <a:ext cx="4834967" cy="2290551"/>
-          </a:xfrm>
-          <a:prstGeom prst="rect">
-            <a:avLst/>
-          </a:prstGeom>
-          <a:ln w="12700">
-            <a:miter lim="400000"/>
-          </a:ln>
-        </p:spPr>
-      </p:pic>
-      <p:sp>
-        <p:nvSpPr>
-          <p:cNvPr id="6" name="Rechteck 5">
-            <a:extLst>
-              <a:ext uri="{FF2B5EF4-FFF2-40B4-BE49-F238E27FC236}">
-                <a16:creationId xmlns:a16="http://schemas.microsoft.com/office/drawing/2014/main" id="{9E106B68-974B-4F5E-A6C4-A982B4D49C7C}"/>
-              </a:ext>
-            </a:extLst>
-          </p:cNvPr>
-          <p:cNvSpPr/>
-          <p:nvPr/>
-        </p:nvSpPr>
-        <p:spPr>
-          <a:xfrm rot="1541309">
-            <a:off x="7353159" y="1170218"/>
-            <a:ext cx="1368152" cy="438374"/>
-          </a:xfrm>
-          <a:prstGeom prst="rect">
-            <a:avLst/>
-          </a:prstGeom>
-          <a:solidFill>
-            <a:srgbClr val="FA8214"/>
-          </a:solidFill>
-          <a:ln>
-            <a:solidFill>
-              <a:srgbClr val="FA8214"/>
-            </a:solidFill>
-          </a:ln>
-        </p:spPr>
-        <p:style>
-          <a:lnRef idx="2">
-            <a:schemeClr val="accent1">
-              <a:shade val="50000"/>
-            </a:schemeClr>
-          </a:lnRef>
-          <a:fillRef idx="1">
-            <a:schemeClr val="accent1"/>
-          </a:fillRef>
-          <a:effectRef idx="0">
-            <a:schemeClr val="accent1"/>
-          </a:effectRef>
-          <a:fontRef idx="minor">
-            <a:schemeClr val="lt1"/>
-          </a:fontRef>
-        </p:style>
-        <p:txBody>
-          <a:bodyPr rtlCol="0" anchor="ctr"/>
-          <a:lstStyle/>
-          <a:p>
-            <a:pPr algn="ctr"/>
-            <a:r>
-              <a:rPr lang="en-GB" sz="1400"/>
-              <a:t>Mid-term presentation</a:t>
-            </a:r>
-          </a:p>
-        </p:txBody>
-      </p:sp>
-      <p:sp>
-        <p:nvSpPr>
-          <p:cNvPr id="2" name="Fußzeilenplatzhalter 1">
-            <a:extLst>
-              <a:ext uri="{FF2B5EF4-FFF2-40B4-BE49-F238E27FC236}">
-                <a16:creationId xmlns:a16="http://schemas.microsoft.com/office/drawing/2014/main" id="{3025B596-744D-45A5-A76C-1E6CD3B764F0}"/>
-              </a:ext>
-            </a:extLst>
-          </p:cNvPr>
-          <p:cNvSpPr>
-            <a:spLocks noGrp="1"/>
-          </p:cNvSpPr>
-          <p:nvPr>
-            <p:ph type="ftr" sz="quarter" idx="10"/>
-          </p:nvPr>
-        </p:nvSpPr>
-        <p:spPr/>
-        <p:txBody>
-          <a:bodyPr/>
-          <a:lstStyle/>
-          <a:p>
-            <a:r>
-              <a:rPr lang="en-US" altLang="de-DE"/>
-              <a:t>Prof. Dr. Alexander Mädche – footbased-activity recognition</a:t>
-            </a:r>
-            <a:endParaRPr lang="de-DE" altLang="de-DE" dirty="0"/>
-          </a:p>
-        </p:txBody>
-      </p:sp>
-    </p:spTree>
-    <p:extLst>
-      <p:ext uri="{BB962C8B-B14F-4D97-AF65-F5344CB8AC3E}">
-        <p14:creationId xmlns:p14="http://schemas.microsoft.com/office/powerpoint/2010/main" val="2720190295"/>
-      </p:ext>
-    </p:extLst>
-  </p:cSld>
-  <p:clrMapOvr>
-    <a:masterClrMapping/>
-  </p:clrMapOvr>
-</p:sld>
-</file>
-
-<file path=ppt/slides/slide4.xml><?xml version="1.0" encoding="utf-8"?>
-<p:sld xmlns:a="http://schemas.openxmlformats.org/drawingml/2006/main" xmlns:r="http://schemas.openxmlformats.org/officeDocument/2006/relationships" xmlns:p="http://schemas.openxmlformats.org/presentationml/2006/main">
-  <p:cSld>
-    <p:spTree>
-      <p:nvGrpSpPr>
-        <p:cNvPr id="1" name=""/>
-        <p:cNvGrpSpPr/>
-        <p:nvPr/>
-      </p:nvGrpSpPr>
-      <p:grpSpPr>
-        <a:xfrm>
-          <a:off x="0" y="0"/>
-          <a:ext cx="0" cy="0"/>
-          <a:chOff x="0" y="0"/>
-          <a:chExt cx="0" cy="0"/>
-        </a:xfrm>
-      </p:grpSpPr>
-      <p:sp>
-        <p:nvSpPr>
-          <p:cNvPr id="12" name="Titel 11">
-            <a:extLst>
-              <a:ext uri="{FF2B5EF4-FFF2-40B4-BE49-F238E27FC236}">
-                <a16:creationId xmlns:a16="http://schemas.microsoft.com/office/drawing/2014/main" id="{95289E6D-B3BB-4DFC-AE83-076CC5C2AD24}"/>
-              </a:ext>
-            </a:extLst>
-          </p:cNvPr>
-          <p:cNvSpPr>
-            <a:spLocks noGrp="1"/>
-          </p:cNvSpPr>
-          <p:nvPr>
-            <p:ph type="title"/>
-          </p:nvPr>
-        </p:nvSpPr>
-        <p:spPr/>
-        <p:txBody>
-          <a:bodyPr/>
-          <a:lstStyle/>
-          <a:p>
-            <a:r>
-              <a:rPr lang="de-DE" dirty="0" err="1"/>
-              <a:t>Overview</a:t>
-            </a:r>
-            <a:endParaRPr lang="de-DE" dirty="0"/>
-          </a:p>
-        </p:txBody>
-      </p:sp>
-      <p:sp>
-        <p:nvSpPr>
-          <p:cNvPr id="13" name="Inhaltsplatzhalter 12">
-            <a:extLst>
-              <a:ext uri="{FF2B5EF4-FFF2-40B4-BE49-F238E27FC236}">
-                <a16:creationId xmlns:a16="http://schemas.microsoft.com/office/drawing/2014/main" id="{CC608D89-DE21-4671-AA96-631B4888C6D3}"/>
-              </a:ext>
-            </a:extLst>
-          </p:cNvPr>
-          <p:cNvSpPr>
-            <a:spLocks noGrp="1"/>
-          </p:cNvSpPr>
-          <p:nvPr>
-            <p:ph idx="1"/>
-          </p:nvPr>
-        </p:nvSpPr>
-        <p:spPr/>
-        <p:txBody>
-          <a:bodyPr/>
-          <a:lstStyle/>
-          <a:p>
-            <a:r>
-              <a:rPr lang="de-DE" dirty="0" err="1"/>
-              <a:t>Programming</a:t>
-            </a:r>
-            <a:r>
-              <a:rPr lang="de-DE" dirty="0"/>
-              <a:t> </a:t>
-            </a:r>
-            <a:r>
-              <a:rPr lang="de-DE" dirty="0" err="1"/>
-              <a:t>language</a:t>
-            </a:r>
-            <a:r>
-              <a:rPr lang="de-DE" dirty="0"/>
-              <a:t> </a:t>
-            </a:r>
-            <a:r>
-              <a:rPr lang="de-DE" dirty="0" err="1"/>
-              <a:t>used</a:t>
-            </a:r>
-            <a:r>
-              <a:rPr lang="de-DE" dirty="0"/>
-              <a:t>: Python</a:t>
-            </a:r>
-          </a:p>
-          <a:p>
-            <a:r>
-              <a:rPr lang="de-DE" dirty="0"/>
-              <a:t>Project </a:t>
-            </a:r>
-            <a:r>
-              <a:rPr lang="de-DE" dirty="0" err="1"/>
-              <a:t>organisation</a:t>
-            </a:r>
-            <a:r>
-              <a:rPr lang="de-DE" dirty="0"/>
-              <a:t>: </a:t>
-            </a:r>
-            <a:r>
-              <a:rPr lang="de-DE" dirty="0" err="1"/>
-              <a:t>Gannt</a:t>
-            </a:r>
-            <a:r>
-              <a:rPr lang="de-DE" dirty="0"/>
-              <a:t> </a:t>
-            </a:r>
-            <a:r>
-              <a:rPr lang="de-DE" dirty="0" err="1"/>
-              <a:t>diagram</a:t>
-            </a:r>
-            <a:endParaRPr lang="de-DE" dirty="0"/>
-          </a:p>
-        </p:txBody>
-      </p:sp>
-      <p:sp>
-        <p:nvSpPr>
-          <p:cNvPr id="4" name="Fußzeilenplatzhalter 3">
-            <a:extLst>
-              <a:ext uri="{FF2B5EF4-FFF2-40B4-BE49-F238E27FC236}">
-                <a16:creationId xmlns:a16="http://schemas.microsoft.com/office/drawing/2014/main" id="{0206FBEC-CD52-4CBD-AC0F-58ACD513D14C}"/>
-              </a:ext>
-            </a:extLst>
-          </p:cNvPr>
-          <p:cNvSpPr>
-            <a:spLocks noGrp="1"/>
-          </p:cNvSpPr>
-          <p:nvPr>
-            <p:ph type="ftr" sz="quarter" idx="10"/>
-          </p:nvPr>
-        </p:nvSpPr>
-        <p:spPr/>
-        <p:txBody>
-          <a:bodyPr/>
-          <a:lstStyle/>
-          <a:p>
-            <a:r>
-              <a:rPr lang="en-US" altLang="de-DE"/>
-              <a:t>Prof. Dr. Alexander Mädche – footbased-activity recognition</a:t>
-            </a:r>
-            <a:endParaRPr lang="de-DE" altLang="de-DE" dirty="0"/>
-          </a:p>
-        </p:txBody>
-      </p:sp>
-    </p:spTree>
-    <p:extLst>
-      <p:ext uri="{BB962C8B-B14F-4D97-AF65-F5344CB8AC3E}">
-        <p14:creationId xmlns:p14="http://schemas.microsoft.com/office/powerpoint/2010/main" val="2932203331"/>
-      </p:ext>
-    </p:extLst>
-  </p:cSld>
-  <p:clrMapOvr>
-    <a:masterClrMapping/>
-  </p:clrMapOvr>
-</p:sld>
-</file>
-
-<file path=ppt/slides/slide5.xml><?xml version="1.0" encoding="utf-8"?>
-<p:sld xmlns:a="http://schemas.openxmlformats.org/drawingml/2006/main" xmlns:r="http://schemas.openxmlformats.org/officeDocument/2006/relationships" xmlns:p="http://schemas.openxmlformats.org/presentationml/2006/main">
-  <p:cSld>
-    <p:spTree>
-      <p:nvGrpSpPr>
-        <p:cNvPr id="1" name=""/>
-        <p:cNvGrpSpPr/>
-        <p:nvPr/>
-      </p:nvGrpSpPr>
-      <p:grpSpPr>
-        <a:xfrm>
-          <a:off x="0" y="0"/>
-          <a:ext cx="0" cy="0"/>
-          <a:chOff x="0" y="0"/>
-          <a:chExt cx="0" cy="0"/>
-        </a:xfrm>
-      </p:grpSpPr>
-      <p:sp>
-        <p:nvSpPr>
-          <p:cNvPr id="5" name="Titel 4">
-            <a:extLst>
-              <a:ext uri="{FF2B5EF4-FFF2-40B4-BE49-F238E27FC236}">
-                <a16:creationId xmlns:a16="http://schemas.microsoft.com/office/drawing/2014/main" id="{77C70393-C89E-4531-AF2C-221453EEB910}"/>
-              </a:ext>
-            </a:extLst>
-          </p:cNvPr>
-          <p:cNvSpPr>
-            <a:spLocks noGrp="1"/>
-          </p:cNvSpPr>
-          <p:nvPr>
-            <p:ph type="title"/>
-          </p:nvPr>
-        </p:nvSpPr>
-        <p:spPr/>
-        <p:txBody>
-          <a:bodyPr/>
-          <a:lstStyle/>
-          <a:p>
-            <a:r>
-              <a:rPr lang="de-DE" dirty="0" err="1"/>
-              <a:t>Movements</a:t>
-            </a:r>
-            <a:endParaRPr lang="de-DE" dirty="0"/>
-          </a:p>
-        </p:txBody>
-      </p:sp>
-      <p:sp>
-        <p:nvSpPr>
-          <p:cNvPr id="6" name="Inhaltsplatzhalter 5">
-            <a:extLst>
-              <a:ext uri="{FF2B5EF4-FFF2-40B4-BE49-F238E27FC236}">
-                <a16:creationId xmlns:a16="http://schemas.microsoft.com/office/drawing/2014/main" id="{3FA75E6E-4A50-4F79-9565-2DE1D9CD1077}"/>
-              </a:ext>
-            </a:extLst>
-          </p:cNvPr>
-          <p:cNvSpPr>
-            <a:spLocks noGrp="1"/>
-          </p:cNvSpPr>
-          <p:nvPr>
-            <p:ph sz="half" idx="1"/>
-          </p:nvPr>
-        </p:nvSpPr>
-        <p:spPr/>
-        <p:txBody>
-          <a:bodyPr/>
-          <a:lstStyle/>
-          <a:p>
-            <a:r>
-              <a:rPr lang="en-US" sz="2400" dirty="0">
-                <a:latin typeface="Arial" panose="020B0604020202020204" pitchFamily="34" charset="0"/>
-                <a:cs typeface="Arial" panose="020B0604020202020204" pitchFamily="34" charset="0"/>
-              </a:rPr>
-              <a:t>Movements should be easy to use in an everyday office environment</a:t>
-            </a:r>
-          </a:p>
-          <a:p>
-            <a:endParaRPr lang="en-US" sz="2400" dirty="0">
-              <a:latin typeface="Arial" panose="020B0604020202020204" pitchFamily="34" charset="0"/>
-              <a:cs typeface="Arial" panose="020B0604020202020204" pitchFamily="34" charset="0"/>
-            </a:endParaRPr>
-          </a:p>
-          <a:p>
-            <a:r>
-              <a:rPr lang="en-US" sz="2400" dirty="0">
-                <a:latin typeface="Arial" panose="020B0604020202020204" pitchFamily="34" charset="0"/>
-                <a:cs typeface="Arial" panose="020B0604020202020204" pitchFamily="34" charset="0"/>
-              </a:rPr>
-              <a:t>Implemented movements:</a:t>
-            </a:r>
-          </a:p>
-          <a:p>
-            <a:pPr lvl="1"/>
-            <a:r>
-              <a:rPr lang="en-US" sz="2000" dirty="0">
-                <a:latin typeface="Arial" panose="020B0604020202020204" pitchFamily="34" charset="0"/>
-                <a:cs typeface="Arial" panose="020B0604020202020204" pitchFamily="34" charset="0"/>
-              </a:rPr>
-              <a:t>Toe and heel raise</a:t>
-            </a:r>
-          </a:p>
-          <a:p>
-            <a:pPr lvl="1"/>
-            <a:r>
-              <a:rPr lang="en-US" sz="2000" dirty="0" err="1">
-                <a:latin typeface="Arial" panose="020B0604020202020204" pitchFamily="34" charset="0"/>
-                <a:cs typeface="Arial" panose="020B0604020202020204" pitchFamily="34" charset="0"/>
-              </a:rPr>
-              <a:t>Suspination</a:t>
-            </a:r>
-            <a:endParaRPr lang="en-US" sz="2000" dirty="0">
-              <a:latin typeface="Arial" panose="020B0604020202020204" pitchFamily="34" charset="0"/>
-              <a:cs typeface="Arial" panose="020B0604020202020204" pitchFamily="34" charset="0"/>
-            </a:endParaRPr>
-          </a:p>
-          <a:p>
-            <a:pPr lvl="1"/>
-            <a:r>
-              <a:rPr lang="en-US" sz="2000" dirty="0">
-                <a:latin typeface="Arial" panose="020B0604020202020204" pitchFamily="34" charset="0"/>
-                <a:cs typeface="Arial" panose="020B0604020202020204" pitchFamily="34" charset="0"/>
-              </a:rPr>
-              <a:t>Front and Back slide</a:t>
-            </a:r>
-          </a:p>
-          <a:p>
-            <a:pPr lvl="1"/>
-            <a:r>
-              <a:rPr lang="en-US" sz="2000" dirty="0">
-                <a:latin typeface="Arial" panose="020B0604020202020204" pitchFamily="34" charset="0"/>
-                <a:cs typeface="Arial" panose="020B0604020202020204" pitchFamily="34" charset="0"/>
-              </a:rPr>
-              <a:t>Rotate toe left and right</a:t>
-            </a:r>
-          </a:p>
-          <a:p>
-            <a:endParaRPr lang="de-DE" dirty="0"/>
-          </a:p>
-        </p:txBody>
-      </p:sp>
-      <p:sp>
-        <p:nvSpPr>
-          <p:cNvPr id="4" name="Fußzeilenplatzhalter 3">
-            <a:extLst>
-              <a:ext uri="{FF2B5EF4-FFF2-40B4-BE49-F238E27FC236}">
-                <a16:creationId xmlns:a16="http://schemas.microsoft.com/office/drawing/2014/main" id="{D0C5FF02-96BC-4F0B-9529-9AFDEF2B5C5D}"/>
-              </a:ext>
-            </a:extLst>
-          </p:cNvPr>
-          <p:cNvSpPr>
-            <a:spLocks noGrp="1"/>
-          </p:cNvSpPr>
-          <p:nvPr>
-            <p:ph type="ftr" sz="quarter" idx="10"/>
-          </p:nvPr>
-        </p:nvSpPr>
-        <p:spPr/>
-        <p:txBody>
-          <a:bodyPr/>
-          <a:lstStyle/>
-          <a:p>
-            <a:r>
-              <a:rPr lang="en-US" altLang="de-DE"/>
-              <a:t>Prof. Dr. Alexander Mädche – footbased-activity recognition</a:t>
-            </a:r>
-            <a:endParaRPr lang="de-DE" altLang="de-DE" dirty="0"/>
-          </a:p>
-        </p:txBody>
-      </p:sp>
-      <p:pic>
-        <p:nvPicPr>
-          <p:cNvPr id="8" name="Screen Shot 2018-06-18 at 13.15.50.png" descr="Screen Shot 2018-06-18 at 13.15.50.png">
-            <a:extLst>
-              <a:ext uri="{FF2B5EF4-FFF2-40B4-BE49-F238E27FC236}">
-                <a16:creationId xmlns:a16="http://schemas.microsoft.com/office/drawing/2014/main" id="{499783AF-573A-46A7-98C6-AA8810318494}"/>
-              </a:ext>
-            </a:extLst>
-          </p:cNvPr>
-          <p:cNvPicPr>
-            <a:picLocks noGrp="1" noChangeAspect="1"/>
-          </p:cNvPicPr>
-          <p:nvPr>
-            <p:ph sz="half" idx="2"/>
-          </p:nvPr>
-        </p:nvPicPr>
-        <p:blipFill>
-          <a:blip r:embed="rId2">
-            <a:extLst/>
-          </a:blip>
-          <a:stretch>
-            <a:fillRect/>
-          </a:stretch>
-        </p:blipFill>
-        <p:spPr>
-          <a:xfrm>
-            <a:off x="4649789" y="1198564"/>
-            <a:ext cx="3882651" cy="2400004"/>
-          </a:xfrm>
-          <a:prstGeom prst="rect">
-            <a:avLst/>
-          </a:prstGeom>
-          <a:ln w="12700">
-            <a:miter lim="400000"/>
-          </a:ln>
-        </p:spPr>
-      </p:pic>
-      <p:pic>
-        <p:nvPicPr>
-          <p:cNvPr id="9" name="Screen Shot 2018-06-18 at 13.16.19.png" descr="Screen Shot 2018-06-18 at 13.16.19.png">
-            <a:extLst>
-              <a:ext uri="{FF2B5EF4-FFF2-40B4-BE49-F238E27FC236}">
-                <a16:creationId xmlns:a16="http://schemas.microsoft.com/office/drawing/2014/main" id="{063C1153-A27E-4BEE-8CC0-DF9271E476E5}"/>
-              </a:ext>
-            </a:extLst>
-          </p:cNvPr>
-          <p:cNvPicPr>
-            <a:picLocks noChangeAspect="1"/>
-          </p:cNvPicPr>
-          <p:nvPr/>
-        </p:nvPicPr>
-        <p:blipFill>
-          <a:blip r:embed="rId3">
-            <a:extLst/>
-          </a:blip>
-          <a:stretch>
-            <a:fillRect/>
-          </a:stretch>
-        </p:blipFill>
-        <p:spPr>
-          <a:xfrm>
-            <a:off x="4649789" y="3645694"/>
-            <a:ext cx="3849857" cy="2401200"/>
-          </a:xfrm>
-          <a:prstGeom prst="rect">
-            <a:avLst/>
-          </a:prstGeom>
-          <a:ln w="12700">
-            <a:miter lim="400000"/>
-          </a:ln>
-        </p:spPr>
-      </p:pic>
-      <p:sp>
-        <p:nvSpPr>
-          <p:cNvPr id="13" name="Rechteck 12">
-            <a:extLst>
-              <a:ext uri="{FF2B5EF4-FFF2-40B4-BE49-F238E27FC236}">
-                <a16:creationId xmlns:a16="http://schemas.microsoft.com/office/drawing/2014/main" id="{A893B0BF-72A7-4DA5-B029-168A0C512216}"/>
-              </a:ext>
-            </a:extLst>
-          </p:cNvPr>
-          <p:cNvSpPr/>
-          <p:nvPr/>
-        </p:nvSpPr>
-        <p:spPr>
-          <a:xfrm rot="1541309">
-            <a:off x="7353159" y="1170218"/>
-            <a:ext cx="1368152" cy="438374"/>
-          </a:xfrm>
-          <a:prstGeom prst="rect">
-            <a:avLst/>
-          </a:prstGeom>
-          <a:solidFill>
-            <a:srgbClr val="FA8214"/>
-          </a:solidFill>
-          <a:ln>
-            <a:solidFill>
-              <a:srgbClr val="FA8214"/>
-            </a:solidFill>
-          </a:ln>
-        </p:spPr>
-        <p:style>
-          <a:lnRef idx="2">
-            <a:schemeClr val="accent1">
-              <a:shade val="50000"/>
-            </a:schemeClr>
-          </a:lnRef>
-          <a:fillRef idx="1">
-            <a:schemeClr val="accent1"/>
-          </a:fillRef>
-          <a:effectRef idx="0">
-            <a:schemeClr val="accent1"/>
-          </a:effectRef>
-          <a:fontRef idx="minor">
-            <a:schemeClr val="lt1"/>
-          </a:fontRef>
-        </p:style>
-        <p:txBody>
-          <a:bodyPr rtlCol="0" anchor="ctr"/>
-          <a:lstStyle/>
-          <a:p>
-            <a:pPr algn="ctr"/>
-            <a:r>
-              <a:rPr lang="en-GB" sz="1400"/>
-              <a:t>Mid-term presentation</a:t>
-            </a:r>
-          </a:p>
-        </p:txBody>
-      </p:sp>
-    </p:spTree>
-    <p:extLst>
-      <p:ext uri="{BB962C8B-B14F-4D97-AF65-F5344CB8AC3E}">
-        <p14:creationId xmlns:p14="http://schemas.microsoft.com/office/powerpoint/2010/main" val="3264316700"/>
-      </p:ext>
-    </p:extLst>
-  </p:cSld>
-  <p:clrMapOvr>
-    <a:masterClrMapping/>
-  </p:clrMapOvr>
-</p:sld>
-</file>
-
-<file path=ppt/slides/slide6.xml><?xml version="1.0" encoding="utf-8"?>
-<p:sld xmlns:a="http://schemas.openxmlformats.org/drawingml/2006/main" xmlns:r="http://schemas.openxmlformats.org/officeDocument/2006/relationships" xmlns:p="http://schemas.openxmlformats.org/presentationml/2006/main" show="0">
-  <p:cSld>
-    <p:spTree>
-      <p:nvGrpSpPr>
-        <p:cNvPr id="1" name=""/>
-        <p:cNvGrpSpPr/>
-        <p:nvPr/>
-      </p:nvGrpSpPr>
-      <p:grpSpPr>
-        <a:xfrm>
-          <a:off x="0" y="0"/>
-          <a:ext cx="0" cy="0"/>
-          <a:chOff x="0" y="0"/>
-          <a:chExt cx="0" cy="0"/>
-        </a:xfrm>
-      </p:grpSpPr>
-      <p:sp>
-        <p:nvSpPr>
-          <p:cNvPr id="5" name="Titel 4">
-            <a:extLst>
-              <a:ext uri="{FF2B5EF4-FFF2-40B4-BE49-F238E27FC236}">
-                <a16:creationId xmlns:a16="http://schemas.microsoft.com/office/drawing/2014/main" id="{77C70393-C89E-4531-AF2C-221453EEB910}"/>
-              </a:ext>
-            </a:extLst>
-          </p:cNvPr>
-          <p:cNvSpPr>
-            <a:spLocks noGrp="1"/>
-          </p:cNvSpPr>
-          <p:nvPr>
-            <p:ph type="title"/>
-          </p:nvPr>
-        </p:nvSpPr>
-        <p:spPr/>
-        <p:txBody>
-          <a:bodyPr/>
-          <a:lstStyle/>
-          <a:p>
-            <a:r>
-              <a:rPr lang="de-DE" dirty="0" err="1"/>
-              <a:t>Movements</a:t>
-            </a:r>
-            <a:endParaRPr lang="de-DE" dirty="0"/>
-          </a:p>
-        </p:txBody>
-      </p:sp>
-      <p:sp>
-        <p:nvSpPr>
-          <p:cNvPr id="6" name="Inhaltsplatzhalter 5">
-            <a:extLst>
-              <a:ext uri="{FF2B5EF4-FFF2-40B4-BE49-F238E27FC236}">
-                <a16:creationId xmlns:a16="http://schemas.microsoft.com/office/drawing/2014/main" id="{3FA75E6E-4A50-4F79-9565-2DE1D9CD1077}"/>
-              </a:ext>
-            </a:extLst>
-          </p:cNvPr>
-          <p:cNvSpPr>
-            <a:spLocks noGrp="1"/>
-          </p:cNvSpPr>
-          <p:nvPr>
-            <p:ph sz="half" idx="1"/>
-          </p:nvPr>
-        </p:nvSpPr>
-        <p:spPr>
-          <a:xfrm>
-            <a:off x="392112" y="1198563"/>
-            <a:ext cx="8356601" cy="4894262"/>
-          </a:xfrm>
-        </p:spPr>
-        <p:txBody>
-          <a:bodyPr/>
-          <a:lstStyle/>
-          <a:p>
-            <a:r>
-              <a:rPr lang="en-US" sz="2400" dirty="0">
-                <a:latin typeface="Arial" panose="020B0604020202020204" pitchFamily="34" charset="0"/>
-                <a:cs typeface="Arial" panose="020B0604020202020204" pitchFamily="34" charset="0"/>
-              </a:rPr>
-              <a:t>Movements should be easy to use 			          in an everyday office environment</a:t>
-            </a:r>
-          </a:p>
-          <a:p>
-            <a:endParaRPr lang="en-US" sz="2400" dirty="0">
-              <a:latin typeface="Arial" panose="020B0604020202020204" pitchFamily="34" charset="0"/>
-              <a:cs typeface="Arial" panose="020B0604020202020204" pitchFamily="34" charset="0"/>
-            </a:endParaRPr>
-          </a:p>
-          <a:p>
-            <a:r>
-              <a:rPr lang="en-US" sz="2400" dirty="0">
-                <a:latin typeface="Arial" panose="020B0604020202020204" pitchFamily="34" charset="0"/>
-                <a:cs typeface="Arial" panose="020B0604020202020204" pitchFamily="34" charset="0"/>
-              </a:rPr>
-              <a:t>Implemented movements:</a:t>
-            </a:r>
-          </a:p>
-          <a:p>
-            <a:pPr lvl="1"/>
-            <a:r>
-              <a:rPr lang="en-US" sz="2000" dirty="0">
-                <a:latin typeface="Arial" panose="020B0604020202020204" pitchFamily="34" charset="0"/>
-                <a:cs typeface="Arial" panose="020B0604020202020204" pitchFamily="34" charset="0"/>
-              </a:rPr>
-              <a:t>Toe and heel raise</a:t>
-            </a:r>
-          </a:p>
-          <a:p>
-            <a:pPr lvl="1"/>
-            <a:r>
-              <a:rPr lang="en-US" sz="2000" dirty="0" err="1">
-                <a:latin typeface="Arial" panose="020B0604020202020204" pitchFamily="34" charset="0"/>
-                <a:cs typeface="Arial" panose="020B0604020202020204" pitchFamily="34" charset="0"/>
-              </a:rPr>
-              <a:t>Suspination</a:t>
-            </a:r>
-            <a:r>
-              <a:rPr lang="en-US" sz="2000" dirty="0">
-                <a:latin typeface="Arial" panose="020B0604020202020204" pitchFamily="34" charset="0"/>
-                <a:cs typeface="Arial" panose="020B0604020202020204" pitchFamily="34" charset="0"/>
-              </a:rPr>
-              <a:t> and pronation</a:t>
-            </a:r>
-          </a:p>
-          <a:p>
-            <a:pPr lvl="1"/>
-            <a:r>
-              <a:rPr lang="en-US" sz="2000" dirty="0">
-                <a:latin typeface="Arial" panose="020B0604020202020204" pitchFamily="34" charset="0"/>
-                <a:cs typeface="Arial" panose="020B0604020202020204" pitchFamily="34" charset="0"/>
-              </a:rPr>
-              <a:t>Front and Back slide</a:t>
-            </a:r>
-          </a:p>
-          <a:p>
-            <a:pPr lvl="1"/>
-            <a:r>
-              <a:rPr lang="en-US" sz="2000" dirty="0">
-                <a:latin typeface="Arial" panose="020B0604020202020204" pitchFamily="34" charset="0"/>
-                <a:cs typeface="Arial" panose="020B0604020202020204" pitchFamily="34" charset="0"/>
-              </a:rPr>
-              <a:t>Rotate toe left and right</a:t>
-            </a:r>
-          </a:p>
-          <a:p>
-            <a:endParaRPr lang="de-DE" dirty="0"/>
-          </a:p>
-        </p:txBody>
-      </p:sp>
-      <p:sp>
-        <p:nvSpPr>
-          <p:cNvPr id="4" name="Fußzeilenplatzhalter 3">
-            <a:extLst>
-              <a:ext uri="{FF2B5EF4-FFF2-40B4-BE49-F238E27FC236}">
-                <a16:creationId xmlns:a16="http://schemas.microsoft.com/office/drawing/2014/main" id="{D0C5FF02-96BC-4F0B-9529-9AFDEF2B5C5D}"/>
-              </a:ext>
-            </a:extLst>
-          </p:cNvPr>
-          <p:cNvSpPr>
-            <a:spLocks noGrp="1"/>
-          </p:cNvSpPr>
-          <p:nvPr>
-            <p:ph type="ftr" sz="quarter" idx="10"/>
-          </p:nvPr>
-        </p:nvSpPr>
-        <p:spPr/>
-        <p:txBody>
-          <a:bodyPr/>
-          <a:lstStyle/>
-          <a:p>
-            <a:r>
-              <a:rPr lang="en-US" altLang="de-DE"/>
-              <a:t>Prof. Dr. Alexander Mädche – footbased-activity recognition</a:t>
-            </a:r>
-            <a:endParaRPr lang="de-DE" altLang="de-DE" dirty="0"/>
-          </a:p>
-        </p:txBody>
-      </p:sp>
-      <p:sp>
-        <p:nvSpPr>
-          <p:cNvPr id="13" name="Rechteck 12">
-            <a:extLst>
-              <a:ext uri="{FF2B5EF4-FFF2-40B4-BE49-F238E27FC236}">
-                <a16:creationId xmlns:a16="http://schemas.microsoft.com/office/drawing/2014/main" id="{A893B0BF-72A7-4DA5-B029-168A0C512216}"/>
-              </a:ext>
-            </a:extLst>
-          </p:cNvPr>
-          <p:cNvSpPr/>
-          <p:nvPr/>
-        </p:nvSpPr>
-        <p:spPr>
-          <a:xfrm rot="1541309">
-            <a:off x="7353159" y="1170218"/>
-            <a:ext cx="1368152" cy="438374"/>
-          </a:xfrm>
-          <a:prstGeom prst="rect">
-            <a:avLst/>
-          </a:prstGeom>
-          <a:solidFill>
-            <a:srgbClr val="FA8214"/>
-          </a:solidFill>
-          <a:ln>
-            <a:solidFill>
-              <a:srgbClr val="FA8214"/>
-            </a:solidFill>
-          </a:ln>
-        </p:spPr>
-        <p:style>
-          <a:lnRef idx="2">
-            <a:schemeClr val="accent1">
-              <a:shade val="50000"/>
-            </a:schemeClr>
-          </a:lnRef>
-          <a:fillRef idx="1">
-            <a:schemeClr val="accent1"/>
-          </a:fillRef>
-          <a:effectRef idx="0">
-            <a:schemeClr val="accent1"/>
-          </a:effectRef>
-          <a:fontRef idx="minor">
-            <a:schemeClr val="lt1"/>
-          </a:fontRef>
-        </p:style>
-        <p:txBody>
-          <a:bodyPr rtlCol="0" anchor="ctr"/>
-          <a:lstStyle/>
-          <a:p>
-            <a:pPr algn="ctr"/>
-            <a:r>
-              <a:rPr lang="en-GB" sz="1400"/>
-              <a:t>Mid-term presentation</a:t>
-            </a:r>
-          </a:p>
-        </p:txBody>
-      </p:sp>
-    </p:spTree>
-    <p:extLst>
-      <p:ext uri="{BB962C8B-B14F-4D97-AF65-F5344CB8AC3E}">
-        <p14:creationId xmlns:p14="http://schemas.microsoft.com/office/powerpoint/2010/main" val="3972071561"/>
-      </p:ext>
-    </p:extLst>
-  </p:cSld>
-  <p:clrMapOvr>
-    <a:masterClrMapping/>
-  </p:clrMapOvr>
-</p:sld>
-</file>
-
-<file path=ppt/slides/slide7.xml><?xml version="1.0" encoding="utf-8"?>
-<p:sld xmlns:a="http://schemas.openxmlformats.org/drawingml/2006/main" xmlns:r="http://schemas.openxmlformats.org/officeDocument/2006/relationships" xmlns:p="http://schemas.openxmlformats.org/presentationml/2006/main">
-  <p:cSld>
-    <p:spTree>
-      <p:nvGrpSpPr>
-        <p:cNvPr id="1" name=""/>
-        <p:cNvGrpSpPr/>
-        <p:nvPr/>
-      </p:nvGrpSpPr>
-      <p:grpSpPr>
-        <a:xfrm>
-          <a:off x="0" y="0"/>
-          <a:ext cx="0" cy="0"/>
-          <a:chOff x="0" y="0"/>
-          <a:chExt cx="0" cy="0"/>
-        </a:xfrm>
-      </p:grpSpPr>
-      <p:sp>
-        <p:nvSpPr>
-          <p:cNvPr id="5" name="Titel 4">
-            <a:extLst>
-              <a:ext uri="{FF2B5EF4-FFF2-40B4-BE49-F238E27FC236}">
-                <a16:creationId xmlns:a16="http://schemas.microsoft.com/office/drawing/2014/main" id="{77C70393-C89E-4531-AF2C-221453EEB910}"/>
-              </a:ext>
-            </a:extLst>
-          </p:cNvPr>
-          <p:cNvSpPr>
-            <a:spLocks noGrp="1"/>
-          </p:cNvSpPr>
-          <p:nvPr>
-            <p:ph type="title"/>
-          </p:nvPr>
-        </p:nvSpPr>
-        <p:spPr/>
-        <p:txBody>
-          <a:bodyPr/>
-          <a:lstStyle/>
-          <a:p>
-            <a:r>
-              <a:rPr lang="de-DE" dirty="0" err="1"/>
-              <a:t>Movements</a:t>
-            </a:r>
-            <a:endParaRPr lang="de-DE" dirty="0"/>
-          </a:p>
-        </p:txBody>
-      </p:sp>
-      <p:sp>
-        <p:nvSpPr>
-          <p:cNvPr id="6" name="Inhaltsplatzhalter 5">
-            <a:extLst>
-              <a:ext uri="{FF2B5EF4-FFF2-40B4-BE49-F238E27FC236}">
-                <a16:creationId xmlns:a16="http://schemas.microsoft.com/office/drawing/2014/main" id="{3FA75E6E-4A50-4F79-9565-2DE1D9CD1077}"/>
-              </a:ext>
-            </a:extLst>
-          </p:cNvPr>
-          <p:cNvSpPr>
-            <a:spLocks noGrp="1"/>
-          </p:cNvSpPr>
-          <p:nvPr>
-            <p:ph sz="half" idx="1"/>
-          </p:nvPr>
-        </p:nvSpPr>
-        <p:spPr>
-          <a:xfrm>
-            <a:off x="392112" y="1198563"/>
-            <a:ext cx="8356601" cy="4894262"/>
-          </a:xfrm>
-        </p:spPr>
-        <p:txBody>
-          <a:bodyPr/>
-          <a:lstStyle/>
-          <a:p>
-            <a:r>
-              <a:rPr lang="en-US" sz="2400" dirty="0">
-                <a:latin typeface="Arial" panose="020B0604020202020204" pitchFamily="34" charset="0"/>
-                <a:cs typeface="Arial" panose="020B0604020202020204" pitchFamily="34" charset="0"/>
-              </a:rPr>
-              <a:t>Movements should be easy to use 			          in an everyday office environment</a:t>
-            </a:r>
-          </a:p>
-          <a:p>
-            <a:endParaRPr lang="en-US" sz="2400" dirty="0">
-              <a:latin typeface="Arial" panose="020B0604020202020204" pitchFamily="34" charset="0"/>
-              <a:cs typeface="Arial" panose="020B0604020202020204" pitchFamily="34" charset="0"/>
-            </a:endParaRPr>
-          </a:p>
-          <a:p>
-            <a:r>
-              <a:rPr lang="en-US" sz="2400" dirty="0">
-                <a:latin typeface="Arial" panose="020B0604020202020204" pitchFamily="34" charset="0"/>
-                <a:cs typeface="Arial" panose="020B0604020202020204" pitchFamily="34" charset="0"/>
-              </a:rPr>
-              <a:t>Movements and mapped functions in the demo:</a:t>
-            </a:r>
-          </a:p>
-        </p:txBody>
-      </p:sp>
-      <p:sp>
-        <p:nvSpPr>
-          <p:cNvPr id="4" name="Fußzeilenplatzhalter 3">
-            <a:extLst>
-              <a:ext uri="{FF2B5EF4-FFF2-40B4-BE49-F238E27FC236}">
-                <a16:creationId xmlns:a16="http://schemas.microsoft.com/office/drawing/2014/main" id="{D0C5FF02-96BC-4F0B-9529-9AFDEF2B5C5D}"/>
-              </a:ext>
-            </a:extLst>
-          </p:cNvPr>
-          <p:cNvSpPr>
-            <a:spLocks noGrp="1"/>
-          </p:cNvSpPr>
-          <p:nvPr>
-            <p:ph type="ftr" sz="quarter" idx="10"/>
-          </p:nvPr>
-        </p:nvSpPr>
-        <p:spPr/>
-        <p:txBody>
-          <a:bodyPr/>
-          <a:lstStyle/>
-          <a:p>
-            <a:r>
-              <a:rPr lang="en-US" altLang="de-DE"/>
-              <a:t>Prof. Dr. Alexander Mädche – footbased-activity recognition</a:t>
-            </a:r>
-            <a:endParaRPr lang="de-DE" altLang="de-DE" dirty="0"/>
-          </a:p>
-        </p:txBody>
-      </p:sp>
-      <p:sp>
-        <p:nvSpPr>
-          <p:cNvPr id="13" name="Rechteck 12">
-            <a:extLst>
-              <a:ext uri="{FF2B5EF4-FFF2-40B4-BE49-F238E27FC236}">
-                <a16:creationId xmlns:a16="http://schemas.microsoft.com/office/drawing/2014/main" id="{A893B0BF-72A7-4DA5-B029-168A0C512216}"/>
-              </a:ext>
-            </a:extLst>
-          </p:cNvPr>
-          <p:cNvSpPr/>
-          <p:nvPr/>
-        </p:nvSpPr>
-        <p:spPr>
-          <a:xfrm rot="1541309">
-            <a:off x="7353159" y="1170218"/>
-            <a:ext cx="1368152" cy="438374"/>
-          </a:xfrm>
-          <a:prstGeom prst="rect">
-            <a:avLst/>
-          </a:prstGeom>
-          <a:solidFill>
-            <a:srgbClr val="FA8214"/>
-          </a:solidFill>
-          <a:ln>
-            <a:solidFill>
-              <a:srgbClr val="FA8214"/>
-            </a:solidFill>
-          </a:ln>
-        </p:spPr>
-        <p:style>
-          <a:lnRef idx="2">
-            <a:schemeClr val="accent1">
-              <a:shade val="50000"/>
-            </a:schemeClr>
-          </a:lnRef>
-          <a:fillRef idx="1">
-            <a:schemeClr val="accent1"/>
-          </a:fillRef>
-          <a:effectRef idx="0">
-            <a:schemeClr val="accent1"/>
-          </a:effectRef>
-          <a:fontRef idx="minor">
-            <a:schemeClr val="lt1"/>
-          </a:fontRef>
-        </p:style>
-        <p:txBody>
-          <a:bodyPr rtlCol="0" anchor="ctr"/>
-          <a:lstStyle/>
-          <a:p>
-            <a:pPr algn="ctr"/>
-            <a:r>
-              <a:rPr lang="en-GB" sz="1400"/>
-              <a:t>Mid-term presentation</a:t>
-            </a:r>
-          </a:p>
-        </p:txBody>
-      </p:sp>
-      <p:graphicFrame>
-        <p:nvGraphicFramePr>
-          <p:cNvPr id="3" name="Diagramm 2">
-            <a:extLst>
-              <a:ext uri="{FF2B5EF4-FFF2-40B4-BE49-F238E27FC236}">
-                <a16:creationId xmlns:a16="http://schemas.microsoft.com/office/drawing/2014/main" id="{09E86924-24C9-4937-A602-F981CA916A06}"/>
-              </a:ext>
-            </a:extLst>
-          </p:cNvPr>
-          <p:cNvGraphicFramePr/>
-          <p:nvPr>
-            <p:extLst>
-              <p:ext uri="{D42A27DB-BD31-4B8C-83A1-F6EECF244321}">
-                <p14:modId xmlns:p14="http://schemas.microsoft.com/office/powerpoint/2010/main" val="753961958"/>
-              </p:ext>
-            </p:extLst>
-          </p:nvPr>
-        </p:nvGraphicFramePr>
-        <p:xfrm>
-          <a:off x="390525" y="2983974"/>
-          <a:ext cx="8358188" cy="2893298"/>
-        </p:xfrm>
-        <a:graphic>
-          <a:graphicData uri="http://schemas.openxmlformats.org/drawingml/2006/diagram">
-            <dgm:relIds xmlns:dgm="http://schemas.openxmlformats.org/drawingml/2006/diagram" xmlns:r="http://schemas.openxmlformats.org/officeDocument/2006/relationships" r:dm="rId2" r:lo="rId3" r:qs="rId4" r:cs="rId5"/>
-          </a:graphicData>
-        </a:graphic>
-      </p:graphicFrame>
-    </p:spTree>
-    <p:extLst>
-      <p:ext uri="{BB962C8B-B14F-4D97-AF65-F5344CB8AC3E}">
-        <p14:creationId xmlns:p14="http://schemas.microsoft.com/office/powerpoint/2010/main" val="13426371"/>
-      </p:ext>
-    </p:extLst>
-  </p:cSld>
-  <p:clrMapOvr>
-    <a:masterClrMapping/>
-  </p:clrMapOvr>
-</p:sld>
-</file>
-
-<file path=ppt/slides/slide8.xml><?xml version="1.0" encoding="utf-8"?>
-<p:sld xmlns:a="http://schemas.openxmlformats.org/drawingml/2006/main" xmlns:r="http://schemas.openxmlformats.org/officeDocument/2006/relationships" xmlns:p="http://schemas.openxmlformats.org/presentationml/2006/main">
-  <p:cSld>
-    <p:spTree>
-      <p:nvGrpSpPr>
-        <p:cNvPr id="1" name=""/>
-        <p:cNvGrpSpPr/>
-        <p:nvPr/>
-      </p:nvGrpSpPr>
-      <p:grpSpPr>
-        <a:xfrm>
-          <a:off x="0" y="0"/>
-          <a:ext cx="0" cy="0"/>
-          <a:chOff x="0" y="0"/>
-          <a:chExt cx="0" cy="0"/>
-        </a:xfrm>
-      </p:grpSpPr>
-      <p:sp>
-        <p:nvSpPr>
-          <p:cNvPr id="2" name="Titel 1">
-            <a:extLst>
-              <a:ext uri="{FF2B5EF4-FFF2-40B4-BE49-F238E27FC236}">
-                <a16:creationId xmlns:a16="http://schemas.microsoft.com/office/drawing/2014/main" id="{8CC308DF-5EE3-404C-9EF6-7FC16A277414}"/>
-              </a:ext>
-            </a:extLst>
-          </p:cNvPr>
-          <p:cNvSpPr>
-            <a:spLocks noGrp="1"/>
-          </p:cNvSpPr>
-          <p:nvPr>
-            <p:ph type="title"/>
-          </p:nvPr>
-        </p:nvSpPr>
-        <p:spPr/>
-        <p:txBody>
-          <a:bodyPr/>
-          <a:lstStyle/>
-          <a:p>
-            <a:r>
-              <a:rPr lang="de-DE" dirty="0" err="1"/>
-              <a:t>Machine</a:t>
-            </a:r>
-            <a:r>
-              <a:rPr lang="de-DE" dirty="0"/>
-              <a:t> </a:t>
-            </a:r>
-            <a:r>
-              <a:rPr lang="de-DE" dirty="0" err="1"/>
-              <a:t>learning</a:t>
-            </a:r>
-            <a:r>
-              <a:rPr lang="de-DE" dirty="0"/>
-              <a:t> </a:t>
-            </a:r>
-            <a:r>
-              <a:rPr lang="de-DE" dirty="0" err="1"/>
-              <a:t>pipeline</a:t>
-            </a:r>
-            <a:endParaRPr lang="de-DE" dirty="0"/>
-          </a:p>
-        </p:txBody>
-      </p:sp>
-      <p:sp>
-        <p:nvSpPr>
-          <p:cNvPr id="3" name="Inhaltsplatzhalter 2">
-            <a:extLst>
-              <a:ext uri="{FF2B5EF4-FFF2-40B4-BE49-F238E27FC236}">
-                <a16:creationId xmlns:a16="http://schemas.microsoft.com/office/drawing/2014/main" id="{5AD32666-7FA9-43A2-A19C-1E0CCCC92022}"/>
-              </a:ext>
-            </a:extLst>
-          </p:cNvPr>
-          <p:cNvSpPr>
-            <a:spLocks noGrp="1"/>
-          </p:cNvSpPr>
-          <p:nvPr>
-            <p:ph idx="1"/>
-          </p:nvPr>
-        </p:nvSpPr>
-        <p:spPr/>
-        <p:txBody>
-          <a:bodyPr/>
-          <a:lstStyle/>
-          <a:p>
-            <a:r>
-              <a:rPr lang="de-DE" dirty="0" err="1"/>
-              <a:t>Implemented</a:t>
-            </a:r>
-            <a:r>
-              <a:rPr lang="de-DE" dirty="0"/>
-              <a:t> </a:t>
-            </a:r>
-            <a:r>
-              <a:rPr lang="de-DE" dirty="0" err="1"/>
-              <a:t>using</a:t>
-            </a:r>
-            <a:r>
-              <a:rPr lang="de-DE" dirty="0"/>
-              <a:t> </a:t>
-            </a:r>
-            <a:r>
-              <a:rPr lang="de-DE" dirty="0" err="1"/>
-              <a:t>the</a:t>
-            </a:r>
-            <a:r>
-              <a:rPr lang="de-DE" dirty="0"/>
-              <a:t> „</a:t>
-            </a:r>
-            <a:r>
-              <a:rPr lang="de-DE" dirty="0" err="1"/>
-              <a:t>sklearn</a:t>
-            </a:r>
-            <a:r>
-              <a:rPr lang="de-DE" dirty="0"/>
-              <a:t>“ </a:t>
-            </a:r>
-            <a:r>
-              <a:rPr lang="de-DE" dirty="0" err="1"/>
-              <a:t>bibliothek</a:t>
-            </a:r>
-            <a:endParaRPr lang="de-DE" dirty="0"/>
-          </a:p>
-          <a:p>
-            <a:pPr lvl="1"/>
-            <a:r>
-              <a:rPr lang="de-DE" dirty="0"/>
-              <a:t>More </a:t>
-            </a:r>
-            <a:r>
-              <a:rPr lang="de-DE" dirty="0" err="1"/>
-              <a:t>than</a:t>
-            </a:r>
-            <a:r>
-              <a:rPr lang="de-DE" dirty="0"/>
-              <a:t> 200 </a:t>
-            </a:r>
-            <a:r>
-              <a:rPr lang="de-DE" dirty="0" err="1"/>
-              <a:t>data</a:t>
-            </a:r>
-            <a:r>
-              <a:rPr lang="de-DE" dirty="0"/>
-              <a:t> </a:t>
-            </a:r>
-            <a:r>
-              <a:rPr lang="de-DE" dirty="0" err="1"/>
-              <a:t>sets</a:t>
-            </a:r>
-            <a:r>
-              <a:rPr lang="de-DE" dirty="0"/>
-              <a:t> </a:t>
-            </a:r>
-            <a:r>
-              <a:rPr lang="de-DE" dirty="0" err="1"/>
-              <a:t>were</a:t>
-            </a:r>
-            <a:r>
-              <a:rPr lang="de-DE" dirty="0"/>
-              <a:t> </a:t>
-            </a:r>
-            <a:r>
-              <a:rPr lang="de-DE" dirty="0" err="1"/>
-              <a:t>recorded</a:t>
-            </a:r>
-            <a:r>
-              <a:rPr lang="de-DE" dirty="0"/>
-              <a:t> and </a:t>
-            </a:r>
-            <a:r>
-              <a:rPr lang="de-DE" dirty="0" err="1"/>
-              <a:t>used</a:t>
-            </a:r>
-            <a:r>
-              <a:rPr lang="de-DE" dirty="0"/>
-              <a:t> </a:t>
-            </a:r>
-            <a:r>
-              <a:rPr lang="de-DE" dirty="0" err="1"/>
-              <a:t>as</a:t>
-            </a:r>
-            <a:r>
-              <a:rPr lang="de-DE" dirty="0"/>
-              <a:t> </a:t>
-            </a:r>
-            <a:r>
-              <a:rPr lang="de-DE" dirty="0" err="1"/>
-              <a:t>labeled</a:t>
-            </a:r>
-            <a:r>
-              <a:rPr lang="de-DE" dirty="0"/>
-              <a:t> </a:t>
-            </a:r>
-            <a:r>
-              <a:rPr lang="de-DE" dirty="0" err="1"/>
-              <a:t>sets</a:t>
-            </a:r>
-            <a:r>
-              <a:rPr lang="de-DE" dirty="0"/>
-              <a:t> </a:t>
-            </a:r>
-            <a:r>
-              <a:rPr lang="de-DE" dirty="0" err="1"/>
-              <a:t>for</a:t>
-            </a:r>
-            <a:r>
-              <a:rPr lang="de-DE" dirty="0"/>
-              <a:t> </a:t>
-            </a:r>
-            <a:r>
-              <a:rPr lang="de-DE" dirty="0" err="1"/>
-              <a:t>training</a:t>
-            </a:r>
-            <a:endParaRPr lang="de-DE" dirty="0"/>
-          </a:p>
-          <a:p>
-            <a:pPr lvl="1"/>
-            <a:r>
-              <a:rPr lang="de-DE" dirty="0" err="1"/>
-              <a:t>We</a:t>
-            </a:r>
-            <a:r>
-              <a:rPr lang="de-DE" dirty="0"/>
-              <a:t> </a:t>
-            </a:r>
-            <a:r>
-              <a:rPr lang="de-DE" dirty="0" err="1"/>
-              <a:t>used</a:t>
-            </a:r>
-            <a:r>
-              <a:rPr lang="de-DE" dirty="0"/>
-              <a:t> </a:t>
-            </a:r>
-            <a:r>
-              <a:rPr lang="de-DE" dirty="0" err="1"/>
-              <a:t>cross</a:t>
-            </a:r>
-            <a:r>
-              <a:rPr lang="de-DE" dirty="0"/>
-              <a:t> </a:t>
-            </a:r>
-            <a:r>
-              <a:rPr lang="de-DE" dirty="0" err="1"/>
-              <a:t>validation</a:t>
-            </a:r>
-            <a:r>
-              <a:rPr lang="de-DE" dirty="0"/>
-              <a:t> </a:t>
-            </a:r>
-            <a:r>
-              <a:rPr lang="de-DE" dirty="0" err="1"/>
-              <a:t>for</a:t>
-            </a:r>
-            <a:r>
-              <a:rPr lang="de-DE" dirty="0"/>
-              <a:t> </a:t>
-            </a:r>
-            <a:r>
-              <a:rPr lang="de-DE" dirty="0">
-                <a:solidFill>
-                  <a:srgbClr val="FF0000"/>
-                </a:solidFill>
-              </a:rPr>
-              <a:t>XXX</a:t>
-            </a:r>
-            <a:r>
-              <a:rPr lang="de-DE" dirty="0"/>
-              <a:t>, but </a:t>
-            </a:r>
-            <a:r>
-              <a:rPr lang="de-DE" dirty="0" err="1"/>
-              <a:t>these</a:t>
-            </a:r>
-            <a:r>
-              <a:rPr lang="de-DE" dirty="0"/>
-              <a:t> </a:t>
-            </a:r>
-            <a:r>
-              <a:rPr lang="de-DE" dirty="0" err="1"/>
-              <a:t>were</a:t>
-            </a:r>
-            <a:r>
-              <a:rPr lang="de-DE" dirty="0"/>
-              <a:t> also </a:t>
-            </a:r>
-            <a:r>
-              <a:rPr lang="de-DE" dirty="0" err="1"/>
-              <a:t>good</a:t>
-            </a:r>
-            <a:endParaRPr lang="de-DE" dirty="0"/>
-          </a:p>
-          <a:p>
-            <a:pPr lvl="1"/>
-            <a:r>
-              <a:rPr lang="de-DE" dirty="0"/>
-              <a:t>A </a:t>
-            </a:r>
-            <a:r>
-              <a:rPr lang="de-DE" dirty="0" err="1"/>
-              <a:t>combination</a:t>
-            </a:r>
-            <a:r>
-              <a:rPr lang="de-DE" dirty="0"/>
-              <a:t> </a:t>
-            </a:r>
-            <a:r>
-              <a:rPr lang="de-DE" dirty="0" err="1"/>
-              <a:t>of</a:t>
-            </a:r>
-            <a:r>
-              <a:rPr lang="de-DE" dirty="0"/>
-              <a:t> </a:t>
-            </a:r>
-            <a:r>
-              <a:rPr lang="de-DE" dirty="0">
-                <a:solidFill>
-                  <a:srgbClr val="FF0000"/>
-                </a:solidFill>
-              </a:rPr>
-              <a:t>integral and </a:t>
-            </a:r>
-            <a:r>
-              <a:rPr lang="de-DE" dirty="0" err="1">
-                <a:solidFill>
-                  <a:srgbClr val="FF0000"/>
-                </a:solidFill>
-              </a:rPr>
-              <a:t>furier</a:t>
-            </a:r>
-            <a:r>
-              <a:rPr lang="de-DE" dirty="0">
-                <a:solidFill>
-                  <a:srgbClr val="FF0000"/>
-                </a:solidFill>
-              </a:rPr>
-              <a:t> </a:t>
-            </a:r>
-            <a:r>
-              <a:rPr lang="de-DE" dirty="0" err="1">
-                <a:solidFill>
-                  <a:srgbClr val="FF0000"/>
-                </a:solidFill>
-              </a:rPr>
-              <a:t>transformations</a:t>
-            </a:r>
-            <a:r>
-              <a:rPr lang="de-DE" dirty="0">
-                <a:solidFill>
-                  <a:srgbClr val="FF0000"/>
-                </a:solidFill>
-              </a:rPr>
-              <a:t> </a:t>
-            </a:r>
-            <a:r>
-              <a:rPr lang="de-DE" dirty="0" err="1"/>
-              <a:t>are</a:t>
-            </a:r>
-            <a:r>
-              <a:rPr lang="de-DE" dirty="0"/>
-              <a:t> </a:t>
-            </a:r>
-            <a:r>
-              <a:rPr lang="de-DE" dirty="0" err="1"/>
-              <a:t>used</a:t>
-            </a:r>
-            <a:r>
-              <a:rPr lang="de-DE" dirty="0"/>
-              <a:t> </a:t>
-            </a:r>
-            <a:r>
-              <a:rPr lang="de-DE" dirty="0" err="1"/>
-              <a:t>for</a:t>
-            </a:r>
-            <a:r>
-              <a:rPr lang="de-DE" dirty="0"/>
-              <a:t> </a:t>
-            </a:r>
-            <a:r>
-              <a:rPr lang="de-DE" dirty="0" err="1"/>
-              <a:t>the</a:t>
-            </a:r>
-            <a:r>
-              <a:rPr lang="de-DE" dirty="0"/>
-              <a:t> feature </a:t>
-            </a:r>
-            <a:r>
-              <a:rPr lang="de-DE" dirty="0" err="1"/>
-              <a:t>extraction</a:t>
-            </a:r>
-            <a:endParaRPr lang="de-DE" dirty="0"/>
-          </a:p>
-          <a:p>
-            <a:endParaRPr lang="de-DE" dirty="0"/>
-          </a:p>
-          <a:p>
-            <a:r>
-              <a:rPr lang="de-DE" dirty="0" err="1"/>
-              <a:t>For</a:t>
-            </a:r>
-            <a:r>
-              <a:rPr lang="de-DE" dirty="0"/>
-              <a:t> </a:t>
-            </a:r>
-            <a:r>
-              <a:rPr lang="de-DE" dirty="0" err="1"/>
-              <a:t>the</a:t>
-            </a:r>
-            <a:r>
-              <a:rPr lang="de-DE" dirty="0"/>
-              <a:t> </a:t>
-            </a:r>
-            <a:r>
-              <a:rPr lang="de-DE" dirty="0" err="1"/>
-              <a:t>classification</a:t>
-            </a:r>
-            <a:r>
-              <a:rPr lang="de-DE" dirty="0"/>
-              <a:t> </a:t>
-            </a:r>
-            <a:r>
-              <a:rPr lang="de-DE" dirty="0" err="1"/>
-              <a:t>we</a:t>
-            </a:r>
-            <a:r>
-              <a:rPr lang="de-DE" dirty="0"/>
-              <a:t> </a:t>
-            </a:r>
-            <a:r>
-              <a:rPr lang="de-DE" dirty="0" err="1"/>
-              <a:t>use</a:t>
-            </a:r>
-            <a:r>
-              <a:rPr lang="de-DE" dirty="0"/>
-              <a:t> </a:t>
-            </a:r>
-            <a:r>
-              <a:rPr lang="de-DE" dirty="0" err="1">
-                <a:solidFill>
-                  <a:srgbClr val="FF0000"/>
-                </a:solidFill>
-              </a:rPr>
-              <a:t>this</a:t>
-            </a:r>
-            <a:r>
-              <a:rPr lang="de-DE" dirty="0"/>
-              <a:t> </a:t>
-            </a:r>
-            <a:r>
-              <a:rPr lang="de-DE" dirty="0" err="1"/>
-              <a:t>algorithm</a:t>
-            </a:r>
-            <a:endParaRPr lang="de-DE" dirty="0"/>
-          </a:p>
-          <a:p>
-            <a:r>
-              <a:rPr lang="de-DE" dirty="0"/>
-              <a:t>The </a:t>
-            </a:r>
-            <a:r>
-              <a:rPr lang="de-DE" dirty="0" err="1"/>
-              <a:t>following</a:t>
-            </a:r>
-            <a:r>
-              <a:rPr lang="de-DE" dirty="0"/>
-              <a:t> </a:t>
-            </a:r>
-            <a:r>
-              <a:rPr lang="de-DE" dirty="0" err="1"/>
-              <a:t>algorithms</a:t>
-            </a:r>
-            <a:r>
-              <a:rPr lang="de-DE" dirty="0"/>
-              <a:t> </a:t>
-            </a:r>
-            <a:r>
-              <a:rPr lang="de-DE" dirty="0" err="1"/>
-              <a:t>were</a:t>
-            </a:r>
-            <a:r>
-              <a:rPr lang="de-DE" dirty="0"/>
-              <a:t> </a:t>
-            </a:r>
-            <a:r>
-              <a:rPr lang="de-DE" dirty="0" err="1"/>
-              <a:t>tried</a:t>
-            </a:r>
-            <a:r>
-              <a:rPr lang="de-DE" dirty="0"/>
-              <a:t>, but </a:t>
-            </a:r>
-            <a:r>
-              <a:rPr lang="de-DE" dirty="0" err="1"/>
-              <a:t>replaced</a:t>
-            </a:r>
-            <a:r>
-              <a:rPr lang="de-DE" dirty="0"/>
-              <a:t> </a:t>
-            </a:r>
-            <a:r>
-              <a:rPr lang="de-DE" dirty="0" err="1"/>
-              <a:t>because</a:t>
-            </a:r>
-            <a:r>
-              <a:rPr lang="de-DE" dirty="0"/>
-              <a:t>…</a:t>
-            </a:r>
-          </a:p>
-          <a:p>
-            <a:endParaRPr lang="de-DE" dirty="0"/>
-          </a:p>
-          <a:p>
-            <a:endParaRPr lang="de-DE" dirty="0"/>
-          </a:p>
-        </p:txBody>
-      </p:sp>
-      <p:sp>
-        <p:nvSpPr>
-          <p:cNvPr id="4" name="Fußzeilenplatzhalter 3">
-            <a:extLst>
-              <a:ext uri="{FF2B5EF4-FFF2-40B4-BE49-F238E27FC236}">
-                <a16:creationId xmlns:a16="http://schemas.microsoft.com/office/drawing/2014/main" id="{46B1DE53-C2C2-4FA8-8CE4-A34E5C479353}"/>
-              </a:ext>
-            </a:extLst>
-          </p:cNvPr>
-          <p:cNvSpPr>
-            <a:spLocks noGrp="1"/>
-          </p:cNvSpPr>
-          <p:nvPr>
-            <p:ph type="ftr" sz="quarter" idx="10"/>
-          </p:nvPr>
-        </p:nvSpPr>
-        <p:spPr/>
-        <p:txBody>
-          <a:bodyPr/>
-          <a:lstStyle/>
-          <a:p>
-            <a:r>
-              <a:rPr lang="en-US" altLang="de-DE"/>
-              <a:t>Prof. Dr. Alexander Mädche – footbased-activity recognition</a:t>
-            </a:r>
-            <a:endParaRPr lang="de-DE" altLang="de-DE" dirty="0"/>
-          </a:p>
-        </p:txBody>
-      </p:sp>
-    </p:spTree>
-    <p:extLst>
-      <p:ext uri="{BB962C8B-B14F-4D97-AF65-F5344CB8AC3E}">
-        <p14:creationId xmlns:p14="http://schemas.microsoft.com/office/powerpoint/2010/main" val="2433012818"/>
-      </p:ext>
-    </p:extLst>
-  </p:cSld>
-  <p:clrMapOvr>
-    <a:masterClrMapping/>
-  </p:clrMapOvr>
-</p:sld>
-</file>
-
-<file path=ppt/slides/slide9.xml><?xml version="1.0" encoding="utf-8"?>
-<p:sld xmlns:a="http://schemas.openxmlformats.org/drawingml/2006/main" xmlns:r="http://schemas.openxmlformats.org/officeDocument/2006/relationships" xmlns:p="http://schemas.openxmlformats.org/presentationml/2006/main">
-  <p:cSld>
-    <p:spTree>
-      <p:nvGrpSpPr>
-        <p:cNvPr id="1" name=""/>
-        <p:cNvGrpSpPr/>
-        <p:nvPr/>
-      </p:nvGrpSpPr>
-      <p:grpSpPr>
-        <a:xfrm>
-          <a:off x="0" y="0"/>
-          <a:ext cx="0" cy="0"/>
-          <a:chOff x="0" y="0"/>
-          <a:chExt cx="0" cy="0"/>
-        </a:xfrm>
-      </p:grpSpPr>
-      <p:sp>
-        <p:nvSpPr>
-          <p:cNvPr id="2" name="Titel 1">
-            <a:extLst>
-              <a:ext uri="{FF2B5EF4-FFF2-40B4-BE49-F238E27FC236}">
-                <a16:creationId xmlns:a16="http://schemas.microsoft.com/office/drawing/2014/main" id="{3FCD4F22-FE2A-4D84-8A6D-72BFBF00C7F5}"/>
-              </a:ext>
-            </a:extLst>
-          </p:cNvPr>
-          <p:cNvSpPr>
-            <a:spLocks noGrp="1"/>
-          </p:cNvSpPr>
-          <p:nvPr>
-            <p:ph type="title"/>
-          </p:nvPr>
-        </p:nvSpPr>
-        <p:spPr/>
-        <p:txBody>
-          <a:bodyPr>
-            <a:normAutofit/>
-          </a:bodyPr>
-          <a:lstStyle/>
-          <a:p>
-            <a:r>
-              <a:rPr lang="de-DE" dirty="0"/>
-              <a:t>Next </a:t>
-            </a:r>
-            <a:r>
-              <a:rPr lang="de-DE" dirty="0" err="1"/>
-              <a:t>Steps</a:t>
-            </a:r>
-            <a:endParaRPr lang="de-DE" dirty="0"/>
-          </a:p>
-        </p:txBody>
-      </p:sp>
-      <p:sp>
-        <p:nvSpPr>
-          <p:cNvPr id="3" name="Textplatzhalter 2">
-            <a:extLst>
-              <a:ext uri="{FF2B5EF4-FFF2-40B4-BE49-F238E27FC236}">
-                <a16:creationId xmlns:a16="http://schemas.microsoft.com/office/drawing/2014/main" id="{35694298-9C7B-4AD7-B6C3-020976C8B167}"/>
-              </a:ext>
-            </a:extLst>
-          </p:cNvPr>
-          <p:cNvSpPr>
-            <a:spLocks noGrp="1"/>
-          </p:cNvSpPr>
-          <p:nvPr>
-            <p:ph idx="1"/>
-          </p:nvPr>
-        </p:nvSpPr>
-        <p:spPr/>
-        <p:txBody>
-          <a:bodyPr/>
-          <a:lstStyle/>
-          <a:p>
-            <a:r>
-              <a:rPr lang="de-DE" dirty="0"/>
-              <a:t>Finish </a:t>
-            </a:r>
-            <a:r>
-              <a:rPr lang="de-DE" dirty="0" err="1"/>
-              <a:t>implementing</a:t>
-            </a:r>
-            <a:r>
-              <a:rPr lang="de-DE" dirty="0"/>
-              <a:t> </a:t>
-            </a:r>
-            <a:r>
-              <a:rPr lang="de-DE" dirty="0" err="1"/>
-              <a:t>the</a:t>
-            </a:r>
-            <a:r>
-              <a:rPr lang="de-DE" dirty="0"/>
-              <a:t> (</a:t>
-            </a:r>
-            <a:r>
-              <a:rPr lang="de-DE" dirty="0" err="1"/>
-              <a:t>machine</a:t>
-            </a:r>
-            <a:r>
-              <a:rPr lang="de-DE" dirty="0"/>
-              <a:t> </a:t>
-            </a:r>
-            <a:r>
-              <a:rPr lang="de-DE" dirty="0" err="1"/>
-              <a:t>learning</a:t>
-            </a:r>
-            <a:r>
-              <a:rPr lang="de-DE" dirty="0"/>
-              <a:t>) </a:t>
-            </a:r>
-            <a:r>
-              <a:rPr lang="de-DE" dirty="0" err="1"/>
-              <a:t>pipeline</a:t>
-            </a:r>
-            <a:r>
-              <a:rPr lang="de-DE" dirty="0"/>
-              <a:t> </a:t>
-            </a:r>
-          </a:p>
-          <a:p>
-            <a:endParaRPr lang="de-DE" dirty="0"/>
-          </a:p>
-          <a:p>
-            <a:endParaRPr lang="de-DE" dirty="0"/>
-          </a:p>
-          <a:p>
-            <a:endParaRPr lang="de-DE" dirty="0"/>
-          </a:p>
-          <a:p>
-            <a:endParaRPr lang="de-DE" dirty="0"/>
-          </a:p>
-          <a:p>
-            <a:endParaRPr lang="de-DE" dirty="0"/>
-          </a:p>
-          <a:p>
-            <a:pPr lvl="1"/>
-            <a:endParaRPr lang="de-DE" dirty="0"/>
-          </a:p>
-          <a:p>
-            <a:pPr marL="404986" indent="-404986"/>
-            <a:r>
-              <a:rPr lang="en-US" dirty="0">
-                <a:latin typeface="Arial" panose="020B0604020202020204" pitchFamily="34" charset="0"/>
-                <a:cs typeface="Arial" panose="020B0604020202020204" pitchFamily="34" charset="0"/>
-              </a:rPr>
-              <a:t>Implement a user interface </a:t>
-            </a:r>
-          </a:p>
-          <a:p>
-            <a:pPr marL="404986" indent="-404986"/>
-            <a:r>
-              <a:rPr lang="en-US" dirty="0">
-                <a:latin typeface="Arial" panose="020B0604020202020204" pitchFamily="34" charset="0"/>
-                <a:cs typeface="Arial" panose="020B0604020202020204" pitchFamily="34" charset="0"/>
-              </a:rPr>
-              <a:t>Finish the documentation and create the final presentation</a:t>
-            </a:r>
-          </a:p>
-          <a:p>
-            <a:endParaRPr lang="de-DE" dirty="0"/>
-          </a:p>
-        </p:txBody>
-      </p:sp>
-      <p:pic>
-        <p:nvPicPr>
-          <p:cNvPr id="6" name="Grafik 5">
-            <a:extLst>
-              <a:ext uri="{FF2B5EF4-FFF2-40B4-BE49-F238E27FC236}">
-                <a16:creationId xmlns:a16="http://schemas.microsoft.com/office/drawing/2014/main" id="{A6FEDCA0-68B3-43C3-95DB-C9B59514D534}"/>
-              </a:ext>
-            </a:extLst>
-          </p:cNvPr>
-          <p:cNvPicPr>
-            <a:picLocks noChangeAspect="1"/>
-          </p:cNvPicPr>
-          <p:nvPr/>
-        </p:nvPicPr>
-        <p:blipFill>
-          <a:blip r:embed="rId2">
-            <a:extLst>
-              <a:ext uri="{28A0092B-C50C-407E-A947-70E740481C1C}">
-                <a14:useLocalDpi xmlns:a14="http://schemas.microsoft.com/office/drawing/2010/main" val="0"/>
-              </a:ext>
-            </a:extLst>
-          </a:blip>
-          <a:stretch>
-            <a:fillRect/>
-          </a:stretch>
-        </p:blipFill>
-        <p:spPr>
-          <a:xfrm>
-            <a:off x="1940783" y="1700808"/>
-            <a:ext cx="5262434" cy="2333513"/>
-          </a:xfrm>
-          <a:prstGeom prst="rect">
-            <a:avLst/>
-          </a:prstGeom>
-        </p:spPr>
-      </p:pic>
-      <p:sp>
-        <p:nvSpPr>
-          <p:cNvPr id="4" name="Fußzeilenplatzhalter 3">
-            <a:extLst>
-              <a:ext uri="{FF2B5EF4-FFF2-40B4-BE49-F238E27FC236}">
-                <a16:creationId xmlns:a16="http://schemas.microsoft.com/office/drawing/2014/main" id="{BE3BEA86-E9FC-464E-9EEB-CDD0CB689218}"/>
-              </a:ext>
-            </a:extLst>
-          </p:cNvPr>
-          <p:cNvSpPr>
-            <a:spLocks noGrp="1"/>
-          </p:cNvSpPr>
-          <p:nvPr>
-            <p:ph type="ftr" sz="quarter" idx="10"/>
-          </p:nvPr>
-        </p:nvSpPr>
-        <p:spPr/>
-        <p:txBody>
-          <a:bodyPr/>
-          <a:lstStyle/>
-          <a:p>
-            <a:r>
-              <a:rPr lang="en-US" altLang="de-DE"/>
-              <a:t>Prof. Dr. Alexander Mädche – footbased-activity recognition</a:t>
-            </a:r>
-            <a:endParaRPr lang="de-DE" altLang="de-DE" dirty="0"/>
-          </a:p>
-        </p:txBody>
-      </p:sp>
-    </p:spTree>
-    <p:extLst>
-      <p:ext uri="{BB962C8B-B14F-4D97-AF65-F5344CB8AC3E}">
-        <p14:creationId xmlns:p14="http://schemas.microsoft.com/office/powerpoint/2010/main" val="1129360998"/>
-      </p:ext>
-    </p:extLst>
   </p:cSld>
   <p:clrMapOvr>
     <a:masterClrMapping/>
